--- a/React Component.pptx
+++ b/React Component.pptx
@@ -4781,14 +4781,14 @@
         <a:lstStyle/>
         <a:p>
           <a:r>
-            <a:rPr lang="en-US" altLang="zh-CN" sz="1800" dirty="0" smtClean="0"/>
+            <a:rPr lang="en-US" altLang="zh-CN" sz="1600" dirty="0" smtClean="0"/>
             <a:t>Page </a:t>
           </a:r>
           <a:r>
-            <a:rPr lang="en-US" altLang="zh-CN" sz="1600" dirty="0" smtClean="0"/>
+            <a:rPr lang="en-US" altLang="zh-CN" sz="1400" dirty="0" smtClean="0"/>
             <a:t>Template</a:t>
           </a:r>
-          <a:endParaRPr lang="zh-CN" altLang="en-US" sz="1600" dirty="0"/>
+          <a:endParaRPr lang="zh-CN" altLang="en-US" sz="1400" dirty="0"/>
         </a:p>
       </dgm:t>
     </dgm:pt>
@@ -4949,10 +4949,10 @@
         <a:lstStyle/>
         <a:p>
           <a:r>
-            <a:rPr lang="en-US" altLang="zh-CN" sz="2000" dirty="0" smtClean="0"/>
+            <a:rPr lang="en-US" altLang="zh-CN" sz="1800" dirty="0" smtClean="0"/>
             <a:t>Header</a:t>
           </a:r>
-          <a:endParaRPr lang="zh-CN" altLang="en-US" sz="2000" dirty="0"/>
+          <a:endParaRPr lang="zh-CN" altLang="en-US" sz="1800" dirty="0"/>
         </a:p>
       </dgm:t>
     </dgm:pt>
@@ -5139,6 +5139,47 @@
       </dgm:t>
     </dgm:pt>
     <dgm:pt modelId="{C1A8CA7A-0B88-4F22-80F7-CDCF435E6103}" type="sibTrans" cxnId="{D1208A04-6B23-4AEE-A52A-9D2F540CA0FC}">
+      <dgm:prSet/>
+      <dgm:spPr/>
+      <dgm:t>
+        <a:bodyPr/>
+        <a:lstStyle/>
+        <a:p>
+          <a:endParaRPr lang="zh-CN" altLang="en-US"/>
+        </a:p>
+      </dgm:t>
+    </dgm:pt>
+    <dgm:pt modelId="{3BBDFE46-044A-4B7A-A7D3-F8AB1827A52B}">
+      <dgm:prSet phldrT="[文本]" custT="1"/>
+      <dgm:spPr>
+        <a:solidFill>
+          <a:schemeClr val="accent2"/>
+        </a:solidFill>
+      </dgm:spPr>
+      <dgm:t>
+        <a:bodyPr/>
+        <a:lstStyle/>
+        <a:p>
+          <a:r>
+            <a:rPr lang="en-US" altLang="zh-CN" sz="1800" dirty="0" err="1" smtClean="0"/>
+            <a:t>listitem</a:t>
+          </a:r>
+          <a:endParaRPr lang="zh-CN" altLang="en-US" sz="1800" dirty="0"/>
+        </a:p>
+      </dgm:t>
+    </dgm:pt>
+    <dgm:pt modelId="{ED5997AA-442B-4847-A81A-45F1D766890E}" type="parTrans" cxnId="{15409EA6-1D15-4FE9-8B09-2CA58A31514C}">
+      <dgm:prSet/>
+      <dgm:spPr/>
+      <dgm:t>
+        <a:bodyPr/>
+        <a:lstStyle/>
+        <a:p>
+          <a:endParaRPr lang="zh-CN" altLang="en-US"/>
+        </a:p>
+      </dgm:t>
+    </dgm:pt>
+    <dgm:pt modelId="{2AEFFF42-1206-422E-BE1E-0C93A3F10EF9}" type="sibTrans" cxnId="{15409EA6-1D15-4FE9-8B09-2CA58A31514C}">
       <dgm:prSet/>
       <dgm:spPr/>
       <dgm:t>
@@ -5227,7 +5268,7 @@
       <dgm:spPr/>
     </dgm:pt>
     <dgm:pt modelId="{1AB7E021-925F-49DE-A973-672ED3F3181B}" type="pres">
-      <dgm:prSet presAssocID="{80DE05A9-6062-4FBE-9DFA-1EB587925D1A}" presName="txThree" presStyleLbl="node3" presStyleIdx="0" presStyleCnt="11" custScaleY="48926" custLinFactNeighborY="-12308">
+      <dgm:prSet presAssocID="{80DE05A9-6062-4FBE-9DFA-1EB587925D1A}" presName="txThree" presStyleLbl="node3" presStyleIdx="0" presStyleCnt="12" custScaleY="48926" custLinFactNeighborY="-12308">
         <dgm:presLayoutVars>
           <dgm:chPref val="3"/>
         </dgm:presLayoutVars>
@@ -5254,7 +5295,7 @@
       <dgm:spPr/>
     </dgm:pt>
     <dgm:pt modelId="{BADC8F12-1C8A-4DC0-BE7F-A820063E315D}" type="pres">
-      <dgm:prSet presAssocID="{AED13F7C-69DE-4328-B2A8-413DCE860BFD}" presName="txThree" presStyleLbl="node3" presStyleIdx="1" presStyleCnt="11" custScaleY="48926" custLinFactNeighborY="-12580">
+      <dgm:prSet presAssocID="{AED13F7C-69DE-4328-B2A8-413DCE860BFD}" presName="txThree" presStyleLbl="node3" presStyleIdx="1" presStyleCnt="12" custScaleY="48926" custLinFactNeighborY="-12580">
         <dgm:presLayoutVars>
           <dgm:chPref val="3"/>
         </dgm:presLayoutVars>
@@ -5276,12 +5317,12 @@
       <dgm:prSet presAssocID="{F5FBBF28-BEC8-4537-94FD-9453ACB77E17}" presName="sibSpaceThree" presStyleCnt="0"/>
       <dgm:spPr/>
     </dgm:pt>
-    <dgm:pt modelId="{6031C17E-FF0E-4DB7-AE45-6AC5AA7CF523}" type="pres">
-      <dgm:prSet presAssocID="{8339723C-572B-4EB8-90FC-29A778FBBF05}" presName="vertThree" presStyleCnt="0"/>
-      <dgm:spPr/>
-    </dgm:pt>
-    <dgm:pt modelId="{98FF5E09-7A85-41D7-9483-5E1A99EB7310}" type="pres">
-      <dgm:prSet presAssocID="{8339723C-572B-4EB8-90FC-29A778FBBF05}" presName="txThree" presStyleLbl="node3" presStyleIdx="2" presStyleCnt="11" custScaleY="48926" custLinFactNeighborY="-12580">
+    <dgm:pt modelId="{E291ED5B-188C-4999-99ED-2DB75996EAA6}" type="pres">
+      <dgm:prSet presAssocID="{3BBDFE46-044A-4B7A-A7D3-F8AB1827A52B}" presName="vertThree" presStyleCnt="0"/>
+      <dgm:spPr/>
+    </dgm:pt>
+    <dgm:pt modelId="{A4693C88-FC4B-4624-B378-0D1993BEA08D}" type="pres">
+      <dgm:prSet presAssocID="{3BBDFE46-044A-4B7A-A7D3-F8AB1827A52B}" presName="txThree" presStyleLbl="node3" presStyleIdx="2" presStyleCnt="12" custScaleY="49172" custLinFactNeighborY="-12454">
         <dgm:presLayoutVars>
           <dgm:chPref val="3"/>
         </dgm:presLayoutVars>
@@ -5295,20 +5336,20 @@
         </a:p>
       </dgm:t>
     </dgm:pt>
-    <dgm:pt modelId="{DAD61D4D-C377-4F6B-B953-DFECFEEB4CB8}" type="pres">
-      <dgm:prSet presAssocID="{8339723C-572B-4EB8-90FC-29A778FBBF05}" presName="horzThree" presStyleCnt="0"/>
-      <dgm:spPr/>
-    </dgm:pt>
-    <dgm:pt modelId="{BBBDEF37-F4F0-466A-A4C3-E63EB7E18B8D}" type="pres">
-      <dgm:prSet presAssocID="{A9C59DC7-90C5-4073-8F8D-9EA2AB4202BD}" presName="sibSpaceThree" presStyleCnt="0"/>
-      <dgm:spPr/>
-    </dgm:pt>
-    <dgm:pt modelId="{CECCEEAF-DC41-4961-99CA-63086FDE7AB2}" type="pres">
-      <dgm:prSet presAssocID="{DD9378A2-97A7-4CC6-B2E5-C88EBDC76799}" presName="vertThree" presStyleCnt="0"/>
-      <dgm:spPr/>
-    </dgm:pt>
-    <dgm:pt modelId="{F62A104E-06AA-4843-AE59-747E27A25AD4}" type="pres">
-      <dgm:prSet presAssocID="{DD9378A2-97A7-4CC6-B2E5-C88EBDC76799}" presName="txThree" presStyleLbl="node3" presStyleIdx="3" presStyleCnt="11" custScaleY="48926" custLinFactNeighborY="-12580">
+    <dgm:pt modelId="{7971F718-E188-4FA7-AE93-BA0AA58B84C3}" type="pres">
+      <dgm:prSet presAssocID="{3BBDFE46-044A-4B7A-A7D3-F8AB1827A52B}" presName="horzThree" presStyleCnt="0"/>
+      <dgm:spPr/>
+    </dgm:pt>
+    <dgm:pt modelId="{FE76C62C-A256-4D1C-85B9-8CF7BB73749F}" type="pres">
+      <dgm:prSet presAssocID="{2AEFFF42-1206-422E-BE1E-0C93A3F10EF9}" presName="sibSpaceThree" presStyleCnt="0"/>
+      <dgm:spPr/>
+    </dgm:pt>
+    <dgm:pt modelId="{6031C17E-FF0E-4DB7-AE45-6AC5AA7CF523}" type="pres">
+      <dgm:prSet presAssocID="{8339723C-572B-4EB8-90FC-29A778FBBF05}" presName="vertThree" presStyleCnt="0"/>
+      <dgm:spPr/>
+    </dgm:pt>
+    <dgm:pt modelId="{98FF5E09-7A85-41D7-9483-5E1A99EB7310}" type="pres">
+      <dgm:prSet presAssocID="{8339723C-572B-4EB8-90FC-29A778FBBF05}" presName="txThree" presStyleLbl="node3" presStyleIdx="3" presStyleCnt="12" custScaleY="48926" custLinFactNeighborY="-12580">
         <dgm:presLayoutVars>
           <dgm:chPref val="3"/>
         </dgm:presLayoutVars>
@@ -5322,20 +5363,20 @@
         </a:p>
       </dgm:t>
     </dgm:pt>
-    <dgm:pt modelId="{FE2756F2-47DA-44B6-80E1-8A7BE14221CA}" type="pres">
-      <dgm:prSet presAssocID="{DD9378A2-97A7-4CC6-B2E5-C88EBDC76799}" presName="horzThree" presStyleCnt="0"/>
-      <dgm:spPr/>
-    </dgm:pt>
-    <dgm:pt modelId="{988D7080-9A9A-4598-87DC-73998B4470C0}" type="pres">
-      <dgm:prSet presAssocID="{0E58A982-6628-4DB2-86C2-6696E421808C}" presName="sibSpaceThree" presStyleCnt="0"/>
-      <dgm:spPr/>
-    </dgm:pt>
-    <dgm:pt modelId="{C1DD397E-A226-4518-8252-7F29707AB8A1}" type="pres">
-      <dgm:prSet presAssocID="{10F391AB-126F-4E54-872B-1B3A8DCD0069}" presName="vertThree" presStyleCnt="0"/>
-      <dgm:spPr/>
-    </dgm:pt>
-    <dgm:pt modelId="{5C112979-3BC8-4174-9DB4-0522723E50EA}" type="pres">
-      <dgm:prSet presAssocID="{10F391AB-126F-4E54-872B-1B3A8DCD0069}" presName="txThree" presStyleLbl="node3" presStyleIdx="4" presStyleCnt="11" custScaleY="48926" custLinFactNeighborY="-12580">
+    <dgm:pt modelId="{DAD61D4D-C377-4F6B-B953-DFECFEEB4CB8}" type="pres">
+      <dgm:prSet presAssocID="{8339723C-572B-4EB8-90FC-29A778FBBF05}" presName="horzThree" presStyleCnt="0"/>
+      <dgm:spPr/>
+    </dgm:pt>
+    <dgm:pt modelId="{BBBDEF37-F4F0-466A-A4C3-E63EB7E18B8D}" type="pres">
+      <dgm:prSet presAssocID="{A9C59DC7-90C5-4073-8F8D-9EA2AB4202BD}" presName="sibSpaceThree" presStyleCnt="0"/>
+      <dgm:spPr/>
+    </dgm:pt>
+    <dgm:pt modelId="{CECCEEAF-DC41-4961-99CA-63086FDE7AB2}" type="pres">
+      <dgm:prSet presAssocID="{DD9378A2-97A7-4CC6-B2E5-C88EBDC76799}" presName="vertThree" presStyleCnt="0"/>
+      <dgm:spPr/>
+    </dgm:pt>
+    <dgm:pt modelId="{F62A104E-06AA-4843-AE59-747E27A25AD4}" type="pres">
+      <dgm:prSet presAssocID="{DD9378A2-97A7-4CC6-B2E5-C88EBDC76799}" presName="txThree" presStyleLbl="node3" presStyleIdx="4" presStyleCnt="12" custScaleY="48926" custLinFactNeighborY="-12580">
         <dgm:presLayoutVars>
           <dgm:chPref val="3"/>
         </dgm:presLayoutVars>
@@ -5349,20 +5390,20 @@
         </a:p>
       </dgm:t>
     </dgm:pt>
-    <dgm:pt modelId="{3135D1DE-3363-4AD2-B0DA-A029E9CAE44D}" type="pres">
-      <dgm:prSet presAssocID="{10F391AB-126F-4E54-872B-1B3A8DCD0069}" presName="horzThree" presStyleCnt="0"/>
-      <dgm:spPr/>
-    </dgm:pt>
-    <dgm:pt modelId="{B63B64D7-C8B3-4CC6-820A-5730DE2E5B44}" type="pres">
-      <dgm:prSet presAssocID="{0C5394C6-08BC-4CAF-8C4D-D7264F9B2588}" presName="sibSpaceThree" presStyleCnt="0"/>
-      <dgm:spPr/>
-    </dgm:pt>
-    <dgm:pt modelId="{3DA8D984-4B13-49DF-94B6-17D2ECAEA5AF}" type="pres">
-      <dgm:prSet presAssocID="{8A0EF249-B895-4E9F-BA9F-F30E1FDDD56E}" presName="vertThree" presStyleCnt="0"/>
-      <dgm:spPr/>
-    </dgm:pt>
-    <dgm:pt modelId="{8DC3D14A-3A8E-4589-A771-9EA8E28A5B15}" type="pres">
-      <dgm:prSet presAssocID="{8A0EF249-B895-4E9F-BA9F-F30E1FDDD56E}" presName="txThree" presStyleLbl="node3" presStyleIdx="5" presStyleCnt="11" custScaleY="48926" custLinFactNeighborY="-12580">
+    <dgm:pt modelId="{FE2756F2-47DA-44B6-80E1-8A7BE14221CA}" type="pres">
+      <dgm:prSet presAssocID="{DD9378A2-97A7-4CC6-B2E5-C88EBDC76799}" presName="horzThree" presStyleCnt="0"/>
+      <dgm:spPr/>
+    </dgm:pt>
+    <dgm:pt modelId="{988D7080-9A9A-4598-87DC-73998B4470C0}" type="pres">
+      <dgm:prSet presAssocID="{0E58A982-6628-4DB2-86C2-6696E421808C}" presName="sibSpaceThree" presStyleCnt="0"/>
+      <dgm:spPr/>
+    </dgm:pt>
+    <dgm:pt modelId="{C1DD397E-A226-4518-8252-7F29707AB8A1}" type="pres">
+      <dgm:prSet presAssocID="{10F391AB-126F-4E54-872B-1B3A8DCD0069}" presName="vertThree" presStyleCnt="0"/>
+      <dgm:spPr/>
+    </dgm:pt>
+    <dgm:pt modelId="{5C112979-3BC8-4174-9DB4-0522723E50EA}" type="pres">
+      <dgm:prSet presAssocID="{10F391AB-126F-4E54-872B-1B3A8DCD0069}" presName="txThree" presStyleLbl="node3" presStyleIdx="5" presStyleCnt="12" custScaleY="48926" custLinFactNeighborY="-12580">
         <dgm:presLayoutVars>
           <dgm:chPref val="3"/>
         </dgm:presLayoutVars>
@@ -5376,20 +5417,20 @@
         </a:p>
       </dgm:t>
     </dgm:pt>
-    <dgm:pt modelId="{07835B66-9ACA-4B3A-B4C1-8DD6546CBA73}" type="pres">
-      <dgm:prSet presAssocID="{8A0EF249-B895-4E9F-BA9F-F30E1FDDD56E}" presName="horzThree" presStyleCnt="0"/>
-      <dgm:spPr/>
-    </dgm:pt>
-    <dgm:pt modelId="{7755AD63-84CC-4C15-BEE4-8BBB33E817E8}" type="pres">
-      <dgm:prSet presAssocID="{5325DC52-0E39-4B4D-B777-085BE0E974C7}" presName="sibSpaceThree" presStyleCnt="0"/>
-      <dgm:spPr/>
-    </dgm:pt>
-    <dgm:pt modelId="{971B9ADD-D50B-4518-95BB-C2BFAD496DAA}" type="pres">
-      <dgm:prSet presAssocID="{2561F267-071C-4E4B-9F5C-F396F3338ED3}" presName="vertThree" presStyleCnt="0"/>
-      <dgm:spPr/>
-    </dgm:pt>
-    <dgm:pt modelId="{F83B4507-D488-4308-848D-34AB8006A2E2}" type="pres">
-      <dgm:prSet presAssocID="{2561F267-071C-4E4B-9F5C-F396F3338ED3}" presName="txThree" presStyleLbl="node3" presStyleIdx="6" presStyleCnt="11" custScaleY="48926" custLinFactNeighborY="-12580">
+    <dgm:pt modelId="{3135D1DE-3363-4AD2-B0DA-A029E9CAE44D}" type="pres">
+      <dgm:prSet presAssocID="{10F391AB-126F-4E54-872B-1B3A8DCD0069}" presName="horzThree" presStyleCnt="0"/>
+      <dgm:spPr/>
+    </dgm:pt>
+    <dgm:pt modelId="{B63B64D7-C8B3-4CC6-820A-5730DE2E5B44}" type="pres">
+      <dgm:prSet presAssocID="{0C5394C6-08BC-4CAF-8C4D-D7264F9B2588}" presName="sibSpaceThree" presStyleCnt="0"/>
+      <dgm:spPr/>
+    </dgm:pt>
+    <dgm:pt modelId="{3DA8D984-4B13-49DF-94B6-17D2ECAEA5AF}" type="pres">
+      <dgm:prSet presAssocID="{8A0EF249-B895-4E9F-BA9F-F30E1FDDD56E}" presName="vertThree" presStyleCnt="0"/>
+      <dgm:spPr/>
+    </dgm:pt>
+    <dgm:pt modelId="{8DC3D14A-3A8E-4589-A771-9EA8E28A5B15}" type="pres">
+      <dgm:prSet presAssocID="{8A0EF249-B895-4E9F-BA9F-F30E1FDDD56E}" presName="txThree" presStyleLbl="node3" presStyleIdx="6" presStyleCnt="12" custScaleY="48926" custLinFactNeighborY="-12580">
         <dgm:presLayoutVars>
           <dgm:chPref val="3"/>
         </dgm:presLayoutVars>
@@ -5403,20 +5444,20 @@
         </a:p>
       </dgm:t>
     </dgm:pt>
-    <dgm:pt modelId="{AB917AE1-EC1A-406A-94A3-8EDF60B176E5}" type="pres">
-      <dgm:prSet presAssocID="{2561F267-071C-4E4B-9F5C-F396F3338ED3}" presName="horzThree" presStyleCnt="0"/>
-      <dgm:spPr/>
-    </dgm:pt>
-    <dgm:pt modelId="{27C49DE8-D1CE-4733-888C-CCE2DA9ADF0D}" type="pres">
-      <dgm:prSet presAssocID="{1B749E92-DFDD-4649-9493-A52B08B923D2}" presName="sibSpaceThree" presStyleCnt="0"/>
-      <dgm:spPr/>
-    </dgm:pt>
-    <dgm:pt modelId="{BED96AB6-B2D1-48DD-885E-0190A5BDA4CD}" type="pres">
-      <dgm:prSet presAssocID="{80B8A3D0-E113-4CD4-AB27-3A3C177677F4}" presName="vertThree" presStyleCnt="0"/>
-      <dgm:spPr/>
-    </dgm:pt>
-    <dgm:pt modelId="{972EB5F2-9C80-4E71-820E-B5F9AC747338}" type="pres">
-      <dgm:prSet presAssocID="{80B8A3D0-E113-4CD4-AB27-3A3C177677F4}" presName="txThree" presStyleLbl="node3" presStyleIdx="7" presStyleCnt="11" custScaleY="48926" custLinFactNeighborY="-12580">
+    <dgm:pt modelId="{07835B66-9ACA-4B3A-B4C1-8DD6546CBA73}" type="pres">
+      <dgm:prSet presAssocID="{8A0EF249-B895-4E9F-BA9F-F30E1FDDD56E}" presName="horzThree" presStyleCnt="0"/>
+      <dgm:spPr/>
+    </dgm:pt>
+    <dgm:pt modelId="{7755AD63-84CC-4C15-BEE4-8BBB33E817E8}" type="pres">
+      <dgm:prSet presAssocID="{5325DC52-0E39-4B4D-B777-085BE0E974C7}" presName="sibSpaceThree" presStyleCnt="0"/>
+      <dgm:spPr/>
+    </dgm:pt>
+    <dgm:pt modelId="{971B9ADD-D50B-4518-95BB-C2BFAD496DAA}" type="pres">
+      <dgm:prSet presAssocID="{2561F267-071C-4E4B-9F5C-F396F3338ED3}" presName="vertThree" presStyleCnt="0"/>
+      <dgm:spPr/>
+    </dgm:pt>
+    <dgm:pt modelId="{F83B4507-D488-4308-848D-34AB8006A2E2}" type="pres">
+      <dgm:prSet presAssocID="{2561F267-071C-4E4B-9F5C-F396F3338ED3}" presName="txThree" presStyleLbl="node3" presStyleIdx="7" presStyleCnt="12" custScaleY="48926" custLinFactNeighborY="-12580">
         <dgm:presLayoutVars>
           <dgm:chPref val="3"/>
         </dgm:presLayoutVars>
@@ -5430,20 +5471,20 @@
         </a:p>
       </dgm:t>
     </dgm:pt>
-    <dgm:pt modelId="{63C46C26-BB09-4F61-8EED-272AB1E3481A}" type="pres">
-      <dgm:prSet presAssocID="{80B8A3D0-E113-4CD4-AB27-3A3C177677F4}" presName="horzThree" presStyleCnt="0"/>
-      <dgm:spPr/>
-    </dgm:pt>
-    <dgm:pt modelId="{7B78ED08-5E41-413E-B47A-22D9CF7140B2}" type="pres">
-      <dgm:prSet presAssocID="{F2E624E1-08BA-4DB7-96AE-C6878C4CAA1C}" presName="sibSpaceThree" presStyleCnt="0"/>
-      <dgm:spPr/>
-    </dgm:pt>
-    <dgm:pt modelId="{ED6AF7A7-5E64-4B7E-88C1-904DAA65D9AB}" type="pres">
-      <dgm:prSet presAssocID="{ED8B5E74-761E-4C8A-B134-EC7B1B9D8954}" presName="vertThree" presStyleCnt="0"/>
-      <dgm:spPr/>
-    </dgm:pt>
-    <dgm:pt modelId="{2561EA17-48FF-4CE0-AA48-24353811BD98}" type="pres">
-      <dgm:prSet presAssocID="{ED8B5E74-761E-4C8A-B134-EC7B1B9D8954}" presName="txThree" presStyleLbl="node3" presStyleIdx="8" presStyleCnt="11" custScaleY="48926" custLinFactNeighborY="-12580">
+    <dgm:pt modelId="{AB917AE1-EC1A-406A-94A3-8EDF60B176E5}" type="pres">
+      <dgm:prSet presAssocID="{2561F267-071C-4E4B-9F5C-F396F3338ED3}" presName="horzThree" presStyleCnt="0"/>
+      <dgm:spPr/>
+    </dgm:pt>
+    <dgm:pt modelId="{27C49DE8-D1CE-4733-888C-CCE2DA9ADF0D}" type="pres">
+      <dgm:prSet presAssocID="{1B749E92-DFDD-4649-9493-A52B08B923D2}" presName="sibSpaceThree" presStyleCnt="0"/>
+      <dgm:spPr/>
+    </dgm:pt>
+    <dgm:pt modelId="{BED96AB6-B2D1-48DD-885E-0190A5BDA4CD}" type="pres">
+      <dgm:prSet presAssocID="{80B8A3D0-E113-4CD4-AB27-3A3C177677F4}" presName="vertThree" presStyleCnt="0"/>
+      <dgm:spPr/>
+    </dgm:pt>
+    <dgm:pt modelId="{972EB5F2-9C80-4E71-820E-B5F9AC747338}" type="pres">
+      <dgm:prSet presAssocID="{80B8A3D0-E113-4CD4-AB27-3A3C177677F4}" presName="txThree" presStyleLbl="node3" presStyleIdx="8" presStyleCnt="12" custScaleY="48926" custLinFactNeighborY="-12580">
         <dgm:presLayoutVars>
           <dgm:chPref val="3"/>
         </dgm:presLayoutVars>
@@ -5457,6 +5498,33 @@
         </a:p>
       </dgm:t>
     </dgm:pt>
+    <dgm:pt modelId="{63C46C26-BB09-4F61-8EED-272AB1E3481A}" type="pres">
+      <dgm:prSet presAssocID="{80B8A3D0-E113-4CD4-AB27-3A3C177677F4}" presName="horzThree" presStyleCnt="0"/>
+      <dgm:spPr/>
+    </dgm:pt>
+    <dgm:pt modelId="{7B78ED08-5E41-413E-B47A-22D9CF7140B2}" type="pres">
+      <dgm:prSet presAssocID="{F2E624E1-08BA-4DB7-96AE-C6878C4CAA1C}" presName="sibSpaceThree" presStyleCnt="0"/>
+      <dgm:spPr/>
+    </dgm:pt>
+    <dgm:pt modelId="{ED6AF7A7-5E64-4B7E-88C1-904DAA65D9AB}" type="pres">
+      <dgm:prSet presAssocID="{ED8B5E74-761E-4C8A-B134-EC7B1B9D8954}" presName="vertThree" presStyleCnt="0"/>
+      <dgm:spPr/>
+    </dgm:pt>
+    <dgm:pt modelId="{2561EA17-48FF-4CE0-AA48-24353811BD98}" type="pres">
+      <dgm:prSet presAssocID="{ED8B5E74-761E-4C8A-B134-EC7B1B9D8954}" presName="txThree" presStyleLbl="node3" presStyleIdx="9" presStyleCnt="12" custScaleY="48926" custLinFactNeighborY="-12580">
+        <dgm:presLayoutVars>
+          <dgm:chPref val="3"/>
+        </dgm:presLayoutVars>
+      </dgm:prSet>
+      <dgm:spPr/>
+      <dgm:t>
+        <a:bodyPr/>
+        <a:lstStyle/>
+        <a:p>
+          <a:endParaRPr lang="zh-CN" altLang="en-US"/>
+        </a:p>
+      </dgm:t>
+    </dgm:pt>
     <dgm:pt modelId="{9D1C3BE6-BB8F-4ECB-8BF4-A31F1C83C0C4}" type="pres">
       <dgm:prSet presAssocID="{ED8B5E74-761E-4C8A-B134-EC7B1B9D8954}" presName="horzThree" presStyleCnt="0"/>
       <dgm:spPr/>
@@ -5470,7 +5538,7 @@
       <dgm:spPr/>
     </dgm:pt>
     <dgm:pt modelId="{D6D449FD-6B84-4E13-B257-5C8ABF81C4A6}" type="pres">
-      <dgm:prSet presAssocID="{C1952B7F-D9E2-4BA9-B164-74A5690CC767}" presName="txThree" presStyleLbl="node3" presStyleIdx="9" presStyleCnt="11" custScaleY="48926" custLinFactNeighborY="-12555">
+      <dgm:prSet presAssocID="{C1952B7F-D9E2-4BA9-B164-74A5690CC767}" presName="txThree" presStyleLbl="node3" presStyleIdx="10" presStyleCnt="12" custScaleY="48926" custLinFactNeighborY="-12555">
         <dgm:presLayoutVars>
           <dgm:chPref val="3"/>
         </dgm:presLayoutVars>
@@ -5524,7 +5592,7 @@
       <dgm:spPr/>
     </dgm:pt>
     <dgm:pt modelId="{4B83C3C7-6382-4BA9-A9F4-43BB464992B1}" type="pres">
-      <dgm:prSet presAssocID="{3986FEAF-A1C8-4242-B77C-0C49B2AAC4C2}" presName="txThree" presStyleLbl="node3" presStyleIdx="10" presStyleCnt="11" custScaleY="48926" custLinFactNeighborY="-12598">
+      <dgm:prSet presAssocID="{3986FEAF-A1C8-4242-B77C-0C49B2AAC4C2}" presName="txThree" presStyleLbl="node3" presStyleIdx="11" presStyleCnt="12" custScaleY="48926" custLinFactNeighborY="-12598">
         <dgm:presLayoutVars>
           <dgm:chPref val="3"/>
         </dgm:presLayoutVars>
@@ -5544,35 +5612,37 @@
     </dgm:pt>
   </dgm:ptLst>
   <dgm:cxnLst>
+    <dgm:cxn modelId="{481DF8D6-5807-4610-8F10-787035EE337B}" srcId="{0BAA75C4-663A-4BD3-BD23-87A4F164230D}" destId="{10F391AB-126F-4E54-872B-1B3A8DCD0069}" srcOrd="5" destOrd="0" parTransId="{F12A7989-574B-48FB-BC4B-B79A245EA242}" sibTransId="{0C5394C6-08BC-4CAF-8C4D-D7264F9B2588}"/>
+    <dgm:cxn modelId="{D4E2B13C-7877-4E74-BED5-B51B8E51C51F}" type="presOf" srcId="{8339723C-572B-4EB8-90FC-29A778FBBF05}" destId="{98FF5E09-7A85-41D7-9483-5E1A99EB7310}" srcOrd="0" destOrd="0" presId="urn:microsoft.com/office/officeart/2005/8/layout/hierarchy4"/>
+    <dgm:cxn modelId="{E6BF2BC2-DB70-43C9-B65E-FCFB98BB57A7}" type="presOf" srcId="{AED13F7C-69DE-4328-B2A8-413DCE860BFD}" destId="{BADC8F12-1C8A-4DC0-BE7F-A820063E315D}" srcOrd="0" destOrd="0" presId="urn:microsoft.com/office/officeart/2005/8/layout/hierarchy4"/>
+    <dgm:cxn modelId="{50EF0434-8B31-4EF6-937B-0AC5079AF851}" srcId="{0BAA75C4-663A-4BD3-BD23-87A4F164230D}" destId="{2561F267-071C-4E4B-9F5C-F396F3338ED3}" srcOrd="7" destOrd="0" parTransId="{24A5F3FC-B427-456E-BA98-89B7EFAF62C0}" sibTransId="{1B749E92-DFDD-4649-9493-A52B08B923D2}"/>
+    <dgm:cxn modelId="{5F5F59D0-D81A-4810-879E-8B43D63DDB55}" srcId="{EE47AE5E-48F2-4EEB-8BE4-C987362F9C13}" destId="{8905A026-E356-4A95-9704-AC9FFA9DFD22}" srcOrd="1" destOrd="0" parTransId="{EA84A46E-7AD5-44B6-837D-B285B00DC4FF}" sibTransId="{50A7BEEA-248F-4594-A7D8-35DA8E5630CA}"/>
+    <dgm:cxn modelId="{45E9500D-A486-47C7-9749-8D1103CDCF3A}" type="presOf" srcId="{8905A026-E356-4A95-9704-AC9FFA9DFD22}" destId="{6156752C-6D71-4769-BB66-D7AE8D4D86A0}" srcOrd="0" destOrd="0" presId="urn:microsoft.com/office/officeart/2005/8/layout/hierarchy4"/>
+    <dgm:cxn modelId="{8A6888A2-B70F-4983-A58B-9979B3518D40}" type="presOf" srcId="{80DE05A9-6062-4FBE-9DFA-1EB587925D1A}" destId="{1AB7E021-925F-49DE-A973-672ED3F3181B}" srcOrd="0" destOrd="0" presId="urn:microsoft.com/office/officeart/2005/8/layout/hierarchy4"/>
+    <dgm:cxn modelId="{E2A8AD4D-C5E4-457F-BF3B-0850998404BF}" srcId="{8905A026-E356-4A95-9704-AC9FFA9DFD22}" destId="{3986FEAF-A1C8-4242-B77C-0C49B2AAC4C2}" srcOrd="0" destOrd="0" parTransId="{15D45FAA-8097-45A7-BE1E-9325FA297F5F}" sibTransId="{EEBC610A-7F74-4302-8193-D01D888903F6}"/>
+    <dgm:cxn modelId="{1C987AD0-6A0D-443A-8423-D4CA3B0BFAD8}" type="presOf" srcId="{3986FEAF-A1C8-4242-B77C-0C49B2AAC4C2}" destId="{4B83C3C7-6382-4BA9-A9F4-43BB464992B1}" srcOrd="0" destOrd="0" presId="urn:microsoft.com/office/officeart/2005/8/layout/hierarchy4"/>
+    <dgm:cxn modelId="{7D6C0D84-9B01-44A7-BFD3-D3B933456592}" type="presOf" srcId="{10F391AB-126F-4E54-872B-1B3A8DCD0069}" destId="{5C112979-3BC8-4174-9DB4-0522723E50EA}" srcOrd="0" destOrd="0" presId="urn:microsoft.com/office/officeart/2005/8/layout/hierarchy4"/>
     <dgm:cxn modelId="{5AA6D061-0692-4AFF-8786-41C009B14D41}" type="presOf" srcId="{4A68568C-8BE5-4BCC-9BE8-FDCFE9F9560D}" destId="{531267AC-0638-4EE7-9ECC-53F01F950BC3}" srcOrd="0" destOrd="0" presId="urn:microsoft.com/office/officeart/2005/8/layout/hierarchy4"/>
-    <dgm:cxn modelId="{1C987AD0-6A0D-443A-8423-D4CA3B0BFAD8}" type="presOf" srcId="{3986FEAF-A1C8-4242-B77C-0C49B2AAC4C2}" destId="{4B83C3C7-6382-4BA9-A9F4-43BB464992B1}" srcOrd="0" destOrd="0" presId="urn:microsoft.com/office/officeart/2005/8/layout/hierarchy4"/>
-    <dgm:cxn modelId="{D1208A04-6B23-4AEE-A52A-9D2F540CA0FC}" srcId="{0BAA75C4-663A-4BD3-BD23-87A4F164230D}" destId="{C1952B7F-D9E2-4BA9-B164-74A5690CC767}" srcOrd="9" destOrd="0" parTransId="{4EE47A06-148A-4E12-A335-7B9EC4C1866B}" sibTransId="{C1A8CA7A-0B88-4F22-80F7-CDCF435E6103}"/>
-    <dgm:cxn modelId="{E2A8AD4D-C5E4-457F-BF3B-0850998404BF}" srcId="{8905A026-E356-4A95-9704-AC9FFA9DFD22}" destId="{3986FEAF-A1C8-4242-B77C-0C49B2AAC4C2}" srcOrd="0" destOrd="0" parTransId="{15D45FAA-8097-45A7-BE1E-9325FA297F5F}" sibTransId="{EEBC610A-7F74-4302-8193-D01D888903F6}"/>
-    <dgm:cxn modelId="{8A6888A2-B70F-4983-A58B-9979B3518D40}" type="presOf" srcId="{80DE05A9-6062-4FBE-9DFA-1EB587925D1A}" destId="{1AB7E021-925F-49DE-A973-672ED3F3181B}" srcOrd="0" destOrd="0" presId="urn:microsoft.com/office/officeart/2005/8/layout/hierarchy4"/>
+    <dgm:cxn modelId="{CDFCFAFE-55A3-46F0-99A7-7BA2F45A2AB0}" type="presOf" srcId="{EE47AE5E-48F2-4EEB-8BE4-C987362F9C13}" destId="{AFD139FA-D5DD-49AE-B1D5-0424F89571EF}" srcOrd="0" destOrd="0" presId="urn:microsoft.com/office/officeart/2005/8/layout/hierarchy4"/>
+    <dgm:cxn modelId="{15409EA6-1D15-4FE9-8B09-2CA58A31514C}" srcId="{0BAA75C4-663A-4BD3-BD23-87A4F164230D}" destId="{3BBDFE46-044A-4B7A-A7D3-F8AB1827A52B}" srcOrd="2" destOrd="0" parTransId="{ED5997AA-442B-4847-A81A-45F1D766890E}" sibTransId="{2AEFFF42-1206-422E-BE1E-0C93A3F10EF9}"/>
+    <dgm:cxn modelId="{DE71C7D7-EA5D-4CF6-9C02-C4E1CAA4E568}" srcId="{4A68568C-8BE5-4BCC-9BE8-FDCFE9F9560D}" destId="{EE47AE5E-48F2-4EEB-8BE4-C987362F9C13}" srcOrd="0" destOrd="0" parTransId="{674028C6-0AF4-4572-B7F1-82C649882F92}" sibTransId="{B6D94197-1457-4DD1-8222-4A2B36E5DC67}"/>
+    <dgm:cxn modelId="{11DDB490-47BD-41BB-91E4-709A81C48821}" type="presOf" srcId="{80B8A3D0-E113-4CD4-AB27-3A3C177677F4}" destId="{972EB5F2-9C80-4E71-820E-B5F9AC747338}" srcOrd="0" destOrd="0" presId="urn:microsoft.com/office/officeart/2005/8/layout/hierarchy4"/>
+    <dgm:cxn modelId="{3AFC5DAA-FCD4-4ABE-A187-31F4C5F927B9}" type="presOf" srcId="{3BBDFE46-044A-4B7A-A7D3-F8AB1827A52B}" destId="{A4693C88-FC4B-4624-B378-0D1993BEA08D}" srcOrd="0" destOrd="0" presId="urn:microsoft.com/office/officeart/2005/8/layout/hierarchy4"/>
     <dgm:cxn modelId="{E316CAE5-D6F2-4FCD-B426-41EDD3F92CF3}" srcId="{EE47AE5E-48F2-4EEB-8BE4-C987362F9C13}" destId="{0BAA75C4-663A-4BD3-BD23-87A4F164230D}" srcOrd="0" destOrd="0" parTransId="{0F57DD8B-6BAF-45C1-82CC-165AEEA5FF2A}" sibTransId="{3ED13E8E-C5CB-449A-A071-49CD060189AF}"/>
-    <dgm:cxn modelId="{481DF8D6-5807-4610-8F10-787035EE337B}" srcId="{0BAA75C4-663A-4BD3-BD23-87A4F164230D}" destId="{10F391AB-126F-4E54-872B-1B3A8DCD0069}" srcOrd="4" destOrd="0" parTransId="{F12A7989-574B-48FB-BC4B-B79A245EA242}" sibTransId="{0C5394C6-08BC-4CAF-8C4D-D7264F9B2588}"/>
-    <dgm:cxn modelId="{C12BA111-8938-44F5-A8E7-21C563C686E4}" srcId="{0BAA75C4-663A-4BD3-BD23-87A4F164230D}" destId="{ED8B5E74-761E-4C8A-B134-EC7B1B9D8954}" srcOrd="8" destOrd="0" parTransId="{D0F15E16-D05C-4B1A-8366-0749FCBF92A4}" sibTransId="{2AA502F3-7409-454C-98E7-8D9D3F1A8561}"/>
-    <dgm:cxn modelId="{E2AD2E52-B778-4774-8FA6-C3E5E195DA7D}" srcId="{0BAA75C4-663A-4BD3-BD23-87A4F164230D}" destId="{8A0EF249-B895-4E9F-BA9F-F30E1FDDD56E}" srcOrd="5" destOrd="0" parTransId="{8770FFB6-6296-4AE9-87BF-E45D135677DB}" sibTransId="{5325DC52-0E39-4B4D-B777-085BE0E974C7}"/>
-    <dgm:cxn modelId="{CDFCFAFE-55A3-46F0-99A7-7BA2F45A2AB0}" type="presOf" srcId="{EE47AE5E-48F2-4EEB-8BE4-C987362F9C13}" destId="{AFD139FA-D5DD-49AE-B1D5-0424F89571EF}" srcOrd="0" destOrd="0" presId="urn:microsoft.com/office/officeart/2005/8/layout/hierarchy4"/>
+    <dgm:cxn modelId="{53681392-9789-4846-BED9-26DA3950A61E}" type="presOf" srcId="{0BAA75C4-663A-4BD3-BD23-87A4F164230D}" destId="{93A71FEA-81B3-4E8D-9612-055C724B8975}" srcOrd="0" destOrd="0" presId="urn:microsoft.com/office/officeart/2005/8/layout/hierarchy4"/>
+    <dgm:cxn modelId="{C3DD959C-5B33-4C90-AD0D-B80816EBC4EE}" srcId="{0BAA75C4-663A-4BD3-BD23-87A4F164230D}" destId="{8339723C-572B-4EB8-90FC-29A778FBBF05}" srcOrd="3" destOrd="0" parTransId="{2DE59EE2-6D5B-4EA2-8EAF-69FF5560A8FD}" sibTransId="{A9C59DC7-90C5-4073-8F8D-9EA2AB4202BD}"/>
+    <dgm:cxn modelId="{6D5BFCA8-27EF-41DA-B357-9277ED7F9567}" type="presOf" srcId="{DD9378A2-97A7-4CC6-B2E5-C88EBDC76799}" destId="{F62A104E-06AA-4843-AE59-747E27A25AD4}" srcOrd="0" destOrd="0" presId="urn:microsoft.com/office/officeart/2005/8/layout/hierarchy4"/>
     <dgm:cxn modelId="{73361698-A529-424B-BCFD-25EC2B3477C6}" type="presOf" srcId="{C1952B7F-D9E2-4BA9-B164-74A5690CC767}" destId="{D6D449FD-6B84-4E13-B257-5C8ABF81C4A6}" srcOrd="0" destOrd="0" presId="urn:microsoft.com/office/officeart/2005/8/layout/hierarchy4"/>
+    <dgm:cxn modelId="{C12BA111-8938-44F5-A8E7-21C563C686E4}" srcId="{0BAA75C4-663A-4BD3-BD23-87A4F164230D}" destId="{ED8B5E74-761E-4C8A-B134-EC7B1B9D8954}" srcOrd="9" destOrd="0" parTransId="{D0F15E16-D05C-4B1A-8366-0749FCBF92A4}" sibTransId="{2AA502F3-7409-454C-98E7-8D9D3F1A8561}"/>
     <dgm:cxn modelId="{F9309E61-CE80-41ED-958A-AA54B7091AF7}" type="presOf" srcId="{8A0EF249-B895-4E9F-BA9F-F30E1FDDD56E}" destId="{8DC3D14A-3A8E-4589-A771-9EA8E28A5B15}" srcOrd="0" destOrd="0" presId="urn:microsoft.com/office/officeart/2005/8/layout/hierarchy4"/>
-    <dgm:cxn modelId="{6D5BFCA8-27EF-41DA-B357-9277ED7F9567}" type="presOf" srcId="{DD9378A2-97A7-4CC6-B2E5-C88EBDC76799}" destId="{F62A104E-06AA-4843-AE59-747E27A25AD4}" srcOrd="0" destOrd="0" presId="urn:microsoft.com/office/officeart/2005/8/layout/hierarchy4"/>
-    <dgm:cxn modelId="{45E9500D-A486-47C7-9749-8D1103CDCF3A}" type="presOf" srcId="{8905A026-E356-4A95-9704-AC9FFA9DFD22}" destId="{6156752C-6D71-4769-BB66-D7AE8D4D86A0}" srcOrd="0" destOrd="0" presId="urn:microsoft.com/office/officeart/2005/8/layout/hierarchy4"/>
-    <dgm:cxn modelId="{7D6C0D84-9B01-44A7-BFD3-D3B933456592}" type="presOf" srcId="{10F391AB-126F-4E54-872B-1B3A8DCD0069}" destId="{5C112979-3BC8-4174-9DB4-0522723E50EA}" srcOrd="0" destOrd="0" presId="urn:microsoft.com/office/officeart/2005/8/layout/hierarchy4"/>
-    <dgm:cxn modelId="{50EF0434-8B31-4EF6-937B-0AC5079AF851}" srcId="{0BAA75C4-663A-4BD3-BD23-87A4F164230D}" destId="{2561F267-071C-4E4B-9F5C-F396F3338ED3}" srcOrd="6" destOrd="0" parTransId="{24A5F3FC-B427-456E-BA98-89B7EFAF62C0}" sibTransId="{1B749E92-DFDD-4649-9493-A52B08B923D2}"/>
-    <dgm:cxn modelId="{C3DD959C-5B33-4C90-AD0D-B80816EBC4EE}" srcId="{0BAA75C4-663A-4BD3-BD23-87A4F164230D}" destId="{8339723C-572B-4EB8-90FC-29A778FBBF05}" srcOrd="2" destOrd="0" parTransId="{2DE59EE2-6D5B-4EA2-8EAF-69FF5560A8FD}" sibTransId="{A9C59DC7-90C5-4073-8F8D-9EA2AB4202BD}"/>
+    <dgm:cxn modelId="{4CC57C02-B82F-488E-93B8-240C814EDF07}" srcId="{0BAA75C4-663A-4BD3-BD23-87A4F164230D}" destId="{DD9378A2-97A7-4CC6-B2E5-C88EBDC76799}" srcOrd="4" destOrd="0" parTransId="{1DD2A7BA-8E46-47FD-A0D5-2B052043D1E4}" sibTransId="{0E58A982-6628-4DB2-86C2-6696E421808C}"/>
+    <dgm:cxn modelId="{D1208A04-6B23-4AEE-A52A-9D2F540CA0FC}" srcId="{0BAA75C4-663A-4BD3-BD23-87A4F164230D}" destId="{C1952B7F-D9E2-4BA9-B164-74A5690CC767}" srcOrd="10" destOrd="0" parTransId="{4EE47A06-148A-4E12-A335-7B9EC4C1866B}" sibTransId="{C1A8CA7A-0B88-4F22-80F7-CDCF435E6103}"/>
+    <dgm:cxn modelId="{78242CAC-9465-4E0A-99E6-EE252AF1E60A}" type="presOf" srcId="{2561F267-071C-4E4B-9F5C-F396F3338ED3}" destId="{F83B4507-D488-4308-848D-34AB8006A2E2}" srcOrd="0" destOrd="0" presId="urn:microsoft.com/office/officeart/2005/8/layout/hierarchy4"/>
+    <dgm:cxn modelId="{E2AD2E52-B778-4774-8FA6-C3E5E195DA7D}" srcId="{0BAA75C4-663A-4BD3-BD23-87A4F164230D}" destId="{8A0EF249-B895-4E9F-BA9F-F30E1FDDD56E}" srcOrd="6" destOrd="0" parTransId="{8770FFB6-6296-4AE9-87BF-E45D135677DB}" sibTransId="{5325DC52-0E39-4B4D-B777-085BE0E974C7}"/>
+    <dgm:cxn modelId="{443CCDF3-FDAC-48B7-BB5A-4FEB511412E5}" srcId="{0BAA75C4-663A-4BD3-BD23-87A4F164230D}" destId="{AED13F7C-69DE-4328-B2A8-413DCE860BFD}" srcOrd="1" destOrd="0" parTransId="{BA62F164-7512-4211-9020-34F206E13A40}" sibTransId="{F5FBBF28-BEC8-4537-94FD-9453ACB77E17}"/>
     <dgm:cxn modelId="{D1C797D7-B5B2-4066-ABB2-E833F1CF4BB5}" srcId="{0BAA75C4-663A-4BD3-BD23-87A4F164230D}" destId="{80DE05A9-6062-4FBE-9DFA-1EB587925D1A}" srcOrd="0" destOrd="0" parTransId="{0C62EFC2-6441-4183-B8EF-2A4C96515F96}" sibTransId="{074886CD-2EE9-44A9-BED7-3231ED1EC49C}"/>
-    <dgm:cxn modelId="{443CCDF3-FDAC-48B7-BB5A-4FEB511412E5}" srcId="{0BAA75C4-663A-4BD3-BD23-87A4F164230D}" destId="{AED13F7C-69DE-4328-B2A8-413DCE860BFD}" srcOrd="1" destOrd="0" parTransId="{BA62F164-7512-4211-9020-34F206E13A40}" sibTransId="{F5FBBF28-BEC8-4537-94FD-9453ACB77E17}"/>
-    <dgm:cxn modelId="{DE71C7D7-EA5D-4CF6-9C02-C4E1CAA4E568}" srcId="{4A68568C-8BE5-4BCC-9BE8-FDCFE9F9560D}" destId="{EE47AE5E-48F2-4EEB-8BE4-C987362F9C13}" srcOrd="0" destOrd="0" parTransId="{674028C6-0AF4-4572-B7F1-82C649882F92}" sibTransId="{B6D94197-1457-4DD1-8222-4A2B36E5DC67}"/>
+    <dgm:cxn modelId="{198186FE-E324-4EDF-AF4F-0A5857FDA0F4}" srcId="{0BAA75C4-663A-4BD3-BD23-87A4F164230D}" destId="{80B8A3D0-E113-4CD4-AB27-3A3C177677F4}" srcOrd="8" destOrd="0" parTransId="{244A38DE-6881-42F5-A9B6-C214A9ECA34E}" sibTransId="{F2E624E1-08BA-4DB7-96AE-C6878C4CAA1C}"/>
     <dgm:cxn modelId="{01EDDDB1-2D14-42EF-BB5D-437A3173BE41}" type="presOf" srcId="{ED8B5E74-761E-4C8A-B134-EC7B1B9D8954}" destId="{2561EA17-48FF-4CE0-AA48-24353811BD98}" srcOrd="0" destOrd="0" presId="urn:microsoft.com/office/officeart/2005/8/layout/hierarchy4"/>
-    <dgm:cxn modelId="{D4E2B13C-7877-4E74-BED5-B51B8E51C51F}" type="presOf" srcId="{8339723C-572B-4EB8-90FC-29A778FBBF05}" destId="{98FF5E09-7A85-41D7-9483-5E1A99EB7310}" srcOrd="0" destOrd="0" presId="urn:microsoft.com/office/officeart/2005/8/layout/hierarchy4"/>
-    <dgm:cxn modelId="{11DDB490-47BD-41BB-91E4-709A81C48821}" type="presOf" srcId="{80B8A3D0-E113-4CD4-AB27-3A3C177677F4}" destId="{972EB5F2-9C80-4E71-820E-B5F9AC747338}" srcOrd="0" destOrd="0" presId="urn:microsoft.com/office/officeart/2005/8/layout/hierarchy4"/>
-    <dgm:cxn modelId="{E6BF2BC2-DB70-43C9-B65E-FCFB98BB57A7}" type="presOf" srcId="{AED13F7C-69DE-4328-B2A8-413DCE860BFD}" destId="{BADC8F12-1C8A-4DC0-BE7F-A820063E315D}" srcOrd="0" destOrd="0" presId="urn:microsoft.com/office/officeart/2005/8/layout/hierarchy4"/>
-    <dgm:cxn modelId="{198186FE-E324-4EDF-AF4F-0A5857FDA0F4}" srcId="{0BAA75C4-663A-4BD3-BD23-87A4F164230D}" destId="{80B8A3D0-E113-4CD4-AB27-3A3C177677F4}" srcOrd="7" destOrd="0" parTransId="{244A38DE-6881-42F5-A9B6-C214A9ECA34E}" sibTransId="{F2E624E1-08BA-4DB7-96AE-C6878C4CAA1C}"/>
-    <dgm:cxn modelId="{4CC57C02-B82F-488E-93B8-240C814EDF07}" srcId="{0BAA75C4-663A-4BD3-BD23-87A4F164230D}" destId="{DD9378A2-97A7-4CC6-B2E5-C88EBDC76799}" srcOrd="3" destOrd="0" parTransId="{1DD2A7BA-8E46-47FD-A0D5-2B052043D1E4}" sibTransId="{0E58A982-6628-4DB2-86C2-6696E421808C}"/>
-    <dgm:cxn modelId="{53681392-9789-4846-BED9-26DA3950A61E}" type="presOf" srcId="{0BAA75C4-663A-4BD3-BD23-87A4F164230D}" destId="{93A71FEA-81B3-4E8D-9612-055C724B8975}" srcOrd="0" destOrd="0" presId="urn:microsoft.com/office/officeart/2005/8/layout/hierarchy4"/>
-    <dgm:cxn modelId="{78242CAC-9465-4E0A-99E6-EE252AF1E60A}" type="presOf" srcId="{2561F267-071C-4E4B-9F5C-F396F3338ED3}" destId="{F83B4507-D488-4308-848D-34AB8006A2E2}" srcOrd="0" destOrd="0" presId="urn:microsoft.com/office/officeart/2005/8/layout/hierarchy4"/>
-    <dgm:cxn modelId="{5F5F59D0-D81A-4810-879E-8B43D63DDB55}" srcId="{EE47AE5E-48F2-4EEB-8BE4-C987362F9C13}" destId="{8905A026-E356-4A95-9704-AC9FFA9DFD22}" srcOrd="1" destOrd="0" parTransId="{EA84A46E-7AD5-44B6-837D-B285B00DC4FF}" sibTransId="{50A7BEEA-248F-4594-A7D8-35DA8E5630CA}"/>
     <dgm:cxn modelId="{0CAEAB81-786C-4C07-A73C-7FC8E3F3A909}" type="presParOf" srcId="{531267AC-0638-4EE7-9ECC-53F01F950BC3}" destId="{9FD29C08-1F7B-4C00-8D50-94B19CC769D5}" srcOrd="0" destOrd="0" presId="urn:microsoft.com/office/officeart/2005/8/layout/hierarchy4"/>
     <dgm:cxn modelId="{2899DCB7-6FCD-4415-B9B6-D2DBD29B3EE7}" type="presParOf" srcId="{9FD29C08-1F7B-4C00-8D50-94B19CC769D5}" destId="{AFD139FA-D5DD-49AE-B1D5-0424F89571EF}" srcOrd="0" destOrd="0" presId="urn:microsoft.com/office/officeart/2005/8/layout/hierarchy4"/>
     <dgm:cxn modelId="{D0313CA0-B509-4235-BB68-E7C2824F640C}" type="presParOf" srcId="{9FD29C08-1F7B-4C00-8D50-94B19CC769D5}" destId="{CA42F77B-05E2-413F-8FEA-FED07DC70FB8}" srcOrd="1" destOrd="0" presId="urn:microsoft.com/office/officeart/2005/8/layout/hierarchy4"/>
@@ -5589,35 +5659,39 @@
     <dgm:cxn modelId="{8502E7E1-717E-4943-9972-0BC8CF526050}" type="presParOf" srcId="{1ABEFB46-0117-4440-B603-B3F3D91B45ED}" destId="{BADC8F12-1C8A-4DC0-BE7F-A820063E315D}" srcOrd="0" destOrd="0" presId="urn:microsoft.com/office/officeart/2005/8/layout/hierarchy4"/>
     <dgm:cxn modelId="{1B70F33B-5F01-4E49-AE11-697566DD2AF4}" type="presParOf" srcId="{1ABEFB46-0117-4440-B603-B3F3D91B45ED}" destId="{C16ACF3F-6999-4527-8E04-2CADC77D866A}" srcOrd="1" destOrd="0" presId="urn:microsoft.com/office/officeart/2005/8/layout/hierarchy4"/>
     <dgm:cxn modelId="{CE4D42CA-D455-4D76-B75E-344144C176B4}" type="presParOf" srcId="{BCFD3CB8-C7ED-4272-A2A5-1411D9C130BF}" destId="{CDBCA27A-07A7-485F-B637-FBAF68AEC4D4}" srcOrd="3" destOrd="0" presId="urn:microsoft.com/office/officeart/2005/8/layout/hierarchy4"/>
-    <dgm:cxn modelId="{D43F0348-A358-44B2-93DA-713BAB2A0C84}" type="presParOf" srcId="{BCFD3CB8-C7ED-4272-A2A5-1411D9C130BF}" destId="{6031C17E-FF0E-4DB7-AE45-6AC5AA7CF523}" srcOrd="4" destOrd="0" presId="urn:microsoft.com/office/officeart/2005/8/layout/hierarchy4"/>
+    <dgm:cxn modelId="{E79D10A0-667F-4DDB-B016-3EB5D77F240E}" type="presParOf" srcId="{BCFD3CB8-C7ED-4272-A2A5-1411D9C130BF}" destId="{E291ED5B-188C-4999-99ED-2DB75996EAA6}" srcOrd="4" destOrd="0" presId="urn:microsoft.com/office/officeart/2005/8/layout/hierarchy4"/>
+    <dgm:cxn modelId="{A8BCD6DF-109A-460B-814E-4B192E2D0DFD}" type="presParOf" srcId="{E291ED5B-188C-4999-99ED-2DB75996EAA6}" destId="{A4693C88-FC4B-4624-B378-0D1993BEA08D}" srcOrd="0" destOrd="0" presId="urn:microsoft.com/office/officeart/2005/8/layout/hierarchy4"/>
+    <dgm:cxn modelId="{BBF2FFF4-B69C-440E-A814-9777648B2829}" type="presParOf" srcId="{E291ED5B-188C-4999-99ED-2DB75996EAA6}" destId="{7971F718-E188-4FA7-AE93-BA0AA58B84C3}" srcOrd="1" destOrd="0" presId="urn:microsoft.com/office/officeart/2005/8/layout/hierarchy4"/>
+    <dgm:cxn modelId="{FFA74557-E652-4432-9449-018EFA5DE941}" type="presParOf" srcId="{BCFD3CB8-C7ED-4272-A2A5-1411D9C130BF}" destId="{FE76C62C-A256-4D1C-85B9-8CF7BB73749F}" srcOrd="5" destOrd="0" presId="urn:microsoft.com/office/officeart/2005/8/layout/hierarchy4"/>
+    <dgm:cxn modelId="{D43F0348-A358-44B2-93DA-713BAB2A0C84}" type="presParOf" srcId="{BCFD3CB8-C7ED-4272-A2A5-1411D9C130BF}" destId="{6031C17E-FF0E-4DB7-AE45-6AC5AA7CF523}" srcOrd="6" destOrd="0" presId="urn:microsoft.com/office/officeart/2005/8/layout/hierarchy4"/>
     <dgm:cxn modelId="{4819383C-C7A2-45F7-95F2-48CF42460759}" type="presParOf" srcId="{6031C17E-FF0E-4DB7-AE45-6AC5AA7CF523}" destId="{98FF5E09-7A85-41D7-9483-5E1A99EB7310}" srcOrd="0" destOrd="0" presId="urn:microsoft.com/office/officeart/2005/8/layout/hierarchy4"/>
     <dgm:cxn modelId="{EF4CE2F0-30F5-4F03-A23B-4A31F7883A47}" type="presParOf" srcId="{6031C17E-FF0E-4DB7-AE45-6AC5AA7CF523}" destId="{DAD61D4D-C377-4F6B-B953-DFECFEEB4CB8}" srcOrd="1" destOrd="0" presId="urn:microsoft.com/office/officeart/2005/8/layout/hierarchy4"/>
-    <dgm:cxn modelId="{8BBE3E54-1D05-46BA-AC5A-3E1E769750AA}" type="presParOf" srcId="{BCFD3CB8-C7ED-4272-A2A5-1411D9C130BF}" destId="{BBBDEF37-F4F0-466A-A4C3-E63EB7E18B8D}" srcOrd="5" destOrd="0" presId="urn:microsoft.com/office/officeart/2005/8/layout/hierarchy4"/>
-    <dgm:cxn modelId="{01CB314E-AC92-4CA0-894C-1131460EEEF1}" type="presParOf" srcId="{BCFD3CB8-C7ED-4272-A2A5-1411D9C130BF}" destId="{CECCEEAF-DC41-4961-99CA-63086FDE7AB2}" srcOrd="6" destOrd="0" presId="urn:microsoft.com/office/officeart/2005/8/layout/hierarchy4"/>
+    <dgm:cxn modelId="{8BBE3E54-1D05-46BA-AC5A-3E1E769750AA}" type="presParOf" srcId="{BCFD3CB8-C7ED-4272-A2A5-1411D9C130BF}" destId="{BBBDEF37-F4F0-466A-A4C3-E63EB7E18B8D}" srcOrd="7" destOrd="0" presId="urn:microsoft.com/office/officeart/2005/8/layout/hierarchy4"/>
+    <dgm:cxn modelId="{01CB314E-AC92-4CA0-894C-1131460EEEF1}" type="presParOf" srcId="{BCFD3CB8-C7ED-4272-A2A5-1411D9C130BF}" destId="{CECCEEAF-DC41-4961-99CA-63086FDE7AB2}" srcOrd="8" destOrd="0" presId="urn:microsoft.com/office/officeart/2005/8/layout/hierarchy4"/>
     <dgm:cxn modelId="{5A6FF26B-0874-4665-BAB1-339EC2E39639}" type="presParOf" srcId="{CECCEEAF-DC41-4961-99CA-63086FDE7AB2}" destId="{F62A104E-06AA-4843-AE59-747E27A25AD4}" srcOrd="0" destOrd="0" presId="urn:microsoft.com/office/officeart/2005/8/layout/hierarchy4"/>
     <dgm:cxn modelId="{24B9B960-35CE-4EA6-BE5A-ABFFF0F95E56}" type="presParOf" srcId="{CECCEEAF-DC41-4961-99CA-63086FDE7AB2}" destId="{FE2756F2-47DA-44B6-80E1-8A7BE14221CA}" srcOrd="1" destOrd="0" presId="urn:microsoft.com/office/officeart/2005/8/layout/hierarchy4"/>
-    <dgm:cxn modelId="{6400B66D-B75F-4970-BD68-98D69272080A}" type="presParOf" srcId="{BCFD3CB8-C7ED-4272-A2A5-1411D9C130BF}" destId="{988D7080-9A9A-4598-87DC-73998B4470C0}" srcOrd="7" destOrd="0" presId="urn:microsoft.com/office/officeart/2005/8/layout/hierarchy4"/>
-    <dgm:cxn modelId="{D60F52D2-6E41-483D-B867-5E0E15649027}" type="presParOf" srcId="{BCFD3CB8-C7ED-4272-A2A5-1411D9C130BF}" destId="{C1DD397E-A226-4518-8252-7F29707AB8A1}" srcOrd="8" destOrd="0" presId="urn:microsoft.com/office/officeart/2005/8/layout/hierarchy4"/>
+    <dgm:cxn modelId="{6400B66D-B75F-4970-BD68-98D69272080A}" type="presParOf" srcId="{BCFD3CB8-C7ED-4272-A2A5-1411D9C130BF}" destId="{988D7080-9A9A-4598-87DC-73998B4470C0}" srcOrd="9" destOrd="0" presId="urn:microsoft.com/office/officeart/2005/8/layout/hierarchy4"/>
+    <dgm:cxn modelId="{D60F52D2-6E41-483D-B867-5E0E15649027}" type="presParOf" srcId="{BCFD3CB8-C7ED-4272-A2A5-1411D9C130BF}" destId="{C1DD397E-A226-4518-8252-7F29707AB8A1}" srcOrd="10" destOrd="0" presId="urn:microsoft.com/office/officeart/2005/8/layout/hierarchy4"/>
     <dgm:cxn modelId="{FFFE9C5C-A691-47B8-A467-178728021275}" type="presParOf" srcId="{C1DD397E-A226-4518-8252-7F29707AB8A1}" destId="{5C112979-3BC8-4174-9DB4-0522723E50EA}" srcOrd="0" destOrd="0" presId="urn:microsoft.com/office/officeart/2005/8/layout/hierarchy4"/>
     <dgm:cxn modelId="{38B00701-0776-422D-AE62-5B5BEE622A55}" type="presParOf" srcId="{C1DD397E-A226-4518-8252-7F29707AB8A1}" destId="{3135D1DE-3363-4AD2-B0DA-A029E9CAE44D}" srcOrd="1" destOrd="0" presId="urn:microsoft.com/office/officeart/2005/8/layout/hierarchy4"/>
-    <dgm:cxn modelId="{CCB7B61C-FA50-41CE-8BF6-BE31FFFEEB0A}" type="presParOf" srcId="{BCFD3CB8-C7ED-4272-A2A5-1411D9C130BF}" destId="{B63B64D7-C8B3-4CC6-820A-5730DE2E5B44}" srcOrd="9" destOrd="0" presId="urn:microsoft.com/office/officeart/2005/8/layout/hierarchy4"/>
-    <dgm:cxn modelId="{7AFD59B0-B985-448B-9FB2-3D608F29DF4B}" type="presParOf" srcId="{BCFD3CB8-C7ED-4272-A2A5-1411D9C130BF}" destId="{3DA8D984-4B13-49DF-94B6-17D2ECAEA5AF}" srcOrd="10" destOrd="0" presId="urn:microsoft.com/office/officeart/2005/8/layout/hierarchy4"/>
+    <dgm:cxn modelId="{CCB7B61C-FA50-41CE-8BF6-BE31FFFEEB0A}" type="presParOf" srcId="{BCFD3CB8-C7ED-4272-A2A5-1411D9C130BF}" destId="{B63B64D7-C8B3-4CC6-820A-5730DE2E5B44}" srcOrd="11" destOrd="0" presId="urn:microsoft.com/office/officeart/2005/8/layout/hierarchy4"/>
+    <dgm:cxn modelId="{7AFD59B0-B985-448B-9FB2-3D608F29DF4B}" type="presParOf" srcId="{BCFD3CB8-C7ED-4272-A2A5-1411D9C130BF}" destId="{3DA8D984-4B13-49DF-94B6-17D2ECAEA5AF}" srcOrd="12" destOrd="0" presId="urn:microsoft.com/office/officeart/2005/8/layout/hierarchy4"/>
     <dgm:cxn modelId="{A1398CE5-3485-41E2-9A80-9F4623092F89}" type="presParOf" srcId="{3DA8D984-4B13-49DF-94B6-17D2ECAEA5AF}" destId="{8DC3D14A-3A8E-4589-A771-9EA8E28A5B15}" srcOrd="0" destOrd="0" presId="urn:microsoft.com/office/officeart/2005/8/layout/hierarchy4"/>
     <dgm:cxn modelId="{FFB91C24-D245-4F3B-B814-7AC43CA1EC35}" type="presParOf" srcId="{3DA8D984-4B13-49DF-94B6-17D2ECAEA5AF}" destId="{07835B66-9ACA-4B3A-B4C1-8DD6546CBA73}" srcOrd="1" destOrd="0" presId="urn:microsoft.com/office/officeart/2005/8/layout/hierarchy4"/>
-    <dgm:cxn modelId="{90AC9B40-E382-4419-9858-5C701857E9E5}" type="presParOf" srcId="{BCFD3CB8-C7ED-4272-A2A5-1411D9C130BF}" destId="{7755AD63-84CC-4C15-BEE4-8BBB33E817E8}" srcOrd="11" destOrd="0" presId="urn:microsoft.com/office/officeart/2005/8/layout/hierarchy4"/>
-    <dgm:cxn modelId="{7E470B83-0519-479D-85D8-4FFE5FBDA7BE}" type="presParOf" srcId="{BCFD3CB8-C7ED-4272-A2A5-1411D9C130BF}" destId="{971B9ADD-D50B-4518-95BB-C2BFAD496DAA}" srcOrd="12" destOrd="0" presId="urn:microsoft.com/office/officeart/2005/8/layout/hierarchy4"/>
+    <dgm:cxn modelId="{90AC9B40-E382-4419-9858-5C701857E9E5}" type="presParOf" srcId="{BCFD3CB8-C7ED-4272-A2A5-1411D9C130BF}" destId="{7755AD63-84CC-4C15-BEE4-8BBB33E817E8}" srcOrd="13" destOrd="0" presId="urn:microsoft.com/office/officeart/2005/8/layout/hierarchy4"/>
+    <dgm:cxn modelId="{7E470B83-0519-479D-85D8-4FFE5FBDA7BE}" type="presParOf" srcId="{BCFD3CB8-C7ED-4272-A2A5-1411D9C130BF}" destId="{971B9ADD-D50B-4518-95BB-C2BFAD496DAA}" srcOrd="14" destOrd="0" presId="urn:microsoft.com/office/officeart/2005/8/layout/hierarchy4"/>
     <dgm:cxn modelId="{FE092FAA-7765-489F-9E52-F1C72329352B}" type="presParOf" srcId="{971B9ADD-D50B-4518-95BB-C2BFAD496DAA}" destId="{F83B4507-D488-4308-848D-34AB8006A2E2}" srcOrd="0" destOrd="0" presId="urn:microsoft.com/office/officeart/2005/8/layout/hierarchy4"/>
     <dgm:cxn modelId="{F3BA23BC-4CC3-4BAE-BD8A-ADBCDB35A317}" type="presParOf" srcId="{971B9ADD-D50B-4518-95BB-C2BFAD496DAA}" destId="{AB917AE1-EC1A-406A-94A3-8EDF60B176E5}" srcOrd="1" destOrd="0" presId="urn:microsoft.com/office/officeart/2005/8/layout/hierarchy4"/>
-    <dgm:cxn modelId="{9CB8934F-416E-4A7C-84ED-8703AC2CCFD7}" type="presParOf" srcId="{BCFD3CB8-C7ED-4272-A2A5-1411D9C130BF}" destId="{27C49DE8-D1CE-4733-888C-CCE2DA9ADF0D}" srcOrd="13" destOrd="0" presId="urn:microsoft.com/office/officeart/2005/8/layout/hierarchy4"/>
-    <dgm:cxn modelId="{742063FC-1E5C-4827-96A5-033C239F2E5D}" type="presParOf" srcId="{BCFD3CB8-C7ED-4272-A2A5-1411D9C130BF}" destId="{BED96AB6-B2D1-48DD-885E-0190A5BDA4CD}" srcOrd="14" destOrd="0" presId="urn:microsoft.com/office/officeart/2005/8/layout/hierarchy4"/>
+    <dgm:cxn modelId="{9CB8934F-416E-4A7C-84ED-8703AC2CCFD7}" type="presParOf" srcId="{BCFD3CB8-C7ED-4272-A2A5-1411D9C130BF}" destId="{27C49DE8-D1CE-4733-888C-CCE2DA9ADF0D}" srcOrd="15" destOrd="0" presId="urn:microsoft.com/office/officeart/2005/8/layout/hierarchy4"/>
+    <dgm:cxn modelId="{742063FC-1E5C-4827-96A5-033C239F2E5D}" type="presParOf" srcId="{BCFD3CB8-C7ED-4272-A2A5-1411D9C130BF}" destId="{BED96AB6-B2D1-48DD-885E-0190A5BDA4CD}" srcOrd="16" destOrd="0" presId="urn:microsoft.com/office/officeart/2005/8/layout/hierarchy4"/>
     <dgm:cxn modelId="{82B976FC-08A5-4A7C-8400-BB4BED539B2A}" type="presParOf" srcId="{BED96AB6-B2D1-48DD-885E-0190A5BDA4CD}" destId="{972EB5F2-9C80-4E71-820E-B5F9AC747338}" srcOrd="0" destOrd="0" presId="urn:microsoft.com/office/officeart/2005/8/layout/hierarchy4"/>
     <dgm:cxn modelId="{9EDDF512-801F-4A99-83A5-664A5BDB0A84}" type="presParOf" srcId="{BED96AB6-B2D1-48DD-885E-0190A5BDA4CD}" destId="{63C46C26-BB09-4F61-8EED-272AB1E3481A}" srcOrd="1" destOrd="0" presId="urn:microsoft.com/office/officeart/2005/8/layout/hierarchy4"/>
-    <dgm:cxn modelId="{566AEB51-B4DA-40D9-9650-D54536AB66A9}" type="presParOf" srcId="{BCFD3CB8-C7ED-4272-A2A5-1411D9C130BF}" destId="{7B78ED08-5E41-413E-B47A-22D9CF7140B2}" srcOrd="15" destOrd="0" presId="urn:microsoft.com/office/officeart/2005/8/layout/hierarchy4"/>
-    <dgm:cxn modelId="{A5A54388-CFEA-4561-A4A4-0DB54DDDFF04}" type="presParOf" srcId="{BCFD3CB8-C7ED-4272-A2A5-1411D9C130BF}" destId="{ED6AF7A7-5E64-4B7E-88C1-904DAA65D9AB}" srcOrd="16" destOrd="0" presId="urn:microsoft.com/office/officeart/2005/8/layout/hierarchy4"/>
+    <dgm:cxn modelId="{566AEB51-B4DA-40D9-9650-D54536AB66A9}" type="presParOf" srcId="{BCFD3CB8-C7ED-4272-A2A5-1411D9C130BF}" destId="{7B78ED08-5E41-413E-B47A-22D9CF7140B2}" srcOrd="17" destOrd="0" presId="urn:microsoft.com/office/officeart/2005/8/layout/hierarchy4"/>
+    <dgm:cxn modelId="{A5A54388-CFEA-4561-A4A4-0DB54DDDFF04}" type="presParOf" srcId="{BCFD3CB8-C7ED-4272-A2A5-1411D9C130BF}" destId="{ED6AF7A7-5E64-4B7E-88C1-904DAA65D9AB}" srcOrd="18" destOrd="0" presId="urn:microsoft.com/office/officeart/2005/8/layout/hierarchy4"/>
     <dgm:cxn modelId="{F35A63C1-F1B9-46F5-BE7F-3860B46214DE}" type="presParOf" srcId="{ED6AF7A7-5E64-4B7E-88C1-904DAA65D9AB}" destId="{2561EA17-48FF-4CE0-AA48-24353811BD98}" srcOrd="0" destOrd="0" presId="urn:microsoft.com/office/officeart/2005/8/layout/hierarchy4"/>
     <dgm:cxn modelId="{C8FEE961-DEEF-4A13-85C7-1B8FBDC18FA3}" type="presParOf" srcId="{ED6AF7A7-5E64-4B7E-88C1-904DAA65D9AB}" destId="{9D1C3BE6-BB8F-4ECB-8BF4-A31F1C83C0C4}" srcOrd="1" destOrd="0" presId="urn:microsoft.com/office/officeart/2005/8/layout/hierarchy4"/>
-    <dgm:cxn modelId="{D26166E1-2FFD-4E12-BFA6-C1FDB92A5831}" type="presParOf" srcId="{BCFD3CB8-C7ED-4272-A2A5-1411D9C130BF}" destId="{3F3C70D1-B04B-44F9-A710-BC68A964B0B0}" srcOrd="17" destOrd="0" presId="urn:microsoft.com/office/officeart/2005/8/layout/hierarchy4"/>
-    <dgm:cxn modelId="{9F83E80F-05D1-4696-982C-09B52682AC16}" type="presParOf" srcId="{BCFD3CB8-C7ED-4272-A2A5-1411D9C130BF}" destId="{5AD4DA04-D77A-4C51-99C8-D3D3CCD2BEA5}" srcOrd="18" destOrd="0" presId="urn:microsoft.com/office/officeart/2005/8/layout/hierarchy4"/>
+    <dgm:cxn modelId="{D26166E1-2FFD-4E12-BFA6-C1FDB92A5831}" type="presParOf" srcId="{BCFD3CB8-C7ED-4272-A2A5-1411D9C130BF}" destId="{3F3C70D1-B04B-44F9-A710-BC68A964B0B0}" srcOrd="19" destOrd="0" presId="urn:microsoft.com/office/officeart/2005/8/layout/hierarchy4"/>
+    <dgm:cxn modelId="{9F83E80F-05D1-4696-982C-09B52682AC16}" type="presParOf" srcId="{BCFD3CB8-C7ED-4272-A2A5-1411D9C130BF}" destId="{5AD4DA04-D77A-4C51-99C8-D3D3CCD2BEA5}" srcOrd="20" destOrd="0" presId="urn:microsoft.com/office/officeart/2005/8/layout/hierarchy4"/>
     <dgm:cxn modelId="{A9C4B36A-F4AF-4110-8E69-BD3375295993}" type="presParOf" srcId="{5AD4DA04-D77A-4C51-99C8-D3D3CCD2BEA5}" destId="{D6D449FD-6B84-4E13-B257-5C8ABF81C4A6}" srcOrd="0" destOrd="0" presId="urn:microsoft.com/office/officeart/2005/8/layout/hierarchy4"/>
     <dgm:cxn modelId="{41945D91-683F-4405-BAD9-D83FDD87268D}" type="presParOf" srcId="{5AD4DA04-D77A-4C51-99C8-D3D3CCD2BEA5}" destId="{12157815-75A1-415F-A47C-F878CCABC185}" srcOrd="1" destOrd="0" presId="urn:microsoft.com/office/officeart/2005/8/layout/hierarchy4"/>
     <dgm:cxn modelId="{C285A902-77F2-4585-AACA-4E43884C38EA}" type="presParOf" srcId="{B0D326F6-2924-4BF8-9B2B-C067E7404C40}" destId="{A5293953-6EF6-4325-B3D3-CD87C3B6DB46}" srcOrd="1" destOrd="0" presId="urn:microsoft.com/office/officeart/2005/8/layout/hierarchy4"/>
@@ -8679,8 +8753,8 @@
       </dsp:nvSpPr>
       <dsp:spPr>
         <a:xfrm>
-          <a:off x="0" y="22890"/>
-          <a:ext cx="11549693" cy="1386027"/>
+          <a:off x="0" y="22711"/>
+          <a:ext cx="11558516" cy="1383986"/>
         </a:xfrm>
         <a:prstGeom prst="roundRect">
           <a:avLst>
@@ -8754,8 +8828,8 @@
         </a:p>
       </dsp:txBody>
       <dsp:txXfrm>
-        <a:off x="40595" y="63485"/>
-        <a:ext cx="11468503" cy="1304837"/>
+        <a:off x="40536" y="63247"/>
+        <a:ext cx="11477444" cy="1302914"/>
       </dsp:txXfrm>
     </dsp:sp>
     <dsp:sp modelId="{93A71FEA-81B3-4E8D-9612-055C724B8975}">
@@ -8765,8 +8839,8 @@
       </dsp:nvSpPr>
       <dsp:spPr>
         <a:xfrm>
-          <a:off x="5738" y="1536381"/>
-          <a:ext cx="10457400" cy="1213474"/>
+          <a:off x="1326" y="1533973"/>
+          <a:ext cx="10556482" cy="1211687"/>
         </a:xfrm>
         <a:prstGeom prst="roundRect">
           <a:avLst>
@@ -8834,8 +8908,8 @@
         </a:p>
       </dsp:txBody>
       <dsp:txXfrm>
-        <a:off x="41279" y="1571922"/>
-        <a:ext cx="10386318" cy="1142392"/>
+        <a:off x="36815" y="1569462"/>
+        <a:ext cx="10485504" cy="1140709"/>
       </dsp:txXfrm>
     </dsp:sp>
     <dsp:sp modelId="{1AB7E021-925F-49DE-A973-672ED3F3181B}">
@@ -8845,8 +8919,8 @@
       </dsp:nvSpPr>
       <dsp:spPr>
         <a:xfrm>
-          <a:off x="5738" y="3040823"/>
-          <a:ext cx="1007650" cy="1661548"/>
+          <a:off x="1326" y="3036199"/>
+          <a:ext cx="924385" cy="1659101"/>
         </a:xfrm>
         <a:prstGeom prst="roundRect">
           <a:avLst>
@@ -8909,8 +8983,8 @@
         </a:p>
       </dsp:txBody>
       <dsp:txXfrm>
-        <a:off x="35251" y="3070336"/>
-        <a:ext cx="948624" cy="1602522"/>
+        <a:off x="28400" y="3063273"/>
+        <a:ext cx="870237" cy="1604953"/>
       </dsp:txXfrm>
     </dsp:sp>
     <dsp:sp modelId="{BADC8F12-1C8A-4DC0-BE7F-A820063E315D}">
@@ -8920,8 +8994,8 @@
       </dsp:nvSpPr>
       <dsp:spPr>
         <a:xfrm>
-          <a:off x="1055710" y="3031585"/>
-          <a:ext cx="1007650" cy="1661548"/>
+          <a:off x="964536" y="3026975"/>
+          <a:ext cx="924385" cy="1659101"/>
         </a:xfrm>
         <a:prstGeom prst="roundRect">
           <a:avLst>
@@ -8984,8 +9058,83 @@
         </a:p>
       </dsp:txBody>
       <dsp:txXfrm>
-        <a:off x="1085223" y="3061098"/>
-        <a:ext cx="948624" cy="1602522"/>
+        <a:off x="991610" y="3054049"/>
+        <a:ext cx="870237" cy="1604953"/>
+      </dsp:txXfrm>
+    </dsp:sp>
+    <dsp:sp modelId="{A4693C88-FC4B-4624-B378-0D1993BEA08D}">
+      <dsp:nvSpPr>
+        <dsp:cNvPr id="0" name=""/>
+        <dsp:cNvSpPr/>
+      </dsp:nvSpPr>
+      <dsp:spPr>
+        <a:xfrm>
+          <a:off x="1927746" y="3031248"/>
+          <a:ext cx="924385" cy="1667443"/>
+        </a:xfrm>
+        <a:prstGeom prst="roundRect">
+          <a:avLst>
+            <a:gd name="adj" fmla="val 10000"/>
+          </a:avLst>
+        </a:prstGeom>
+        <a:solidFill>
+          <a:schemeClr val="accent2"/>
+        </a:solidFill>
+        <a:ln w="12700" cap="flat" cmpd="sng" algn="ctr">
+          <a:solidFill>
+            <a:schemeClr val="lt1">
+              <a:hueOff val="0"/>
+              <a:satOff val="0"/>
+              <a:lumOff val="0"/>
+              <a:alphaOff val="0"/>
+            </a:schemeClr>
+          </a:solidFill>
+          <a:prstDash val="solid"/>
+          <a:miter lim="800000"/>
+        </a:ln>
+        <a:effectLst/>
+      </dsp:spPr>
+      <dsp:style>
+        <a:lnRef idx="2">
+          <a:scrgbClr r="0" g="0" b="0"/>
+        </a:lnRef>
+        <a:fillRef idx="1">
+          <a:scrgbClr r="0" g="0" b="0"/>
+        </a:fillRef>
+        <a:effectRef idx="0">
+          <a:scrgbClr r="0" g="0" b="0"/>
+        </a:effectRef>
+        <a:fontRef idx="minor">
+          <a:schemeClr val="lt1"/>
+        </a:fontRef>
+      </dsp:style>
+      <dsp:txBody>
+        <a:bodyPr spcFirstLastPara="0" vert="horz" wrap="square" lIns="68580" tIns="68580" rIns="68580" bIns="68580" numCol="1" spcCol="1270" anchor="ctr" anchorCtr="0">
+          <a:noAutofit/>
+        </a:bodyPr>
+        <a:lstStyle/>
+        <a:p>
+          <a:pPr lvl="0" algn="ctr" defTabSz="800100">
+            <a:lnSpc>
+              <a:spcPct val="90000"/>
+            </a:lnSpc>
+            <a:spcBef>
+              <a:spcPct val="0"/>
+            </a:spcBef>
+            <a:spcAft>
+              <a:spcPct val="35000"/>
+            </a:spcAft>
+          </a:pPr>
+          <a:r>
+            <a:rPr lang="en-US" altLang="zh-CN" sz="1800" kern="1200" dirty="0" err="1" smtClean="0"/>
+            <a:t>listitem</a:t>
+          </a:r>
+          <a:endParaRPr lang="zh-CN" altLang="en-US" sz="1800" kern="1200" dirty="0"/>
+        </a:p>
+      </dsp:txBody>
+      <dsp:txXfrm>
+        <a:off x="1954820" y="3058322"/>
+        <a:ext cx="870237" cy="1613295"/>
       </dsp:txXfrm>
     </dsp:sp>
     <dsp:sp modelId="{98FF5E09-7A85-41D7-9483-5E1A99EB7310}">
@@ -8995,8 +9144,8 @@
       </dsp:nvSpPr>
       <dsp:spPr>
         <a:xfrm>
-          <a:off x="2105682" y="3031585"/>
-          <a:ext cx="1007650" cy="1661548"/>
+          <a:off x="2890955" y="3026975"/>
+          <a:ext cx="924385" cy="1659101"/>
         </a:xfrm>
         <a:prstGeom prst="roundRect">
           <a:avLst>
@@ -9059,8 +9208,8 @@
         </a:p>
       </dsp:txBody>
       <dsp:txXfrm>
-        <a:off x="2135195" y="3061098"/>
-        <a:ext cx="948624" cy="1602522"/>
+        <a:off x="2918029" y="3054049"/>
+        <a:ext cx="870237" cy="1604953"/>
       </dsp:txXfrm>
     </dsp:sp>
     <dsp:sp modelId="{F62A104E-06AA-4843-AE59-747E27A25AD4}">
@@ -9070,8 +9219,8 @@
       </dsp:nvSpPr>
       <dsp:spPr>
         <a:xfrm>
-          <a:off x="3155654" y="3031585"/>
-          <a:ext cx="1007650" cy="1661548"/>
+          <a:off x="3854165" y="3026975"/>
+          <a:ext cx="924385" cy="1659101"/>
         </a:xfrm>
         <a:prstGeom prst="roundRect">
           <a:avLst>
@@ -9134,8 +9283,8 @@
         </a:p>
       </dsp:txBody>
       <dsp:txXfrm>
-        <a:off x="3185167" y="3061098"/>
-        <a:ext cx="948624" cy="1602522"/>
+        <a:off x="3881239" y="3054049"/>
+        <a:ext cx="870237" cy="1604953"/>
       </dsp:txXfrm>
     </dsp:sp>
     <dsp:sp modelId="{5C112979-3BC8-4174-9DB4-0522723E50EA}">
@@ -9145,8 +9294,8 @@
       </dsp:nvSpPr>
       <dsp:spPr>
         <a:xfrm>
-          <a:off x="4205626" y="3031585"/>
-          <a:ext cx="1007650" cy="1661548"/>
+          <a:off x="4817375" y="3026975"/>
+          <a:ext cx="924385" cy="1659101"/>
         </a:xfrm>
         <a:prstGeom prst="roundRect">
           <a:avLst>
@@ -9209,8 +9358,8 @@
         </a:p>
       </dsp:txBody>
       <dsp:txXfrm>
-        <a:off x="4235139" y="3061098"/>
-        <a:ext cx="948624" cy="1602522"/>
+        <a:off x="4844449" y="3054049"/>
+        <a:ext cx="870237" cy="1604953"/>
       </dsp:txXfrm>
     </dsp:sp>
     <dsp:sp modelId="{8DC3D14A-3A8E-4589-A771-9EA8E28A5B15}">
@@ -9220,8 +9369,83 @@
       </dsp:nvSpPr>
       <dsp:spPr>
         <a:xfrm>
-          <a:off x="5255598" y="3031585"/>
-          <a:ext cx="1007650" cy="1661548"/>
+          <a:off x="5780585" y="3026975"/>
+          <a:ext cx="924385" cy="1659101"/>
+        </a:xfrm>
+        <a:prstGeom prst="roundRect">
+          <a:avLst>
+            <a:gd name="adj" fmla="val 10000"/>
+          </a:avLst>
+        </a:prstGeom>
+        <a:solidFill>
+          <a:schemeClr val="accent2"/>
+        </a:solidFill>
+        <a:ln w="12700" cap="flat" cmpd="sng" algn="ctr">
+          <a:solidFill>
+            <a:schemeClr val="lt1">
+              <a:hueOff val="0"/>
+              <a:satOff val="0"/>
+              <a:lumOff val="0"/>
+              <a:alphaOff val="0"/>
+            </a:schemeClr>
+          </a:solidFill>
+          <a:prstDash val="solid"/>
+          <a:miter lim="800000"/>
+        </a:ln>
+        <a:effectLst/>
+      </dsp:spPr>
+      <dsp:style>
+        <a:lnRef idx="2">
+          <a:scrgbClr r="0" g="0" b="0"/>
+        </a:lnRef>
+        <a:fillRef idx="1">
+          <a:scrgbClr r="0" g="0" b="0"/>
+        </a:fillRef>
+        <a:effectRef idx="0">
+          <a:scrgbClr r="0" g="0" b="0"/>
+        </a:effectRef>
+        <a:fontRef idx="minor">
+          <a:schemeClr val="lt1"/>
+        </a:fontRef>
+      </dsp:style>
+      <dsp:txBody>
+        <a:bodyPr spcFirstLastPara="0" vert="horz" wrap="square" lIns="68580" tIns="68580" rIns="68580" bIns="68580" numCol="1" spcCol="1270" anchor="ctr" anchorCtr="0">
+          <a:noAutofit/>
+        </a:bodyPr>
+        <a:lstStyle/>
+        <a:p>
+          <a:pPr lvl="0" algn="ctr" defTabSz="800100">
+            <a:lnSpc>
+              <a:spcPct val="90000"/>
+            </a:lnSpc>
+            <a:spcBef>
+              <a:spcPct val="0"/>
+            </a:spcBef>
+            <a:spcAft>
+              <a:spcPct val="35000"/>
+            </a:spcAft>
+          </a:pPr>
+          <a:r>
+            <a:rPr lang="en-US" altLang="zh-CN" sz="1800" kern="1200" dirty="0" smtClean="0"/>
+            <a:t>Header</a:t>
+          </a:r>
+          <a:endParaRPr lang="zh-CN" altLang="en-US" sz="1800" kern="1200" dirty="0"/>
+        </a:p>
+      </dsp:txBody>
+      <dsp:txXfrm>
+        <a:off x="5807659" y="3054049"/>
+        <a:ext cx="870237" cy="1604953"/>
+      </dsp:txXfrm>
+    </dsp:sp>
+    <dsp:sp modelId="{F83B4507-D488-4308-848D-34AB8006A2E2}">
+      <dsp:nvSpPr>
+        <dsp:cNvPr id="0" name=""/>
+        <dsp:cNvSpPr/>
+      </dsp:nvSpPr>
+      <dsp:spPr>
+        <a:xfrm>
+          <a:off x="6743794" y="3026975"/>
+          <a:ext cx="924385" cy="1659101"/>
         </a:xfrm>
         <a:prstGeom prst="roundRect">
           <a:avLst>
@@ -9278,25 +9502,25 @@
           </a:pPr>
           <a:r>
             <a:rPr lang="en-US" altLang="zh-CN" sz="2000" kern="1200" dirty="0" smtClean="0"/>
-            <a:t>Header</a:t>
-          </a:r>
-          <a:endParaRPr lang="zh-CN" altLang="en-US" sz="2000" kern="1200" dirty="0"/>
+            <a:t>Footer</a:t>
+          </a:r>
+          <a:endParaRPr lang="zh-CN" altLang="en-US" sz="2400" kern="1200" dirty="0"/>
         </a:p>
       </dsp:txBody>
       <dsp:txXfrm>
-        <a:off x="5285111" y="3061098"/>
-        <a:ext cx="948624" cy="1602522"/>
+        <a:off x="6770868" y="3054049"/>
+        <a:ext cx="870237" cy="1604953"/>
       </dsp:txXfrm>
     </dsp:sp>
-    <dsp:sp modelId="{F83B4507-D488-4308-848D-34AB8006A2E2}">
+    <dsp:sp modelId="{972EB5F2-9C80-4E71-820E-B5F9AC747338}">
       <dsp:nvSpPr>
         <dsp:cNvPr id="0" name=""/>
         <dsp:cNvSpPr/>
       </dsp:nvSpPr>
       <dsp:spPr>
         <a:xfrm>
-          <a:off x="6305571" y="3031585"/>
-          <a:ext cx="1007650" cy="1661548"/>
+          <a:off x="7707004" y="3026975"/>
+          <a:ext cx="924385" cy="1659101"/>
         </a:xfrm>
         <a:prstGeom prst="roundRect">
           <a:avLst>
@@ -9353,89 +9577,14 @@
           </a:pPr>
           <a:r>
             <a:rPr lang="en-US" altLang="zh-CN" sz="2000" kern="1200" dirty="0" smtClean="0"/>
-            <a:t>Footer</a:t>
+            <a:t>Picker</a:t>
           </a:r>
           <a:endParaRPr lang="zh-CN" altLang="en-US" sz="2400" kern="1200" dirty="0"/>
         </a:p>
       </dsp:txBody>
       <dsp:txXfrm>
-        <a:off x="6335084" y="3061098"/>
-        <a:ext cx="948624" cy="1602522"/>
-      </dsp:txXfrm>
-    </dsp:sp>
-    <dsp:sp modelId="{972EB5F2-9C80-4E71-820E-B5F9AC747338}">
-      <dsp:nvSpPr>
-        <dsp:cNvPr id="0" name=""/>
-        <dsp:cNvSpPr/>
-      </dsp:nvSpPr>
-      <dsp:spPr>
-        <a:xfrm>
-          <a:off x="7355543" y="3031585"/>
-          <a:ext cx="1007650" cy="1661548"/>
-        </a:xfrm>
-        <a:prstGeom prst="roundRect">
-          <a:avLst>
-            <a:gd name="adj" fmla="val 10000"/>
-          </a:avLst>
-        </a:prstGeom>
-        <a:solidFill>
-          <a:schemeClr val="accent2"/>
-        </a:solidFill>
-        <a:ln w="12700" cap="flat" cmpd="sng" algn="ctr">
-          <a:solidFill>
-            <a:schemeClr val="lt1">
-              <a:hueOff val="0"/>
-              <a:satOff val="0"/>
-              <a:lumOff val="0"/>
-              <a:alphaOff val="0"/>
-            </a:schemeClr>
-          </a:solidFill>
-          <a:prstDash val="solid"/>
-          <a:miter lim="800000"/>
-        </a:ln>
-        <a:effectLst/>
-      </dsp:spPr>
-      <dsp:style>
-        <a:lnRef idx="2">
-          <a:scrgbClr r="0" g="0" b="0"/>
-        </a:lnRef>
-        <a:fillRef idx="1">
-          <a:scrgbClr r="0" g="0" b="0"/>
-        </a:fillRef>
-        <a:effectRef idx="0">
-          <a:scrgbClr r="0" g="0" b="0"/>
-        </a:effectRef>
-        <a:fontRef idx="minor">
-          <a:schemeClr val="lt1"/>
-        </a:fontRef>
-      </dsp:style>
-      <dsp:txBody>
-        <a:bodyPr spcFirstLastPara="0" vert="horz" wrap="square" lIns="76200" tIns="76200" rIns="76200" bIns="76200" numCol="1" spcCol="1270" anchor="ctr" anchorCtr="0">
-          <a:noAutofit/>
-        </a:bodyPr>
-        <a:lstStyle/>
-        <a:p>
-          <a:pPr lvl="0" algn="ctr" defTabSz="889000">
-            <a:lnSpc>
-              <a:spcPct val="90000"/>
-            </a:lnSpc>
-            <a:spcBef>
-              <a:spcPct val="0"/>
-            </a:spcBef>
-            <a:spcAft>
-              <a:spcPct val="35000"/>
-            </a:spcAft>
-          </a:pPr>
-          <a:r>
-            <a:rPr lang="en-US" altLang="zh-CN" sz="2000" kern="1200" dirty="0" smtClean="0"/>
-            <a:t>Picker</a:t>
-          </a:r>
-          <a:endParaRPr lang="zh-CN" altLang="en-US" sz="2400" kern="1200" dirty="0"/>
-        </a:p>
-      </dsp:txBody>
-      <dsp:txXfrm>
-        <a:off x="7385056" y="3061098"/>
-        <a:ext cx="948624" cy="1602522"/>
+        <a:off x="7734078" y="3054049"/>
+        <a:ext cx="870237" cy="1604953"/>
       </dsp:txXfrm>
     </dsp:sp>
     <dsp:sp modelId="{2561EA17-48FF-4CE0-AA48-24353811BD98}">
@@ -9445,8 +9594,8 @@
       </dsp:nvSpPr>
       <dsp:spPr>
         <a:xfrm>
-          <a:off x="8405515" y="3031585"/>
-          <a:ext cx="1007650" cy="1661548"/>
+          <a:off x="8670214" y="3026975"/>
+          <a:ext cx="924385" cy="1659101"/>
         </a:xfrm>
         <a:prstGeom prst="roundRect">
           <a:avLst>
@@ -9526,8 +9675,8 @@
         </a:p>
       </dsp:txBody>
       <dsp:txXfrm>
-        <a:off x="8435028" y="3061098"/>
-        <a:ext cx="948624" cy="1602522"/>
+        <a:off x="8697288" y="3054049"/>
+        <a:ext cx="870237" cy="1604953"/>
       </dsp:txXfrm>
     </dsp:sp>
     <dsp:sp modelId="{D6D449FD-6B84-4E13-B257-5C8ABF81C4A6}">
@@ -9537,8 +9686,8 @@
       </dsp:nvSpPr>
       <dsp:spPr>
         <a:xfrm>
-          <a:off x="9455487" y="3032434"/>
-          <a:ext cx="1007650" cy="1661548"/>
+          <a:off x="9633423" y="3027823"/>
+          <a:ext cx="924385" cy="1659101"/>
         </a:xfrm>
         <a:prstGeom prst="roundRect">
           <a:avLst>
@@ -9601,8 +9750,8 @@
         </a:p>
       </dsp:txBody>
       <dsp:txXfrm>
-        <a:off x="9485000" y="3061947"/>
-        <a:ext cx="948624" cy="1602522"/>
+        <a:off x="9660497" y="3054897"/>
+        <a:ext cx="870237" cy="1604953"/>
       </dsp:txXfrm>
     </dsp:sp>
     <dsp:sp modelId="{6156752C-6D71-4769-BB66-D7AE8D4D86A0}">
@@ -9612,8 +9761,8 @@
       </dsp:nvSpPr>
       <dsp:spPr>
         <a:xfrm>
-          <a:off x="10547780" y="1536381"/>
-          <a:ext cx="1007650" cy="1213983"/>
+          <a:off x="10635457" y="1533973"/>
+          <a:ext cx="924385" cy="1212196"/>
         </a:xfrm>
         <a:prstGeom prst="roundRect">
           <a:avLst>
@@ -9681,8 +9830,8 @@
         </a:p>
       </dsp:txBody>
       <dsp:txXfrm>
-        <a:off x="10577293" y="1565894"/>
-        <a:ext cx="948624" cy="1154957"/>
+        <a:off x="10662531" y="1561047"/>
+        <a:ext cx="870237" cy="1158048"/>
       </dsp:txXfrm>
     </dsp:sp>
     <dsp:sp modelId="{4B83C3C7-6382-4BA9-A9F4-43BB464992B1}">
@@ -9692,8 +9841,8 @@
       </dsp:nvSpPr>
       <dsp:spPr>
         <a:xfrm>
-          <a:off x="10547780" y="3031484"/>
-          <a:ext cx="1007650" cy="1661548"/>
+          <a:off x="10635457" y="3026874"/>
+          <a:ext cx="924385" cy="1659101"/>
         </a:xfrm>
         <a:prstGeom prst="roundRect">
           <a:avLst>
@@ -9732,12 +9881,12 @@
         </a:fontRef>
       </dsp:style>
       <dsp:txBody>
-        <a:bodyPr spcFirstLastPara="0" vert="horz" wrap="square" lIns="68580" tIns="68580" rIns="68580" bIns="68580" numCol="1" spcCol="1270" anchor="ctr" anchorCtr="0">
+        <a:bodyPr spcFirstLastPara="0" vert="horz" wrap="square" lIns="60960" tIns="60960" rIns="60960" bIns="60960" numCol="1" spcCol="1270" anchor="ctr" anchorCtr="0">
           <a:noAutofit/>
         </a:bodyPr>
         <a:lstStyle/>
         <a:p>
-          <a:pPr lvl="0" algn="ctr" defTabSz="800100">
+          <a:pPr lvl="0" algn="ctr" defTabSz="711200">
             <a:lnSpc>
               <a:spcPct val="90000"/>
             </a:lnSpc>
@@ -9749,19 +9898,19 @@
             </a:spcAft>
           </a:pPr>
           <a:r>
-            <a:rPr lang="en-US" altLang="zh-CN" sz="1800" kern="1200" dirty="0" smtClean="0"/>
+            <a:rPr lang="en-US" altLang="zh-CN" sz="1600" kern="1200" dirty="0" smtClean="0"/>
             <a:t>Page </a:t>
           </a:r>
           <a:r>
-            <a:rPr lang="en-US" altLang="zh-CN" sz="1600" kern="1200" dirty="0" smtClean="0"/>
+            <a:rPr lang="en-US" altLang="zh-CN" sz="1400" kern="1200" dirty="0" smtClean="0"/>
             <a:t>Template</a:t>
           </a:r>
-          <a:endParaRPr lang="zh-CN" altLang="en-US" sz="1600" kern="1200" dirty="0"/>
+          <a:endParaRPr lang="zh-CN" altLang="en-US" sz="1400" kern="1200" dirty="0"/>
         </a:p>
       </dsp:txBody>
       <dsp:txXfrm>
-        <a:off x="10577293" y="3060997"/>
-        <a:ext cx="948624" cy="1602522"/>
+        <a:off x="10662531" y="3053948"/>
+        <a:ext cx="870237" cy="1604953"/>
       </dsp:txXfrm>
     </dsp:sp>
   </dsp:spTree>
@@ -13011,7 +13160,7 @@
           <a:p>
             <a:fld id="{AAC87FE2-C70E-45E3-B8CB-DFC6EAC6DF3C}" type="datetimeFigureOut">
               <a:rPr lang="zh-CN" altLang="en-US" smtClean="0"/>
-              <a:t>2018/1/25</a:t>
+              <a:t>2018/2/1</a:t>
             </a:fld>
             <a:endParaRPr lang="zh-CN" altLang="en-US"/>
           </a:p>
@@ -13181,7 +13330,7 @@
           <a:p>
             <a:fld id="{AAC87FE2-C70E-45E3-B8CB-DFC6EAC6DF3C}" type="datetimeFigureOut">
               <a:rPr lang="zh-CN" altLang="en-US" smtClean="0"/>
-              <a:t>2018/1/25</a:t>
+              <a:t>2018/2/1</a:t>
             </a:fld>
             <a:endParaRPr lang="zh-CN" altLang="en-US"/>
           </a:p>
@@ -13361,7 +13510,7 @@
           <a:p>
             <a:fld id="{AAC87FE2-C70E-45E3-B8CB-DFC6EAC6DF3C}" type="datetimeFigureOut">
               <a:rPr lang="zh-CN" altLang="en-US" smtClean="0"/>
-              <a:t>2018/1/25</a:t>
+              <a:t>2018/2/1</a:t>
             </a:fld>
             <a:endParaRPr lang="zh-CN" altLang="en-US"/>
           </a:p>
@@ -13531,7 +13680,7 @@
           <a:p>
             <a:fld id="{AAC87FE2-C70E-45E3-B8CB-DFC6EAC6DF3C}" type="datetimeFigureOut">
               <a:rPr lang="zh-CN" altLang="en-US" smtClean="0"/>
-              <a:t>2018/1/25</a:t>
+              <a:t>2018/2/1</a:t>
             </a:fld>
             <a:endParaRPr lang="zh-CN" altLang="en-US"/>
           </a:p>
@@ -13777,7 +13926,7 @@
           <a:p>
             <a:fld id="{AAC87FE2-C70E-45E3-B8CB-DFC6EAC6DF3C}" type="datetimeFigureOut">
               <a:rPr lang="zh-CN" altLang="en-US" smtClean="0"/>
-              <a:t>2018/1/25</a:t>
+              <a:t>2018/2/1</a:t>
             </a:fld>
             <a:endParaRPr lang="zh-CN" altLang="en-US"/>
           </a:p>
@@ -14009,7 +14158,7 @@
           <a:p>
             <a:fld id="{AAC87FE2-C70E-45E3-B8CB-DFC6EAC6DF3C}" type="datetimeFigureOut">
               <a:rPr lang="zh-CN" altLang="en-US" smtClean="0"/>
-              <a:t>2018/1/25</a:t>
+              <a:t>2018/2/1</a:t>
             </a:fld>
             <a:endParaRPr lang="zh-CN" altLang="en-US"/>
           </a:p>
@@ -14376,7 +14525,7 @@
           <a:p>
             <a:fld id="{AAC87FE2-C70E-45E3-B8CB-DFC6EAC6DF3C}" type="datetimeFigureOut">
               <a:rPr lang="zh-CN" altLang="en-US" smtClean="0"/>
-              <a:t>2018/1/25</a:t>
+              <a:t>2018/2/1</a:t>
             </a:fld>
             <a:endParaRPr lang="zh-CN" altLang="en-US"/>
           </a:p>
@@ -14494,7 +14643,7 @@
           <a:p>
             <a:fld id="{AAC87FE2-C70E-45E3-B8CB-DFC6EAC6DF3C}" type="datetimeFigureOut">
               <a:rPr lang="zh-CN" altLang="en-US" smtClean="0"/>
-              <a:t>2018/1/25</a:t>
+              <a:t>2018/2/1</a:t>
             </a:fld>
             <a:endParaRPr lang="zh-CN" altLang="en-US"/>
           </a:p>
@@ -14589,7 +14738,7 @@
           <a:p>
             <a:fld id="{AAC87FE2-C70E-45E3-B8CB-DFC6EAC6DF3C}" type="datetimeFigureOut">
               <a:rPr lang="zh-CN" altLang="en-US" smtClean="0"/>
-              <a:t>2018/1/25</a:t>
+              <a:t>2018/2/1</a:t>
             </a:fld>
             <a:endParaRPr lang="zh-CN" altLang="en-US"/>
           </a:p>
@@ -14866,7 +15015,7 @@
           <a:p>
             <a:fld id="{AAC87FE2-C70E-45E3-B8CB-DFC6EAC6DF3C}" type="datetimeFigureOut">
               <a:rPr lang="zh-CN" altLang="en-US" smtClean="0"/>
-              <a:t>2018/1/25</a:t>
+              <a:t>2018/2/1</a:t>
             </a:fld>
             <a:endParaRPr lang="zh-CN" altLang="en-US"/>
           </a:p>
@@ -15119,7 +15268,7 @@
           <a:p>
             <a:fld id="{AAC87FE2-C70E-45E3-B8CB-DFC6EAC6DF3C}" type="datetimeFigureOut">
               <a:rPr lang="zh-CN" altLang="en-US" smtClean="0"/>
-              <a:t>2018/1/25</a:t>
+              <a:t>2018/2/1</a:t>
             </a:fld>
             <a:endParaRPr lang="zh-CN" altLang="en-US"/>
           </a:p>
@@ -15332,7 +15481,7 @@
           <a:p>
             <a:fld id="{AAC87FE2-C70E-45E3-B8CB-DFC6EAC6DF3C}" type="datetimeFigureOut">
               <a:rPr lang="zh-CN" altLang="en-US" smtClean="0"/>
-              <a:t>2018/1/25</a:t>
+              <a:t>2018/2/1</a:t>
             </a:fld>
             <a:endParaRPr lang="zh-CN" altLang="en-US"/>
           </a:p>
@@ -15817,7 +15966,7 @@
             <p:nvPr>
               <p:extLst>
                 <p:ext uri="{D42A27DB-BD31-4B8C-83A1-F6EECF244321}">
-                  <p14:modId xmlns:p14="http://schemas.microsoft.com/office/powerpoint/2010/main" val="183770623"/>
+                  <p14:modId xmlns:p14="http://schemas.microsoft.com/office/powerpoint/2010/main" val="3882752880"/>
                 </p:ext>
               </p:extLst>
             </p:nvPr>

--- a/React Component.pptx
+++ b/React Component.pptx
@@ -4,9 +4,13 @@
   <p:sldMasterIdLst>
     <p:sldMasterId id="2147483648" r:id="rId1"/>
   </p:sldMasterIdLst>
+  <p:notesMasterIdLst>
+    <p:notesMasterId r:id="rId5"/>
+  </p:notesMasterIdLst>
   <p:sldIdLst>
     <p:sldId id="256" r:id="rId2"/>
     <p:sldId id="257" r:id="rId3"/>
+    <p:sldId id="258" r:id="rId4"/>
   </p:sldIdLst>
   <p:sldSz cx="12192000" cy="6858000"/>
   <p:notesSz cx="6858000" cy="9144000"/>
@@ -896,6 +900,788 @@
 </file>
 
 <file path=ppt/diagrams/colors2.xml><?xml version="1.0" encoding="utf-8"?>
+<dgm:colorsDef xmlns:dgm="http://schemas.openxmlformats.org/drawingml/2006/diagram" xmlns:a="http://schemas.openxmlformats.org/drawingml/2006/main" uniqueId="urn:microsoft.com/office/officeart/2005/8/colors/colorful5">
+  <dgm:title val=""/>
+  <dgm:desc val=""/>
+  <dgm:catLst>
+    <dgm:cat type="colorful" pri="10500"/>
+  </dgm:catLst>
+  <dgm:styleLbl name="node0">
+    <dgm:fillClrLst meth="repeat">
+      <a:schemeClr val="accent4"/>
+    </dgm:fillClrLst>
+    <dgm:linClrLst meth="repeat">
+      <a:schemeClr val="lt1"/>
+    </dgm:linClrLst>
+    <dgm:effectClrLst/>
+    <dgm:txLinClrLst/>
+    <dgm:txFillClrLst/>
+    <dgm:txEffectClrLst/>
+  </dgm:styleLbl>
+  <dgm:styleLbl name="node1">
+    <dgm:fillClrLst>
+      <a:schemeClr val="accent5"/>
+      <a:schemeClr val="accent6"/>
+    </dgm:fillClrLst>
+    <dgm:linClrLst meth="repeat">
+      <a:schemeClr val="lt1"/>
+    </dgm:linClrLst>
+    <dgm:effectClrLst/>
+    <dgm:txLinClrLst/>
+    <dgm:txFillClrLst/>
+    <dgm:txEffectClrLst/>
+  </dgm:styleLbl>
+  <dgm:styleLbl name="alignNode1">
+    <dgm:fillClrLst>
+      <a:schemeClr val="accent5"/>
+      <a:schemeClr val="accent6"/>
+    </dgm:fillClrLst>
+    <dgm:linClrLst>
+      <a:schemeClr val="accent5"/>
+      <a:schemeClr val="accent6"/>
+    </dgm:linClrLst>
+    <dgm:effectClrLst/>
+    <dgm:txLinClrLst/>
+    <dgm:txFillClrLst/>
+    <dgm:txEffectClrLst/>
+  </dgm:styleLbl>
+  <dgm:styleLbl name="lnNode1">
+    <dgm:fillClrLst>
+      <a:schemeClr val="accent5"/>
+      <a:schemeClr val="accent6"/>
+    </dgm:fillClrLst>
+    <dgm:linClrLst meth="repeat">
+      <a:schemeClr val="lt1"/>
+    </dgm:linClrLst>
+    <dgm:effectClrLst/>
+    <dgm:txLinClrLst/>
+    <dgm:txFillClrLst/>
+    <dgm:txEffectClrLst/>
+  </dgm:styleLbl>
+  <dgm:styleLbl name="vennNode1">
+    <dgm:fillClrLst>
+      <a:schemeClr val="accent5">
+        <a:alpha val="50000"/>
+      </a:schemeClr>
+      <a:schemeClr val="accent6">
+        <a:alpha val="50000"/>
+      </a:schemeClr>
+    </dgm:fillClrLst>
+    <dgm:linClrLst meth="repeat">
+      <a:schemeClr val="lt1"/>
+    </dgm:linClrLst>
+    <dgm:effectClrLst/>
+    <dgm:txLinClrLst/>
+    <dgm:txFillClrLst/>
+    <dgm:txEffectClrLst/>
+  </dgm:styleLbl>
+  <dgm:styleLbl name="node2">
+    <dgm:fillClrLst>
+      <a:schemeClr val="accent6"/>
+    </dgm:fillClrLst>
+    <dgm:linClrLst meth="repeat">
+      <a:schemeClr val="lt1"/>
+    </dgm:linClrLst>
+    <dgm:effectClrLst/>
+    <dgm:txLinClrLst/>
+    <dgm:txFillClrLst/>
+    <dgm:txEffectClrLst/>
+  </dgm:styleLbl>
+  <dgm:styleLbl name="node3">
+    <dgm:fillClrLst>
+      <a:schemeClr val="accent1"/>
+    </dgm:fillClrLst>
+    <dgm:linClrLst meth="repeat">
+      <a:schemeClr val="lt1"/>
+    </dgm:linClrLst>
+    <dgm:effectClrLst/>
+    <dgm:txLinClrLst/>
+    <dgm:txFillClrLst/>
+    <dgm:txEffectClrLst/>
+  </dgm:styleLbl>
+  <dgm:styleLbl name="node4">
+    <dgm:fillClrLst>
+      <a:schemeClr val="accent2"/>
+    </dgm:fillClrLst>
+    <dgm:linClrLst meth="repeat">
+      <a:schemeClr val="lt1"/>
+    </dgm:linClrLst>
+    <dgm:effectClrLst/>
+    <dgm:txLinClrLst/>
+    <dgm:txFillClrLst/>
+    <dgm:txEffectClrLst/>
+  </dgm:styleLbl>
+  <dgm:styleLbl name="fgImgPlace1">
+    <dgm:fillClrLst>
+      <a:schemeClr val="accent5">
+        <a:tint val="50000"/>
+      </a:schemeClr>
+      <a:schemeClr val="accent6">
+        <a:tint val="50000"/>
+      </a:schemeClr>
+    </dgm:fillClrLst>
+    <dgm:linClrLst meth="repeat">
+      <a:schemeClr val="lt1"/>
+    </dgm:linClrLst>
+    <dgm:effectClrLst/>
+    <dgm:txLinClrLst/>
+    <dgm:txFillClrLst meth="repeat">
+      <a:schemeClr val="lt1"/>
+    </dgm:txFillClrLst>
+    <dgm:txEffectClrLst/>
+  </dgm:styleLbl>
+  <dgm:styleLbl name="alignImgPlace1">
+    <dgm:fillClrLst>
+      <a:schemeClr val="accent5">
+        <a:tint val="50000"/>
+      </a:schemeClr>
+      <a:schemeClr val="accent6">
+        <a:tint val="20000"/>
+      </a:schemeClr>
+    </dgm:fillClrLst>
+    <dgm:linClrLst meth="repeat">
+      <a:schemeClr val="lt1"/>
+    </dgm:linClrLst>
+    <dgm:effectClrLst/>
+    <dgm:txLinClrLst/>
+    <dgm:txFillClrLst meth="repeat">
+      <a:schemeClr val="lt1"/>
+    </dgm:txFillClrLst>
+    <dgm:txEffectClrLst/>
+  </dgm:styleLbl>
+  <dgm:styleLbl name="bgImgPlace1">
+    <dgm:fillClrLst>
+      <a:schemeClr val="accent5">
+        <a:tint val="50000"/>
+      </a:schemeClr>
+      <a:schemeClr val="accent6">
+        <a:tint val="20000"/>
+      </a:schemeClr>
+    </dgm:fillClrLst>
+    <dgm:linClrLst meth="repeat">
+      <a:schemeClr val="lt1"/>
+    </dgm:linClrLst>
+    <dgm:effectClrLst/>
+    <dgm:txLinClrLst/>
+    <dgm:txFillClrLst meth="repeat">
+      <a:schemeClr val="lt1"/>
+    </dgm:txFillClrLst>
+    <dgm:txEffectClrLst/>
+  </dgm:styleLbl>
+  <dgm:styleLbl name="sibTrans2D1">
+    <dgm:fillClrLst>
+      <a:schemeClr val="accent5"/>
+      <a:schemeClr val="accent6"/>
+    </dgm:fillClrLst>
+    <dgm:linClrLst meth="repeat">
+      <a:schemeClr val="lt1"/>
+    </dgm:linClrLst>
+    <dgm:effectClrLst/>
+    <dgm:txLinClrLst/>
+    <dgm:txFillClrLst/>
+    <dgm:txEffectClrLst/>
+  </dgm:styleLbl>
+  <dgm:styleLbl name="fgSibTrans2D1">
+    <dgm:fillClrLst>
+      <a:schemeClr val="accent5"/>
+      <a:schemeClr val="accent6"/>
+    </dgm:fillClrLst>
+    <dgm:linClrLst meth="repeat">
+      <a:schemeClr val="lt1"/>
+    </dgm:linClrLst>
+    <dgm:effectClrLst/>
+    <dgm:txLinClrLst/>
+    <dgm:txFillClrLst meth="repeat">
+      <a:schemeClr val="lt1"/>
+    </dgm:txFillClrLst>
+    <dgm:txEffectClrLst/>
+  </dgm:styleLbl>
+  <dgm:styleLbl name="bgSibTrans2D1">
+    <dgm:fillClrLst>
+      <a:schemeClr val="accent5"/>
+      <a:schemeClr val="accent6"/>
+    </dgm:fillClrLst>
+    <dgm:linClrLst meth="repeat">
+      <a:schemeClr val="lt1"/>
+    </dgm:linClrLst>
+    <dgm:effectClrLst/>
+    <dgm:txLinClrLst/>
+    <dgm:txFillClrLst meth="repeat">
+      <a:schemeClr val="lt1"/>
+    </dgm:txFillClrLst>
+    <dgm:txEffectClrLst/>
+  </dgm:styleLbl>
+  <dgm:styleLbl name="sibTrans1D1">
+    <dgm:fillClrLst/>
+    <dgm:linClrLst>
+      <a:schemeClr val="accent5"/>
+      <a:schemeClr val="accent6"/>
+    </dgm:linClrLst>
+    <dgm:effectClrLst/>
+    <dgm:txLinClrLst/>
+    <dgm:txFillClrLst meth="repeat">
+      <a:schemeClr val="tx1"/>
+    </dgm:txFillClrLst>
+    <dgm:txEffectClrLst/>
+  </dgm:styleLbl>
+  <dgm:styleLbl name="callout">
+    <dgm:fillClrLst meth="repeat">
+      <a:schemeClr val="accent5"/>
+    </dgm:fillClrLst>
+    <dgm:linClrLst meth="repeat">
+      <a:schemeClr val="accent5">
+        <a:tint val="50000"/>
+      </a:schemeClr>
+    </dgm:linClrLst>
+    <dgm:effectClrLst/>
+    <dgm:txLinClrLst/>
+    <dgm:txFillClrLst meth="repeat">
+      <a:schemeClr val="tx1"/>
+    </dgm:txFillClrLst>
+    <dgm:txEffectClrLst/>
+  </dgm:styleLbl>
+  <dgm:styleLbl name="asst0">
+    <dgm:fillClrLst meth="repeat">
+      <a:schemeClr val="accent5"/>
+    </dgm:fillClrLst>
+    <dgm:linClrLst meth="repeat">
+      <a:schemeClr val="lt1">
+        <a:shade val="80000"/>
+      </a:schemeClr>
+    </dgm:linClrLst>
+    <dgm:effectClrLst/>
+    <dgm:txLinClrLst/>
+    <dgm:txFillClrLst/>
+    <dgm:txEffectClrLst/>
+  </dgm:styleLbl>
+  <dgm:styleLbl name="asst1">
+    <dgm:fillClrLst meth="repeat">
+      <a:schemeClr val="accent6"/>
+    </dgm:fillClrLst>
+    <dgm:linClrLst meth="repeat">
+      <a:schemeClr val="lt1">
+        <a:shade val="80000"/>
+      </a:schemeClr>
+    </dgm:linClrLst>
+    <dgm:effectClrLst/>
+    <dgm:txLinClrLst/>
+    <dgm:txFillClrLst/>
+    <dgm:txEffectClrLst/>
+  </dgm:styleLbl>
+  <dgm:styleLbl name="asst2">
+    <dgm:fillClrLst>
+      <a:schemeClr val="accent1"/>
+    </dgm:fillClrLst>
+    <dgm:linClrLst meth="repeat">
+      <a:schemeClr val="lt1"/>
+    </dgm:linClrLst>
+    <dgm:effectClrLst/>
+    <dgm:txLinClrLst/>
+    <dgm:txFillClrLst/>
+    <dgm:txEffectClrLst/>
+  </dgm:styleLbl>
+  <dgm:styleLbl name="asst3">
+    <dgm:fillClrLst>
+      <a:schemeClr val="accent2"/>
+    </dgm:fillClrLst>
+    <dgm:linClrLst meth="repeat">
+      <a:schemeClr val="lt1"/>
+    </dgm:linClrLst>
+    <dgm:effectClrLst/>
+    <dgm:txLinClrLst/>
+    <dgm:txFillClrLst/>
+    <dgm:txEffectClrLst/>
+  </dgm:styleLbl>
+  <dgm:styleLbl name="asst4">
+    <dgm:fillClrLst>
+      <a:schemeClr val="accent3"/>
+    </dgm:fillClrLst>
+    <dgm:linClrLst meth="repeat">
+      <a:schemeClr val="lt1"/>
+    </dgm:linClrLst>
+    <dgm:effectClrLst/>
+    <dgm:txLinClrLst/>
+    <dgm:txFillClrLst/>
+    <dgm:txEffectClrLst/>
+  </dgm:styleLbl>
+  <dgm:styleLbl name="parChTrans2D1">
+    <dgm:fillClrLst meth="repeat">
+      <a:schemeClr val="accent5"/>
+    </dgm:fillClrLst>
+    <dgm:linClrLst meth="repeat">
+      <a:schemeClr val="lt1"/>
+    </dgm:linClrLst>
+    <dgm:effectClrLst/>
+    <dgm:txLinClrLst/>
+    <dgm:txFillClrLst meth="repeat">
+      <a:schemeClr val="lt1"/>
+    </dgm:txFillClrLst>
+    <dgm:txEffectClrLst/>
+  </dgm:styleLbl>
+  <dgm:styleLbl name="parChTrans2D2">
+    <dgm:fillClrLst meth="repeat">
+      <a:schemeClr val="accent6"/>
+    </dgm:fillClrLst>
+    <dgm:linClrLst meth="repeat">
+      <a:schemeClr val="lt1"/>
+    </dgm:linClrLst>
+    <dgm:effectClrLst/>
+    <dgm:txLinClrLst/>
+    <dgm:txFillClrLst/>
+    <dgm:txEffectClrLst/>
+  </dgm:styleLbl>
+  <dgm:styleLbl name="parChTrans2D3">
+    <dgm:fillClrLst meth="repeat">
+      <a:schemeClr val="accent6"/>
+    </dgm:fillClrLst>
+    <dgm:linClrLst meth="repeat">
+      <a:schemeClr val="lt1"/>
+    </dgm:linClrLst>
+    <dgm:effectClrLst/>
+    <dgm:txLinClrLst/>
+    <dgm:txFillClrLst/>
+    <dgm:txEffectClrLst/>
+  </dgm:styleLbl>
+  <dgm:styleLbl name="parChTrans2D4">
+    <dgm:fillClrLst meth="repeat">
+      <a:schemeClr val="accent1"/>
+    </dgm:fillClrLst>
+    <dgm:linClrLst meth="repeat">
+      <a:schemeClr val="lt1"/>
+    </dgm:linClrLst>
+    <dgm:effectClrLst/>
+    <dgm:txLinClrLst/>
+    <dgm:txFillClrLst meth="repeat">
+      <a:schemeClr val="lt1"/>
+    </dgm:txFillClrLst>
+    <dgm:txEffectClrLst/>
+  </dgm:styleLbl>
+  <dgm:styleLbl name="parChTrans1D1">
+    <dgm:fillClrLst meth="repeat">
+      <a:schemeClr val="accent5"/>
+    </dgm:fillClrLst>
+    <dgm:linClrLst meth="repeat">
+      <a:schemeClr val="accent5"/>
+    </dgm:linClrLst>
+    <dgm:effectClrLst/>
+    <dgm:txLinClrLst/>
+    <dgm:txFillClrLst meth="repeat">
+      <a:schemeClr val="tx1"/>
+    </dgm:txFillClrLst>
+    <dgm:txEffectClrLst/>
+  </dgm:styleLbl>
+  <dgm:styleLbl name="parChTrans1D2">
+    <dgm:fillClrLst meth="repeat">
+      <a:schemeClr val="accent6">
+        <a:tint val="90000"/>
+      </a:schemeClr>
+    </dgm:fillClrLst>
+    <dgm:linClrLst meth="repeat">
+      <a:schemeClr val="accent6"/>
+    </dgm:linClrLst>
+    <dgm:effectClrLst/>
+    <dgm:txLinClrLst/>
+    <dgm:txFillClrLst meth="repeat">
+      <a:schemeClr val="tx1"/>
+    </dgm:txFillClrLst>
+    <dgm:txEffectClrLst/>
+  </dgm:styleLbl>
+  <dgm:styleLbl name="parChTrans1D3">
+    <dgm:fillClrLst meth="repeat">
+      <a:schemeClr val="accent6">
+        <a:tint val="70000"/>
+      </a:schemeClr>
+    </dgm:fillClrLst>
+    <dgm:linClrLst meth="repeat">
+      <a:schemeClr val="accent1"/>
+    </dgm:linClrLst>
+    <dgm:effectClrLst/>
+    <dgm:txLinClrLst/>
+    <dgm:txFillClrLst meth="repeat">
+      <a:schemeClr val="tx1"/>
+    </dgm:txFillClrLst>
+    <dgm:txEffectClrLst/>
+  </dgm:styleLbl>
+  <dgm:styleLbl name="parChTrans1D4">
+    <dgm:fillClrLst meth="repeat">
+      <a:schemeClr val="accent6">
+        <a:tint val="50000"/>
+      </a:schemeClr>
+    </dgm:fillClrLst>
+    <dgm:linClrLst meth="repeat">
+      <a:schemeClr val="accent2"/>
+    </dgm:linClrLst>
+    <dgm:effectClrLst/>
+    <dgm:txLinClrLst/>
+    <dgm:txFillClrLst meth="repeat">
+      <a:schemeClr val="tx1"/>
+    </dgm:txFillClrLst>
+    <dgm:txEffectClrLst/>
+  </dgm:styleLbl>
+  <dgm:styleLbl name="fgAcc1">
+    <dgm:fillClrLst meth="repeat">
+      <a:schemeClr val="lt1">
+        <a:alpha val="90000"/>
+      </a:schemeClr>
+    </dgm:fillClrLst>
+    <dgm:linClrLst>
+      <a:schemeClr val="accent5"/>
+      <a:schemeClr val="accent6"/>
+    </dgm:linClrLst>
+    <dgm:effectClrLst/>
+    <dgm:txLinClrLst/>
+    <dgm:txFillClrLst meth="repeat">
+      <a:schemeClr val="dk1"/>
+    </dgm:txFillClrLst>
+    <dgm:txEffectClrLst/>
+  </dgm:styleLbl>
+  <dgm:styleLbl name="conFgAcc1">
+    <dgm:fillClrLst meth="repeat">
+      <a:schemeClr val="lt1">
+        <a:alpha val="90000"/>
+      </a:schemeClr>
+    </dgm:fillClrLst>
+    <dgm:linClrLst>
+      <a:schemeClr val="accent5"/>
+      <a:schemeClr val="accent6"/>
+    </dgm:linClrLst>
+    <dgm:effectClrLst/>
+    <dgm:txLinClrLst/>
+    <dgm:txFillClrLst meth="repeat">
+      <a:schemeClr val="dk1"/>
+    </dgm:txFillClrLst>
+    <dgm:txEffectClrLst/>
+  </dgm:styleLbl>
+  <dgm:styleLbl name="alignAcc1">
+    <dgm:fillClrLst meth="repeat">
+      <a:schemeClr val="lt1">
+        <a:alpha val="90000"/>
+      </a:schemeClr>
+    </dgm:fillClrLst>
+    <dgm:linClrLst>
+      <a:schemeClr val="accent5"/>
+      <a:schemeClr val="accent6"/>
+    </dgm:linClrLst>
+    <dgm:effectClrLst/>
+    <dgm:txLinClrLst/>
+    <dgm:txFillClrLst meth="repeat">
+      <a:schemeClr val="dk1"/>
+    </dgm:txFillClrLst>
+    <dgm:txEffectClrLst/>
+  </dgm:styleLbl>
+  <dgm:styleLbl name="trAlignAcc1">
+    <dgm:fillClrLst meth="repeat">
+      <a:schemeClr val="lt1">
+        <a:alpha val="40000"/>
+      </a:schemeClr>
+    </dgm:fillClrLst>
+    <dgm:linClrLst meth="repeat">
+      <a:schemeClr val="accent5"/>
+    </dgm:linClrLst>
+    <dgm:effectClrLst/>
+    <dgm:txLinClrLst/>
+    <dgm:txFillClrLst meth="repeat">
+      <a:schemeClr val="dk1"/>
+    </dgm:txFillClrLst>
+    <dgm:txEffectClrLst/>
+  </dgm:styleLbl>
+  <dgm:styleLbl name="bgAcc1">
+    <dgm:fillClrLst meth="repeat">
+      <a:schemeClr val="lt1">
+        <a:alpha val="90000"/>
+      </a:schemeClr>
+    </dgm:fillClrLst>
+    <dgm:linClrLst>
+      <a:schemeClr val="accent5"/>
+      <a:schemeClr val="accent6"/>
+    </dgm:linClrLst>
+    <dgm:effectClrLst/>
+    <dgm:txLinClrLst/>
+    <dgm:txFillClrLst meth="repeat">
+      <a:schemeClr val="dk1"/>
+    </dgm:txFillClrLst>
+    <dgm:txEffectClrLst/>
+  </dgm:styleLbl>
+  <dgm:styleLbl name="solidFgAcc1">
+    <dgm:fillClrLst meth="repeat">
+      <a:schemeClr val="lt1"/>
+    </dgm:fillClrLst>
+    <dgm:linClrLst>
+      <a:schemeClr val="accent5"/>
+      <a:schemeClr val="accent6"/>
+    </dgm:linClrLst>
+    <dgm:effectClrLst/>
+    <dgm:txLinClrLst/>
+    <dgm:txFillClrLst meth="repeat">
+      <a:schemeClr val="dk1"/>
+    </dgm:txFillClrLst>
+    <dgm:txEffectClrLst/>
+  </dgm:styleLbl>
+  <dgm:styleLbl name="solidAlignAcc1">
+    <dgm:fillClrLst meth="repeat">
+      <a:schemeClr val="lt1"/>
+    </dgm:fillClrLst>
+    <dgm:linClrLst>
+      <a:schemeClr val="accent5"/>
+      <a:schemeClr val="accent6"/>
+    </dgm:linClrLst>
+    <dgm:effectClrLst/>
+    <dgm:txLinClrLst/>
+    <dgm:txFillClrLst meth="repeat">
+      <a:schemeClr val="dk1"/>
+    </dgm:txFillClrLst>
+    <dgm:txEffectClrLst/>
+  </dgm:styleLbl>
+  <dgm:styleLbl name="solidBgAcc1">
+    <dgm:fillClrLst meth="repeat">
+      <a:schemeClr val="lt1"/>
+    </dgm:fillClrLst>
+    <dgm:linClrLst>
+      <a:schemeClr val="accent5"/>
+      <a:schemeClr val="accent6"/>
+    </dgm:linClrLst>
+    <dgm:effectClrLst/>
+    <dgm:txLinClrLst/>
+    <dgm:txFillClrLst meth="repeat">
+      <a:schemeClr val="dk1"/>
+    </dgm:txFillClrLst>
+    <dgm:txEffectClrLst/>
+  </dgm:styleLbl>
+  <dgm:styleLbl name="fgAccFollowNode1">
+    <dgm:fillClrLst>
+      <a:schemeClr val="accent5">
+        <a:tint val="40000"/>
+        <a:alpha val="90000"/>
+      </a:schemeClr>
+      <a:schemeClr val="accent6">
+        <a:tint val="40000"/>
+        <a:alpha val="90000"/>
+      </a:schemeClr>
+    </dgm:fillClrLst>
+    <dgm:linClrLst>
+      <a:schemeClr val="accent5">
+        <a:tint val="40000"/>
+        <a:alpha val="90000"/>
+      </a:schemeClr>
+      <a:schemeClr val="accent5">
+        <a:tint val="40000"/>
+        <a:alpha val="90000"/>
+      </a:schemeClr>
+    </dgm:linClrLst>
+    <dgm:effectClrLst/>
+    <dgm:txLinClrLst/>
+    <dgm:txFillClrLst meth="repeat">
+      <a:schemeClr val="dk1"/>
+    </dgm:txFillClrLst>
+    <dgm:txEffectClrLst/>
+  </dgm:styleLbl>
+  <dgm:styleLbl name="alignAccFollowNode1">
+    <dgm:fillClrLst>
+      <a:schemeClr val="accent5">
+        <a:tint val="40000"/>
+        <a:alpha val="90000"/>
+      </a:schemeClr>
+      <a:schemeClr val="accent6">
+        <a:tint val="40000"/>
+        <a:alpha val="90000"/>
+      </a:schemeClr>
+    </dgm:fillClrLst>
+    <dgm:linClrLst>
+      <a:schemeClr val="accent5">
+        <a:tint val="40000"/>
+        <a:alpha val="90000"/>
+      </a:schemeClr>
+      <a:schemeClr val="accent6">
+        <a:tint val="40000"/>
+        <a:alpha val="90000"/>
+      </a:schemeClr>
+    </dgm:linClrLst>
+    <dgm:effectClrLst/>
+    <dgm:txLinClrLst/>
+    <dgm:txFillClrLst meth="repeat">
+      <a:schemeClr val="dk1"/>
+    </dgm:txFillClrLst>
+    <dgm:txEffectClrLst/>
+  </dgm:styleLbl>
+  <dgm:styleLbl name="bgAccFollowNode1">
+    <dgm:fillClrLst>
+      <a:schemeClr val="accent5">
+        <a:tint val="40000"/>
+        <a:alpha val="90000"/>
+      </a:schemeClr>
+      <a:schemeClr val="accent6">
+        <a:tint val="40000"/>
+        <a:alpha val="90000"/>
+      </a:schemeClr>
+    </dgm:fillClrLst>
+    <dgm:linClrLst>
+      <a:schemeClr val="accent5">
+        <a:tint val="40000"/>
+        <a:alpha val="90000"/>
+      </a:schemeClr>
+      <a:schemeClr val="accent6">
+        <a:tint val="40000"/>
+        <a:alpha val="90000"/>
+      </a:schemeClr>
+    </dgm:linClrLst>
+    <dgm:effectClrLst/>
+    <dgm:txLinClrLst/>
+    <dgm:txFillClrLst meth="repeat">
+      <a:schemeClr val="dk1"/>
+    </dgm:txFillClrLst>
+    <dgm:txEffectClrLst/>
+  </dgm:styleLbl>
+  <dgm:styleLbl name="fgAcc0">
+    <dgm:fillClrLst meth="repeat">
+      <a:schemeClr val="lt1">
+        <a:alpha val="90000"/>
+      </a:schemeClr>
+    </dgm:fillClrLst>
+    <dgm:linClrLst>
+      <a:schemeClr val="accent4"/>
+    </dgm:linClrLst>
+    <dgm:effectClrLst/>
+    <dgm:txLinClrLst/>
+    <dgm:txFillClrLst meth="repeat">
+      <a:schemeClr val="dk1"/>
+    </dgm:txFillClrLst>
+    <dgm:txEffectClrLst/>
+  </dgm:styleLbl>
+  <dgm:styleLbl name="fgAcc2">
+    <dgm:fillClrLst meth="repeat">
+      <a:schemeClr val="lt1">
+        <a:alpha val="90000"/>
+      </a:schemeClr>
+    </dgm:fillClrLst>
+    <dgm:linClrLst>
+      <a:schemeClr val="accent6"/>
+    </dgm:linClrLst>
+    <dgm:effectClrLst/>
+    <dgm:txLinClrLst/>
+    <dgm:txFillClrLst meth="repeat">
+      <a:schemeClr val="dk1"/>
+    </dgm:txFillClrLst>
+    <dgm:txEffectClrLst/>
+  </dgm:styleLbl>
+  <dgm:styleLbl name="fgAcc3">
+    <dgm:fillClrLst meth="repeat">
+      <a:schemeClr val="lt1">
+        <a:alpha val="90000"/>
+      </a:schemeClr>
+    </dgm:fillClrLst>
+    <dgm:linClrLst>
+      <a:schemeClr val="accent1"/>
+    </dgm:linClrLst>
+    <dgm:effectClrLst/>
+    <dgm:txLinClrLst/>
+    <dgm:txFillClrLst meth="repeat">
+      <a:schemeClr val="dk1"/>
+    </dgm:txFillClrLst>
+    <dgm:txEffectClrLst/>
+  </dgm:styleLbl>
+  <dgm:styleLbl name="fgAcc4">
+    <dgm:fillClrLst meth="repeat">
+      <a:schemeClr val="lt1">
+        <a:alpha val="90000"/>
+      </a:schemeClr>
+    </dgm:fillClrLst>
+    <dgm:linClrLst>
+      <a:schemeClr val="accent2"/>
+    </dgm:linClrLst>
+    <dgm:effectClrLst/>
+    <dgm:txLinClrLst/>
+    <dgm:txFillClrLst meth="repeat">
+      <a:schemeClr val="dk1"/>
+    </dgm:txFillClrLst>
+    <dgm:txEffectClrLst/>
+  </dgm:styleLbl>
+  <dgm:styleLbl name="bgShp">
+    <dgm:fillClrLst meth="repeat">
+      <a:schemeClr val="accent5">
+        <a:tint val="40000"/>
+      </a:schemeClr>
+    </dgm:fillClrLst>
+    <dgm:linClrLst meth="repeat">
+      <a:schemeClr val="dk1"/>
+    </dgm:linClrLst>
+    <dgm:effectClrLst/>
+    <dgm:txLinClrLst/>
+    <dgm:txFillClrLst meth="repeat">
+      <a:schemeClr val="dk1"/>
+    </dgm:txFillClrLst>
+    <dgm:txEffectClrLst/>
+  </dgm:styleLbl>
+  <dgm:styleLbl name="dkBgShp">
+    <dgm:fillClrLst meth="repeat">
+      <a:schemeClr val="accent5">
+        <a:shade val="90000"/>
+      </a:schemeClr>
+    </dgm:fillClrLst>
+    <dgm:linClrLst meth="repeat">
+      <a:schemeClr val="dk1"/>
+    </dgm:linClrLst>
+    <dgm:effectClrLst/>
+    <dgm:txLinClrLst/>
+    <dgm:txFillClrLst meth="repeat">
+      <a:schemeClr val="lt1"/>
+    </dgm:txFillClrLst>
+    <dgm:txEffectClrLst/>
+  </dgm:styleLbl>
+  <dgm:styleLbl name="trBgShp">
+    <dgm:fillClrLst meth="repeat">
+      <a:schemeClr val="accent5">
+        <a:tint val="50000"/>
+        <a:alpha val="40000"/>
+      </a:schemeClr>
+    </dgm:fillClrLst>
+    <dgm:linClrLst meth="repeat">
+      <a:schemeClr val="accent5"/>
+    </dgm:linClrLst>
+    <dgm:effectClrLst/>
+    <dgm:txLinClrLst/>
+    <dgm:txFillClrLst meth="repeat">
+      <a:schemeClr val="lt1"/>
+    </dgm:txFillClrLst>
+    <dgm:txEffectClrLst/>
+  </dgm:styleLbl>
+  <dgm:styleLbl name="fgShp">
+    <dgm:fillClrLst meth="repeat">
+      <a:schemeClr val="accent5">
+        <a:tint val="40000"/>
+      </a:schemeClr>
+    </dgm:fillClrLst>
+    <dgm:linClrLst meth="repeat">
+      <a:schemeClr val="lt1"/>
+    </dgm:linClrLst>
+    <dgm:effectClrLst/>
+    <dgm:txLinClrLst/>
+    <dgm:txFillClrLst meth="repeat">
+      <a:schemeClr val="dk1"/>
+    </dgm:txFillClrLst>
+    <dgm:txEffectClrLst/>
+  </dgm:styleLbl>
+  <dgm:styleLbl name="revTx">
+    <dgm:fillClrLst meth="repeat">
+      <a:schemeClr val="lt1">
+        <a:alpha val="0"/>
+      </a:schemeClr>
+    </dgm:fillClrLst>
+    <dgm:linClrLst meth="repeat">
+      <a:schemeClr val="dk1">
+        <a:alpha val="0"/>
+      </a:schemeClr>
+    </dgm:linClrLst>
+    <dgm:effectClrLst/>
+    <dgm:txLinClrLst/>
+    <dgm:txFillClrLst meth="repeat">
+      <a:schemeClr val="tx1"/>
+    </dgm:txFillClrLst>
+    <dgm:txEffectClrLst/>
+  </dgm:styleLbl>
+</dgm:colorsDef>
+</file>
+
+<file path=ppt/diagrams/colors3.xml><?xml version="1.0" encoding="utf-8"?>
 <dgm:colorsDef xmlns:dgm="http://schemas.openxmlformats.org/drawingml/2006/diagram" xmlns:a="http://schemas.openxmlformats.org/drawingml/2006/main" uniqueId="urn:microsoft.com/office/officeart/2005/8/colors/colorful5">
   <dgm:title val=""/>
   <dgm:desc val=""/>
@@ -5713,6 +6499,1391 @@
 </dgm:dataModel>
 </file>
 
+<file path=ppt/diagrams/data3.xml><?xml version="1.0" encoding="utf-8"?>
+<dgm:dataModel xmlns:dgm="http://schemas.openxmlformats.org/drawingml/2006/diagram" xmlns:a="http://schemas.openxmlformats.org/drawingml/2006/main">
+  <dgm:ptLst>
+    <dgm:pt modelId="{4A68568C-8BE5-4BCC-9BE8-FDCFE9F9560D}" type="doc">
+      <dgm:prSet loTypeId="urn:microsoft.com/office/officeart/2005/8/layout/hierarchy4" loCatId="hierarchy" qsTypeId="urn:microsoft.com/office/officeart/2005/8/quickstyle/simple1" qsCatId="simple" csTypeId="urn:microsoft.com/office/officeart/2005/8/colors/colorful5" csCatId="colorful" phldr="1"/>
+      <dgm:spPr/>
+      <dgm:t>
+        <a:bodyPr/>
+        <a:lstStyle/>
+        <a:p>
+          <a:endParaRPr lang="zh-CN" altLang="en-US"/>
+        </a:p>
+      </dgm:t>
+    </dgm:pt>
+    <dgm:pt modelId="{EE47AE5E-48F2-4EEB-8BE4-C987362F9C13}">
+      <dgm:prSet phldrT="[文本]" custT="1"/>
+      <dgm:spPr>
+        <a:solidFill>
+          <a:srgbClr val="318CCF"/>
+        </a:solidFill>
+      </dgm:spPr>
+      <dgm:t>
+        <a:bodyPr/>
+        <a:lstStyle/>
+        <a:p>
+          <a:r>
+            <a:rPr lang="en-US" altLang="zh-CN" sz="4000" dirty="0" smtClean="0">
+              <a:latin typeface="微软雅黑" panose="020B0503020204020204" pitchFamily="34" charset="-122"/>
+              <a:ea typeface="微软雅黑" panose="020B0503020204020204" pitchFamily="34" charset="-122"/>
+            </a:rPr>
+            <a:t>React</a:t>
+          </a:r>
+          <a:r>
+            <a:rPr lang="en-US" altLang="zh-CN" sz="4000" dirty="0" smtClean="0"/>
+            <a:t> </a:t>
+          </a:r>
+          <a:r>
+            <a:rPr lang="zh-CN" altLang="en-US" sz="4000" dirty="0" smtClean="0"/>
+            <a:t>组件</a:t>
+          </a:r>
+          <a:endParaRPr lang="zh-CN" altLang="en-US" sz="4000" dirty="0"/>
+        </a:p>
+      </dgm:t>
+    </dgm:pt>
+    <dgm:pt modelId="{674028C6-0AF4-4572-B7F1-82C649882F92}" type="parTrans" cxnId="{DE71C7D7-EA5D-4CF6-9C02-C4E1CAA4E568}">
+      <dgm:prSet/>
+      <dgm:spPr/>
+      <dgm:t>
+        <a:bodyPr/>
+        <a:lstStyle/>
+        <a:p>
+          <a:endParaRPr lang="zh-CN" altLang="en-US"/>
+        </a:p>
+      </dgm:t>
+    </dgm:pt>
+    <dgm:pt modelId="{B6D94197-1457-4DD1-8222-4A2B36E5DC67}" type="sibTrans" cxnId="{DE71C7D7-EA5D-4CF6-9C02-C4E1CAA4E568}">
+      <dgm:prSet/>
+      <dgm:spPr/>
+      <dgm:t>
+        <a:bodyPr/>
+        <a:lstStyle/>
+        <a:p>
+          <a:endParaRPr lang="zh-CN" altLang="en-US"/>
+        </a:p>
+      </dgm:t>
+    </dgm:pt>
+    <dgm:pt modelId="{0BAA75C4-663A-4BD3-BD23-87A4F164230D}">
+      <dgm:prSet phldrT="[文本]" custT="1"/>
+      <dgm:spPr/>
+      <dgm:t>
+        <a:bodyPr/>
+        <a:lstStyle/>
+        <a:p>
+          <a:r>
+            <a:rPr lang="zh-CN" altLang="en-US" sz="2800" dirty="0" smtClean="0"/>
+            <a:t>基本组件</a:t>
+          </a:r>
+          <a:endParaRPr lang="zh-CN" altLang="en-US" sz="2800" dirty="0"/>
+        </a:p>
+      </dgm:t>
+    </dgm:pt>
+    <dgm:pt modelId="{0F57DD8B-6BAF-45C1-82CC-165AEEA5FF2A}" type="parTrans" cxnId="{E316CAE5-D6F2-4FCD-B426-41EDD3F92CF3}">
+      <dgm:prSet/>
+      <dgm:spPr/>
+      <dgm:t>
+        <a:bodyPr/>
+        <a:lstStyle/>
+        <a:p>
+          <a:endParaRPr lang="zh-CN" altLang="en-US"/>
+        </a:p>
+      </dgm:t>
+    </dgm:pt>
+    <dgm:pt modelId="{3ED13E8E-C5CB-449A-A071-49CD060189AF}" type="sibTrans" cxnId="{E316CAE5-D6F2-4FCD-B426-41EDD3F92CF3}">
+      <dgm:prSet/>
+      <dgm:spPr/>
+      <dgm:t>
+        <a:bodyPr/>
+        <a:lstStyle/>
+        <a:p>
+          <a:endParaRPr lang="zh-CN" altLang="en-US"/>
+        </a:p>
+      </dgm:t>
+    </dgm:pt>
+    <dgm:pt modelId="{80DE05A9-6062-4FBE-9DFA-1EB587925D1A}">
+      <dgm:prSet phldrT="[文本]" custT="1"/>
+      <dgm:spPr>
+        <a:solidFill>
+          <a:schemeClr val="accent2"/>
+        </a:solidFill>
+      </dgm:spPr>
+      <dgm:t>
+        <a:bodyPr/>
+        <a:lstStyle/>
+        <a:p>
+          <a:r>
+            <a:rPr lang="en-US" altLang="zh-CN" sz="1600" smtClean="0"/>
+            <a:t>Button</a:t>
+          </a:r>
+          <a:endParaRPr lang="zh-CN" altLang="en-US" sz="1600" dirty="0"/>
+        </a:p>
+      </dgm:t>
+    </dgm:pt>
+    <dgm:pt modelId="{0C62EFC2-6441-4183-B8EF-2A4C96515F96}" type="parTrans" cxnId="{D1C797D7-B5B2-4066-ABB2-E833F1CF4BB5}">
+      <dgm:prSet/>
+      <dgm:spPr/>
+      <dgm:t>
+        <a:bodyPr/>
+        <a:lstStyle/>
+        <a:p>
+          <a:endParaRPr lang="zh-CN" altLang="en-US"/>
+        </a:p>
+      </dgm:t>
+    </dgm:pt>
+    <dgm:pt modelId="{074886CD-2EE9-44A9-BED7-3231ED1EC49C}" type="sibTrans" cxnId="{D1C797D7-B5B2-4066-ABB2-E833F1CF4BB5}">
+      <dgm:prSet/>
+      <dgm:spPr/>
+      <dgm:t>
+        <a:bodyPr/>
+        <a:lstStyle/>
+        <a:p>
+          <a:endParaRPr lang="zh-CN" altLang="en-US"/>
+        </a:p>
+      </dgm:t>
+    </dgm:pt>
+    <dgm:pt modelId="{AED13F7C-69DE-4328-B2A8-413DCE860BFD}">
+      <dgm:prSet phldrT="[文本]" custT="1"/>
+      <dgm:spPr>
+        <a:solidFill>
+          <a:schemeClr val="accent2"/>
+        </a:solidFill>
+      </dgm:spPr>
+      <dgm:t>
+        <a:bodyPr/>
+        <a:lstStyle/>
+        <a:p>
+          <a:r>
+            <a:rPr lang="en-US" altLang="zh-CN" sz="1600" dirty="0" smtClean="0"/>
+            <a:t>Input</a:t>
+          </a:r>
+          <a:endParaRPr lang="zh-CN" altLang="en-US" sz="1600" dirty="0"/>
+        </a:p>
+      </dgm:t>
+    </dgm:pt>
+    <dgm:pt modelId="{BA62F164-7512-4211-9020-34F206E13A40}" type="parTrans" cxnId="{443CCDF3-FDAC-48B7-BB5A-4FEB511412E5}">
+      <dgm:prSet/>
+      <dgm:spPr/>
+      <dgm:t>
+        <a:bodyPr/>
+        <a:lstStyle/>
+        <a:p>
+          <a:endParaRPr lang="zh-CN" altLang="en-US"/>
+        </a:p>
+      </dgm:t>
+    </dgm:pt>
+    <dgm:pt modelId="{F5FBBF28-BEC8-4537-94FD-9453ACB77E17}" type="sibTrans" cxnId="{443CCDF3-FDAC-48B7-BB5A-4FEB511412E5}">
+      <dgm:prSet/>
+      <dgm:spPr/>
+      <dgm:t>
+        <a:bodyPr/>
+        <a:lstStyle/>
+        <a:p>
+          <a:endParaRPr lang="zh-CN" altLang="en-US"/>
+        </a:p>
+      </dgm:t>
+    </dgm:pt>
+    <dgm:pt modelId="{8905A026-E356-4A95-9704-AC9FFA9DFD22}">
+      <dgm:prSet phldrT="[文本]"/>
+      <dgm:spPr/>
+      <dgm:t>
+        <a:bodyPr/>
+        <a:lstStyle/>
+        <a:p>
+          <a:r>
+            <a:rPr lang="zh-CN" altLang="en-US" dirty="0" smtClean="0"/>
+            <a:t>页面布局组件</a:t>
+          </a:r>
+          <a:endParaRPr lang="zh-CN" altLang="en-US" dirty="0"/>
+        </a:p>
+      </dgm:t>
+    </dgm:pt>
+    <dgm:pt modelId="{EA84A46E-7AD5-44B6-837D-B285B00DC4FF}" type="parTrans" cxnId="{5F5F59D0-D81A-4810-879E-8B43D63DDB55}">
+      <dgm:prSet/>
+      <dgm:spPr/>
+      <dgm:t>
+        <a:bodyPr/>
+        <a:lstStyle/>
+        <a:p>
+          <a:endParaRPr lang="zh-CN" altLang="en-US"/>
+        </a:p>
+      </dgm:t>
+    </dgm:pt>
+    <dgm:pt modelId="{50A7BEEA-248F-4594-A7D8-35DA8E5630CA}" type="sibTrans" cxnId="{5F5F59D0-D81A-4810-879E-8B43D63DDB55}">
+      <dgm:prSet/>
+      <dgm:spPr/>
+      <dgm:t>
+        <a:bodyPr/>
+        <a:lstStyle/>
+        <a:p>
+          <a:endParaRPr lang="zh-CN" altLang="en-US"/>
+        </a:p>
+      </dgm:t>
+    </dgm:pt>
+    <dgm:pt modelId="{3986FEAF-A1C8-4242-B77C-0C49B2AAC4C2}">
+      <dgm:prSet phldrT="[文本]" custT="1"/>
+      <dgm:spPr>
+        <a:solidFill>
+          <a:schemeClr val="accent2"/>
+        </a:solidFill>
+      </dgm:spPr>
+      <dgm:t>
+        <a:bodyPr/>
+        <a:lstStyle/>
+        <a:p>
+          <a:r>
+            <a:rPr lang="en-US" altLang="zh-CN" sz="1600" dirty="0" smtClean="0"/>
+            <a:t>Container/Content</a:t>
+          </a:r>
+          <a:endParaRPr lang="zh-CN" altLang="en-US" sz="1600" dirty="0"/>
+        </a:p>
+      </dgm:t>
+    </dgm:pt>
+    <dgm:pt modelId="{15D45FAA-8097-45A7-BE1E-9325FA297F5F}" type="parTrans" cxnId="{E2A8AD4D-C5E4-457F-BF3B-0850998404BF}">
+      <dgm:prSet/>
+      <dgm:spPr/>
+      <dgm:t>
+        <a:bodyPr/>
+        <a:lstStyle/>
+        <a:p>
+          <a:endParaRPr lang="zh-CN" altLang="en-US"/>
+        </a:p>
+      </dgm:t>
+    </dgm:pt>
+    <dgm:pt modelId="{EEBC610A-7F74-4302-8193-D01D888903F6}" type="sibTrans" cxnId="{E2A8AD4D-C5E4-457F-BF3B-0850998404BF}">
+      <dgm:prSet/>
+      <dgm:spPr/>
+      <dgm:t>
+        <a:bodyPr/>
+        <a:lstStyle/>
+        <a:p>
+          <a:endParaRPr lang="zh-CN" altLang="en-US"/>
+        </a:p>
+      </dgm:t>
+    </dgm:pt>
+    <dgm:pt modelId="{10F391AB-126F-4E54-872B-1B3A8DCD0069}">
+      <dgm:prSet phldrT="[文本]" custT="1"/>
+      <dgm:spPr>
+        <a:solidFill>
+          <a:schemeClr val="accent2"/>
+        </a:solidFill>
+      </dgm:spPr>
+      <dgm:t>
+        <a:bodyPr/>
+        <a:lstStyle/>
+        <a:p>
+          <a:r>
+            <a:rPr lang="en-US" altLang="zh-CN" sz="1600" dirty="0" smtClean="0"/>
+            <a:t>Card</a:t>
+          </a:r>
+          <a:endParaRPr lang="zh-CN" altLang="en-US" sz="1600" dirty="0"/>
+        </a:p>
+      </dgm:t>
+    </dgm:pt>
+    <dgm:pt modelId="{F12A7989-574B-48FB-BC4B-B79A245EA242}" type="parTrans" cxnId="{481DF8D6-5807-4610-8F10-787035EE337B}">
+      <dgm:prSet/>
+      <dgm:spPr/>
+      <dgm:t>
+        <a:bodyPr/>
+        <a:lstStyle/>
+        <a:p>
+          <a:endParaRPr lang="zh-CN" altLang="en-US"/>
+        </a:p>
+      </dgm:t>
+    </dgm:pt>
+    <dgm:pt modelId="{0C5394C6-08BC-4CAF-8C4D-D7264F9B2588}" type="sibTrans" cxnId="{481DF8D6-5807-4610-8F10-787035EE337B}">
+      <dgm:prSet/>
+      <dgm:spPr/>
+      <dgm:t>
+        <a:bodyPr/>
+        <a:lstStyle/>
+        <a:p>
+          <a:endParaRPr lang="zh-CN" altLang="en-US"/>
+        </a:p>
+      </dgm:t>
+    </dgm:pt>
+    <dgm:pt modelId="{80B8A3D0-E113-4CD4-AB27-3A3C177677F4}">
+      <dgm:prSet phldrT="[文本]" custT="1"/>
+      <dgm:spPr>
+        <a:solidFill>
+          <a:schemeClr val="accent2"/>
+        </a:solidFill>
+      </dgm:spPr>
+      <dgm:t>
+        <a:bodyPr/>
+        <a:lstStyle/>
+        <a:p>
+          <a:r>
+            <a:rPr lang="en-US" altLang="zh-CN" sz="1600" dirty="0" smtClean="0"/>
+            <a:t>Picker</a:t>
+          </a:r>
+          <a:endParaRPr lang="zh-CN" altLang="en-US" sz="1600" dirty="0"/>
+        </a:p>
+      </dgm:t>
+    </dgm:pt>
+    <dgm:pt modelId="{244A38DE-6881-42F5-A9B6-C214A9ECA34E}" type="parTrans" cxnId="{198186FE-E324-4EDF-AF4F-0A5857FDA0F4}">
+      <dgm:prSet/>
+      <dgm:spPr/>
+      <dgm:t>
+        <a:bodyPr/>
+        <a:lstStyle/>
+        <a:p>
+          <a:endParaRPr lang="zh-CN" altLang="en-US"/>
+        </a:p>
+      </dgm:t>
+    </dgm:pt>
+    <dgm:pt modelId="{F2E624E1-08BA-4DB7-96AE-C6878C4CAA1C}" type="sibTrans" cxnId="{198186FE-E324-4EDF-AF4F-0A5857FDA0F4}">
+      <dgm:prSet/>
+      <dgm:spPr/>
+      <dgm:t>
+        <a:bodyPr/>
+        <a:lstStyle/>
+        <a:p>
+          <a:endParaRPr lang="zh-CN" altLang="en-US"/>
+        </a:p>
+      </dgm:t>
+    </dgm:pt>
+    <dgm:pt modelId="{ED8B5E74-761E-4C8A-B134-EC7B1B9D8954}">
+      <dgm:prSet phldrT="[文本]" custT="1"/>
+      <dgm:spPr>
+        <a:solidFill>
+          <a:schemeClr val="accent2"/>
+        </a:solidFill>
+      </dgm:spPr>
+      <dgm:t>
+        <a:bodyPr/>
+        <a:lstStyle/>
+        <a:p>
+          <a:r>
+            <a:rPr lang="en-US" altLang="zh-CN" sz="1600" dirty="0" smtClean="0"/>
+            <a:t>Refresh/</a:t>
+          </a:r>
+          <a:r>
+            <a:rPr lang="en-US" altLang="zh-CN" sz="1600" dirty="0" err="1" smtClean="0"/>
+            <a:t>Loadmore</a:t>
+          </a:r>
+          <a:endParaRPr lang="zh-CN" altLang="en-US" sz="1600" dirty="0"/>
+        </a:p>
+      </dgm:t>
+    </dgm:pt>
+    <dgm:pt modelId="{D0F15E16-D05C-4B1A-8366-0749FCBF92A4}" type="parTrans" cxnId="{C12BA111-8938-44F5-A8E7-21C563C686E4}">
+      <dgm:prSet/>
+      <dgm:spPr/>
+      <dgm:t>
+        <a:bodyPr/>
+        <a:lstStyle/>
+        <a:p>
+          <a:endParaRPr lang="zh-CN" altLang="en-US"/>
+        </a:p>
+      </dgm:t>
+    </dgm:pt>
+    <dgm:pt modelId="{2AA502F3-7409-454C-98E7-8D9D3F1A8561}" type="sibTrans" cxnId="{C12BA111-8938-44F5-A8E7-21C563C686E4}">
+      <dgm:prSet/>
+      <dgm:spPr/>
+      <dgm:t>
+        <a:bodyPr/>
+        <a:lstStyle/>
+        <a:p>
+          <a:endParaRPr lang="zh-CN" altLang="en-US"/>
+        </a:p>
+      </dgm:t>
+    </dgm:pt>
+    <dgm:pt modelId="{3BBDFE46-044A-4B7A-A7D3-F8AB1827A52B}">
+      <dgm:prSet phldrT="[文本]" custT="1"/>
+      <dgm:spPr>
+        <a:solidFill>
+          <a:schemeClr val="accent2"/>
+        </a:solidFill>
+      </dgm:spPr>
+      <dgm:t>
+        <a:bodyPr/>
+        <a:lstStyle/>
+        <a:p>
+          <a:r>
+            <a:rPr lang="en-US" altLang="zh-CN" sz="1600" dirty="0" err="1" smtClean="0"/>
+            <a:t>listitem</a:t>
+          </a:r>
+          <a:endParaRPr lang="zh-CN" altLang="en-US" sz="1600" dirty="0"/>
+        </a:p>
+      </dgm:t>
+    </dgm:pt>
+    <dgm:pt modelId="{ED5997AA-442B-4847-A81A-45F1D766890E}" type="parTrans" cxnId="{15409EA6-1D15-4FE9-8B09-2CA58A31514C}">
+      <dgm:prSet/>
+      <dgm:spPr/>
+      <dgm:t>
+        <a:bodyPr/>
+        <a:lstStyle/>
+        <a:p>
+          <a:endParaRPr lang="zh-CN" altLang="en-US"/>
+        </a:p>
+      </dgm:t>
+    </dgm:pt>
+    <dgm:pt modelId="{2AEFFF42-1206-422E-BE1E-0C93A3F10EF9}" type="sibTrans" cxnId="{15409EA6-1D15-4FE9-8B09-2CA58A31514C}">
+      <dgm:prSet/>
+      <dgm:spPr/>
+      <dgm:t>
+        <a:bodyPr/>
+        <a:lstStyle/>
+        <a:p>
+          <a:endParaRPr lang="zh-CN" altLang="en-US"/>
+        </a:p>
+      </dgm:t>
+    </dgm:pt>
+    <dgm:pt modelId="{DD9378A2-97A7-4CC6-B2E5-C88EBDC76799}">
+      <dgm:prSet phldrT="[文本]" custT="1"/>
+      <dgm:spPr>
+        <a:solidFill>
+          <a:schemeClr val="accent2"/>
+        </a:solidFill>
+      </dgm:spPr>
+      <dgm:t>
+        <a:bodyPr/>
+        <a:lstStyle/>
+        <a:p>
+          <a:r>
+            <a:rPr lang="en-US" altLang="zh-CN" sz="1600" smtClean="0"/>
+            <a:t>Check/Radio/Switch</a:t>
+          </a:r>
+          <a:endParaRPr lang="zh-CN" altLang="en-US" sz="1600" dirty="0"/>
+        </a:p>
+      </dgm:t>
+    </dgm:pt>
+    <dgm:pt modelId="{0E58A982-6628-4DB2-86C2-6696E421808C}" type="sibTrans" cxnId="{4CC57C02-B82F-488E-93B8-240C814EDF07}">
+      <dgm:prSet/>
+      <dgm:spPr/>
+      <dgm:t>
+        <a:bodyPr/>
+        <a:lstStyle/>
+        <a:p>
+          <a:endParaRPr lang="zh-CN" altLang="en-US"/>
+        </a:p>
+      </dgm:t>
+    </dgm:pt>
+    <dgm:pt modelId="{1DD2A7BA-8E46-47FD-A0D5-2B052043D1E4}" type="parTrans" cxnId="{4CC57C02-B82F-488E-93B8-240C814EDF07}">
+      <dgm:prSet/>
+      <dgm:spPr/>
+      <dgm:t>
+        <a:bodyPr/>
+        <a:lstStyle/>
+        <a:p>
+          <a:endParaRPr lang="zh-CN" altLang="en-US"/>
+        </a:p>
+      </dgm:t>
+    </dgm:pt>
+    <dgm:pt modelId="{8A0EF249-B895-4E9F-BA9F-F30E1FDDD56E}">
+      <dgm:prSet phldrT="[文本]" custT="1"/>
+      <dgm:spPr>
+        <a:solidFill>
+          <a:schemeClr val="accent2"/>
+        </a:solidFill>
+      </dgm:spPr>
+      <dgm:t>
+        <a:bodyPr/>
+        <a:lstStyle/>
+        <a:p>
+          <a:r>
+            <a:rPr lang="en-US" altLang="zh-CN" sz="1600" dirty="0" smtClean="0"/>
+            <a:t>Header</a:t>
+          </a:r>
+          <a:endParaRPr lang="zh-CN" altLang="en-US" sz="1600" dirty="0"/>
+        </a:p>
+      </dgm:t>
+    </dgm:pt>
+    <dgm:pt modelId="{5325DC52-0E39-4B4D-B777-085BE0E974C7}" type="sibTrans" cxnId="{E2AD2E52-B778-4774-8FA6-C3E5E195DA7D}">
+      <dgm:prSet/>
+      <dgm:spPr/>
+      <dgm:t>
+        <a:bodyPr/>
+        <a:lstStyle/>
+        <a:p>
+          <a:endParaRPr lang="zh-CN" altLang="en-US"/>
+        </a:p>
+      </dgm:t>
+    </dgm:pt>
+    <dgm:pt modelId="{8770FFB6-6296-4AE9-87BF-E45D135677DB}" type="parTrans" cxnId="{E2AD2E52-B778-4774-8FA6-C3E5E195DA7D}">
+      <dgm:prSet/>
+      <dgm:spPr/>
+      <dgm:t>
+        <a:bodyPr/>
+        <a:lstStyle/>
+        <a:p>
+          <a:endParaRPr lang="zh-CN" altLang="en-US"/>
+        </a:p>
+      </dgm:t>
+    </dgm:pt>
+    <dgm:pt modelId="{2561F267-071C-4E4B-9F5C-F396F3338ED3}">
+      <dgm:prSet phldrT="[文本]" custT="1"/>
+      <dgm:spPr>
+        <a:solidFill>
+          <a:schemeClr val="accent2"/>
+        </a:solidFill>
+      </dgm:spPr>
+      <dgm:t>
+        <a:bodyPr/>
+        <a:lstStyle/>
+        <a:p>
+          <a:r>
+            <a:rPr lang="en-US" altLang="zh-CN" sz="1600" dirty="0" smtClean="0"/>
+            <a:t>Footer</a:t>
+          </a:r>
+          <a:endParaRPr lang="zh-CN" altLang="en-US" sz="1600" dirty="0"/>
+        </a:p>
+      </dgm:t>
+    </dgm:pt>
+    <dgm:pt modelId="{1B749E92-DFDD-4649-9493-A52B08B923D2}" type="sibTrans" cxnId="{50EF0434-8B31-4EF6-937B-0AC5079AF851}">
+      <dgm:prSet/>
+      <dgm:spPr/>
+      <dgm:t>
+        <a:bodyPr/>
+        <a:lstStyle/>
+        <a:p>
+          <a:endParaRPr lang="zh-CN" altLang="en-US"/>
+        </a:p>
+      </dgm:t>
+    </dgm:pt>
+    <dgm:pt modelId="{24A5F3FC-B427-456E-BA98-89B7EFAF62C0}" type="parTrans" cxnId="{50EF0434-8B31-4EF6-937B-0AC5079AF851}">
+      <dgm:prSet/>
+      <dgm:spPr/>
+      <dgm:t>
+        <a:bodyPr/>
+        <a:lstStyle/>
+        <a:p>
+          <a:endParaRPr lang="zh-CN" altLang="en-US"/>
+        </a:p>
+      </dgm:t>
+    </dgm:pt>
+    <dgm:pt modelId="{A9C8C838-5888-C94C-A03B-2A0781EDC511}">
+      <dgm:prSet phldrT="[文本]" custT="1"/>
+      <dgm:spPr>
+        <a:solidFill>
+          <a:schemeClr val="accent2"/>
+        </a:solidFill>
+      </dgm:spPr>
+      <dgm:t>
+        <a:bodyPr/>
+        <a:lstStyle/>
+        <a:p>
+          <a:r>
+            <a:rPr lang="en-US" altLang="zh-CN" sz="1600" dirty="0" smtClean="0"/>
+            <a:t>Row</a:t>
+          </a:r>
+          <a:endParaRPr lang="zh-CN" altLang="en-US" sz="1600" dirty="0"/>
+        </a:p>
+      </dgm:t>
+    </dgm:pt>
+    <dgm:pt modelId="{EEFFB747-4AC8-744F-90D6-4CC1F506DDB4}" type="parTrans" cxnId="{76C72D2A-67C8-834D-BAF9-DE77CDAF5C14}">
+      <dgm:prSet/>
+      <dgm:spPr/>
+      <dgm:t>
+        <a:bodyPr/>
+        <a:lstStyle/>
+        <a:p>
+          <a:endParaRPr lang="zh-CN" altLang="en-US"/>
+        </a:p>
+      </dgm:t>
+    </dgm:pt>
+    <dgm:pt modelId="{116CBA39-D28B-9641-B0D5-CA1976F7B89A}" type="sibTrans" cxnId="{76C72D2A-67C8-834D-BAF9-DE77CDAF5C14}">
+      <dgm:prSet/>
+      <dgm:spPr/>
+      <dgm:t>
+        <a:bodyPr/>
+        <a:lstStyle/>
+        <a:p>
+          <a:endParaRPr lang="zh-CN" altLang="en-US"/>
+        </a:p>
+      </dgm:t>
+    </dgm:pt>
+    <dgm:pt modelId="{EE7FD611-782A-2645-AFA7-7645707B6D8C}">
+      <dgm:prSet phldrT="[文本]" custT="1"/>
+      <dgm:spPr>
+        <a:solidFill>
+          <a:schemeClr val="accent2"/>
+        </a:solidFill>
+      </dgm:spPr>
+      <dgm:t>
+        <a:bodyPr/>
+        <a:lstStyle/>
+        <a:p>
+          <a:r>
+            <a:rPr lang="zh-CN" altLang="en-US" sz="1600" dirty="0" smtClean="0"/>
+            <a:t>功能组件</a:t>
+          </a:r>
+          <a:endParaRPr lang="zh-CN" altLang="en-US" sz="1600" dirty="0"/>
+        </a:p>
+      </dgm:t>
+    </dgm:pt>
+    <dgm:pt modelId="{0D2CDC3E-D9ED-5042-8DE1-59D96638F54C}" type="parTrans" cxnId="{67424EEE-3B94-1640-B70D-12C2627A68FF}">
+      <dgm:prSet/>
+      <dgm:spPr/>
+      <dgm:t>
+        <a:bodyPr/>
+        <a:lstStyle/>
+        <a:p>
+          <a:endParaRPr lang="zh-CN" altLang="en-US"/>
+        </a:p>
+      </dgm:t>
+    </dgm:pt>
+    <dgm:pt modelId="{4A12DD3E-4D7C-CA41-B73A-0420E3106204}" type="sibTrans" cxnId="{67424EEE-3B94-1640-B70D-12C2627A68FF}">
+      <dgm:prSet/>
+      <dgm:spPr/>
+      <dgm:t>
+        <a:bodyPr/>
+        <a:lstStyle/>
+        <a:p>
+          <a:endParaRPr lang="zh-CN" altLang="en-US"/>
+        </a:p>
+      </dgm:t>
+    </dgm:pt>
+    <dgm:pt modelId="{051BED40-ADCD-3C42-8349-522EDABC3524}">
+      <dgm:prSet phldrT="[文本]" custT="1"/>
+      <dgm:spPr>
+        <a:solidFill>
+          <a:schemeClr val="accent2"/>
+        </a:solidFill>
+      </dgm:spPr>
+      <dgm:t>
+        <a:bodyPr/>
+        <a:lstStyle/>
+        <a:p>
+          <a:r>
+            <a:rPr lang="en-US" altLang="zh-CN" sz="1600" dirty="0" smtClean="0"/>
+            <a:t>API</a:t>
+          </a:r>
+          <a:r>
+            <a:rPr lang="zh-CN" altLang="en-US" sz="1600" dirty="0" smtClean="0"/>
+            <a:t>调用</a:t>
+          </a:r>
+          <a:endParaRPr lang="zh-CN" altLang="en-US" sz="1600" dirty="0"/>
+        </a:p>
+      </dgm:t>
+    </dgm:pt>
+    <dgm:pt modelId="{ED124BCD-9F65-B04A-8A0C-093AD294B73C}" type="parTrans" cxnId="{A09D7459-6A90-FA4F-830E-1DF77757CB8D}">
+      <dgm:prSet/>
+      <dgm:spPr/>
+      <dgm:t>
+        <a:bodyPr/>
+        <a:lstStyle/>
+        <a:p>
+          <a:endParaRPr lang="zh-CN" altLang="en-US"/>
+        </a:p>
+      </dgm:t>
+    </dgm:pt>
+    <dgm:pt modelId="{069BD452-BAB6-4441-91D9-F2F3EBA9EE22}" type="sibTrans" cxnId="{A09D7459-6A90-FA4F-830E-1DF77757CB8D}">
+      <dgm:prSet/>
+      <dgm:spPr/>
+      <dgm:t>
+        <a:bodyPr/>
+        <a:lstStyle/>
+        <a:p>
+          <a:endParaRPr lang="zh-CN" altLang="en-US"/>
+        </a:p>
+      </dgm:t>
+    </dgm:pt>
+    <dgm:pt modelId="{A237EE65-F5A1-8943-BFC7-1683D70FEC6A}">
+      <dgm:prSet phldrT="[文本]" custT="1"/>
+      <dgm:spPr>
+        <a:solidFill>
+          <a:schemeClr val="accent2"/>
+        </a:solidFill>
+      </dgm:spPr>
+      <dgm:t>
+        <a:bodyPr/>
+        <a:lstStyle/>
+        <a:p>
+          <a:r>
+            <a:rPr lang="zh-CN" altLang="en-US" sz="1600" dirty="0" smtClean="0"/>
+            <a:t>消息提示</a:t>
+          </a:r>
+          <a:endParaRPr lang="zh-CN" altLang="en-US" sz="1600" dirty="0"/>
+        </a:p>
+      </dgm:t>
+    </dgm:pt>
+    <dgm:pt modelId="{490E0434-17BA-7F41-B0A8-5DEB8576F8E8}" type="parTrans" cxnId="{B5294987-9884-F748-A36D-78581346916A}">
+      <dgm:prSet/>
+      <dgm:spPr/>
+      <dgm:t>
+        <a:bodyPr/>
+        <a:lstStyle/>
+        <a:p>
+          <a:endParaRPr lang="zh-CN" altLang="en-US"/>
+        </a:p>
+      </dgm:t>
+    </dgm:pt>
+    <dgm:pt modelId="{E2F1F90E-7856-7146-9763-0533EC5AFBAE}" type="sibTrans" cxnId="{B5294987-9884-F748-A36D-78581346916A}">
+      <dgm:prSet/>
+      <dgm:spPr/>
+      <dgm:t>
+        <a:bodyPr/>
+        <a:lstStyle/>
+        <a:p>
+          <a:endParaRPr lang="zh-CN" altLang="en-US"/>
+        </a:p>
+      </dgm:t>
+    </dgm:pt>
+    <dgm:pt modelId="{23E4F771-C9F3-494E-A2E7-97D83387B4D0}">
+      <dgm:prSet phldrT="[文本]" custT="1"/>
+      <dgm:spPr>
+        <a:solidFill>
+          <a:schemeClr val="accent2"/>
+        </a:solidFill>
+      </dgm:spPr>
+      <dgm:t>
+        <a:bodyPr/>
+        <a:lstStyle/>
+        <a:p>
+          <a:r>
+            <a:rPr lang="zh-CN" altLang="en-US" sz="1600" smtClean="0"/>
+            <a:t>断网监测</a:t>
+          </a:r>
+          <a:endParaRPr lang="zh-CN" altLang="en-US" sz="1600" dirty="0"/>
+        </a:p>
+      </dgm:t>
+    </dgm:pt>
+    <dgm:pt modelId="{CCA9B981-7148-E548-88EB-5AB229E7B445}" type="parTrans" cxnId="{7EDCE22F-18A9-0742-B6BF-B5C44423D483}">
+      <dgm:prSet/>
+      <dgm:spPr/>
+      <dgm:t>
+        <a:bodyPr/>
+        <a:lstStyle/>
+        <a:p>
+          <a:endParaRPr lang="zh-CN" altLang="en-US"/>
+        </a:p>
+      </dgm:t>
+    </dgm:pt>
+    <dgm:pt modelId="{4C6F7BAF-7203-3B4C-9F46-03D905A6E2B7}" type="sibTrans" cxnId="{7EDCE22F-18A9-0742-B6BF-B5C44423D483}">
+      <dgm:prSet/>
+      <dgm:spPr/>
+      <dgm:t>
+        <a:bodyPr/>
+        <a:lstStyle/>
+        <a:p>
+          <a:endParaRPr lang="zh-CN" altLang="en-US"/>
+        </a:p>
+      </dgm:t>
+    </dgm:pt>
+    <dgm:pt modelId="{531267AC-0638-4EE7-9ECC-53F01F950BC3}" type="pres">
+      <dgm:prSet presAssocID="{4A68568C-8BE5-4BCC-9BE8-FDCFE9F9560D}" presName="Name0" presStyleCnt="0">
+        <dgm:presLayoutVars>
+          <dgm:chPref val="1"/>
+          <dgm:dir/>
+          <dgm:animOne val="branch"/>
+          <dgm:animLvl val="lvl"/>
+          <dgm:resizeHandles/>
+        </dgm:presLayoutVars>
+      </dgm:prSet>
+      <dgm:spPr/>
+      <dgm:t>
+        <a:bodyPr/>
+        <a:lstStyle/>
+        <a:p>
+          <a:endParaRPr lang="zh-CN" altLang="en-US"/>
+        </a:p>
+      </dgm:t>
+    </dgm:pt>
+    <dgm:pt modelId="{9FD29C08-1F7B-4C00-8D50-94B19CC769D5}" type="pres">
+      <dgm:prSet presAssocID="{EE47AE5E-48F2-4EEB-8BE4-C987362F9C13}" presName="vertOne" presStyleCnt="0"/>
+      <dgm:spPr/>
+    </dgm:pt>
+    <dgm:pt modelId="{AFD139FA-D5DD-49AE-B1D5-0424F89571EF}" type="pres">
+      <dgm:prSet presAssocID="{EE47AE5E-48F2-4EEB-8BE4-C987362F9C13}" presName="txOne" presStyleLbl="node0" presStyleIdx="0" presStyleCnt="1" custScaleY="29266" custLinFactNeighborX="-4448" custLinFactNeighborY="5167">
+        <dgm:presLayoutVars>
+          <dgm:chPref val="3"/>
+        </dgm:presLayoutVars>
+      </dgm:prSet>
+      <dgm:spPr/>
+      <dgm:t>
+        <a:bodyPr/>
+        <a:lstStyle/>
+        <a:p>
+          <a:endParaRPr lang="zh-CN" altLang="en-US"/>
+        </a:p>
+      </dgm:t>
+    </dgm:pt>
+    <dgm:pt modelId="{CA42F77B-05E2-413F-8FEA-FED07DC70FB8}" type="pres">
+      <dgm:prSet presAssocID="{EE47AE5E-48F2-4EEB-8BE4-C987362F9C13}" presName="parTransOne" presStyleCnt="0"/>
+      <dgm:spPr/>
+    </dgm:pt>
+    <dgm:pt modelId="{B0D326F6-2924-4BF8-9B2B-C067E7404C40}" type="pres">
+      <dgm:prSet presAssocID="{EE47AE5E-48F2-4EEB-8BE4-C987362F9C13}" presName="horzOne" presStyleCnt="0"/>
+      <dgm:spPr/>
+    </dgm:pt>
+    <dgm:pt modelId="{BC7B36D9-63C1-4677-9D77-803749B0849F}" type="pres">
+      <dgm:prSet presAssocID="{0BAA75C4-663A-4BD3-BD23-87A4F164230D}" presName="vertTwo" presStyleCnt="0"/>
+      <dgm:spPr/>
+    </dgm:pt>
+    <dgm:pt modelId="{93A71FEA-81B3-4E8D-9612-055C724B8975}" type="pres">
+      <dgm:prSet presAssocID="{0BAA75C4-663A-4BD3-BD23-87A4F164230D}" presName="txTwo" presStyleLbl="node2" presStyleIdx="0" presStyleCnt="3" custScaleY="32693" custLinFactNeighborY="-65142">
+        <dgm:presLayoutVars>
+          <dgm:chPref val="3"/>
+        </dgm:presLayoutVars>
+      </dgm:prSet>
+      <dgm:spPr/>
+      <dgm:t>
+        <a:bodyPr/>
+        <a:lstStyle/>
+        <a:p>
+          <a:endParaRPr lang="zh-CN" altLang="en-US"/>
+        </a:p>
+      </dgm:t>
+    </dgm:pt>
+    <dgm:pt modelId="{D18DCFD2-F497-4674-B5CE-879FE3C369AA}" type="pres">
+      <dgm:prSet presAssocID="{0BAA75C4-663A-4BD3-BD23-87A4F164230D}" presName="parTransTwo" presStyleCnt="0"/>
+      <dgm:spPr/>
+    </dgm:pt>
+    <dgm:pt modelId="{BCFD3CB8-C7ED-4272-A2A5-1411D9C130BF}" type="pres">
+      <dgm:prSet presAssocID="{0BAA75C4-663A-4BD3-BD23-87A4F164230D}" presName="horzTwo" presStyleCnt="0"/>
+      <dgm:spPr/>
+    </dgm:pt>
+    <dgm:pt modelId="{3DA8D984-4B13-49DF-94B6-17D2ECAEA5AF}" type="pres">
+      <dgm:prSet presAssocID="{8A0EF249-B895-4E9F-BA9F-F30E1FDDD56E}" presName="vertThree" presStyleCnt="0"/>
+      <dgm:spPr/>
+    </dgm:pt>
+    <dgm:pt modelId="{8DC3D14A-3A8E-4589-A771-9EA8E28A5B15}" type="pres">
+      <dgm:prSet presAssocID="{8A0EF249-B895-4E9F-BA9F-F30E1FDDD56E}" presName="txThree" presStyleLbl="node3" presStyleIdx="0" presStyleCnt="14" custScaleY="48926" custLinFactNeighborY="-12580">
+        <dgm:presLayoutVars>
+          <dgm:chPref val="3"/>
+        </dgm:presLayoutVars>
+      </dgm:prSet>
+      <dgm:spPr/>
+      <dgm:t>
+        <a:bodyPr/>
+        <a:lstStyle/>
+        <a:p>
+          <a:endParaRPr lang="zh-CN" altLang="en-US"/>
+        </a:p>
+      </dgm:t>
+    </dgm:pt>
+    <dgm:pt modelId="{07835B66-9ACA-4B3A-B4C1-8DD6546CBA73}" type="pres">
+      <dgm:prSet presAssocID="{8A0EF249-B895-4E9F-BA9F-F30E1FDDD56E}" presName="horzThree" presStyleCnt="0"/>
+      <dgm:spPr/>
+    </dgm:pt>
+    <dgm:pt modelId="{7755AD63-84CC-4C15-BEE4-8BBB33E817E8}" type="pres">
+      <dgm:prSet presAssocID="{5325DC52-0E39-4B4D-B777-085BE0E974C7}" presName="sibSpaceThree" presStyleCnt="0"/>
+      <dgm:spPr/>
+    </dgm:pt>
+    <dgm:pt modelId="{971B9ADD-D50B-4518-95BB-C2BFAD496DAA}" type="pres">
+      <dgm:prSet presAssocID="{2561F267-071C-4E4B-9F5C-F396F3338ED3}" presName="vertThree" presStyleCnt="0"/>
+      <dgm:spPr/>
+    </dgm:pt>
+    <dgm:pt modelId="{F83B4507-D488-4308-848D-34AB8006A2E2}" type="pres">
+      <dgm:prSet presAssocID="{2561F267-071C-4E4B-9F5C-F396F3338ED3}" presName="txThree" presStyleLbl="node3" presStyleIdx="1" presStyleCnt="14" custScaleY="48926" custLinFactNeighborY="-12580">
+        <dgm:presLayoutVars>
+          <dgm:chPref val="3"/>
+        </dgm:presLayoutVars>
+      </dgm:prSet>
+      <dgm:spPr/>
+      <dgm:t>
+        <a:bodyPr/>
+        <a:lstStyle/>
+        <a:p>
+          <a:endParaRPr lang="zh-CN" altLang="en-US"/>
+        </a:p>
+      </dgm:t>
+    </dgm:pt>
+    <dgm:pt modelId="{AB917AE1-EC1A-406A-94A3-8EDF60B176E5}" type="pres">
+      <dgm:prSet presAssocID="{2561F267-071C-4E4B-9F5C-F396F3338ED3}" presName="horzThree" presStyleCnt="0"/>
+      <dgm:spPr/>
+    </dgm:pt>
+    <dgm:pt modelId="{27C49DE8-D1CE-4733-888C-CCE2DA9ADF0D}" type="pres">
+      <dgm:prSet presAssocID="{1B749E92-DFDD-4649-9493-A52B08B923D2}" presName="sibSpaceThree" presStyleCnt="0"/>
+      <dgm:spPr/>
+    </dgm:pt>
+    <dgm:pt modelId="{8A72742B-B6D8-44D8-B64E-6FC2791BC5D5}" type="pres">
+      <dgm:prSet presAssocID="{80DE05A9-6062-4FBE-9DFA-1EB587925D1A}" presName="vertThree" presStyleCnt="0"/>
+      <dgm:spPr/>
+    </dgm:pt>
+    <dgm:pt modelId="{1AB7E021-925F-49DE-A973-672ED3F3181B}" type="pres">
+      <dgm:prSet presAssocID="{80DE05A9-6062-4FBE-9DFA-1EB587925D1A}" presName="txThree" presStyleLbl="node3" presStyleIdx="2" presStyleCnt="14" custScaleY="48926" custLinFactNeighborY="-12308">
+        <dgm:presLayoutVars>
+          <dgm:chPref val="3"/>
+        </dgm:presLayoutVars>
+      </dgm:prSet>
+      <dgm:spPr/>
+      <dgm:t>
+        <a:bodyPr/>
+        <a:lstStyle/>
+        <a:p>
+          <a:endParaRPr lang="zh-CN" altLang="en-US"/>
+        </a:p>
+      </dgm:t>
+    </dgm:pt>
+    <dgm:pt modelId="{1C1341DA-BB1A-43D1-8823-CFCBEF652151}" type="pres">
+      <dgm:prSet presAssocID="{80DE05A9-6062-4FBE-9DFA-1EB587925D1A}" presName="horzThree" presStyleCnt="0"/>
+      <dgm:spPr/>
+    </dgm:pt>
+    <dgm:pt modelId="{23524E74-E554-4812-BE3B-D79F85D2E3CE}" type="pres">
+      <dgm:prSet presAssocID="{074886CD-2EE9-44A9-BED7-3231ED1EC49C}" presName="sibSpaceThree" presStyleCnt="0"/>
+      <dgm:spPr/>
+    </dgm:pt>
+    <dgm:pt modelId="{1ABEFB46-0117-4440-B603-B3F3D91B45ED}" type="pres">
+      <dgm:prSet presAssocID="{AED13F7C-69DE-4328-B2A8-413DCE860BFD}" presName="vertThree" presStyleCnt="0"/>
+      <dgm:spPr/>
+    </dgm:pt>
+    <dgm:pt modelId="{BADC8F12-1C8A-4DC0-BE7F-A820063E315D}" type="pres">
+      <dgm:prSet presAssocID="{AED13F7C-69DE-4328-B2A8-413DCE860BFD}" presName="txThree" presStyleLbl="node3" presStyleIdx="3" presStyleCnt="14" custScaleY="48926" custLinFactNeighborY="-12580">
+        <dgm:presLayoutVars>
+          <dgm:chPref val="3"/>
+        </dgm:presLayoutVars>
+      </dgm:prSet>
+      <dgm:spPr/>
+      <dgm:t>
+        <a:bodyPr/>
+        <a:lstStyle/>
+        <a:p>
+          <a:endParaRPr lang="zh-CN" altLang="en-US"/>
+        </a:p>
+      </dgm:t>
+    </dgm:pt>
+    <dgm:pt modelId="{C16ACF3F-6999-4527-8E04-2CADC77D866A}" type="pres">
+      <dgm:prSet presAssocID="{AED13F7C-69DE-4328-B2A8-413DCE860BFD}" presName="horzThree" presStyleCnt="0"/>
+      <dgm:spPr/>
+    </dgm:pt>
+    <dgm:pt modelId="{CDBCA27A-07A7-485F-B637-FBAF68AEC4D4}" type="pres">
+      <dgm:prSet presAssocID="{F5FBBF28-BEC8-4537-94FD-9453ACB77E17}" presName="sibSpaceThree" presStyleCnt="0"/>
+      <dgm:spPr/>
+    </dgm:pt>
+    <dgm:pt modelId="{E291ED5B-188C-4999-99ED-2DB75996EAA6}" type="pres">
+      <dgm:prSet presAssocID="{3BBDFE46-044A-4B7A-A7D3-F8AB1827A52B}" presName="vertThree" presStyleCnt="0"/>
+      <dgm:spPr/>
+    </dgm:pt>
+    <dgm:pt modelId="{A4693C88-FC4B-4624-B378-0D1993BEA08D}" type="pres">
+      <dgm:prSet presAssocID="{3BBDFE46-044A-4B7A-A7D3-F8AB1827A52B}" presName="txThree" presStyleLbl="node3" presStyleIdx="4" presStyleCnt="14" custScaleY="49172" custLinFactNeighborY="-12454">
+        <dgm:presLayoutVars>
+          <dgm:chPref val="3"/>
+        </dgm:presLayoutVars>
+      </dgm:prSet>
+      <dgm:spPr/>
+      <dgm:t>
+        <a:bodyPr/>
+        <a:lstStyle/>
+        <a:p>
+          <a:endParaRPr lang="zh-CN" altLang="en-US"/>
+        </a:p>
+      </dgm:t>
+    </dgm:pt>
+    <dgm:pt modelId="{7971F718-E188-4FA7-AE93-BA0AA58B84C3}" type="pres">
+      <dgm:prSet presAssocID="{3BBDFE46-044A-4B7A-A7D3-F8AB1827A52B}" presName="horzThree" presStyleCnt="0"/>
+      <dgm:spPr/>
+    </dgm:pt>
+    <dgm:pt modelId="{FE76C62C-A256-4D1C-85B9-8CF7BB73749F}" type="pres">
+      <dgm:prSet presAssocID="{2AEFFF42-1206-422E-BE1E-0C93A3F10EF9}" presName="sibSpaceThree" presStyleCnt="0"/>
+      <dgm:spPr/>
+    </dgm:pt>
+    <dgm:pt modelId="{CECCEEAF-DC41-4961-99CA-63086FDE7AB2}" type="pres">
+      <dgm:prSet presAssocID="{DD9378A2-97A7-4CC6-B2E5-C88EBDC76799}" presName="vertThree" presStyleCnt="0"/>
+      <dgm:spPr/>
+    </dgm:pt>
+    <dgm:pt modelId="{F62A104E-06AA-4843-AE59-747E27A25AD4}" type="pres">
+      <dgm:prSet presAssocID="{DD9378A2-97A7-4CC6-B2E5-C88EBDC76799}" presName="txThree" presStyleLbl="node3" presStyleIdx="5" presStyleCnt="14" custScaleY="48926" custLinFactNeighborY="-12580">
+        <dgm:presLayoutVars>
+          <dgm:chPref val="3"/>
+        </dgm:presLayoutVars>
+      </dgm:prSet>
+      <dgm:spPr/>
+      <dgm:t>
+        <a:bodyPr/>
+        <a:lstStyle/>
+        <a:p>
+          <a:endParaRPr lang="zh-CN" altLang="en-US"/>
+        </a:p>
+      </dgm:t>
+    </dgm:pt>
+    <dgm:pt modelId="{FE2756F2-47DA-44B6-80E1-8A7BE14221CA}" type="pres">
+      <dgm:prSet presAssocID="{DD9378A2-97A7-4CC6-B2E5-C88EBDC76799}" presName="horzThree" presStyleCnt="0"/>
+      <dgm:spPr/>
+    </dgm:pt>
+    <dgm:pt modelId="{988D7080-9A9A-4598-87DC-73998B4470C0}" type="pres">
+      <dgm:prSet presAssocID="{0E58A982-6628-4DB2-86C2-6696E421808C}" presName="sibSpaceThree" presStyleCnt="0"/>
+      <dgm:spPr/>
+    </dgm:pt>
+    <dgm:pt modelId="{C1DD397E-A226-4518-8252-7F29707AB8A1}" type="pres">
+      <dgm:prSet presAssocID="{10F391AB-126F-4E54-872B-1B3A8DCD0069}" presName="vertThree" presStyleCnt="0"/>
+      <dgm:spPr/>
+    </dgm:pt>
+    <dgm:pt modelId="{5C112979-3BC8-4174-9DB4-0522723E50EA}" type="pres">
+      <dgm:prSet presAssocID="{10F391AB-126F-4E54-872B-1B3A8DCD0069}" presName="txThree" presStyleLbl="node3" presStyleIdx="6" presStyleCnt="14" custScaleY="48926" custLinFactNeighborY="-12580">
+        <dgm:presLayoutVars>
+          <dgm:chPref val="3"/>
+        </dgm:presLayoutVars>
+      </dgm:prSet>
+      <dgm:spPr/>
+      <dgm:t>
+        <a:bodyPr/>
+        <a:lstStyle/>
+        <a:p>
+          <a:endParaRPr lang="zh-CN" altLang="en-US"/>
+        </a:p>
+      </dgm:t>
+    </dgm:pt>
+    <dgm:pt modelId="{3135D1DE-3363-4AD2-B0DA-A029E9CAE44D}" type="pres">
+      <dgm:prSet presAssocID="{10F391AB-126F-4E54-872B-1B3A8DCD0069}" presName="horzThree" presStyleCnt="0"/>
+      <dgm:spPr/>
+    </dgm:pt>
+    <dgm:pt modelId="{B63B64D7-C8B3-4CC6-820A-5730DE2E5B44}" type="pres">
+      <dgm:prSet presAssocID="{0C5394C6-08BC-4CAF-8C4D-D7264F9B2588}" presName="sibSpaceThree" presStyleCnt="0"/>
+      <dgm:spPr/>
+    </dgm:pt>
+    <dgm:pt modelId="{BED96AB6-B2D1-48DD-885E-0190A5BDA4CD}" type="pres">
+      <dgm:prSet presAssocID="{80B8A3D0-E113-4CD4-AB27-3A3C177677F4}" presName="vertThree" presStyleCnt="0"/>
+      <dgm:spPr/>
+    </dgm:pt>
+    <dgm:pt modelId="{972EB5F2-9C80-4E71-820E-B5F9AC747338}" type="pres">
+      <dgm:prSet presAssocID="{80B8A3D0-E113-4CD4-AB27-3A3C177677F4}" presName="txThree" presStyleLbl="node3" presStyleIdx="7" presStyleCnt="14" custScaleY="48926" custLinFactNeighborY="-12580">
+        <dgm:presLayoutVars>
+          <dgm:chPref val="3"/>
+        </dgm:presLayoutVars>
+      </dgm:prSet>
+      <dgm:spPr/>
+      <dgm:t>
+        <a:bodyPr/>
+        <a:lstStyle/>
+        <a:p>
+          <a:endParaRPr lang="zh-CN" altLang="en-US"/>
+        </a:p>
+      </dgm:t>
+    </dgm:pt>
+    <dgm:pt modelId="{63C46C26-BB09-4F61-8EED-272AB1E3481A}" type="pres">
+      <dgm:prSet presAssocID="{80B8A3D0-E113-4CD4-AB27-3A3C177677F4}" presName="horzThree" presStyleCnt="0"/>
+      <dgm:spPr/>
+    </dgm:pt>
+    <dgm:pt modelId="{7B78ED08-5E41-413E-B47A-22D9CF7140B2}" type="pres">
+      <dgm:prSet presAssocID="{F2E624E1-08BA-4DB7-96AE-C6878C4CAA1C}" presName="sibSpaceThree" presStyleCnt="0"/>
+      <dgm:spPr/>
+    </dgm:pt>
+    <dgm:pt modelId="{ED6AF7A7-5E64-4B7E-88C1-904DAA65D9AB}" type="pres">
+      <dgm:prSet presAssocID="{ED8B5E74-761E-4C8A-B134-EC7B1B9D8954}" presName="vertThree" presStyleCnt="0"/>
+      <dgm:spPr/>
+    </dgm:pt>
+    <dgm:pt modelId="{2561EA17-48FF-4CE0-AA48-24353811BD98}" type="pres">
+      <dgm:prSet presAssocID="{ED8B5E74-761E-4C8A-B134-EC7B1B9D8954}" presName="txThree" presStyleLbl="node3" presStyleIdx="8" presStyleCnt="14" custScaleY="48926" custLinFactNeighborY="-12580">
+        <dgm:presLayoutVars>
+          <dgm:chPref val="3"/>
+        </dgm:presLayoutVars>
+      </dgm:prSet>
+      <dgm:spPr/>
+      <dgm:t>
+        <a:bodyPr/>
+        <a:lstStyle/>
+        <a:p>
+          <a:endParaRPr lang="zh-CN" altLang="en-US"/>
+        </a:p>
+      </dgm:t>
+    </dgm:pt>
+    <dgm:pt modelId="{9D1C3BE6-BB8F-4ECB-8BF4-A31F1C83C0C4}" type="pres">
+      <dgm:prSet presAssocID="{ED8B5E74-761E-4C8A-B134-EC7B1B9D8954}" presName="horzThree" presStyleCnt="0"/>
+      <dgm:spPr/>
+    </dgm:pt>
+    <dgm:pt modelId="{A5293953-6EF6-4325-B3D3-CD87C3B6DB46}" type="pres">
+      <dgm:prSet presAssocID="{3ED13E8E-C5CB-449A-A071-49CD060189AF}" presName="sibSpaceTwo" presStyleCnt="0"/>
+      <dgm:spPr/>
+    </dgm:pt>
+    <dgm:pt modelId="{52B6901C-D35E-45E9-98DE-C4C2809A4AA1}" type="pres">
+      <dgm:prSet presAssocID="{8905A026-E356-4A95-9704-AC9FFA9DFD22}" presName="vertTwo" presStyleCnt="0"/>
+      <dgm:spPr/>
+    </dgm:pt>
+    <dgm:pt modelId="{6156752C-6D71-4769-BB66-D7AE8D4D86A0}" type="pres">
+      <dgm:prSet presAssocID="{8905A026-E356-4A95-9704-AC9FFA9DFD22}" presName="txTwo" presStyleLbl="node2" presStyleIdx="1" presStyleCnt="3" custScaleY="32693" custLinFactNeighborY="-65142">
+        <dgm:presLayoutVars>
+          <dgm:chPref val="3"/>
+        </dgm:presLayoutVars>
+      </dgm:prSet>
+      <dgm:spPr/>
+      <dgm:t>
+        <a:bodyPr/>
+        <a:lstStyle/>
+        <a:p>
+          <a:endParaRPr lang="zh-CN" altLang="en-US"/>
+        </a:p>
+      </dgm:t>
+    </dgm:pt>
+    <dgm:pt modelId="{4C132350-D0A6-45C3-859A-82BFE22A05B5}" type="pres">
+      <dgm:prSet presAssocID="{8905A026-E356-4A95-9704-AC9FFA9DFD22}" presName="parTransTwo" presStyleCnt="0"/>
+      <dgm:spPr/>
+    </dgm:pt>
+    <dgm:pt modelId="{8CAC3866-A0F9-41BB-9B72-06E6D7716A9C}" type="pres">
+      <dgm:prSet presAssocID="{8905A026-E356-4A95-9704-AC9FFA9DFD22}" presName="horzTwo" presStyleCnt="0"/>
+      <dgm:spPr/>
+    </dgm:pt>
+    <dgm:pt modelId="{3F7E5430-1371-48B7-9D40-DF7E54CC4279}" type="pres">
+      <dgm:prSet presAssocID="{3986FEAF-A1C8-4242-B77C-0C49B2AAC4C2}" presName="vertThree" presStyleCnt="0"/>
+      <dgm:spPr/>
+    </dgm:pt>
+    <dgm:pt modelId="{4B83C3C7-6382-4BA9-A9F4-43BB464992B1}" type="pres">
+      <dgm:prSet presAssocID="{3986FEAF-A1C8-4242-B77C-0C49B2AAC4C2}" presName="txThree" presStyleLbl="node3" presStyleIdx="9" presStyleCnt="14" custScaleY="48926" custLinFactNeighborY="-12598">
+        <dgm:presLayoutVars>
+          <dgm:chPref val="3"/>
+        </dgm:presLayoutVars>
+      </dgm:prSet>
+      <dgm:spPr/>
+      <dgm:t>
+        <a:bodyPr/>
+        <a:lstStyle/>
+        <a:p>
+          <a:endParaRPr lang="zh-CN" altLang="en-US"/>
+        </a:p>
+      </dgm:t>
+    </dgm:pt>
+    <dgm:pt modelId="{97436AC9-430F-4033-95C1-B2BADB707061}" type="pres">
+      <dgm:prSet presAssocID="{3986FEAF-A1C8-4242-B77C-0C49B2AAC4C2}" presName="horzThree" presStyleCnt="0"/>
+      <dgm:spPr/>
+    </dgm:pt>
+    <dgm:pt modelId="{EEC09E2B-CD5E-3C49-8A2E-4002905B08AA}" type="pres">
+      <dgm:prSet presAssocID="{EEBC610A-7F74-4302-8193-D01D888903F6}" presName="sibSpaceThree" presStyleCnt="0"/>
+      <dgm:spPr/>
+    </dgm:pt>
+    <dgm:pt modelId="{9A2C7B5D-8FF7-3748-A003-44C081D0FC2C}" type="pres">
+      <dgm:prSet presAssocID="{A9C8C838-5888-C94C-A03B-2A0781EDC511}" presName="vertThree" presStyleCnt="0"/>
+      <dgm:spPr/>
+    </dgm:pt>
+    <dgm:pt modelId="{DD8378C1-F1AA-F14D-B095-BB21D48B5DCB}" type="pres">
+      <dgm:prSet presAssocID="{A9C8C838-5888-C94C-A03B-2A0781EDC511}" presName="txThree" presStyleLbl="node3" presStyleIdx="10" presStyleCnt="14" custScaleY="42019" custLinFactNeighborX="1262" custLinFactNeighborY="-10956">
+        <dgm:presLayoutVars>
+          <dgm:chPref val="3"/>
+        </dgm:presLayoutVars>
+      </dgm:prSet>
+      <dgm:spPr/>
+      <dgm:t>
+        <a:bodyPr/>
+        <a:lstStyle/>
+        <a:p>
+          <a:endParaRPr lang="zh-CN" altLang="en-US"/>
+        </a:p>
+      </dgm:t>
+    </dgm:pt>
+    <dgm:pt modelId="{2CA9C361-094E-CF4A-B93F-6D6DDF1066FC}" type="pres">
+      <dgm:prSet presAssocID="{A9C8C838-5888-C94C-A03B-2A0781EDC511}" presName="horzThree" presStyleCnt="0"/>
+      <dgm:spPr/>
+    </dgm:pt>
+    <dgm:pt modelId="{BCCB7371-907F-7B4D-8823-891E000BB39F}" type="pres">
+      <dgm:prSet presAssocID="{50A7BEEA-248F-4594-A7D8-35DA8E5630CA}" presName="sibSpaceTwo" presStyleCnt="0"/>
+      <dgm:spPr/>
+    </dgm:pt>
+    <dgm:pt modelId="{2EA3F94E-35F3-3440-8BEC-D5723C793796}" type="pres">
+      <dgm:prSet presAssocID="{EE7FD611-782A-2645-AFA7-7645707B6D8C}" presName="vertTwo" presStyleCnt="0"/>
+      <dgm:spPr/>
+    </dgm:pt>
+    <dgm:pt modelId="{75303D46-D2EA-5F42-B451-A7A1E31EF9CB}" type="pres">
+      <dgm:prSet presAssocID="{EE7FD611-782A-2645-AFA7-7645707B6D8C}" presName="txTwo" presStyleLbl="node2" presStyleIdx="2" presStyleCnt="3" custScaleY="32693">
+        <dgm:presLayoutVars>
+          <dgm:chPref val="3"/>
+        </dgm:presLayoutVars>
+      </dgm:prSet>
+      <dgm:spPr/>
+      <dgm:t>
+        <a:bodyPr/>
+        <a:lstStyle/>
+        <a:p>
+          <a:endParaRPr lang="zh-CN" altLang="en-US"/>
+        </a:p>
+      </dgm:t>
+    </dgm:pt>
+    <dgm:pt modelId="{866E2D76-D14F-AC49-AA64-A35D16753FB3}" type="pres">
+      <dgm:prSet presAssocID="{EE7FD611-782A-2645-AFA7-7645707B6D8C}" presName="parTransTwo" presStyleCnt="0"/>
+      <dgm:spPr/>
+    </dgm:pt>
+    <dgm:pt modelId="{C14551CE-FFDC-2C49-A5E1-A85A371E1192}" type="pres">
+      <dgm:prSet presAssocID="{EE7FD611-782A-2645-AFA7-7645707B6D8C}" presName="horzTwo" presStyleCnt="0"/>
+      <dgm:spPr/>
+    </dgm:pt>
+    <dgm:pt modelId="{B30923F6-2D8F-E14A-B03D-BB28F2B5FDBD}" type="pres">
+      <dgm:prSet presAssocID="{051BED40-ADCD-3C42-8349-522EDABC3524}" presName="vertThree" presStyleCnt="0"/>
+      <dgm:spPr/>
+    </dgm:pt>
+    <dgm:pt modelId="{A11C9B7F-5210-464C-95B4-1C645103BD1F}" type="pres">
+      <dgm:prSet presAssocID="{051BED40-ADCD-3C42-8349-522EDABC3524}" presName="txThree" presStyleLbl="node3" presStyleIdx="11" presStyleCnt="14">
+        <dgm:presLayoutVars>
+          <dgm:chPref val="3"/>
+        </dgm:presLayoutVars>
+      </dgm:prSet>
+      <dgm:spPr/>
+      <dgm:t>
+        <a:bodyPr/>
+        <a:lstStyle/>
+        <a:p>
+          <a:endParaRPr lang="zh-CN" altLang="en-US"/>
+        </a:p>
+      </dgm:t>
+    </dgm:pt>
+    <dgm:pt modelId="{9BE3B57C-44FE-8445-B7A9-C6C8484AC12E}" type="pres">
+      <dgm:prSet presAssocID="{051BED40-ADCD-3C42-8349-522EDABC3524}" presName="horzThree" presStyleCnt="0"/>
+      <dgm:spPr/>
+    </dgm:pt>
+    <dgm:pt modelId="{EFBA8E68-448A-D747-86D1-F73B36D44E09}" type="pres">
+      <dgm:prSet presAssocID="{069BD452-BAB6-4441-91D9-F2F3EBA9EE22}" presName="sibSpaceThree" presStyleCnt="0"/>
+      <dgm:spPr/>
+    </dgm:pt>
+    <dgm:pt modelId="{6B21CDCA-AF08-A14B-8011-5E8E1E724616}" type="pres">
+      <dgm:prSet presAssocID="{A237EE65-F5A1-8943-BFC7-1683D70FEC6A}" presName="vertThree" presStyleCnt="0"/>
+      <dgm:spPr/>
+    </dgm:pt>
+    <dgm:pt modelId="{2E69C0D8-2E98-C74E-91B1-DA35AE196FF1}" type="pres">
+      <dgm:prSet presAssocID="{A237EE65-F5A1-8943-BFC7-1683D70FEC6A}" presName="txThree" presStyleLbl="node3" presStyleIdx="12" presStyleCnt="14">
+        <dgm:presLayoutVars>
+          <dgm:chPref val="3"/>
+        </dgm:presLayoutVars>
+      </dgm:prSet>
+      <dgm:spPr/>
+      <dgm:t>
+        <a:bodyPr/>
+        <a:lstStyle/>
+        <a:p>
+          <a:endParaRPr lang="zh-CN" altLang="en-US"/>
+        </a:p>
+      </dgm:t>
+    </dgm:pt>
+    <dgm:pt modelId="{9F571CE3-DD47-784A-8F2C-A933697D7601}" type="pres">
+      <dgm:prSet presAssocID="{A237EE65-F5A1-8943-BFC7-1683D70FEC6A}" presName="horzThree" presStyleCnt="0"/>
+      <dgm:spPr/>
+    </dgm:pt>
+    <dgm:pt modelId="{28D71865-45C8-AE49-BA9E-B51D20CD37F8}" type="pres">
+      <dgm:prSet presAssocID="{E2F1F90E-7856-7146-9763-0533EC5AFBAE}" presName="sibSpaceThree" presStyleCnt="0"/>
+      <dgm:spPr/>
+    </dgm:pt>
+    <dgm:pt modelId="{EC378159-A3FC-A941-8AE6-9D588B895DC9}" type="pres">
+      <dgm:prSet presAssocID="{23E4F771-C9F3-494E-A2E7-97D83387B4D0}" presName="vertThree" presStyleCnt="0"/>
+      <dgm:spPr/>
+    </dgm:pt>
+    <dgm:pt modelId="{EDFD4183-F820-7E47-B0D2-7F8B71072B18}" type="pres">
+      <dgm:prSet presAssocID="{23E4F771-C9F3-494E-A2E7-97D83387B4D0}" presName="txThree" presStyleLbl="node3" presStyleIdx="13" presStyleCnt="14">
+        <dgm:presLayoutVars>
+          <dgm:chPref val="3"/>
+        </dgm:presLayoutVars>
+      </dgm:prSet>
+      <dgm:spPr/>
+      <dgm:t>
+        <a:bodyPr/>
+        <a:lstStyle/>
+        <a:p>
+          <a:endParaRPr lang="zh-CN" altLang="en-US"/>
+        </a:p>
+      </dgm:t>
+    </dgm:pt>
+    <dgm:pt modelId="{F323918E-9D25-EA41-80D8-8DC809CB1EF2}" type="pres">
+      <dgm:prSet presAssocID="{23E4F771-C9F3-494E-A2E7-97D83387B4D0}" presName="horzThree" presStyleCnt="0"/>
+      <dgm:spPr/>
+    </dgm:pt>
+  </dgm:ptLst>
+  <dgm:cxnLst>
+    <dgm:cxn modelId="{65271F47-F26F-C144-AC05-439AAC0AC16E}" type="presOf" srcId="{23E4F771-C9F3-494E-A2E7-97D83387B4D0}" destId="{EDFD4183-F820-7E47-B0D2-7F8B71072B18}" srcOrd="0" destOrd="0" presId="urn:microsoft.com/office/officeart/2005/8/layout/hierarchy4"/>
+    <dgm:cxn modelId="{15409EA6-1D15-4FE9-8B09-2CA58A31514C}" srcId="{0BAA75C4-663A-4BD3-BD23-87A4F164230D}" destId="{3BBDFE46-044A-4B7A-A7D3-F8AB1827A52B}" srcOrd="4" destOrd="0" parTransId="{ED5997AA-442B-4847-A81A-45F1D766890E}" sibTransId="{2AEFFF42-1206-422E-BE1E-0C93A3F10EF9}"/>
+    <dgm:cxn modelId="{DE71C7D7-EA5D-4CF6-9C02-C4E1CAA4E568}" srcId="{4A68568C-8BE5-4BCC-9BE8-FDCFE9F9560D}" destId="{EE47AE5E-48F2-4EEB-8BE4-C987362F9C13}" srcOrd="0" destOrd="0" parTransId="{674028C6-0AF4-4572-B7F1-82C649882F92}" sibTransId="{B6D94197-1457-4DD1-8222-4A2B36E5DC67}"/>
+    <dgm:cxn modelId="{C12BA111-8938-44F5-A8E7-21C563C686E4}" srcId="{0BAA75C4-663A-4BD3-BD23-87A4F164230D}" destId="{ED8B5E74-761E-4C8A-B134-EC7B1B9D8954}" srcOrd="8" destOrd="0" parTransId="{D0F15E16-D05C-4B1A-8366-0749FCBF92A4}" sibTransId="{2AA502F3-7409-454C-98E7-8D9D3F1A8561}"/>
+    <dgm:cxn modelId="{66EE0398-9ED1-124A-9987-56CBBFDECA42}" type="presOf" srcId="{8905A026-E356-4A95-9704-AC9FFA9DFD22}" destId="{6156752C-6D71-4769-BB66-D7AE8D4D86A0}" srcOrd="0" destOrd="0" presId="urn:microsoft.com/office/officeart/2005/8/layout/hierarchy4"/>
+    <dgm:cxn modelId="{98A2C268-066A-F54A-87E1-7AD80F0CB52C}" type="presOf" srcId="{EE47AE5E-48F2-4EEB-8BE4-C987362F9C13}" destId="{AFD139FA-D5DD-49AE-B1D5-0424F89571EF}" srcOrd="0" destOrd="0" presId="urn:microsoft.com/office/officeart/2005/8/layout/hierarchy4"/>
+    <dgm:cxn modelId="{E2AD2E52-B778-4774-8FA6-C3E5E195DA7D}" srcId="{0BAA75C4-663A-4BD3-BD23-87A4F164230D}" destId="{8A0EF249-B895-4E9F-BA9F-F30E1FDDD56E}" srcOrd="0" destOrd="0" parTransId="{8770FFB6-6296-4AE9-87BF-E45D135677DB}" sibTransId="{5325DC52-0E39-4B4D-B777-085BE0E974C7}"/>
+    <dgm:cxn modelId="{3B443079-8B7D-C441-A004-1FE0E9F97425}" type="presOf" srcId="{0BAA75C4-663A-4BD3-BD23-87A4F164230D}" destId="{93A71FEA-81B3-4E8D-9612-055C724B8975}" srcOrd="0" destOrd="0" presId="urn:microsoft.com/office/officeart/2005/8/layout/hierarchy4"/>
+    <dgm:cxn modelId="{1C8BF0E0-EB0A-444F-A215-CF1DF1A0FB45}" type="presOf" srcId="{A237EE65-F5A1-8943-BFC7-1683D70FEC6A}" destId="{2E69C0D8-2E98-C74E-91B1-DA35AE196FF1}" srcOrd="0" destOrd="0" presId="urn:microsoft.com/office/officeart/2005/8/layout/hierarchy4"/>
+    <dgm:cxn modelId="{76C72D2A-67C8-834D-BAF9-DE77CDAF5C14}" srcId="{8905A026-E356-4A95-9704-AC9FFA9DFD22}" destId="{A9C8C838-5888-C94C-A03B-2A0781EDC511}" srcOrd="1" destOrd="0" parTransId="{EEFFB747-4AC8-744F-90D6-4CC1F506DDB4}" sibTransId="{116CBA39-D28B-9641-B0D5-CA1976F7B89A}"/>
+    <dgm:cxn modelId="{5D61D7B4-4C3E-8D45-9584-3EB150BC9E84}" type="presOf" srcId="{8A0EF249-B895-4E9F-BA9F-F30E1FDDD56E}" destId="{8DC3D14A-3A8E-4589-A771-9EA8E28A5B15}" srcOrd="0" destOrd="0" presId="urn:microsoft.com/office/officeart/2005/8/layout/hierarchy4"/>
+    <dgm:cxn modelId="{42864B5D-66B5-2B4E-B39A-5CB658B51273}" type="presOf" srcId="{3BBDFE46-044A-4B7A-A7D3-F8AB1827A52B}" destId="{A4693C88-FC4B-4624-B378-0D1993BEA08D}" srcOrd="0" destOrd="0" presId="urn:microsoft.com/office/officeart/2005/8/layout/hierarchy4"/>
+    <dgm:cxn modelId="{E2A8AD4D-C5E4-457F-BF3B-0850998404BF}" srcId="{8905A026-E356-4A95-9704-AC9FFA9DFD22}" destId="{3986FEAF-A1C8-4242-B77C-0C49B2AAC4C2}" srcOrd="0" destOrd="0" parTransId="{15D45FAA-8097-45A7-BE1E-9325FA297F5F}" sibTransId="{EEBC610A-7F74-4302-8193-D01D888903F6}"/>
+    <dgm:cxn modelId="{198186FE-E324-4EDF-AF4F-0A5857FDA0F4}" srcId="{0BAA75C4-663A-4BD3-BD23-87A4F164230D}" destId="{80B8A3D0-E113-4CD4-AB27-3A3C177677F4}" srcOrd="7" destOrd="0" parTransId="{244A38DE-6881-42F5-A9B6-C214A9ECA34E}" sibTransId="{F2E624E1-08BA-4DB7-96AE-C6878C4CAA1C}"/>
+    <dgm:cxn modelId="{481DF8D6-5807-4610-8F10-787035EE337B}" srcId="{0BAA75C4-663A-4BD3-BD23-87A4F164230D}" destId="{10F391AB-126F-4E54-872B-1B3A8DCD0069}" srcOrd="6" destOrd="0" parTransId="{F12A7989-574B-48FB-BC4B-B79A245EA242}" sibTransId="{0C5394C6-08BC-4CAF-8C4D-D7264F9B2588}"/>
+    <dgm:cxn modelId="{4AD431F8-D98B-5346-BA73-8C229B088257}" type="presOf" srcId="{DD9378A2-97A7-4CC6-B2E5-C88EBDC76799}" destId="{F62A104E-06AA-4843-AE59-747E27A25AD4}" srcOrd="0" destOrd="0" presId="urn:microsoft.com/office/officeart/2005/8/layout/hierarchy4"/>
+    <dgm:cxn modelId="{7B4D3B35-EB71-584A-A6FF-86B18EBE1A7A}" type="presOf" srcId="{EE7FD611-782A-2645-AFA7-7645707B6D8C}" destId="{75303D46-D2EA-5F42-B451-A7A1E31EF9CB}" srcOrd="0" destOrd="0" presId="urn:microsoft.com/office/officeart/2005/8/layout/hierarchy4"/>
+    <dgm:cxn modelId="{7C8D1979-7AF8-FF45-BC80-AA4559FF88F9}" type="presOf" srcId="{051BED40-ADCD-3C42-8349-522EDABC3524}" destId="{A11C9B7F-5210-464C-95B4-1C645103BD1F}" srcOrd="0" destOrd="0" presId="urn:microsoft.com/office/officeart/2005/8/layout/hierarchy4"/>
+    <dgm:cxn modelId="{443CCDF3-FDAC-48B7-BB5A-4FEB511412E5}" srcId="{0BAA75C4-663A-4BD3-BD23-87A4F164230D}" destId="{AED13F7C-69DE-4328-B2A8-413DCE860BFD}" srcOrd="3" destOrd="0" parTransId="{BA62F164-7512-4211-9020-34F206E13A40}" sibTransId="{F5FBBF28-BEC8-4537-94FD-9453ACB77E17}"/>
+    <dgm:cxn modelId="{910E4ABB-72A4-5446-A4DF-80C3F3CAD9BD}" type="presOf" srcId="{4A68568C-8BE5-4BCC-9BE8-FDCFE9F9560D}" destId="{531267AC-0638-4EE7-9ECC-53F01F950BC3}" srcOrd="0" destOrd="0" presId="urn:microsoft.com/office/officeart/2005/8/layout/hierarchy4"/>
+    <dgm:cxn modelId="{4CC57C02-B82F-488E-93B8-240C814EDF07}" srcId="{0BAA75C4-663A-4BD3-BD23-87A4F164230D}" destId="{DD9378A2-97A7-4CC6-B2E5-C88EBDC76799}" srcOrd="5" destOrd="0" parTransId="{1DD2A7BA-8E46-47FD-A0D5-2B052043D1E4}" sibTransId="{0E58A982-6628-4DB2-86C2-6696E421808C}"/>
+    <dgm:cxn modelId="{50EF0434-8B31-4EF6-937B-0AC5079AF851}" srcId="{0BAA75C4-663A-4BD3-BD23-87A4F164230D}" destId="{2561F267-071C-4E4B-9F5C-F396F3338ED3}" srcOrd="1" destOrd="0" parTransId="{24A5F3FC-B427-456E-BA98-89B7EFAF62C0}" sibTransId="{1B749E92-DFDD-4649-9493-A52B08B923D2}"/>
+    <dgm:cxn modelId="{56039BAD-BE43-A64B-A77F-A86E5EAA9629}" type="presOf" srcId="{ED8B5E74-761E-4C8A-B134-EC7B1B9D8954}" destId="{2561EA17-48FF-4CE0-AA48-24353811BD98}" srcOrd="0" destOrd="0" presId="urn:microsoft.com/office/officeart/2005/8/layout/hierarchy4"/>
+    <dgm:cxn modelId="{7EDCE22F-18A9-0742-B6BF-B5C44423D483}" srcId="{EE7FD611-782A-2645-AFA7-7645707B6D8C}" destId="{23E4F771-C9F3-494E-A2E7-97D83387B4D0}" srcOrd="2" destOrd="0" parTransId="{CCA9B981-7148-E548-88EB-5AB229E7B445}" sibTransId="{4C6F7BAF-7203-3B4C-9F46-03D905A6E2B7}"/>
+    <dgm:cxn modelId="{5F5F59D0-D81A-4810-879E-8B43D63DDB55}" srcId="{EE47AE5E-48F2-4EEB-8BE4-C987362F9C13}" destId="{8905A026-E356-4A95-9704-AC9FFA9DFD22}" srcOrd="1" destOrd="0" parTransId="{EA84A46E-7AD5-44B6-837D-B285B00DC4FF}" sibTransId="{50A7BEEA-248F-4594-A7D8-35DA8E5630CA}"/>
+    <dgm:cxn modelId="{8A79A1BB-D1AF-6B4D-85F0-ACBA736514C4}" type="presOf" srcId="{10F391AB-126F-4E54-872B-1B3A8DCD0069}" destId="{5C112979-3BC8-4174-9DB4-0522723E50EA}" srcOrd="0" destOrd="0" presId="urn:microsoft.com/office/officeart/2005/8/layout/hierarchy4"/>
+    <dgm:cxn modelId="{82F7666D-A9FB-CA4E-A489-B54EAE3FC755}" type="presOf" srcId="{AED13F7C-69DE-4328-B2A8-413DCE860BFD}" destId="{BADC8F12-1C8A-4DC0-BE7F-A820063E315D}" srcOrd="0" destOrd="0" presId="urn:microsoft.com/office/officeart/2005/8/layout/hierarchy4"/>
+    <dgm:cxn modelId="{D1C797D7-B5B2-4066-ABB2-E833F1CF4BB5}" srcId="{0BAA75C4-663A-4BD3-BD23-87A4F164230D}" destId="{80DE05A9-6062-4FBE-9DFA-1EB587925D1A}" srcOrd="2" destOrd="0" parTransId="{0C62EFC2-6441-4183-B8EF-2A4C96515F96}" sibTransId="{074886CD-2EE9-44A9-BED7-3231ED1EC49C}"/>
+    <dgm:cxn modelId="{47BFAC82-0A98-2B45-9738-8286C9A0C039}" type="presOf" srcId="{3986FEAF-A1C8-4242-B77C-0C49B2AAC4C2}" destId="{4B83C3C7-6382-4BA9-A9F4-43BB464992B1}" srcOrd="0" destOrd="0" presId="urn:microsoft.com/office/officeart/2005/8/layout/hierarchy4"/>
+    <dgm:cxn modelId="{457BB078-0EA8-E94A-837C-E8E3F7248637}" type="presOf" srcId="{A9C8C838-5888-C94C-A03B-2A0781EDC511}" destId="{DD8378C1-F1AA-F14D-B095-BB21D48B5DCB}" srcOrd="0" destOrd="0" presId="urn:microsoft.com/office/officeart/2005/8/layout/hierarchy4"/>
+    <dgm:cxn modelId="{A09D7459-6A90-FA4F-830E-1DF77757CB8D}" srcId="{EE7FD611-782A-2645-AFA7-7645707B6D8C}" destId="{051BED40-ADCD-3C42-8349-522EDABC3524}" srcOrd="0" destOrd="0" parTransId="{ED124BCD-9F65-B04A-8A0C-093AD294B73C}" sibTransId="{069BD452-BAB6-4441-91D9-F2F3EBA9EE22}"/>
+    <dgm:cxn modelId="{B5294987-9884-F748-A36D-78581346916A}" srcId="{EE7FD611-782A-2645-AFA7-7645707B6D8C}" destId="{A237EE65-F5A1-8943-BFC7-1683D70FEC6A}" srcOrd="1" destOrd="0" parTransId="{490E0434-17BA-7F41-B0A8-5DEB8576F8E8}" sibTransId="{E2F1F90E-7856-7146-9763-0533EC5AFBAE}"/>
+    <dgm:cxn modelId="{67424EEE-3B94-1640-B70D-12C2627A68FF}" srcId="{EE47AE5E-48F2-4EEB-8BE4-C987362F9C13}" destId="{EE7FD611-782A-2645-AFA7-7645707B6D8C}" srcOrd="2" destOrd="0" parTransId="{0D2CDC3E-D9ED-5042-8DE1-59D96638F54C}" sibTransId="{4A12DD3E-4D7C-CA41-B73A-0420E3106204}"/>
+    <dgm:cxn modelId="{4890BE75-4582-4441-85A7-E3C516518DDE}" type="presOf" srcId="{80DE05A9-6062-4FBE-9DFA-1EB587925D1A}" destId="{1AB7E021-925F-49DE-A973-672ED3F3181B}" srcOrd="0" destOrd="0" presId="urn:microsoft.com/office/officeart/2005/8/layout/hierarchy4"/>
+    <dgm:cxn modelId="{0411D9C1-2887-7D49-B4A1-30463D632409}" type="presOf" srcId="{80B8A3D0-E113-4CD4-AB27-3A3C177677F4}" destId="{972EB5F2-9C80-4E71-820E-B5F9AC747338}" srcOrd="0" destOrd="0" presId="urn:microsoft.com/office/officeart/2005/8/layout/hierarchy4"/>
+    <dgm:cxn modelId="{E316CAE5-D6F2-4FCD-B426-41EDD3F92CF3}" srcId="{EE47AE5E-48F2-4EEB-8BE4-C987362F9C13}" destId="{0BAA75C4-663A-4BD3-BD23-87A4F164230D}" srcOrd="0" destOrd="0" parTransId="{0F57DD8B-6BAF-45C1-82CC-165AEEA5FF2A}" sibTransId="{3ED13E8E-C5CB-449A-A071-49CD060189AF}"/>
+    <dgm:cxn modelId="{081C0DD9-8919-B244-B77D-AD1CDB2CD250}" type="presOf" srcId="{2561F267-071C-4E4B-9F5C-F396F3338ED3}" destId="{F83B4507-D488-4308-848D-34AB8006A2E2}" srcOrd="0" destOrd="0" presId="urn:microsoft.com/office/officeart/2005/8/layout/hierarchy4"/>
+    <dgm:cxn modelId="{E2C59C81-DF74-6F45-99D0-887E1710E92E}" type="presParOf" srcId="{531267AC-0638-4EE7-9ECC-53F01F950BC3}" destId="{9FD29C08-1F7B-4C00-8D50-94B19CC769D5}" srcOrd="0" destOrd="0" presId="urn:microsoft.com/office/officeart/2005/8/layout/hierarchy4"/>
+    <dgm:cxn modelId="{3E5E4094-BC70-344F-A2AE-1ABC9017F770}" type="presParOf" srcId="{9FD29C08-1F7B-4C00-8D50-94B19CC769D5}" destId="{AFD139FA-D5DD-49AE-B1D5-0424F89571EF}" srcOrd="0" destOrd="0" presId="urn:microsoft.com/office/officeart/2005/8/layout/hierarchy4"/>
+    <dgm:cxn modelId="{7BBA1C4A-33C1-8548-A009-0BC9FD50290B}" type="presParOf" srcId="{9FD29C08-1F7B-4C00-8D50-94B19CC769D5}" destId="{CA42F77B-05E2-413F-8FEA-FED07DC70FB8}" srcOrd="1" destOrd="0" presId="urn:microsoft.com/office/officeart/2005/8/layout/hierarchy4"/>
+    <dgm:cxn modelId="{18AD7490-773D-8041-B127-70106DBAAE68}" type="presParOf" srcId="{9FD29C08-1F7B-4C00-8D50-94B19CC769D5}" destId="{B0D326F6-2924-4BF8-9B2B-C067E7404C40}" srcOrd="2" destOrd="0" presId="urn:microsoft.com/office/officeart/2005/8/layout/hierarchy4"/>
+    <dgm:cxn modelId="{5434CF93-02FF-D747-8C10-171A970B9920}" type="presParOf" srcId="{B0D326F6-2924-4BF8-9B2B-C067E7404C40}" destId="{BC7B36D9-63C1-4677-9D77-803749B0849F}" srcOrd="0" destOrd="0" presId="urn:microsoft.com/office/officeart/2005/8/layout/hierarchy4"/>
+    <dgm:cxn modelId="{79A13899-8C1B-0442-93F2-03315EC75D20}" type="presParOf" srcId="{BC7B36D9-63C1-4677-9D77-803749B0849F}" destId="{93A71FEA-81B3-4E8D-9612-055C724B8975}" srcOrd="0" destOrd="0" presId="urn:microsoft.com/office/officeart/2005/8/layout/hierarchy4"/>
+    <dgm:cxn modelId="{CFB63517-5881-1C43-B9C3-06DF9C93C568}" type="presParOf" srcId="{BC7B36D9-63C1-4677-9D77-803749B0849F}" destId="{D18DCFD2-F497-4674-B5CE-879FE3C369AA}" srcOrd="1" destOrd="0" presId="urn:microsoft.com/office/officeart/2005/8/layout/hierarchy4"/>
+    <dgm:cxn modelId="{42F50CFC-4AF5-7D4A-B12D-3E36B54D25BC}" type="presParOf" srcId="{BC7B36D9-63C1-4677-9D77-803749B0849F}" destId="{BCFD3CB8-C7ED-4272-A2A5-1411D9C130BF}" srcOrd="2" destOrd="0" presId="urn:microsoft.com/office/officeart/2005/8/layout/hierarchy4"/>
+    <dgm:cxn modelId="{D5DC3CAC-2FEF-5248-9D61-5544A43465BA}" type="presParOf" srcId="{BCFD3CB8-C7ED-4272-A2A5-1411D9C130BF}" destId="{3DA8D984-4B13-49DF-94B6-17D2ECAEA5AF}" srcOrd="0" destOrd="0" presId="urn:microsoft.com/office/officeart/2005/8/layout/hierarchy4"/>
+    <dgm:cxn modelId="{4CC15131-CFD0-1845-9439-2FBFC5CC68A7}" type="presParOf" srcId="{3DA8D984-4B13-49DF-94B6-17D2ECAEA5AF}" destId="{8DC3D14A-3A8E-4589-A771-9EA8E28A5B15}" srcOrd="0" destOrd="0" presId="urn:microsoft.com/office/officeart/2005/8/layout/hierarchy4"/>
+    <dgm:cxn modelId="{B6B4BFAF-F373-384C-B97B-ADB1E626DA29}" type="presParOf" srcId="{3DA8D984-4B13-49DF-94B6-17D2ECAEA5AF}" destId="{07835B66-9ACA-4B3A-B4C1-8DD6546CBA73}" srcOrd="1" destOrd="0" presId="urn:microsoft.com/office/officeart/2005/8/layout/hierarchy4"/>
+    <dgm:cxn modelId="{33176623-880B-1F46-99EB-168866EF10C0}" type="presParOf" srcId="{BCFD3CB8-C7ED-4272-A2A5-1411D9C130BF}" destId="{7755AD63-84CC-4C15-BEE4-8BBB33E817E8}" srcOrd="1" destOrd="0" presId="urn:microsoft.com/office/officeart/2005/8/layout/hierarchy4"/>
+    <dgm:cxn modelId="{ECBA3D7F-8D3B-E843-8321-7221B487D9D6}" type="presParOf" srcId="{BCFD3CB8-C7ED-4272-A2A5-1411D9C130BF}" destId="{971B9ADD-D50B-4518-95BB-C2BFAD496DAA}" srcOrd="2" destOrd="0" presId="urn:microsoft.com/office/officeart/2005/8/layout/hierarchy4"/>
+    <dgm:cxn modelId="{9B11BB3D-90A1-064C-85EE-F3B3C82132A5}" type="presParOf" srcId="{971B9ADD-D50B-4518-95BB-C2BFAD496DAA}" destId="{F83B4507-D488-4308-848D-34AB8006A2E2}" srcOrd="0" destOrd="0" presId="urn:microsoft.com/office/officeart/2005/8/layout/hierarchy4"/>
+    <dgm:cxn modelId="{160483C2-AB17-E844-9478-3AD873F84363}" type="presParOf" srcId="{971B9ADD-D50B-4518-95BB-C2BFAD496DAA}" destId="{AB917AE1-EC1A-406A-94A3-8EDF60B176E5}" srcOrd="1" destOrd="0" presId="urn:microsoft.com/office/officeart/2005/8/layout/hierarchy4"/>
+    <dgm:cxn modelId="{47BB64BA-F471-4B41-BEAB-DB5899B3C3E9}" type="presParOf" srcId="{BCFD3CB8-C7ED-4272-A2A5-1411D9C130BF}" destId="{27C49DE8-D1CE-4733-888C-CCE2DA9ADF0D}" srcOrd="3" destOrd="0" presId="urn:microsoft.com/office/officeart/2005/8/layout/hierarchy4"/>
+    <dgm:cxn modelId="{73D5BB4F-80D5-324C-9FCD-248EB5CB6220}" type="presParOf" srcId="{BCFD3CB8-C7ED-4272-A2A5-1411D9C130BF}" destId="{8A72742B-B6D8-44D8-B64E-6FC2791BC5D5}" srcOrd="4" destOrd="0" presId="urn:microsoft.com/office/officeart/2005/8/layout/hierarchy4"/>
+    <dgm:cxn modelId="{7F55F3A4-530F-BB49-9989-C0D0828F5E63}" type="presParOf" srcId="{8A72742B-B6D8-44D8-B64E-6FC2791BC5D5}" destId="{1AB7E021-925F-49DE-A973-672ED3F3181B}" srcOrd="0" destOrd="0" presId="urn:microsoft.com/office/officeart/2005/8/layout/hierarchy4"/>
+    <dgm:cxn modelId="{7A45D588-4489-E449-81A9-7563213D3724}" type="presParOf" srcId="{8A72742B-B6D8-44D8-B64E-6FC2791BC5D5}" destId="{1C1341DA-BB1A-43D1-8823-CFCBEF652151}" srcOrd="1" destOrd="0" presId="urn:microsoft.com/office/officeart/2005/8/layout/hierarchy4"/>
+    <dgm:cxn modelId="{423B1760-D2D2-D045-BCD7-0F02897D26C4}" type="presParOf" srcId="{BCFD3CB8-C7ED-4272-A2A5-1411D9C130BF}" destId="{23524E74-E554-4812-BE3B-D79F85D2E3CE}" srcOrd="5" destOrd="0" presId="urn:microsoft.com/office/officeart/2005/8/layout/hierarchy4"/>
+    <dgm:cxn modelId="{00570E14-B98E-0244-B028-0B1E2C8494D9}" type="presParOf" srcId="{BCFD3CB8-C7ED-4272-A2A5-1411D9C130BF}" destId="{1ABEFB46-0117-4440-B603-B3F3D91B45ED}" srcOrd="6" destOrd="0" presId="urn:microsoft.com/office/officeart/2005/8/layout/hierarchy4"/>
+    <dgm:cxn modelId="{1105CB63-1A2F-324D-AA5A-0548CD9ACF5A}" type="presParOf" srcId="{1ABEFB46-0117-4440-B603-B3F3D91B45ED}" destId="{BADC8F12-1C8A-4DC0-BE7F-A820063E315D}" srcOrd="0" destOrd="0" presId="urn:microsoft.com/office/officeart/2005/8/layout/hierarchy4"/>
+    <dgm:cxn modelId="{0F019153-DBAC-B346-BED1-F18F0C46F13D}" type="presParOf" srcId="{1ABEFB46-0117-4440-B603-B3F3D91B45ED}" destId="{C16ACF3F-6999-4527-8E04-2CADC77D866A}" srcOrd="1" destOrd="0" presId="urn:microsoft.com/office/officeart/2005/8/layout/hierarchy4"/>
+    <dgm:cxn modelId="{663EDED9-D172-B34E-99B9-34BF9E2DC264}" type="presParOf" srcId="{BCFD3CB8-C7ED-4272-A2A5-1411D9C130BF}" destId="{CDBCA27A-07A7-485F-B637-FBAF68AEC4D4}" srcOrd="7" destOrd="0" presId="urn:microsoft.com/office/officeart/2005/8/layout/hierarchy4"/>
+    <dgm:cxn modelId="{34248185-6C24-4542-B195-FF189BFFF929}" type="presParOf" srcId="{BCFD3CB8-C7ED-4272-A2A5-1411D9C130BF}" destId="{E291ED5B-188C-4999-99ED-2DB75996EAA6}" srcOrd="8" destOrd="0" presId="urn:microsoft.com/office/officeart/2005/8/layout/hierarchy4"/>
+    <dgm:cxn modelId="{274C9182-53AA-444D-B2C2-B230D1DD9361}" type="presParOf" srcId="{E291ED5B-188C-4999-99ED-2DB75996EAA6}" destId="{A4693C88-FC4B-4624-B378-0D1993BEA08D}" srcOrd="0" destOrd="0" presId="urn:microsoft.com/office/officeart/2005/8/layout/hierarchy4"/>
+    <dgm:cxn modelId="{AAC59E74-E8E5-7A4D-90A3-1BCD3117540A}" type="presParOf" srcId="{E291ED5B-188C-4999-99ED-2DB75996EAA6}" destId="{7971F718-E188-4FA7-AE93-BA0AA58B84C3}" srcOrd="1" destOrd="0" presId="urn:microsoft.com/office/officeart/2005/8/layout/hierarchy4"/>
+    <dgm:cxn modelId="{0185895D-DECC-3E47-AA4A-F9610302C298}" type="presParOf" srcId="{BCFD3CB8-C7ED-4272-A2A5-1411D9C130BF}" destId="{FE76C62C-A256-4D1C-85B9-8CF7BB73749F}" srcOrd="9" destOrd="0" presId="urn:microsoft.com/office/officeart/2005/8/layout/hierarchy4"/>
+    <dgm:cxn modelId="{9EBBC220-61B8-C642-813E-852D31B2723C}" type="presParOf" srcId="{BCFD3CB8-C7ED-4272-A2A5-1411D9C130BF}" destId="{CECCEEAF-DC41-4961-99CA-63086FDE7AB2}" srcOrd="10" destOrd="0" presId="urn:microsoft.com/office/officeart/2005/8/layout/hierarchy4"/>
+    <dgm:cxn modelId="{0A161E86-AE5C-B140-8F18-9B5D5B98A05B}" type="presParOf" srcId="{CECCEEAF-DC41-4961-99CA-63086FDE7AB2}" destId="{F62A104E-06AA-4843-AE59-747E27A25AD4}" srcOrd="0" destOrd="0" presId="urn:microsoft.com/office/officeart/2005/8/layout/hierarchy4"/>
+    <dgm:cxn modelId="{23420AF3-7FCB-E049-AB90-9006830184D4}" type="presParOf" srcId="{CECCEEAF-DC41-4961-99CA-63086FDE7AB2}" destId="{FE2756F2-47DA-44B6-80E1-8A7BE14221CA}" srcOrd="1" destOrd="0" presId="urn:microsoft.com/office/officeart/2005/8/layout/hierarchy4"/>
+    <dgm:cxn modelId="{EAB6FA3A-84A7-024D-A408-15350E9DF3BF}" type="presParOf" srcId="{BCFD3CB8-C7ED-4272-A2A5-1411D9C130BF}" destId="{988D7080-9A9A-4598-87DC-73998B4470C0}" srcOrd="11" destOrd="0" presId="urn:microsoft.com/office/officeart/2005/8/layout/hierarchy4"/>
+    <dgm:cxn modelId="{53C7D94B-32B9-3940-A2A9-B0D79D9E79C7}" type="presParOf" srcId="{BCFD3CB8-C7ED-4272-A2A5-1411D9C130BF}" destId="{C1DD397E-A226-4518-8252-7F29707AB8A1}" srcOrd="12" destOrd="0" presId="urn:microsoft.com/office/officeart/2005/8/layout/hierarchy4"/>
+    <dgm:cxn modelId="{1EF65F17-2236-3840-B994-EDEFC2E8CE2E}" type="presParOf" srcId="{C1DD397E-A226-4518-8252-7F29707AB8A1}" destId="{5C112979-3BC8-4174-9DB4-0522723E50EA}" srcOrd="0" destOrd="0" presId="urn:microsoft.com/office/officeart/2005/8/layout/hierarchy4"/>
+    <dgm:cxn modelId="{81BC134F-9CB8-4542-ACCD-B391AE26F540}" type="presParOf" srcId="{C1DD397E-A226-4518-8252-7F29707AB8A1}" destId="{3135D1DE-3363-4AD2-B0DA-A029E9CAE44D}" srcOrd="1" destOrd="0" presId="urn:microsoft.com/office/officeart/2005/8/layout/hierarchy4"/>
+    <dgm:cxn modelId="{44C7885B-F93D-4946-B7E4-EF8945E966E6}" type="presParOf" srcId="{BCFD3CB8-C7ED-4272-A2A5-1411D9C130BF}" destId="{B63B64D7-C8B3-4CC6-820A-5730DE2E5B44}" srcOrd="13" destOrd="0" presId="urn:microsoft.com/office/officeart/2005/8/layout/hierarchy4"/>
+    <dgm:cxn modelId="{C7EF66D0-E690-A24B-BD6A-DBB4D7578899}" type="presParOf" srcId="{BCFD3CB8-C7ED-4272-A2A5-1411D9C130BF}" destId="{BED96AB6-B2D1-48DD-885E-0190A5BDA4CD}" srcOrd="14" destOrd="0" presId="urn:microsoft.com/office/officeart/2005/8/layout/hierarchy4"/>
+    <dgm:cxn modelId="{D620CA5D-4D65-644F-8EFC-A0FA94117AB9}" type="presParOf" srcId="{BED96AB6-B2D1-48DD-885E-0190A5BDA4CD}" destId="{972EB5F2-9C80-4E71-820E-B5F9AC747338}" srcOrd="0" destOrd="0" presId="urn:microsoft.com/office/officeart/2005/8/layout/hierarchy4"/>
+    <dgm:cxn modelId="{6860B846-7826-1A47-8252-430866F0EDFB}" type="presParOf" srcId="{BED96AB6-B2D1-48DD-885E-0190A5BDA4CD}" destId="{63C46C26-BB09-4F61-8EED-272AB1E3481A}" srcOrd="1" destOrd="0" presId="urn:microsoft.com/office/officeart/2005/8/layout/hierarchy4"/>
+    <dgm:cxn modelId="{E1F9E2DE-04DA-5E45-8B15-6CAD3A480C91}" type="presParOf" srcId="{BCFD3CB8-C7ED-4272-A2A5-1411D9C130BF}" destId="{7B78ED08-5E41-413E-B47A-22D9CF7140B2}" srcOrd="15" destOrd="0" presId="urn:microsoft.com/office/officeart/2005/8/layout/hierarchy4"/>
+    <dgm:cxn modelId="{CE697A7C-3484-A74A-A4E7-44EB4FCE6E95}" type="presParOf" srcId="{BCFD3CB8-C7ED-4272-A2A5-1411D9C130BF}" destId="{ED6AF7A7-5E64-4B7E-88C1-904DAA65D9AB}" srcOrd="16" destOrd="0" presId="urn:microsoft.com/office/officeart/2005/8/layout/hierarchy4"/>
+    <dgm:cxn modelId="{1AA2DEAA-EDEE-6049-8700-41ACB9915793}" type="presParOf" srcId="{ED6AF7A7-5E64-4B7E-88C1-904DAA65D9AB}" destId="{2561EA17-48FF-4CE0-AA48-24353811BD98}" srcOrd="0" destOrd="0" presId="urn:microsoft.com/office/officeart/2005/8/layout/hierarchy4"/>
+    <dgm:cxn modelId="{C77D79F5-8BC4-7A4A-86E0-C44261ADB6AC}" type="presParOf" srcId="{ED6AF7A7-5E64-4B7E-88C1-904DAA65D9AB}" destId="{9D1C3BE6-BB8F-4ECB-8BF4-A31F1C83C0C4}" srcOrd="1" destOrd="0" presId="urn:microsoft.com/office/officeart/2005/8/layout/hierarchy4"/>
+    <dgm:cxn modelId="{EE99FB04-5F6C-6F46-8897-669913DA9C0A}" type="presParOf" srcId="{B0D326F6-2924-4BF8-9B2B-C067E7404C40}" destId="{A5293953-6EF6-4325-B3D3-CD87C3B6DB46}" srcOrd="1" destOrd="0" presId="urn:microsoft.com/office/officeart/2005/8/layout/hierarchy4"/>
+    <dgm:cxn modelId="{1207D62B-A80F-304C-8AC5-8FC00A1B01F0}" type="presParOf" srcId="{B0D326F6-2924-4BF8-9B2B-C067E7404C40}" destId="{52B6901C-D35E-45E9-98DE-C4C2809A4AA1}" srcOrd="2" destOrd="0" presId="urn:microsoft.com/office/officeart/2005/8/layout/hierarchy4"/>
+    <dgm:cxn modelId="{F28B5183-8C14-8243-874A-F2621ED54944}" type="presParOf" srcId="{52B6901C-D35E-45E9-98DE-C4C2809A4AA1}" destId="{6156752C-6D71-4769-BB66-D7AE8D4D86A0}" srcOrd="0" destOrd="0" presId="urn:microsoft.com/office/officeart/2005/8/layout/hierarchy4"/>
+    <dgm:cxn modelId="{B9C811ED-1A8C-CD41-8586-F6D3B96611A3}" type="presParOf" srcId="{52B6901C-D35E-45E9-98DE-C4C2809A4AA1}" destId="{4C132350-D0A6-45C3-859A-82BFE22A05B5}" srcOrd="1" destOrd="0" presId="urn:microsoft.com/office/officeart/2005/8/layout/hierarchy4"/>
+    <dgm:cxn modelId="{3E7168E3-C633-E34B-8A03-A453460450EE}" type="presParOf" srcId="{52B6901C-D35E-45E9-98DE-C4C2809A4AA1}" destId="{8CAC3866-A0F9-41BB-9B72-06E6D7716A9C}" srcOrd="2" destOrd="0" presId="urn:microsoft.com/office/officeart/2005/8/layout/hierarchy4"/>
+    <dgm:cxn modelId="{359C6170-DEF0-5447-A21D-07CFF8C1B654}" type="presParOf" srcId="{8CAC3866-A0F9-41BB-9B72-06E6D7716A9C}" destId="{3F7E5430-1371-48B7-9D40-DF7E54CC4279}" srcOrd="0" destOrd="0" presId="urn:microsoft.com/office/officeart/2005/8/layout/hierarchy4"/>
+    <dgm:cxn modelId="{DBD67B97-E60D-554F-9AB5-5CDDCD70303C}" type="presParOf" srcId="{3F7E5430-1371-48B7-9D40-DF7E54CC4279}" destId="{4B83C3C7-6382-4BA9-A9F4-43BB464992B1}" srcOrd="0" destOrd="0" presId="urn:microsoft.com/office/officeart/2005/8/layout/hierarchy4"/>
+    <dgm:cxn modelId="{B0DAD56D-CD1C-5044-9D2A-90E36F97A1E1}" type="presParOf" srcId="{3F7E5430-1371-48B7-9D40-DF7E54CC4279}" destId="{97436AC9-430F-4033-95C1-B2BADB707061}" srcOrd="1" destOrd="0" presId="urn:microsoft.com/office/officeart/2005/8/layout/hierarchy4"/>
+    <dgm:cxn modelId="{386898E3-CF44-354B-8282-1A93C7DABC34}" type="presParOf" srcId="{8CAC3866-A0F9-41BB-9B72-06E6D7716A9C}" destId="{EEC09E2B-CD5E-3C49-8A2E-4002905B08AA}" srcOrd="1" destOrd="0" presId="urn:microsoft.com/office/officeart/2005/8/layout/hierarchy4"/>
+    <dgm:cxn modelId="{827785F3-8362-8C49-963B-A65428F9BF42}" type="presParOf" srcId="{8CAC3866-A0F9-41BB-9B72-06E6D7716A9C}" destId="{9A2C7B5D-8FF7-3748-A003-44C081D0FC2C}" srcOrd="2" destOrd="0" presId="urn:microsoft.com/office/officeart/2005/8/layout/hierarchy4"/>
+    <dgm:cxn modelId="{5557DAAC-5F99-334A-A278-58B4430533E6}" type="presParOf" srcId="{9A2C7B5D-8FF7-3748-A003-44C081D0FC2C}" destId="{DD8378C1-F1AA-F14D-B095-BB21D48B5DCB}" srcOrd="0" destOrd="0" presId="urn:microsoft.com/office/officeart/2005/8/layout/hierarchy4"/>
+    <dgm:cxn modelId="{0B86B1C0-60CB-F34C-BD23-330506CFF3DE}" type="presParOf" srcId="{9A2C7B5D-8FF7-3748-A003-44C081D0FC2C}" destId="{2CA9C361-094E-CF4A-B93F-6D6DDF1066FC}" srcOrd="1" destOrd="0" presId="urn:microsoft.com/office/officeart/2005/8/layout/hierarchy4"/>
+    <dgm:cxn modelId="{3C192B85-1D70-7C45-B650-1015E3ADC98F}" type="presParOf" srcId="{B0D326F6-2924-4BF8-9B2B-C067E7404C40}" destId="{BCCB7371-907F-7B4D-8823-891E000BB39F}" srcOrd="3" destOrd="0" presId="urn:microsoft.com/office/officeart/2005/8/layout/hierarchy4"/>
+    <dgm:cxn modelId="{24C15F9F-5C5F-BE4C-9FDE-3737F7CCD65F}" type="presParOf" srcId="{B0D326F6-2924-4BF8-9B2B-C067E7404C40}" destId="{2EA3F94E-35F3-3440-8BEC-D5723C793796}" srcOrd="4" destOrd="0" presId="urn:microsoft.com/office/officeart/2005/8/layout/hierarchy4"/>
+    <dgm:cxn modelId="{5D9BCAFC-9043-374F-9324-124331FCD516}" type="presParOf" srcId="{2EA3F94E-35F3-3440-8BEC-D5723C793796}" destId="{75303D46-D2EA-5F42-B451-A7A1E31EF9CB}" srcOrd="0" destOrd="0" presId="urn:microsoft.com/office/officeart/2005/8/layout/hierarchy4"/>
+    <dgm:cxn modelId="{77DDC549-6280-3B43-B990-9D2F5BFDA754}" type="presParOf" srcId="{2EA3F94E-35F3-3440-8BEC-D5723C793796}" destId="{866E2D76-D14F-AC49-AA64-A35D16753FB3}" srcOrd="1" destOrd="0" presId="urn:microsoft.com/office/officeart/2005/8/layout/hierarchy4"/>
+    <dgm:cxn modelId="{DF371045-598D-894F-9DEC-834B43E8ED12}" type="presParOf" srcId="{2EA3F94E-35F3-3440-8BEC-D5723C793796}" destId="{C14551CE-FFDC-2C49-A5E1-A85A371E1192}" srcOrd="2" destOrd="0" presId="urn:microsoft.com/office/officeart/2005/8/layout/hierarchy4"/>
+    <dgm:cxn modelId="{50D0CDB4-54C3-EC40-901B-2E95E46D3B42}" type="presParOf" srcId="{C14551CE-FFDC-2C49-A5E1-A85A371E1192}" destId="{B30923F6-2D8F-E14A-B03D-BB28F2B5FDBD}" srcOrd="0" destOrd="0" presId="urn:microsoft.com/office/officeart/2005/8/layout/hierarchy4"/>
+    <dgm:cxn modelId="{284EF781-36A7-9749-ABBD-16B9EA9AAAAE}" type="presParOf" srcId="{B30923F6-2D8F-E14A-B03D-BB28F2B5FDBD}" destId="{A11C9B7F-5210-464C-95B4-1C645103BD1F}" srcOrd="0" destOrd="0" presId="urn:microsoft.com/office/officeart/2005/8/layout/hierarchy4"/>
+    <dgm:cxn modelId="{F18DA6B1-2CE1-714F-8E72-86AF8A5AEF52}" type="presParOf" srcId="{B30923F6-2D8F-E14A-B03D-BB28F2B5FDBD}" destId="{9BE3B57C-44FE-8445-B7A9-C6C8484AC12E}" srcOrd="1" destOrd="0" presId="urn:microsoft.com/office/officeart/2005/8/layout/hierarchy4"/>
+    <dgm:cxn modelId="{3B3DD188-F552-F040-BAD0-29F3938D433C}" type="presParOf" srcId="{C14551CE-FFDC-2C49-A5E1-A85A371E1192}" destId="{EFBA8E68-448A-D747-86D1-F73B36D44E09}" srcOrd="1" destOrd="0" presId="urn:microsoft.com/office/officeart/2005/8/layout/hierarchy4"/>
+    <dgm:cxn modelId="{04F5891E-6B82-FB43-9233-62A400317E32}" type="presParOf" srcId="{C14551CE-FFDC-2C49-A5E1-A85A371E1192}" destId="{6B21CDCA-AF08-A14B-8011-5E8E1E724616}" srcOrd="2" destOrd="0" presId="urn:microsoft.com/office/officeart/2005/8/layout/hierarchy4"/>
+    <dgm:cxn modelId="{DC6CE703-0A79-2C41-8244-05DC93933436}" type="presParOf" srcId="{6B21CDCA-AF08-A14B-8011-5E8E1E724616}" destId="{2E69C0D8-2E98-C74E-91B1-DA35AE196FF1}" srcOrd="0" destOrd="0" presId="urn:microsoft.com/office/officeart/2005/8/layout/hierarchy4"/>
+    <dgm:cxn modelId="{B352B9EB-3B84-E042-B425-0D855934337C}" type="presParOf" srcId="{6B21CDCA-AF08-A14B-8011-5E8E1E724616}" destId="{9F571CE3-DD47-784A-8F2C-A933697D7601}" srcOrd="1" destOrd="0" presId="urn:microsoft.com/office/officeart/2005/8/layout/hierarchy4"/>
+    <dgm:cxn modelId="{66EEDF9A-97DD-B748-911F-699090412DFA}" type="presParOf" srcId="{C14551CE-FFDC-2C49-A5E1-A85A371E1192}" destId="{28D71865-45C8-AE49-BA9E-B51D20CD37F8}" srcOrd="3" destOrd="0" presId="urn:microsoft.com/office/officeart/2005/8/layout/hierarchy4"/>
+    <dgm:cxn modelId="{1463181A-680C-1341-B594-C33F391A445C}" type="presParOf" srcId="{C14551CE-FFDC-2C49-A5E1-A85A371E1192}" destId="{EC378159-A3FC-A941-8AE6-9D588B895DC9}" srcOrd="4" destOrd="0" presId="urn:microsoft.com/office/officeart/2005/8/layout/hierarchy4"/>
+    <dgm:cxn modelId="{92D3C6B4-4342-3149-8918-97A54978EFD0}" type="presParOf" srcId="{EC378159-A3FC-A941-8AE6-9D588B895DC9}" destId="{EDFD4183-F820-7E47-B0D2-7F8B71072B18}" srcOrd="0" destOrd="0" presId="urn:microsoft.com/office/officeart/2005/8/layout/hierarchy4"/>
+    <dgm:cxn modelId="{2685B118-94D7-7F43-AC83-2D56E244FCCD}" type="presParOf" srcId="{EC378159-A3FC-A941-8AE6-9D588B895DC9}" destId="{F323918E-9D25-EA41-80D8-8DC809CB1EF2}" srcOrd="1" destOrd="0" presId="urn:microsoft.com/office/officeart/2005/8/layout/hierarchy4"/>
+  </dgm:cxnLst>
+  <dgm:bg/>
+  <dgm:whole/>
+  <dgm:extLst>
+    <a:ext uri="http://schemas.microsoft.com/office/drawing/2008/diagram">
+      <dsp:dataModelExt xmlns:dsp="http://schemas.microsoft.com/office/drawing/2008/diagram" relId="rId6" minVer="http://schemas.openxmlformats.org/drawingml/2006/diagram"/>
+    </a:ext>
+  </dgm:extLst>
+</dgm:dataModel>
+</file>
+
 <file path=ppt/diagrams/drawing1.xml><?xml version="1.0" encoding="utf-8"?>
 <dsp:drawing xmlns:dgm="http://schemas.openxmlformats.org/drawingml/2006/diagram" xmlns:dsp="http://schemas.microsoft.com/office/drawing/2008/diagram" xmlns:a="http://schemas.openxmlformats.org/drawingml/2006/main">
   <dsp:spTree>
@@ -9911,6 +12082,1397 @@
       <dsp:txXfrm>
         <a:off x="10662531" y="3053948"/>
         <a:ext cx="870237" cy="1604953"/>
+      </dsp:txXfrm>
+    </dsp:sp>
+  </dsp:spTree>
+</dsp:drawing>
+</file>
+
+<file path=ppt/diagrams/drawing3.xml><?xml version="1.0" encoding="utf-8"?>
+<dsp:drawing xmlns:dgm="http://schemas.openxmlformats.org/drawingml/2006/diagram" xmlns:dsp="http://schemas.microsoft.com/office/drawing/2008/diagram" xmlns:a="http://schemas.openxmlformats.org/drawingml/2006/main">
+  <dsp:spTree>
+    <dsp:nvGrpSpPr>
+      <dsp:cNvPr id="0" name=""/>
+      <dsp:cNvGrpSpPr/>
+    </dsp:nvGrpSpPr>
+    <dsp:grpSpPr/>
+    <dsp:sp modelId="{AFD139FA-D5DD-49AE-B1D5-0424F89571EF}">
+      <dsp:nvSpPr>
+        <dsp:cNvPr id="0" name=""/>
+        <dsp:cNvSpPr/>
+      </dsp:nvSpPr>
+      <dsp:spPr>
+        <a:xfrm>
+          <a:off x="0" y="21994"/>
+          <a:ext cx="11541652" cy="799207"/>
+        </a:xfrm>
+        <a:prstGeom prst="roundRect">
+          <a:avLst>
+            <a:gd name="adj" fmla="val 10000"/>
+          </a:avLst>
+        </a:prstGeom>
+        <a:solidFill>
+          <a:srgbClr val="318CCF"/>
+        </a:solidFill>
+        <a:ln w="12700" cap="flat" cmpd="sng" algn="ctr">
+          <a:solidFill>
+            <a:schemeClr val="lt1">
+              <a:hueOff val="0"/>
+              <a:satOff val="0"/>
+              <a:lumOff val="0"/>
+              <a:alphaOff val="0"/>
+            </a:schemeClr>
+          </a:solidFill>
+          <a:prstDash val="solid"/>
+          <a:miter lim="800000"/>
+        </a:ln>
+        <a:effectLst/>
+      </dsp:spPr>
+      <dsp:style>
+        <a:lnRef idx="2">
+          <a:scrgbClr r="0" g="0" b="0"/>
+        </a:lnRef>
+        <a:fillRef idx="1">
+          <a:scrgbClr r="0" g="0" b="0"/>
+        </a:fillRef>
+        <a:effectRef idx="0">
+          <a:scrgbClr r="0" g="0" b="0"/>
+        </a:effectRef>
+        <a:fontRef idx="minor">
+          <a:schemeClr val="lt1"/>
+        </a:fontRef>
+      </dsp:style>
+      <dsp:txBody>
+        <a:bodyPr spcFirstLastPara="0" vert="horz" wrap="square" lIns="152400" tIns="152400" rIns="152400" bIns="152400" numCol="1" spcCol="1270" anchor="ctr" anchorCtr="0">
+          <a:noAutofit/>
+        </a:bodyPr>
+        <a:lstStyle/>
+        <a:p>
+          <a:pPr lvl="0" algn="ctr" defTabSz="1778000">
+            <a:lnSpc>
+              <a:spcPct val="90000"/>
+            </a:lnSpc>
+            <a:spcBef>
+              <a:spcPct val="0"/>
+            </a:spcBef>
+            <a:spcAft>
+              <a:spcPct val="35000"/>
+            </a:spcAft>
+          </a:pPr>
+          <a:r>
+            <a:rPr lang="en-US" altLang="zh-CN" sz="4000" kern="1200" dirty="0" smtClean="0">
+              <a:latin typeface="微软雅黑" panose="020B0503020204020204" pitchFamily="34" charset="-122"/>
+              <a:ea typeface="微软雅黑" panose="020B0503020204020204" pitchFamily="34" charset="-122"/>
+            </a:rPr>
+            <a:t>React</a:t>
+          </a:r>
+          <a:r>
+            <a:rPr lang="en-US" altLang="zh-CN" sz="4000" kern="1200" dirty="0" smtClean="0"/>
+            <a:t> </a:t>
+          </a:r>
+          <a:r>
+            <a:rPr lang="zh-CN" altLang="en-US" sz="4000" kern="1200" dirty="0" smtClean="0"/>
+            <a:t>组件</a:t>
+          </a:r>
+          <a:endParaRPr lang="zh-CN" altLang="en-US" sz="4000" kern="1200" dirty="0"/>
+        </a:p>
+      </dsp:txBody>
+      <dsp:txXfrm>
+        <a:off x="23408" y="45402"/>
+        <a:ext cx="11494836" cy="752391"/>
+      </dsp:txXfrm>
+    </dsp:sp>
+    <dsp:sp modelId="{93A71FEA-81B3-4E8D-9612-055C724B8975}">
+      <dsp:nvSpPr>
+        <dsp:cNvPr id="0" name=""/>
+        <dsp:cNvSpPr/>
+      </dsp:nvSpPr>
+      <dsp:spPr>
+        <a:xfrm>
+          <a:off x="21024" y="923698"/>
+          <a:ext cx="7350821" cy="892793"/>
+        </a:xfrm>
+        <a:prstGeom prst="roundRect">
+          <a:avLst>
+            <a:gd name="adj" fmla="val 10000"/>
+          </a:avLst>
+        </a:prstGeom>
+        <a:solidFill>
+          <a:schemeClr val="accent6">
+            <a:hueOff val="0"/>
+            <a:satOff val="0"/>
+            <a:lumOff val="0"/>
+            <a:alphaOff val="0"/>
+          </a:schemeClr>
+        </a:solidFill>
+        <a:ln w="12700" cap="flat" cmpd="sng" algn="ctr">
+          <a:solidFill>
+            <a:schemeClr val="lt1">
+              <a:hueOff val="0"/>
+              <a:satOff val="0"/>
+              <a:lumOff val="0"/>
+              <a:alphaOff val="0"/>
+            </a:schemeClr>
+          </a:solidFill>
+          <a:prstDash val="solid"/>
+          <a:miter lim="800000"/>
+        </a:ln>
+        <a:effectLst/>
+      </dsp:spPr>
+      <dsp:style>
+        <a:lnRef idx="2">
+          <a:scrgbClr r="0" g="0" b="0"/>
+        </a:lnRef>
+        <a:fillRef idx="1">
+          <a:scrgbClr r="0" g="0" b="0"/>
+        </a:fillRef>
+        <a:effectRef idx="0">
+          <a:scrgbClr r="0" g="0" b="0"/>
+        </a:effectRef>
+        <a:fontRef idx="minor">
+          <a:schemeClr val="lt1"/>
+        </a:fontRef>
+      </dsp:style>
+      <dsp:txBody>
+        <a:bodyPr spcFirstLastPara="0" vert="horz" wrap="square" lIns="106680" tIns="106680" rIns="106680" bIns="106680" numCol="1" spcCol="1270" anchor="ctr" anchorCtr="0">
+          <a:noAutofit/>
+        </a:bodyPr>
+        <a:lstStyle/>
+        <a:p>
+          <a:pPr lvl="0" algn="ctr" defTabSz="1244600">
+            <a:lnSpc>
+              <a:spcPct val="90000"/>
+            </a:lnSpc>
+            <a:spcBef>
+              <a:spcPct val="0"/>
+            </a:spcBef>
+            <a:spcAft>
+              <a:spcPct val="35000"/>
+            </a:spcAft>
+          </a:pPr>
+          <a:r>
+            <a:rPr lang="zh-CN" altLang="en-US" sz="2800" kern="1200" dirty="0" smtClean="0"/>
+            <a:t>基本组件</a:t>
+          </a:r>
+          <a:endParaRPr lang="zh-CN" altLang="en-US" sz="2800" kern="1200" dirty="0"/>
+        </a:p>
+      </dsp:txBody>
+      <dsp:txXfrm>
+        <a:off x="47173" y="949847"/>
+        <a:ext cx="7298523" cy="840495"/>
+      </dsp:txXfrm>
+    </dsp:sp>
+    <dsp:sp modelId="{8DC3D14A-3A8E-4589-A771-9EA8E28A5B15}">
+      <dsp:nvSpPr>
+        <dsp:cNvPr id="0" name=""/>
+        <dsp:cNvSpPr/>
+      </dsp:nvSpPr>
+      <dsp:spPr>
+        <a:xfrm>
+          <a:off x="21024" y="2043037"/>
+          <a:ext cx="787363" cy="1336090"/>
+        </a:xfrm>
+        <a:prstGeom prst="roundRect">
+          <a:avLst>
+            <a:gd name="adj" fmla="val 10000"/>
+          </a:avLst>
+        </a:prstGeom>
+        <a:solidFill>
+          <a:schemeClr val="accent2"/>
+        </a:solidFill>
+        <a:ln w="12700" cap="flat" cmpd="sng" algn="ctr">
+          <a:solidFill>
+            <a:schemeClr val="lt1">
+              <a:hueOff val="0"/>
+              <a:satOff val="0"/>
+              <a:lumOff val="0"/>
+              <a:alphaOff val="0"/>
+            </a:schemeClr>
+          </a:solidFill>
+          <a:prstDash val="solid"/>
+          <a:miter lim="800000"/>
+        </a:ln>
+        <a:effectLst/>
+      </dsp:spPr>
+      <dsp:style>
+        <a:lnRef idx="2">
+          <a:scrgbClr r="0" g="0" b="0"/>
+        </a:lnRef>
+        <a:fillRef idx="1">
+          <a:scrgbClr r="0" g="0" b="0"/>
+        </a:fillRef>
+        <a:effectRef idx="0">
+          <a:scrgbClr r="0" g="0" b="0"/>
+        </a:effectRef>
+        <a:fontRef idx="minor">
+          <a:schemeClr val="lt1"/>
+        </a:fontRef>
+      </dsp:style>
+      <dsp:txBody>
+        <a:bodyPr spcFirstLastPara="0" vert="horz" wrap="square" lIns="60960" tIns="60960" rIns="60960" bIns="60960" numCol="1" spcCol="1270" anchor="ctr" anchorCtr="0">
+          <a:noAutofit/>
+        </a:bodyPr>
+        <a:lstStyle/>
+        <a:p>
+          <a:pPr lvl="0" algn="ctr" defTabSz="711200">
+            <a:lnSpc>
+              <a:spcPct val="90000"/>
+            </a:lnSpc>
+            <a:spcBef>
+              <a:spcPct val="0"/>
+            </a:spcBef>
+            <a:spcAft>
+              <a:spcPct val="35000"/>
+            </a:spcAft>
+          </a:pPr>
+          <a:r>
+            <a:rPr lang="en-US" altLang="zh-CN" sz="1600" kern="1200" dirty="0" smtClean="0"/>
+            <a:t>Header</a:t>
+          </a:r>
+          <a:endParaRPr lang="zh-CN" altLang="en-US" sz="1600" kern="1200" dirty="0"/>
+        </a:p>
+      </dsp:txBody>
+      <dsp:txXfrm>
+        <a:off x="44085" y="2066098"/>
+        <a:ext cx="741241" cy="1289968"/>
+      </dsp:txXfrm>
+    </dsp:sp>
+    <dsp:sp modelId="{F83B4507-D488-4308-848D-34AB8006A2E2}">
+      <dsp:nvSpPr>
+        <dsp:cNvPr id="0" name=""/>
+        <dsp:cNvSpPr/>
+      </dsp:nvSpPr>
+      <dsp:spPr>
+        <a:xfrm>
+          <a:off x="841456" y="2043037"/>
+          <a:ext cx="787363" cy="1336090"/>
+        </a:xfrm>
+        <a:prstGeom prst="roundRect">
+          <a:avLst>
+            <a:gd name="adj" fmla="val 10000"/>
+          </a:avLst>
+        </a:prstGeom>
+        <a:solidFill>
+          <a:schemeClr val="accent2"/>
+        </a:solidFill>
+        <a:ln w="12700" cap="flat" cmpd="sng" algn="ctr">
+          <a:solidFill>
+            <a:schemeClr val="lt1">
+              <a:hueOff val="0"/>
+              <a:satOff val="0"/>
+              <a:lumOff val="0"/>
+              <a:alphaOff val="0"/>
+            </a:schemeClr>
+          </a:solidFill>
+          <a:prstDash val="solid"/>
+          <a:miter lim="800000"/>
+        </a:ln>
+        <a:effectLst/>
+      </dsp:spPr>
+      <dsp:style>
+        <a:lnRef idx="2">
+          <a:scrgbClr r="0" g="0" b="0"/>
+        </a:lnRef>
+        <a:fillRef idx="1">
+          <a:scrgbClr r="0" g="0" b="0"/>
+        </a:fillRef>
+        <a:effectRef idx="0">
+          <a:scrgbClr r="0" g="0" b="0"/>
+        </a:effectRef>
+        <a:fontRef idx="minor">
+          <a:schemeClr val="lt1"/>
+        </a:fontRef>
+      </dsp:style>
+      <dsp:txBody>
+        <a:bodyPr spcFirstLastPara="0" vert="horz" wrap="square" lIns="60960" tIns="60960" rIns="60960" bIns="60960" numCol="1" spcCol="1270" anchor="ctr" anchorCtr="0">
+          <a:noAutofit/>
+        </a:bodyPr>
+        <a:lstStyle/>
+        <a:p>
+          <a:pPr lvl="0" algn="ctr" defTabSz="711200">
+            <a:lnSpc>
+              <a:spcPct val="90000"/>
+            </a:lnSpc>
+            <a:spcBef>
+              <a:spcPct val="0"/>
+            </a:spcBef>
+            <a:spcAft>
+              <a:spcPct val="35000"/>
+            </a:spcAft>
+          </a:pPr>
+          <a:r>
+            <a:rPr lang="en-US" altLang="zh-CN" sz="1600" kern="1200" dirty="0" smtClean="0"/>
+            <a:t>Footer</a:t>
+          </a:r>
+          <a:endParaRPr lang="zh-CN" altLang="en-US" sz="1600" kern="1200" dirty="0"/>
+        </a:p>
+      </dsp:txBody>
+      <dsp:txXfrm>
+        <a:off x="864517" y="2066098"/>
+        <a:ext cx="741241" cy="1289968"/>
+      </dsp:txXfrm>
+    </dsp:sp>
+    <dsp:sp modelId="{1AB7E021-925F-49DE-A973-672ED3F3181B}">
+      <dsp:nvSpPr>
+        <dsp:cNvPr id="0" name=""/>
+        <dsp:cNvSpPr/>
+      </dsp:nvSpPr>
+      <dsp:spPr>
+        <a:xfrm>
+          <a:off x="1661889" y="2050465"/>
+          <a:ext cx="787363" cy="1336090"/>
+        </a:xfrm>
+        <a:prstGeom prst="roundRect">
+          <a:avLst>
+            <a:gd name="adj" fmla="val 10000"/>
+          </a:avLst>
+        </a:prstGeom>
+        <a:solidFill>
+          <a:schemeClr val="accent2"/>
+        </a:solidFill>
+        <a:ln w="12700" cap="flat" cmpd="sng" algn="ctr">
+          <a:solidFill>
+            <a:schemeClr val="lt1">
+              <a:hueOff val="0"/>
+              <a:satOff val="0"/>
+              <a:lumOff val="0"/>
+              <a:alphaOff val="0"/>
+            </a:schemeClr>
+          </a:solidFill>
+          <a:prstDash val="solid"/>
+          <a:miter lim="800000"/>
+        </a:ln>
+        <a:effectLst/>
+      </dsp:spPr>
+      <dsp:style>
+        <a:lnRef idx="2">
+          <a:scrgbClr r="0" g="0" b="0"/>
+        </a:lnRef>
+        <a:fillRef idx="1">
+          <a:scrgbClr r="0" g="0" b="0"/>
+        </a:fillRef>
+        <a:effectRef idx="0">
+          <a:scrgbClr r="0" g="0" b="0"/>
+        </a:effectRef>
+        <a:fontRef idx="minor">
+          <a:schemeClr val="lt1"/>
+        </a:fontRef>
+      </dsp:style>
+      <dsp:txBody>
+        <a:bodyPr spcFirstLastPara="0" vert="horz" wrap="square" lIns="60960" tIns="60960" rIns="60960" bIns="60960" numCol="1" spcCol="1270" anchor="ctr" anchorCtr="0">
+          <a:noAutofit/>
+        </a:bodyPr>
+        <a:lstStyle/>
+        <a:p>
+          <a:pPr lvl="0" algn="ctr" defTabSz="711200">
+            <a:lnSpc>
+              <a:spcPct val="90000"/>
+            </a:lnSpc>
+            <a:spcBef>
+              <a:spcPct val="0"/>
+            </a:spcBef>
+            <a:spcAft>
+              <a:spcPct val="35000"/>
+            </a:spcAft>
+          </a:pPr>
+          <a:r>
+            <a:rPr lang="en-US" altLang="zh-CN" sz="1600" kern="1200" smtClean="0"/>
+            <a:t>Button</a:t>
+          </a:r>
+          <a:endParaRPr lang="zh-CN" altLang="en-US" sz="1600" kern="1200" dirty="0"/>
+        </a:p>
+      </dsp:txBody>
+      <dsp:txXfrm>
+        <a:off x="1684950" y="2073526"/>
+        <a:ext cx="741241" cy="1289968"/>
+      </dsp:txXfrm>
+    </dsp:sp>
+    <dsp:sp modelId="{BADC8F12-1C8A-4DC0-BE7F-A820063E315D}">
+      <dsp:nvSpPr>
+        <dsp:cNvPr id="0" name=""/>
+        <dsp:cNvSpPr/>
+      </dsp:nvSpPr>
+      <dsp:spPr>
+        <a:xfrm>
+          <a:off x="2482321" y="2043037"/>
+          <a:ext cx="787363" cy="1336090"/>
+        </a:xfrm>
+        <a:prstGeom prst="roundRect">
+          <a:avLst>
+            <a:gd name="adj" fmla="val 10000"/>
+          </a:avLst>
+        </a:prstGeom>
+        <a:solidFill>
+          <a:schemeClr val="accent2"/>
+        </a:solidFill>
+        <a:ln w="12700" cap="flat" cmpd="sng" algn="ctr">
+          <a:solidFill>
+            <a:schemeClr val="lt1">
+              <a:hueOff val="0"/>
+              <a:satOff val="0"/>
+              <a:lumOff val="0"/>
+              <a:alphaOff val="0"/>
+            </a:schemeClr>
+          </a:solidFill>
+          <a:prstDash val="solid"/>
+          <a:miter lim="800000"/>
+        </a:ln>
+        <a:effectLst/>
+      </dsp:spPr>
+      <dsp:style>
+        <a:lnRef idx="2">
+          <a:scrgbClr r="0" g="0" b="0"/>
+        </a:lnRef>
+        <a:fillRef idx="1">
+          <a:scrgbClr r="0" g="0" b="0"/>
+        </a:fillRef>
+        <a:effectRef idx="0">
+          <a:scrgbClr r="0" g="0" b="0"/>
+        </a:effectRef>
+        <a:fontRef idx="minor">
+          <a:schemeClr val="lt1"/>
+        </a:fontRef>
+      </dsp:style>
+      <dsp:txBody>
+        <a:bodyPr spcFirstLastPara="0" vert="horz" wrap="square" lIns="60960" tIns="60960" rIns="60960" bIns="60960" numCol="1" spcCol="1270" anchor="ctr" anchorCtr="0">
+          <a:noAutofit/>
+        </a:bodyPr>
+        <a:lstStyle/>
+        <a:p>
+          <a:pPr lvl="0" algn="ctr" defTabSz="711200">
+            <a:lnSpc>
+              <a:spcPct val="90000"/>
+            </a:lnSpc>
+            <a:spcBef>
+              <a:spcPct val="0"/>
+            </a:spcBef>
+            <a:spcAft>
+              <a:spcPct val="35000"/>
+            </a:spcAft>
+          </a:pPr>
+          <a:r>
+            <a:rPr lang="en-US" altLang="zh-CN" sz="1600" kern="1200" dirty="0" smtClean="0"/>
+            <a:t>Input</a:t>
+          </a:r>
+          <a:endParaRPr lang="zh-CN" altLang="en-US" sz="1600" kern="1200" dirty="0"/>
+        </a:p>
+      </dsp:txBody>
+      <dsp:txXfrm>
+        <a:off x="2505382" y="2066098"/>
+        <a:ext cx="741241" cy="1289968"/>
+      </dsp:txXfrm>
+    </dsp:sp>
+    <dsp:sp modelId="{A4693C88-FC4B-4624-B378-0D1993BEA08D}">
+      <dsp:nvSpPr>
+        <dsp:cNvPr id="0" name=""/>
+        <dsp:cNvSpPr/>
+      </dsp:nvSpPr>
+      <dsp:spPr>
+        <a:xfrm>
+          <a:off x="3302753" y="2046478"/>
+          <a:ext cx="787363" cy="1342808"/>
+        </a:xfrm>
+        <a:prstGeom prst="roundRect">
+          <a:avLst>
+            <a:gd name="adj" fmla="val 10000"/>
+          </a:avLst>
+        </a:prstGeom>
+        <a:solidFill>
+          <a:schemeClr val="accent2"/>
+        </a:solidFill>
+        <a:ln w="12700" cap="flat" cmpd="sng" algn="ctr">
+          <a:solidFill>
+            <a:schemeClr val="lt1">
+              <a:hueOff val="0"/>
+              <a:satOff val="0"/>
+              <a:lumOff val="0"/>
+              <a:alphaOff val="0"/>
+            </a:schemeClr>
+          </a:solidFill>
+          <a:prstDash val="solid"/>
+          <a:miter lim="800000"/>
+        </a:ln>
+        <a:effectLst/>
+      </dsp:spPr>
+      <dsp:style>
+        <a:lnRef idx="2">
+          <a:scrgbClr r="0" g="0" b="0"/>
+        </a:lnRef>
+        <a:fillRef idx="1">
+          <a:scrgbClr r="0" g="0" b="0"/>
+        </a:fillRef>
+        <a:effectRef idx="0">
+          <a:scrgbClr r="0" g="0" b="0"/>
+        </a:effectRef>
+        <a:fontRef idx="minor">
+          <a:schemeClr val="lt1"/>
+        </a:fontRef>
+      </dsp:style>
+      <dsp:txBody>
+        <a:bodyPr spcFirstLastPara="0" vert="horz" wrap="square" lIns="60960" tIns="60960" rIns="60960" bIns="60960" numCol="1" spcCol="1270" anchor="ctr" anchorCtr="0">
+          <a:noAutofit/>
+        </a:bodyPr>
+        <a:lstStyle/>
+        <a:p>
+          <a:pPr lvl="0" algn="ctr" defTabSz="711200">
+            <a:lnSpc>
+              <a:spcPct val="90000"/>
+            </a:lnSpc>
+            <a:spcBef>
+              <a:spcPct val="0"/>
+            </a:spcBef>
+            <a:spcAft>
+              <a:spcPct val="35000"/>
+            </a:spcAft>
+          </a:pPr>
+          <a:r>
+            <a:rPr lang="en-US" altLang="zh-CN" sz="1600" kern="1200" dirty="0" err="1" smtClean="0"/>
+            <a:t>listitem</a:t>
+          </a:r>
+          <a:endParaRPr lang="zh-CN" altLang="en-US" sz="1600" kern="1200" dirty="0"/>
+        </a:p>
+      </dsp:txBody>
+      <dsp:txXfrm>
+        <a:off x="3325814" y="2069539"/>
+        <a:ext cx="741241" cy="1296686"/>
+      </dsp:txXfrm>
+    </dsp:sp>
+    <dsp:sp modelId="{F62A104E-06AA-4843-AE59-747E27A25AD4}">
+      <dsp:nvSpPr>
+        <dsp:cNvPr id="0" name=""/>
+        <dsp:cNvSpPr/>
+      </dsp:nvSpPr>
+      <dsp:spPr>
+        <a:xfrm>
+          <a:off x="4123185" y="2043037"/>
+          <a:ext cx="787363" cy="1336090"/>
+        </a:xfrm>
+        <a:prstGeom prst="roundRect">
+          <a:avLst>
+            <a:gd name="adj" fmla="val 10000"/>
+          </a:avLst>
+        </a:prstGeom>
+        <a:solidFill>
+          <a:schemeClr val="accent2"/>
+        </a:solidFill>
+        <a:ln w="12700" cap="flat" cmpd="sng" algn="ctr">
+          <a:solidFill>
+            <a:schemeClr val="lt1">
+              <a:hueOff val="0"/>
+              <a:satOff val="0"/>
+              <a:lumOff val="0"/>
+              <a:alphaOff val="0"/>
+            </a:schemeClr>
+          </a:solidFill>
+          <a:prstDash val="solid"/>
+          <a:miter lim="800000"/>
+        </a:ln>
+        <a:effectLst/>
+      </dsp:spPr>
+      <dsp:style>
+        <a:lnRef idx="2">
+          <a:scrgbClr r="0" g="0" b="0"/>
+        </a:lnRef>
+        <a:fillRef idx="1">
+          <a:scrgbClr r="0" g="0" b="0"/>
+        </a:fillRef>
+        <a:effectRef idx="0">
+          <a:scrgbClr r="0" g="0" b="0"/>
+        </a:effectRef>
+        <a:fontRef idx="minor">
+          <a:schemeClr val="lt1"/>
+        </a:fontRef>
+      </dsp:style>
+      <dsp:txBody>
+        <a:bodyPr spcFirstLastPara="0" vert="horz" wrap="square" lIns="60960" tIns="60960" rIns="60960" bIns="60960" numCol="1" spcCol="1270" anchor="ctr" anchorCtr="0">
+          <a:noAutofit/>
+        </a:bodyPr>
+        <a:lstStyle/>
+        <a:p>
+          <a:pPr lvl="0" algn="ctr" defTabSz="711200">
+            <a:lnSpc>
+              <a:spcPct val="90000"/>
+            </a:lnSpc>
+            <a:spcBef>
+              <a:spcPct val="0"/>
+            </a:spcBef>
+            <a:spcAft>
+              <a:spcPct val="35000"/>
+            </a:spcAft>
+          </a:pPr>
+          <a:r>
+            <a:rPr lang="en-US" altLang="zh-CN" sz="1600" kern="1200" smtClean="0"/>
+            <a:t>Check/Radio/Switch</a:t>
+          </a:r>
+          <a:endParaRPr lang="zh-CN" altLang="en-US" sz="1600" kern="1200" dirty="0"/>
+        </a:p>
+      </dsp:txBody>
+      <dsp:txXfrm>
+        <a:off x="4146246" y="2066098"/>
+        <a:ext cx="741241" cy="1289968"/>
+      </dsp:txXfrm>
+    </dsp:sp>
+    <dsp:sp modelId="{5C112979-3BC8-4174-9DB4-0522723E50EA}">
+      <dsp:nvSpPr>
+        <dsp:cNvPr id="0" name=""/>
+        <dsp:cNvSpPr/>
+      </dsp:nvSpPr>
+      <dsp:spPr>
+        <a:xfrm>
+          <a:off x="4943618" y="2043037"/>
+          <a:ext cx="787363" cy="1336090"/>
+        </a:xfrm>
+        <a:prstGeom prst="roundRect">
+          <a:avLst>
+            <a:gd name="adj" fmla="val 10000"/>
+          </a:avLst>
+        </a:prstGeom>
+        <a:solidFill>
+          <a:schemeClr val="accent2"/>
+        </a:solidFill>
+        <a:ln w="12700" cap="flat" cmpd="sng" algn="ctr">
+          <a:solidFill>
+            <a:schemeClr val="lt1">
+              <a:hueOff val="0"/>
+              <a:satOff val="0"/>
+              <a:lumOff val="0"/>
+              <a:alphaOff val="0"/>
+            </a:schemeClr>
+          </a:solidFill>
+          <a:prstDash val="solid"/>
+          <a:miter lim="800000"/>
+        </a:ln>
+        <a:effectLst/>
+      </dsp:spPr>
+      <dsp:style>
+        <a:lnRef idx="2">
+          <a:scrgbClr r="0" g="0" b="0"/>
+        </a:lnRef>
+        <a:fillRef idx="1">
+          <a:scrgbClr r="0" g="0" b="0"/>
+        </a:fillRef>
+        <a:effectRef idx="0">
+          <a:scrgbClr r="0" g="0" b="0"/>
+        </a:effectRef>
+        <a:fontRef idx="minor">
+          <a:schemeClr val="lt1"/>
+        </a:fontRef>
+      </dsp:style>
+      <dsp:txBody>
+        <a:bodyPr spcFirstLastPara="0" vert="horz" wrap="square" lIns="60960" tIns="60960" rIns="60960" bIns="60960" numCol="1" spcCol="1270" anchor="ctr" anchorCtr="0">
+          <a:noAutofit/>
+        </a:bodyPr>
+        <a:lstStyle/>
+        <a:p>
+          <a:pPr lvl="0" algn="ctr" defTabSz="711200">
+            <a:lnSpc>
+              <a:spcPct val="90000"/>
+            </a:lnSpc>
+            <a:spcBef>
+              <a:spcPct val="0"/>
+            </a:spcBef>
+            <a:spcAft>
+              <a:spcPct val="35000"/>
+            </a:spcAft>
+          </a:pPr>
+          <a:r>
+            <a:rPr lang="en-US" altLang="zh-CN" sz="1600" kern="1200" dirty="0" smtClean="0"/>
+            <a:t>Card</a:t>
+          </a:r>
+          <a:endParaRPr lang="zh-CN" altLang="en-US" sz="1600" kern="1200" dirty="0"/>
+        </a:p>
+      </dsp:txBody>
+      <dsp:txXfrm>
+        <a:off x="4966679" y="2066098"/>
+        <a:ext cx="741241" cy="1289968"/>
+      </dsp:txXfrm>
+    </dsp:sp>
+    <dsp:sp modelId="{972EB5F2-9C80-4E71-820E-B5F9AC747338}">
+      <dsp:nvSpPr>
+        <dsp:cNvPr id="0" name=""/>
+        <dsp:cNvSpPr/>
+      </dsp:nvSpPr>
+      <dsp:spPr>
+        <a:xfrm>
+          <a:off x="5764050" y="2043037"/>
+          <a:ext cx="787363" cy="1336090"/>
+        </a:xfrm>
+        <a:prstGeom prst="roundRect">
+          <a:avLst>
+            <a:gd name="adj" fmla="val 10000"/>
+          </a:avLst>
+        </a:prstGeom>
+        <a:solidFill>
+          <a:schemeClr val="accent2"/>
+        </a:solidFill>
+        <a:ln w="12700" cap="flat" cmpd="sng" algn="ctr">
+          <a:solidFill>
+            <a:schemeClr val="lt1">
+              <a:hueOff val="0"/>
+              <a:satOff val="0"/>
+              <a:lumOff val="0"/>
+              <a:alphaOff val="0"/>
+            </a:schemeClr>
+          </a:solidFill>
+          <a:prstDash val="solid"/>
+          <a:miter lim="800000"/>
+        </a:ln>
+        <a:effectLst/>
+      </dsp:spPr>
+      <dsp:style>
+        <a:lnRef idx="2">
+          <a:scrgbClr r="0" g="0" b="0"/>
+        </a:lnRef>
+        <a:fillRef idx="1">
+          <a:scrgbClr r="0" g="0" b="0"/>
+        </a:fillRef>
+        <a:effectRef idx="0">
+          <a:scrgbClr r="0" g="0" b="0"/>
+        </a:effectRef>
+        <a:fontRef idx="minor">
+          <a:schemeClr val="lt1"/>
+        </a:fontRef>
+      </dsp:style>
+      <dsp:txBody>
+        <a:bodyPr spcFirstLastPara="0" vert="horz" wrap="square" lIns="60960" tIns="60960" rIns="60960" bIns="60960" numCol="1" spcCol="1270" anchor="ctr" anchorCtr="0">
+          <a:noAutofit/>
+        </a:bodyPr>
+        <a:lstStyle/>
+        <a:p>
+          <a:pPr lvl="0" algn="ctr" defTabSz="711200">
+            <a:lnSpc>
+              <a:spcPct val="90000"/>
+            </a:lnSpc>
+            <a:spcBef>
+              <a:spcPct val="0"/>
+            </a:spcBef>
+            <a:spcAft>
+              <a:spcPct val="35000"/>
+            </a:spcAft>
+          </a:pPr>
+          <a:r>
+            <a:rPr lang="en-US" altLang="zh-CN" sz="1600" kern="1200" dirty="0" smtClean="0"/>
+            <a:t>Picker</a:t>
+          </a:r>
+          <a:endParaRPr lang="zh-CN" altLang="en-US" sz="1600" kern="1200" dirty="0"/>
+        </a:p>
+      </dsp:txBody>
+      <dsp:txXfrm>
+        <a:off x="5787111" y="2066098"/>
+        <a:ext cx="741241" cy="1289968"/>
+      </dsp:txXfrm>
+    </dsp:sp>
+    <dsp:sp modelId="{2561EA17-48FF-4CE0-AA48-24353811BD98}">
+      <dsp:nvSpPr>
+        <dsp:cNvPr id="0" name=""/>
+        <dsp:cNvSpPr/>
+      </dsp:nvSpPr>
+      <dsp:spPr>
+        <a:xfrm>
+          <a:off x="6584482" y="2043037"/>
+          <a:ext cx="787363" cy="1336090"/>
+        </a:xfrm>
+        <a:prstGeom prst="roundRect">
+          <a:avLst>
+            <a:gd name="adj" fmla="val 10000"/>
+          </a:avLst>
+        </a:prstGeom>
+        <a:solidFill>
+          <a:schemeClr val="accent2"/>
+        </a:solidFill>
+        <a:ln w="12700" cap="flat" cmpd="sng" algn="ctr">
+          <a:solidFill>
+            <a:schemeClr val="lt1">
+              <a:hueOff val="0"/>
+              <a:satOff val="0"/>
+              <a:lumOff val="0"/>
+              <a:alphaOff val="0"/>
+            </a:schemeClr>
+          </a:solidFill>
+          <a:prstDash val="solid"/>
+          <a:miter lim="800000"/>
+        </a:ln>
+        <a:effectLst/>
+      </dsp:spPr>
+      <dsp:style>
+        <a:lnRef idx="2">
+          <a:scrgbClr r="0" g="0" b="0"/>
+        </a:lnRef>
+        <a:fillRef idx="1">
+          <a:scrgbClr r="0" g="0" b="0"/>
+        </a:fillRef>
+        <a:effectRef idx="0">
+          <a:scrgbClr r="0" g="0" b="0"/>
+        </a:effectRef>
+        <a:fontRef idx="minor">
+          <a:schemeClr val="lt1"/>
+        </a:fontRef>
+      </dsp:style>
+      <dsp:txBody>
+        <a:bodyPr spcFirstLastPara="0" vert="horz" wrap="square" lIns="60960" tIns="60960" rIns="60960" bIns="60960" numCol="1" spcCol="1270" anchor="ctr" anchorCtr="0">
+          <a:noAutofit/>
+        </a:bodyPr>
+        <a:lstStyle/>
+        <a:p>
+          <a:pPr lvl="0" algn="ctr" defTabSz="711200">
+            <a:lnSpc>
+              <a:spcPct val="90000"/>
+            </a:lnSpc>
+            <a:spcBef>
+              <a:spcPct val="0"/>
+            </a:spcBef>
+            <a:spcAft>
+              <a:spcPct val="35000"/>
+            </a:spcAft>
+          </a:pPr>
+          <a:r>
+            <a:rPr lang="en-US" altLang="zh-CN" sz="1600" kern="1200" dirty="0" smtClean="0"/>
+            <a:t>Refresh/</a:t>
+          </a:r>
+          <a:r>
+            <a:rPr lang="en-US" altLang="zh-CN" sz="1600" kern="1200" dirty="0" err="1" smtClean="0"/>
+            <a:t>Loadmore</a:t>
+          </a:r>
+          <a:endParaRPr lang="zh-CN" altLang="en-US" sz="1600" kern="1200" dirty="0"/>
+        </a:p>
+      </dsp:txBody>
+      <dsp:txXfrm>
+        <a:off x="6607543" y="2066098"/>
+        <a:ext cx="741241" cy="1289968"/>
+      </dsp:txXfrm>
+    </dsp:sp>
+    <dsp:sp modelId="{6156752C-6D71-4769-BB66-D7AE8D4D86A0}">
+      <dsp:nvSpPr>
+        <dsp:cNvPr id="0" name=""/>
+        <dsp:cNvSpPr/>
+      </dsp:nvSpPr>
+      <dsp:spPr>
+        <a:xfrm>
+          <a:off x="7437984" y="923698"/>
+          <a:ext cx="1607795" cy="892793"/>
+        </a:xfrm>
+        <a:prstGeom prst="roundRect">
+          <a:avLst>
+            <a:gd name="adj" fmla="val 10000"/>
+          </a:avLst>
+        </a:prstGeom>
+        <a:solidFill>
+          <a:schemeClr val="accent6">
+            <a:hueOff val="0"/>
+            <a:satOff val="0"/>
+            <a:lumOff val="0"/>
+            <a:alphaOff val="0"/>
+          </a:schemeClr>
+        </a:solidFill>
+        <a:ln w="12700" cap="flat" cmpd="sng" algn="ctr">
+          <a:solidFill>
+            <a:schemeClr val="lt1">
+              <a:hueOff val="0"/>
+              <a:satOff val="0"/>
+              <a:lumOff val="0"/>
+              <a:alphaOff val="0"/>
+            </a:schemeClr>
+          </a:solidFill>
+          <a:prstDash val="solid"/>
+          <a:miter lim="800000"/>
+        </a:ln>
+        <a:effectLst/>
+      </dsp:spPr>
+      <dsp:style>
+        <a:lnRef idx="2">
+          <a:scrgbClr r="0" g="0" b="0"/>
+        </a:lnRef>
+        <a:fillRef idx="1">
+          <a:scrgbClr r="0" g="0" b="0"/>
+        </a:fillRef>
+        <a:effectRef idx="0">
+          <a:scrgbClr r="0" g="0" b="0"/>
+        </a:effectRef>
+        <a:fontRef idx="minor">
+          <a:schemeClr val="lt1"/>
+        </a:fontRef>
+      </dsp:style>
+      <dsp:txBody>
+        <a:bodyPr spcFirstLastPara="0" vert="horz" wrap="square" lIns="83820" tIns="83820" rIns="83820" bIns="83820" numCol="1" spcCol="1270" anchor="ctr" anchorCtr="0">
+          <a:noAutofit/>
+        </a:bodyPr>
+        <a:lstStyle/>
+        <a:p>
+          <a:pPr lvl="0" algn="ctr" defTabSz="977900">
+            <a:lnSpc>
+              <a:spcPct val="90000"/>
+            </a:lnSpc>
+            <a:spcBef>
+              <a:spcPct val="0"/>
+            </a:spcBef>
+            <a:spcAft>
+              <a:spcPct val="35000"/>
+            </a:spcAft>
+          </a:pPr>
+          <a:r>
+            <a:rPr lang="zh-CN" altLang="en-US" sz="2200" kern="1200" dirty="0" smtClean="0"/>
+            <a:t>页面布局组件</a:t>
+          </a:r>
+          <a:endParaRPr lang="zh-CN" altLang="en-US" sz="2200" kern="1200" dirty="0"/>
+        </a:p>
+      </dsp:txBody>
+      <dsp:txXfrm>
+        <a:off x="7464133" y="949847"/>
+        <a:ext cx="1555497" cy="840495"/>
+      </dsp:txXfrm>
+    </dsp:sp>
+    <dsp:sp modelId="{4B83C3C7-6382-4BA9-A9F4-43BB464992B1}">
+      <dsp:nvSpPr>
+        <dsp:cNvPr id="0" name=""/>
+        <dsp:cNvSpPr/>
+      </dsp:nvSpPr>
+      <dsp:spPr>
+        <a:xfrm>
+          <a:off x="7437984" y="2042546"/>
+          <a:ext cx="787363" cy="1336090"/>
+        </a:xfrm>
+        <a:prstGeom prst="roundRect">
+          <a:avLst>
+            <a:gd name="adj" fmla="val 10000"/>
+          </a:avLst>
+        </a:prstGeom>
+        <a:solidFill>
+          <a:schemeClr val="accent2"/>
+        </a:solidFill>
+        <a:ln w="12700" cap="flat" cmpd="sng" algn="ctr">
+          <a:solidFill>
+            <a:schemeClr val="lt1">
+              <a:hueOff val="0"/>
+              <a:satOff val="0"/>
+              <a:lumOff val="0"/>
+              <a:alphaOff val="0"/>
+            </a:schemeClr>
+          </a:solidFill>
+          <a:prstDash val="solid"/>
+          <a:miter lim="800000"/>
+        </a:ln>
+        <a:effectLst/>
+      </dsp:spPr>
+      <dsp:style>
+        <a:lnRef idx="2">
+          <a:scrgbClr r="0" g="0" b="0"/>
+        </a:lnRef>
+        <a:fillRef idx="1">
+          <a:scrgbClr r="0" g="0" b="0"/>
+        </a:fillRef>
+        <a:effectRef idx="0">
+          <a:scrgbClr r="0" g="0" b="0"/>
+        </a:effectRef>
+        <a:fontRef idx="minor">
+          <a:schemeClr val="lt1"/>
+        </a:fontRef>
+      </dsp:style>
+      <dsp:txBody>
+        <a:bodyPr spcFirstLastPara="0" vert="horz" wrap="square" lIns="60960" tIns="60960" rIns="60960" bIns="60960" numCol="1" spcCol="1270" anchor="ctr" anchorCtr="0">
+          <a:noAutofit/>
+        </a:bodyPr>
+        <a:lstStyle/>
+        <a:p>
+          <a:pPr lvl="0" algn="ctr" defTabSz="711200">
+            <a:lnSpc>
+              <a:spcPct val="90000"/>
+            </a:lnSpc>
+            <a:spcBef>
+              <a:spcPct val="0"/>
+            </a:spcBef>
+            <a:spcAft>
+              <a:spcPct val="35000"/>
+            </a:spcAft>
+          </a:pPr>
+          <a:r>
+            <a:rPr lang="en-US" altLang="zh-CN" sz="1600" kern="1200" dirty="0" smtClean="0"/>
+            <a:t>Container/Content</a:t>
+          </a:r>
+          <a:endParaRPr lang="zh-CN" altLang="en-US" sz="1600" kern="1200" dirty="0"/>
+        </a:p>
+      </dsp:txBody>
+      <dsp:txXfrm>
+        <a:off x="7461045" y="2065607"/>
+        <a:ext cx="741241" cy="1289968"/>
+      </dsp:txXfrm>
+    </dsp:sp>
+    <dsp:sp modelId="{DD8378C1-F1AA-F14D-B095-BB21D48B5DCB}">
+      <dsp:nvSpPr>
+        <dsp:cNvPr id="0" name=""/>
+        <dsp:cNvSpPr/>
+      </dsp:nvSpPr>
+      <dsp:spPr>
+        <a:xfrm>
+          <a:off x="8268352" y="2087386"/>
+          <a:ext cx="787363" cy="1147471"/>
+        </a:xfrm>
+        <a:prstGeom prst="roundRect">
+          <a:avLst>
+            <a:gd name="adj" fmla="val 10000"/>
+          </a:avLst>
+        </a:prstGeom>
+        <a:solidFill>
+          <a:schemeClr val="accent2"/>
+        </a:solidFill>
+        <a:ln w="12700" cap="flat" cmpd="sng" algn="ctr">
+          <a:solidFill>
+            <a:schemeClr val="lt1">
+              <a:hueOff val="0"/>
+              <a:satOff val="0"/>
+              <a:lumOff val="0"/>
+              <a:alphaOff val="0"/>
+            </a:schemeClr>
+          </a:solidFill>
+          <a:prstDash val="solid"/>
+          <a:miter lim="800000"/>
+        </a:ln>
+        <a:effectLst/>
+      </dsp:spPr>
+      <dsp:style>
+        <a:lnRef idx="2">
+          <a:scrgbClr r="0" g="0" b="0"/>
+        </a:lnRef>
+        <a:fillRef idx="1">
+          <a:scrgbClr r="0" g="0" b="0"/>
+        </a:fillRef>
+        <a:effectRef idx="0">
+          <a:scrgbClr r="0" g="0" b="0"/>
+        </a:effectRef>
+        <a:fontRef idx="minor">
+          <a:schemeClr val="lt1"/>
+        </a:fontRef>
+      </dsp:style>
+      <dsp:txBody>
+        <a:bodyPr spcFirstLastPara="0" vert="horz" wrap="square" lIns="60960" tIns="60960" rIns="60960" bIns="60960" numCol="1" spcCol="1270" anchor="ctr" anchorCtr="0">
+          <a:noAutofit/>
+        </a:bodyPr>
+        <a:lstStyle/>
+        <a:p>
+          <a:pPr lvl="0" algn="ctr" defTabSz="711200">
+            <a:lnSpc>
+              <a:spcPct val="90000"/>
+            </a:lnSpc>
+            <a:spcBef>
+              <a:spcPct val="0"/>
+            </a:spcBef>
+            <a:spcAft>
+              <a:spcPct val="35000"/>
+            </a:spcAft>
+          </a:pPr>
+          <a:r>
+            <a:rPr lang="en-US" altLang="zh-CN" sz="1600" kern="1200" dirty="0" smtClean="0"/>
+            <a:t>Row</a:t>
+          </a:r>
+          <a:endParaRPr lang="zh-CN" altLang="en-US" sz="1600" kern="1200" dirty="0"/>
+        </a:p>
+      </dsp:txBody>
+      <dsp:txXfrm>
+        <a:off x="8291413" y="2110447"/>
+        <a:ext cx="741241" cy="1101349"/>
+      </dsp:txXfrm>
+    </dsp:sp>
+    <dsp:sp modelId="{75303D46-D2EA-5F42-B451-A7A1E31EF9CB}">
+      <dsp:nvSpPr>
+        <dsp:cNvPr id="0" name=""/>
+        <dsp:cNvSpPr/>
+      </dsp:nvSpPr>
+      <dsp:spPr>
+        <a:xfrm>
+          <a:off x="9111917" y="1148574"/>
+          <a:ext cx="2428227" cy="892793"/>
+        </a:xfrm>
+        <a:prstGeom prst="roundRect">
+          <a:avLst>
+            <a:gd name="adj" fmla="val 10000"/>
+          </a:avLst>
+        </a:prstGeom>
+        <a:solidFill>
+          <a:schemeClr val="accent2"/>
+        </a:solidFill>
+        <a:ln w="12700" cap="flat" cmpd="sng" algn="ctr">
+          <a:solidFill>
+            <a:schemeClr val="lt1">
+              <a:hueOff val="0"/>
+              <a:satOff val="0"/>
+              <a:lumOff val="0"/>
+              <a:alphaOff val="0"/>
+            </a:schemeClr>
+          </a:solidFill>
+          <a:prstDash val="solid"/>
+          <a:miter lim="800000"/>
+        </a:ln>
+        <a:effectLst/>
+      </dsp:spPr>
+      <dsp:style>
+        <a:lnRef idx="2">
+          <a:scrgbClr r="0" g="0" b="0"/>
+        </a:lnRef>
+        <a:fillRef idx="1">
+          <a:scrgbClr r="0" g="0" b="0"/>
+        </a:fillRef>
+        <a:effectRef idx="0">
+          <a:scrgbClr r="0" g="0" b="0"/>
+        </a:effectRef>
+        <a:fontRef idx="minor">
+          <a:schemeClr val="lt1"/>
+        </a:fontRef>
+      </dsp:style>
+      <dsp:txBody>
+        <a:bodyPr spcFirstLastPara="0" vert="horz" wrap="square" lIns="60960" tIns="60960" rIns="60960" bIns="60960" numCol="1" spcCol="1270" anchor="ctr" anchorCtr="0">
+          <a:noAutofit/>
+        </a:bodyPr>
+        <a:lstStyle/>
+        <a:p>
+          <a:pPr lvl="0" algn="ctr" defTabSz="711200">
+            <a:lnSpc>
+              <a:spcPct val="90000"/>
+            </a:lnSpc>
+            <a:spcBef>
+              <a:spcPct val="0"/>
+            </a:spcBef>
+            <a:spcAft>
+              <a:spcPct val="35000"/>
+            </a:spcAft>
+          </a:pPr>
+          <a:r>
+            <a:rPr lang="zh-CN" altLang="en-US" sz="1600" kern="1200" dirty="0" smtClean="0"/>
+            <a:t>功能组件</a:t>
+          </a:r>
+          <a:endParaRPr lang="zh-CN" altLang="en-US" sz="1600" kern="1200" dirty="0"/>
+        </a:p>
+      </dsp:txBody>
+      <dsp:txXfrm>
+        <a:off x="9138066" y="1174723"/>
+        <a:ext cx="2375929" cy="840495"/>
+      </dsp:txXfrm>
+    </dsp:sp>
+    <dsp:sp modelId="{A11C9B7F-5210-464C-95B4-1C645103BD1F}">
+      <dsp:nvSpPr>
+        <dsp:cNvPr id="0" name=""/>
+        <dsp:cNvSpPr/>
+      </dsp:nvSpPr>
+      <dsp:spPr>
+        <a:xfrm>
+          <a:off x="9111917" y="2386577"/>
+          <a:ext cx="787363" cy="2730839"/>
+        </a:xfrm>
+        <a:prstGeom prst="roundRect">
+          <a:avLst>
+            <a:gd name="adj" fmla="val 10000"/>
+          </a:avLst>
+        </a:prstGeom>
+        <a:solidFill>
+          <a:schemeClr val="accent2"/>
+        </a:solidFill>
+        <a:ln w="12700" cap="flat" cmpd="sng" algn="ctr">
+          <a:solidFill>
+            <a:schemeClr val="lt1">
+              <a:hueOff val="0"/>
+              <a:satOff val="0"/>
+              <a:lumOff val="0"/>
+              <a:alphaOff val="0"/>
+            </a:schemeClr>
+          </a:solidFill>
+          <a:prstDash val="solid"/>
+          <a:miter lim="800000"/>
+        </a:ln>
+        <a:effectLst/>
+      </dsp:spPr>
+      <dsp:style>
+        <a:lnRef idx="2">
+          <a:scrgbClr r="0" g="0" b="0"/>
+        </a:lnRef>
+        <a:fillRef idx="1">
+          <a:scrgbClr r="0" g="0" b="0"/>
+        </a:fillRef>
+        <a:effectRef idx="0">
+          <a:scrgbClr r="0" g="0" b="0"/>
+        </a:effectRef>
+        <a:fontRef idx="minor">
+          <a:schemeClr val="lt1"/>
+        </a:fontRef>
+      </dsp:style>
+      <dsp:txBody>
+        <a:bodyPr spcFirstLastPara="0" vert="horz" wrap="square" lIns="60960" tIns="60960" rIns="60960" bIns="60960" numCol="1" spcCol="1270" anchor="ctr" anchorCtr="0">
+          <a:noAutofit/>
+        </a:bodyPr>
+        <a:lstStyle/>
+        <a:p>
+          <a:pPr lvl="0" algn="ctr" defTabSz="711200">
+            <a:lnSpc>
+              <a:spcPct val="90000"/>
+            </a:lnSpc>
+            <a:spcBef>
+              <a:spcPct val="0"/>
+            </a:spcBef>
+            <a:spcAft>
+              <a:spcPct val="35000"/>
+            </a:spcAft>
+          </a:pPr>
+          <a:r>
+            <a:rPr lang="en-US" altLang="zh-CN" sz="1600" kern="1200" dirty="0" smtClean="0"/>
+            <a:t>API</a:t>
+          </a:r>
+          <a:r>
+            <a:rPr lang="zh-CN" altLang="en-US" sz="1600" kern="1200" dirty="0" smtClean="0"/>
+            <a:t>调用</a:t>
+          </a:r>
+          <a:endParaRPr lang="zh-CN" altLang="en-US" sz="1600" kern="1200" dirty="0"/>
+        </a:p>
+      </dsp:txBody>
+      <dsp:txXfrm>
+        <a:off x="9134978" y="2409638"/>
+        <a:ext cx="741241" cy="2684717"/>
+      </dsp:txXfrm>
+    </dsp:sp>
+    <dsp:sp modelId="{2E69C0D8-2E98-C74E-91B1-DA35AE196FF1}">
+      <dsp:nvSpPr>
+        <dsp:cNvPr id="0" name=""/>
+        <dsp:cNvSpPr/>
+      </dsp:nvSpPr>
+      <dsp:spPr>
+        <a:xfrm>
+          <a:off x="9932350" y="2386577"/>
+          <a:ext cx="787363" cy="2730839"/>
+        </a:xfrm>
+        <a:prstGeom prst="roundRect">
+          <a:avLst>
+            <a:gd name="adj" fmla="val 10000"/>
+          </a:avLst>
+        </a:prstGeom>
+        <a:solidFill>
+          <a:schemeClr val="accent2"/>
+        </a:solidFill>
+        <a:ln w="12700" cap="flat" cmpd="sng" algn="ctr">
+          <a:solidFill>
+            <a:schemeClr val="lt1">
+              <a:hueOff val="0"/>
+              <a:satOff val="0"/>
+              <a:lumOff val="0"/>
+              <a:alphaOff val="0"/>
+            </a:schemeClr>
+          </a:solidFill>
+          <a:prstDash val="solid"/>
+          <a:miter lim="800000"/>
+        </a:ln>
+        <a:effectLst/>
+      </dsp:spPr>
+      <dsp:style>
+        <a:lnRef idx="2">
+          <a:scrgbClr r="0" g="0" b="0"/>
+        </a:lnRef>
+        <a:fillRef idx="1">
+          <a:scrgbClr r="0" g="0" b="0"/>
+        </a:fillRef>
+        <a:effectRef idx="0">
+          <a:scrgbClr r="0" g="0" b="0"/>
+        </a:effectRef>
+        <a:fontRef idx="minor">
+          <a:schemeClr val="lt1"/>
+        </a:fontRef>
+      </dsp:style>
+      <dsp:txBody>
+        <a:bodyPr spcFirstLastPara="0" vert="horz" wrap="square" lIns="60960" tIns="60960" rIns="60960" bIns="60960" numCol="1" spcCol="1270" anchor="ctr" anchorCtr="0">
+          <a:noAutofit/>
+        </a:bodyPr>
+        <a:lstStyle/>
+        <a:p>
+          <a:pPr lvl="0" algn="ctr" defTabSz="711200">
+            <a:lnSpc>
+              <a:spcPct val="90000"/>
+            </a:lnSpc>
+            <a:spcBef>
+              <a:spcPct val="0"/>
+            </a:spcBef>
+            <a:spcAft>
+              <a:spcPct val="35000"/>
+            </a:spcAft>
+          </a:pPr>
+          <a:r>
+            <a:rPr lang="zh-CN" altLang="en-US" sz="1600" kern="1200" dirty="0" smtClean="0"/>
+            <a:t>消息提示</a:t>
+          </a:r>
+          <a:endParaRPr lang="zh-CN" altLang="en-US" sz="1600" kern="1200" dirty="0"/>
+        </a:p>
+      </dsp:txBody>
+      <dsp:txXfrm>
+        <a:off x="9955411" y="2409638"/>
+        <a:ext cx="741241" cy="2684717"/>
+      </dsp:txXfrm>
+    </dsp:sp>
+    <dsp:sp modelId="{EDFD4183-F820-7E47-B0D2-7F8B71072B18}">
+      <dsp:nvSpPr>
+        <dsp:cNvPr id="0" name=""/>
+        <dsp:cNvSpPr/>
+      </dsp:nvSpPr>
+      <dsp:spPr>
+        <a:xfrm>
+          <a:off x="10752782" y="2386577"/>
+          <a:ext cx="787363" cy="2730839"/>
+        </a:xfrm>
+        <a:prstGeom prst="roundRect">
+          <a:avLst>
+            <a:gd name="adj" fmla="val 10000"/>
+          </a:avLst>
+        </a:prstGeom>
+        <a:solidFill>
+          <a:schemeClr val="accent2"/>
+        </a:solidFill>
+        <a:ln w="12700" cap="flat" cmpd="sng" algn="ctr">
+          <a:solidFill>
+            <a:schemeClr val="lt1">
+              <a:hueOff val="0"/>
+              <a:satOff val="0"/>
+              <a:lumOff val="0"/>
+              <a:alphaOff val="0"/>
+            </a:schemeClr>
+          </a:solidFill>
+          <a:prstDash val="solid"/>
+          <a:miter lim="800000"/>
+        </a:ln>
+        <a:effectLst/>
+      </dsp:spPr>
+      <dsp:style>
+        <a:lnRef idx="2">
+          <a:scrgbClr r="0" g="0" b="0"/>
+        </a:lnRef>
+        <a:fillRef idx="1">
+          <a:scrgbClr r="0" g="0" b="0"/>
+        </a:fillRef>
+        <a:effectRef idx="0">
+          <a:scrgbClr r="0" g="0" b="0"/>
+        </a:effectRef>
+        <a:fontRef idx="minor">
+          <a:schemeClr val="lt1"/>
+        </a:fontRef>
+      </dsp:style>
+      <dsp:txBody>
+        <a:bodyPr spcFirstLastPara="0" vert="horz" wrap="square" lIns="60960" tIns="60960" rIns="60960" bIns="60960" numCol="1" spcCol="1270" anchor="ctr" anchorCtr="0">
+          <a:noAutofit/>
+        </a:bodyPr>
+        <a:lstStyle/>
+        <a:p>
+          <a:pPr lvl="0" algn="ctr" defTabSz="711200">
+            <a:lnSpc>
+              <a:spcPct val="90000"/>
+            </a:lnSpc>
+            <a:spcBef>
+              <a:spcPct val="0"/>
+            </a:spcBef>
+            <a:spcAft>
+              <a:spcPct val="35000"/>
+            </a:spcAft>
+          </a:pPr>
+          <a:r>
+            <a:rPr lang="zh-CN" altLang="en-US" sz="1600" kern="1200" smtClean="0"/>
+            <a:t>断网监测</a:t>
+          </a:r>
+          <a:endParaRPr lang="zh-CN" altLang="en-US" sz="1600" kern="1200" dirty="0"/>
+        </a:p>
+      </dsp:txBody>
+      <dsp:txXfrm>
+        <a:off x="10775843" y="2409638"/>
+        <a:ext cx="741241" cy="2684717"/>
       </dsp:txXfrm>
     </dsp:sp>
   </dsp:spTree>
@@ -10961,6 +14523,528 @@
 </dgm:layoutDef>
 </file>
 
+<file path=ppt/diagrams/layout3.xml><?xml version="1.0" encoding="utf-8"?>
+<dgm:layoutDef xmlns:dgm="http://schemas.openxmlformats.org/drawingml/2006/diagram" xmlns:a="http://schemas.openxmlformats.org/drawingml/2006/main" uniqueId="urn:microsoft.com/office/officeart/2005/8/layout/hierarchy4">
+  <dgm:title val=""/>
+  <dgm:desc val=""/>
+  <dgm:catLst>
+    <dgm:cat type="hierarchy" pri="4000"/>
+    <dgm:cat type="list" pri="24000"/>
+    <dgm:cat type="relationship" pri="10000"/>
+  </dgm:catLst>
+  <dgm:sampData>
+    <dgm:dataModel>
+      <dgm:ptLst>
+        <dgm:pt modelId="0" type="doc"/>
+        <dgm:pt modelId="1">
+          <dgm:prSet phldr="1"/>
+        </dgm:pt>
+        <dgm:pt modelId="2">
+          <dgm:prSet phldr="1"/>
+        </dgm:pt>
+        <dgm:pt modelId="21">
+          <dgm:prSet phldr="1"/>
+        </dgm:pt>
+        <dgm:pt modelId="22">
+          <dgm:prSet phldr="1"/>
+        </dgm:pt>
+        <dgm:pt modelId="3">
+          <dgm:prSet phldr="1"/>
+        </dgm:pt>
+        <dgm:pt modelId="31">
+          <dgm:prSet phldr="1"/>
+        </dgm:pt>
+      </dgm:ptLst>
+      <dgm:cxnLst>
+        <dgm:cxn modelId="4" srcId="0" destId="1" srcOrd="0" destOrd="0"/>
+        <dgm:cxn modelId="5" srcId="1" destId="2" srcOrd="0" destOrd="0"/>
+        <dgm:cxn modelId="6" srcId="1" destId="3" srcOrd="1" destOrd="0"/>
+        <dgm:cxn modelId="23" srcId="2" destId="21" srcOrd="0" destOrd="0"/>
+        <dgm:cxn modelId="24" srcId="2" destId="22" srcOrd="1" destOrd="0"/>
+        <dgm:cxn modelId="33" srcId="3" destId="31" srcOrd="0" destOrd="0"/>
+      </dgm:cxnLst>
+      <dgm:bg/>
+      <dgm:whole/>
+    </dgm:dataModel>
+  </dgm:sampData>
+  <dgm:styleData>
+    <dgm:dataModel>
+      <dgm:ptLst>
+        <dgm:pt modelId="0" type="doc"/>
+        <dgm:pt modelId="1"/>
+        <dgm:pt modelId="11"/>
+        <dgm:pt modelId="12"/>
+      </dgm:ptLst>
+      <dgm:cxnLst>
+        <dgm:cxn modelId="2" srcId="0" destId="1" srcOrd="0" destOrd="0"/>
+        <dgm:cxn modelId="13" srcId="1" destId="11" srcOrd="0" destOrd="0"/>
+        <dgm:cxn modelId="14" srcId="1" destId="12" srcOrd="1" destOrd="0"/>
+      </dgm:cxnLst>
+      <dgm:bg/>
+      <dgm:whole/>
+    </dgm:dataModel>
+  </dgm:styleData>
+  <dgm:clrData>
+    <dgm:dataModel>
+      <dgm:ptLst>
+        <dgm:pt modelId="0" type="doc"/>
+        <dgm:pt modelId="1"/>
+        <dgm:pt modelId="2"/>
+        <dgm:pt modelId="21"/>
+        <dgm:pt modelId="211"/>
+        <dgm:pt modelId="3"/>
+        <dgm:pt modelId="31"/>
+        <dgm:pt modelId="311"/>
+      </dgm:ptLst>
+      <dgm:cxnLst>
+        <dgm:cxn modelId="4" srcId="0" destId="1" srcOrd="0" destOrd="0"/>
+        <dgm:cxn modelId="5" srcId="1" destId="2" srcOrd="0" destOrd="0"/>
+        <dgm:cxn modelId="6" srcId="1" destId="3" srcOrd="1" destOrd="0"/>
+        <dgm:cxn modelId="23" srcId="2" destId="21" srcOrd="0" destOrd="0"/>
+        <dgm:cxn modelId="24" srcId="21" destId="211" srcOrd="0" destOrd="0"/>
+        <dgm:cxn modelId="33" srcId="3" destId="31" srcOrd="0" destOrd="0"/>
+        <dgm:cxn modelId="34" srcId="31" destId="311" srcOrd="0" destOrd="0"/>
+      </dgm:cxnLst>
+      <dgm:bg/>
+      <dgm:whole/>
+    </dgm:dataModel>
+  </dgm:clrData>
+  <dgm:layoutNode name="Name0">
+    <dgm:varLst>
+      <dgm:chPref val="1"/>
+      <dgm:dir/>
+      <dgm:animOne val="branch"/>
+      <dgm:animLvl val="lvl"/>
+      <dgm:resizeHandles/>
+    </dgm:varLst>
+    <dgm:choose name="Name1">
+      <dgm:if name="Name2" func="var" arg="dir" op="equ" val="norm">
+        <dgm:alg type="lin">
+          <dgm:param type="linDir" val="fromL"/>
+          <dgm:param type="nodeVertAlign" val="t"/>
+        </dgm:alg>
+      </dgm:if>
+      <dgm:else name="Name3">
+        <dgm:alg type="lin">
+          <dgm:param type="linDir" val="fromR"/>
+          <dgm:param type="nodeVertAlign" val="t"/>
+        </dgm:alg>
+      </dgm:else>
+    </dgm:choose>
+    <dgm:shape xmlns:r="http://schemas.openxmlformats.org/officeDocument/2006/relationships" r:blip="">
+      <dgm:adjLst/>
+    </dgm:shape>
+    <dgm:presOf/>
+    <dgm:constrLst>
+      <dgm:constr type="w" for="ch" forName="vertOne" refType="w"/>
+      <dgm:constr type="w" for="des" forName="horzOne" refType="w"/>
+      <dgm:constr type="w" for="des" forName="txOne" refType="w"/>
+      <dgm:constr type="w" for="des" forName="vertTwo" refType="w"/>
+      <dgm:constr type="w" for="des" forName="horzTwo" refType="w"/>
+      <dgm:constr type="w" for="des" forName="txTwo" refType="w"/>
+      <dgm:constr type="w" for="des" forName="vertThree" refType="w"/>
+      <dgm:constr type="w" for="des" forName="horzThree" refType="w"/>
+      <dgm:constr type="w" for="des" forName="txThree" refType="w"/>
+      <dgm:constr type="w" for="des" forName="vertFour" refType="w"/>
+      <dgm:constr type="w" for="des" forName="horzFour" refType="w"/>
+      <dgm:constr type="w" for="des" forName="txFour" refType="w"/>
+      <dgm:constr type="h" for="des" ptType="node" op="equ"/>
+      <dgm:constr type="h" for="des" forName="txOne" refType="h"/>
+      <dgm:constr type="userH" for="des" ptType="node" refType="h" refFor="des" refForName="txOne"/>
+      <dgm:constr type="primFontSz" for="des" forName="txOne" val="65"/>
+      <dgm:constr type="primFontSz" for="des" forName="txTwo" val="65"/>
+      <dgm:constr type="primFontSz" for="des" forName="txTwo" refType="primFontSz" refFor="des" refForName="txOne" op="lte"/>
+      <dgm:constr type="primFontSz" for="des" forName="txThree" val="65"/>
+      <dgm:constr type="primFontSz" for="des" forName="txThree" refType="primFontSz" refFor="des" refForName="txOne" op="lte"/>
+      <dgm:constr type="primFontSz" for="des" forName="txThree" refType="primFontSz" refFor="des" refForName="txTwo" op="lte"/>
+      <dgm:constr type="primFontSz" for="des" forName="txFour" val="65"/>
+      <dgm:constr type="primFontSz" for="des" forName="txFour" refType="primFontSz" refFor="des" refForName="txOne" op="lte"/>
+      <dgm:constr type="primFontSz" for="des" forName="txFour" refType="primFontSz" refFor="des" refForName="txTwo" op="lte"/>
+      <dgm:constr type="primFontSz" for="des" forName="txFour" refType="primFontSz" refFor="des" refForName="txThree" op="lte"/>
+      <dgm:constr type="w" for="des" forName="sibSpaceOne" refType="w" fact="0.168"/>
+      <dgm:constr type="w" for="des" forName="sibSpaceTwo" refType="w" refFor="des" refForName="sibSpaceOne" op="equ" fact="0.5"/>
+      <dgm:constr type="w" for="des" forName="sibSpaceThree" refType="w" refFor="des" refForName="sibSpaceTwo" op="equ" fact="0.5"/>
+      <dgm:constr type="w" for="des" forName="sibSpaceFour" refType="w" refFor="des" refForName="sibSpaceThree" op="equ" fact="0.5"/>
+      <dgm:constr type="h" for="des" forName="parTransOne" refType="w" fact="0.056"/>
+      <dgm:constr type="h" for="des" forName="parTransTwo" refType="h" refFor="des" refForName="parTransOne" op="equ"/>
+      <dgm:constr type="h" for="des" forName="parTransThree" refType="h" refFor="des" refForName="parTransTwo" op="equ"/>
+      <dgm:constr type="h" for="des" forName="parTransFour" refType="h" refFor="des" refForName="parTransThree" op="equ"/>
+    </dgm:constrLst>
+    <dgm:ruleLst/>
+    <dgm:forEach name="Name4" axis="ch" ptType="node">
+      <dgm:layoutNode name="vertOne">
+        <dgm:alg type="lin">
+          <dgm:param type="linDir" val="fromT"/>
+        </dgm:alg>
+        <dgm:shape xmlns:r="http://schemas.openxmlformats.org/officeDocument/2006/relationships" r:blip="">
+          <dgm:adjLst/>
+        </dgm:shape>
+        <dgm:presOf/>
+        <dgm:constrLst>
+          <dgm:constr type="w" for="ch" forName="txOne" refType="w" refFor="ch" refForName="horzOne" op="gte"/>
+        </dgm:constrLst>
+        <dgm:ruleLst/>
+        <dgm:layoutNode name="txOne" styleLbl="node0">
+          <dgm:varLst>
+            <dgm:chPref val="3"/>
+          </dgm:varLst>
+          <dgm:alg type="tx"/>
+          <dgm:shape xmlns:r="http://schemas.openxmlformats.org/officeDocument/2006/relationships" type="roundRect" r:blip="">
+            <dgm:adjLst>
+              <dgm:adj idx="1" val="0.1"/>
+            </dgm:adjLst>
+          </dgm:shape>
+          <dgm:presOf axis="self"/>
+          <dgm:constrLst>
+            <dgm:constr type="tMarg" refType="primFontSz" fact="0.3"/>
+            <dgm:constr type="bMarg" refType="primFontSz" fact="0.3"/>
+            <dgm:constr type="lMarg" refType="primFontSz" fact="0.3"/>
+            <dgm:constr type="rMarg" refType="primFontSz" fact="0.3"/>
+          </dgm:constrLst>
+          <dgm:ruleLst>
+            <dgm:rule type="primFontSz" val="5" fact="NaN" max="NaN"/>
+          </dgm:ruleLst>
+        </dgm:layoutNode>
+        <dgm:choose name="Name5">
+          <dgm:if name="Name6" axis="des" ptType="node" func="cnt" op="gt" val="0">
+            <dgm:layoutNode name="parTransOne">
+              <dgm:alg type="sp"/>
+              <dgm:shape xmlns:r="http://schemas.openxmlformats.org/officeDocument/2006/relationships" r:blip="">
+                <dgm:adjLst/>
+              </dgm:shape>
+              <dgm:presOf/>
+              <dgm:constrLst/>
+              <dgm:ruleLst/>
+            </dgm:layoutNode>
+          </dgm:if>
+          <dgm:else name="Name7"/>
+        </dgm:choose>
+        <dgm:layoutNode name="horzOne">
+          <dgm:choose name="Name8">
+            <dgm:if name="Name9" func="var" arg="dir" op="equ" val="norm">
+              <dgm:alg type="lin">
+                <dgm:param type="linDir" val="fromL"/>
+                <dgm:param type="nodeVertAlign" val="t"/>
+              </dgm:alg>
+            </dgm:if>
+            <dgm:else name="Name10">
+              <dgm:alg type="lin">
+                <dgm:param type="linDir" val="fromR"/>
+                <dgm:param type="nodeVertAlign" val="t"/>
+              </dgm:alg>
+            </dgm:else>
+          </dgm:choose>
+          <dgm:shape xmlns:r="http://schemas.openxmlformats.org/officeDocument/2006/relationships" r:blip="">
+            <dgm:adjLst/>
+          </dgm:shape>
+          <dgm:presOf/>
+          <dgm:constrLst/>
+          <dgm:ruleLst>
+            <dgm:rule type="w" val="INF" fact="NaN" max="NaN"/>
+          </dgm:ruleLst>
+          <dgm:forEach name="Name11" axis="ch" ptType="node">
+            <dgm:layoutNode name="vertTwo">
+              <dgm:alg type="lin">
+                <dgm:param type="linDir" val="fromT"/>
+              </dgm:alg>
+              <dgm:shape xmlns:r="http://schemas.openxmlformats.org/officeDocument/2006/relationships" r:blip="">
+                <dgm:adjLst/>
+              </dgm:shape>
+              <dgm:presOf/>
+              <dgm:constrLst>
+                <dgm:constr type="w" for="ch" forName="txTwo" refType="w" refFor="ch" refForName="horzTwo" op="gte"/>
+              </dgm:constrLst>
+              <dgm:ruleLst/>
+              <dgm:layoutNode name="txTwo">
+                <dgm:varLst>
+                  <dgm:chPref val="3"/>
+                </dgm:varLst>
+                <dgm:alg type="tx"/>
+                <dgm:shape xmlns:r="http://schemas.openxmlformats.org/officeDocument/2006/relationships" type="roundRect" r:blip="">
+                  <dgm:adjLst>
+                    <dgm:adj idx="1" val="0.1"/>
+                  </dgm:adjLst>
+                </dgm:shape>
+                <dgm:presOf axis="self"/>
+                <dgm:constrLst>
+                  <dgm:constr type="userH"/>
+                  <dgm:constr type="h" refType="userH"/>
+                  <dgm:constr type="tMarg" refType="primFontSz" fact="0.3"/>
+                  <dgm:constr type="bMarg" refType="primFontSz" fact="0.3"/>
+                  <dgm:constr type="lMarg" refType="primFontSz" fact="0.3"/>
+                  <dgm:constr type="rMarg" refType="primFontSz" fact="0.3"/>
+                </dgm:constrLst>
+                <dgm:ruleLst>
+                  <dgm:rule type="primFontSz" val="5" fact="NaN" max="NaN"/>
+                </dgm:ruleLst>
+              </dgm:layoutNode>
+              <dgm:choose name="Name12">
+                <dgm:if name="Name13" axis="des" ptType="node" func="cnt" op="gt" val="0">
+                  <dgm:layoutNode name="parTransTwo">
+                    <dgm:alg type="sp"/>
+                    <dgm:shape xmlns:r="http://schemas.openxmlformats.org/officeDocument/2006/relationships" r:blip="">
+                      <dgm:adjLst/>
+                    </dgm:shape>
+                    <dgm:presOf/>
+                    <dgm:constrLst/>
+                    <dgm:ruleLst/>
+                  </dgm:layoutNode>
+                </dgm:if>
+                <dgm:else name="Name14"/>
+              </dgm:choose>
+              <dgm:layoutNode name="horzTwo">
+                <dgm:choose name="Name15">
+                  <dgm:if name="Name16" func="var" arg="dir" op="equ" val="norm">
+                    <dgm:alg type="lin">
+                      <dgm:param type="linDir" val="fromL"/>
+                      <dgm:param type="nodeVertAlign" val="t"/>
+                    </dgm:alg>
+                  </dgm:if>
+                  <dgm:else name="Name17">
+                    <dgm:alg type="lin">
+                      <dgm:param type="linDir" val="fromR"/>
+                      <dgm:param type="nodeVertAlign" val="t"/>
+                    </dgm:alg>
+                  </dgm:else>
+                </dgm:choose>
+                <dgm:shape xmlns:r="http://schemas.openxmlformats.org/officeDocument/2006/relationships" r:blip="">
+                  <dgm:adjLst/>
+                </dgm:shape>
+                <dgm:presOf/>
+                <dgm:constrLst/>
+                <dgm:ruleLst>
+                  <dgm:rule type="w" val="INF" fact="NaN" max="NaN"/>
+                </dgm:ruleLst>
+                <dgm:forEach name="Name18" axis="ch" ptType="node">
+                  <dgm:layoutNode name="vertThree">
+                    <dgm:alg type="lin">
+                      <dgm:param type="linDir" val="fromT"/>
+                    </dgm:alg>
+                    <dgm:shape xmlns:r="http://schemas.openxmlformats.org/officeDocument/2006/relationships" r:blip="">
+                      <dgm:adjLst/>
+                    </dgm:shape>
+                    <dgm:presOf/>
+                    <dgm:constrLst>
+                      <dgm:constr type="w" for="ch" forName="txThree" refType="w" refFor="ch" refForName="horzThree" op="gte"/>
+                    </dgm:constrLst>
+                    <dgm:ruleLst/>
+                    <dgm:layoutNode name="txThree">
+                      <dgm:varLst>
+                        <dgm:chPref val="3"/>
+                      </dgm:varLst>
+                      <dgm:alg type="tx"/>
+                      <dgm:shape xmlns:r="http://schemas.openxmlformats.org/officeDocument/2006/relationships" type="roundRect" r:blip="">
+                        <dgm:adjLst>
+                          <dgm:adj idx="1" val="0.1"/>
+                        </dgm:adjLst>
+                      </dgm:shape>
+                      <dgm:presOf axis="self"/>
+                      <dgm:constrLst>
+                        <dgm:constr type="userH"/>
+                        <dgm:constr type="h" refType="userH"/>
+                        <dgm:constr type="tMarg" refType="primFontSz" fact="0.3"/>
+                        <dgm:constr type="bMarg" refType="primFontSz" fact="0.3"/>
+                        <dgm:constr type="lMarg" refType="primFontSz" fact="0.3"/>
+                        <dgm:constr type="rMarg" refType="primFontSz" fact="0.3"/>
+                      </dgm:constrLst>
+                      <dgm:ruleLst>
+                        <dgm:rule type="primFontSz" val="5" fact="NaN" max="NaN"/>
+                      </dgm:ruleLst>
+                    </dgm:layoutNode>
+                    <dgm:choose name="Name19">
+                      <dgm:if name="Name20" axis="des" ptType="node" func="cnt" op="gt" val="0">
+                        <dgm:layoutNode name="parTransThree">
+                          <dgm:alg type="sp"/>
+                          <dgm:shape xmlns:r="http://schemas.openxmlformats.org/officeDocument/2006/relationships" r:blip="">
+                            <dgm:adjLst/>
+                          </dgm:shape>
+                          <dgm:presOf/>
+                          <dgm:constrLst/>
+                          <dgm:ruleLst/>
+                        </dgm:layoutNode>
+                      </dgm:if>
+                      <dgm:else name="Name21"/>
+                    </dgm:choose>
+                    <dgm:layoutNode name="horzThree">
+                      <dgm:choose name="Name22">
+                        <dgm:if name="Name23" func="var" arg="dir" op="equ" val="norm">
+                          <dgm:alg type="lin">
+                            <dgm:param type="linDir" val="fromL"/>
+                            <dgm:param type="nodeVertAlign" val="t"/>
+                          </dgm:alg>
+                        </dgm:if>
+                        <dgm:else name="Name24">
+                          <dgm:alg type="lin">
+                            <dgm:param type="linDir" val="fromR"/>
+                            <dgm:param type="nodeVertAlign" val="t"/>
+                          </dgm:alg>
+                        </dgm:else>
+                      </dgm:choose>
+                      <dgm:shape xmlns:r="http://schemas.openxmlformats.org/officeDocument/2006/relationships" r:blip="">
+                        <dgm:adjLst/>
+                      </dgm:shape>
+                      <dgm:presOf/>
+                      <dgm:constrLst/>
+                      <dgm:ruleLst>
+                        <dgm:rule type="w" val="INF" fact="NaN" max="NaN"/>
+                      </dgm:ruleLst>
+                      <dgm:forEach name="repeat" axis="ch" ptType="node">
+                        <dgm:layoutNode name="vertFour">
+                          <dgm:varLst>
+                            <dgm:chPref val="3"/>
+                          </dgm:varLst>
+                          <dgm:alg type="lin">
+                            <dgm:param type="linDir" val="fromT"/>
+                          </dgm:alg>
+                          <dgm:shape xmlns:r="http://schemas.openxmlformats.org/officeDocument/2006/relationships" r:blip="">
+                            <dgm:adjLst/>
+                          </dgm:shape>
+                          <dgm:presOf/>
+                          <dgm:constrLst>
+                            <dgm:constr type="w" for="ch" forName="txFour" refType="w" refFor="ch" refForName="horzFour" op="gte"/>
+                          </dgm:constrLst>
+                          <dgm:ruleLst/>
+                          <dgm:layoutNode name="txFour">
+                            <dgm:varLst>
+                              <dgm:chPref val="3"/>
+                            </dgm:varLst>
+                            <dgm:alg type="tx"/>
+                            <dgm:shape xmlns:r="http://schemas.openxmlformats.org/officeDocument/2006/relationships" type="roundRect" r:blip="">
+                              <dgm:adjLst>
+                                <dgm:adj idx="1" val="0.1"/>
+                              </dgm:adjLst>
+                            </dgm:shape>
+                            <dgm:presOf axis="self"/>
+                            <dgm:constrLst>
+                              <dgm:constr type="userH"/>
+                              <dgm:constr type="h" refType="userH"/>
+                              <dgm:constr type="tMarg" refType="primFontSz" fact="0.3"/>
+                              <dgm:constr type="bMarg" refType="primFontSz" fact="0.3"/>
+                              <dgm:constr type="lMarg" refType="primFontSz" fact="0.3"/>
+                              <dgm:constr type="rMarg" refType="primFontSz" fact="0.3"/>
+                            </dgm:constrLst>
+                            <dgm:ruleLst>
+                              <dgm:rule type="primFontSz" val="5" fact="NaN" max="NaN"/>
+                            </dgm:ruleLst>
+                          </dgm:layoutNode>
+                          <dgm:choose name="Name25">
+                            <dgm:if name="Name26" axis="des" ptType="node" func="cnt" op="gt" val="0">
+                              <dgm:layoutNode name="parTransFour">
+                                <dgm:alg type="sp"/>
+                                <dgm:shape xmlns:r="http://schemas.openxmlformats.org/officeDocument/2006/relationships" r:blip="">
+                                  <dgm:adjLst/>
+                                </dgm:shape>
+                                <dgm:presOf/>
+                                <dgm:constrLst/>
+                                <dgm:ruleLst/>
+                              </dgm:layoutNode>
+                            </dgm:if>
+                            <dgm:else name="Name27"/>
+                          </dgm:choose>
+                          <dgm:layoutNode name="horzFour">
+                            <dgm:choose name="Name28">
+                              <dgm:if name="Name29" func="var" arg="dir" op="equ" val="norm">
+                                <dgm:alg type="lin">
+                                  <dgm:param type="linDir" val="fromL"/>
+                                  <dgm:param type="nodeVertAlign" val="t"/>
+                                </dgm:alg>
+                              </dgm:if>
+                              <dgm:else name="Name30">
+                                <dgm:alg type="lin">
+                                  <dgm:param type="linDir" val="fromR"/>
+                                  <dgm:param type="nodeVertAlign" val="t"/>
+                                </dgm:alg>
+                              </dgm:else>
+                            </dgm:choose>
+                            <dgm:shape xmlns:r="http://schemas.openxmlformats.org/officeDocument/2006/relationships" r:blip="">
+                              <dgm:adjLst/>
+                            </dgm:shape>
+                            <dgm:presOf/>
+                            <dgm:constrLst/>
+                            <dgm:ruleLst>
+                              <dgm:rule type="w" val="INF" fact="NaN" max="NaN"/>
+                            </dgm:ruleLst>
+                            <dgm:forEach name="Name31" ref="repeat"/>
+                          </dgm:layoutNode>
+                        </dgm:layoutNode>
+                        <dgm:choose name="Name32">
+                          <dgm:if name="Name33" axis="self" ptType="node" func="revPos" op="gte" val="2">
+                            <dgm:forEach name="Name34" axis="followSib" ptType="sibTrans" cnt="1">
+                              <dgm:layoutNode name="sibSpaceFour">
+                                <dgm:alg type="sp"/>
+                                <dgm:shape xmlns:r="http://schemas.openxmlformats.org/officeDocument/2006/relationships" r:blip="">
+                                  <dgm:adjLst/>
+                                </dgm:shape>
+                                <dgm:presOf/>
+                                <dgm:constrLst/>
+                                <dgm:ruleLst/>
+                              </dgm:layoutNode>
+                            </dgm:forEach>
+                          </dgm:if>
+                          <dgm:else name="Name35"/>
+                        </dgm:choose>
+                      </dgm:forEach>
+                    </dgm:layoutNode>
+                  </dgm:layoutNode>
+                  <dgm:choose name="Name36">
+                    <dgm:if name="Name37" axis="self" ptType="node" func="revPos" op="gte" val="2">
+                      <dgm:forEach name="Name38" axis="followSib" ptType="sibTrans" cnt="1">
+                        <dgm:layoutNode name="sibSpaceThree">
+                          <dgm:alg type="sp"/>
+                          <dgm:shape xmlns:r="http://schemas.openxmlformats.org/officeDocument/2006/relationships" r:blip="">
+                            <dgm:adjLst/>
+                          </dgm:shape>
+                          <dgm:presOf/>
+                          <dgm:constrLst/>
+                          <dgm:ruleLst/>
+                        </dgm:layoutNode>
+                      </dgm:forEach>
+                    </dgm:if>
+                    <dgm:else name="Name39"/>
+                  </dgm:choose>
+                </dgm:forEach>
+              </dgm:layoutNode>
+            </dgm:layoutNode>
+            <dgm:choose name="Name40">
+              <dgm:if name="Name41" axis="self" ptType="node" func="revPos" op="gte" val="2">
+                <dgm:forEach name="Name42" axis="followSib" ptType="sibTrans" cnt="1">
+                  <dgm:layoutNode name="sibSpaceTwo">
+                    <dgm:alg type="sp"/>
+                    <dgm:shape xmlns:r="http://schemas.openxmlformats.org/officeDocument/2006/relationships" r:blip="">
+                      <dgm:adjLst/>
+                    </dgm:shape>
+                    <dgm:presOf/>
+                    <dgm:constrLst/>
+                    <dgm:ruleLst/>
+                  </dgm:layoutNode>
+                </dgm:forEach>
+              </dgm:if>
+              <dgm:else name="Name43"/>
+            </dgm:choose>
+          </dgm:forEach>
+        </dgm:layoutNode>
+      </dgm:layoutNode>
+      <dgm:choose name="Name44">
+        <dgm:if name="Name45" axis="self" ptType="node" func="revPos" op="gte" val="2">
+          <dgm:forEach name="Name46" axis="followSib" ptType="sibTrans" cnt="1">
+            <dgm:layoutNode name="sibSpaceOne">
+              <dgm:alg type="sp"/>
+              <dgm:shape xmlns:r="http://schemas.openxmlformats.org/officeDocument/2006/relationships" r:blip="">
+                <dgm:adjLst/>
+              </dgm:shape>
+              <dgm:presOf/>
+              <dgm:constrLst/>
+              <dgm:ruleLst/>
+            </dgm:layoutNode>
+          </dgm:forEach>
+        </dgm:if>
+        <dgm:else name="Name47"/>
+      </dgm:choose>
+    </dgm:forEach>
+  </dgm:layoutNode>
+</dgm:layoutDef>
+</file>
+
 <file path=ppt/diagrams/quickStyle1.xml><?xml version="1.0" encoding="utf-8"?>
 <dgm:styleDef xmlns:dgm="http://schemas.openxmlformats.org/drawingml/2006/diagram" xmlns:a="http://schemas.openxmlformats.org/drawingml/2006/main" uniqueId="urn:microsoft.com/office/officeart/2005/8/quickstyle/simple1">
   <dgm:title val=""/>
@@ -13027,6 +17111,1390 @@
     </dgm:style>
   </dgm:styleLbl>
 </dgm:styleDef>
+</file>
+
+<file path=ppt/diagrams/quickStyle3.xml><?xml version="1.0" encoding="utf-8"?>
+<dgm:styleDef xmlns:dgm="http://schemas.openxmlformats.org/drawingml/2006/diagram" xmlns:a="http://schemas.openxmlformats.org/drawingml/2006/main" uniqueId="urn:microsoft.com/office/officeart/2005/8/quickstyle/simple1">
+  <dgm:title val=""/>
+  <dgm:desc val=""/>
+  <dgm:catLst>
+    <dgm:cat type="simple" pri="10100"/>
+  </dgm:catLst>
+  <dgm:scene3d>
+    <a:camera prst="orthographicFront"/>
+    <a:lightRig rig="threePt" dir="t"/>
+  </dgm:scene3d>
+  <dgm:styleLbl name="node0">
+    <dgm:scene3d>
+      <a:camera prst="orthographicFront"/>
+      <a:lightRig rig="threePt" dir="t"/>
+    </dgm:scene3d>
+    <dgm:sp3d/>
+    <dgm:txPr/>
+    <dgm:style>
+      <a:lnRef idx="2">
+        <a:scrgbClr r="0" g="0" b="0"/>
+      </a:lnRef>
+      <a:fillRef idx="1">
+        <a:scrgbClr r="0" g="0" b="0"/>
+      </a:fillRef>
+      <a:effectRef idx="0">
+        <a:scrgbClr r="0" g="0" b="0"/>
+      </a:effectRef>
+      <a:fontRef idx="minor">
+        <a:schemeClr val="lt1"/>
+      </a:fontRef>
+    </dgm:style>
+  </dgm:styleLbl>
+  <dgm:styleLbl name="lnNode1">
+    <dgm:scene3d>
+      <a:camera prst="orthographicFront"/>
+      <a:lightRig rig="threePt" dir="t"/>
+    </dgm:scene3d>
+    <dgm:sp3d/>
+    <dgm:txPr/>
+    <dgm:style>
+      <a:lnRef idx="2">
+        <a:scrgbClr r="0" g="0" b="0"/>
+      </a:lnRef>
+      <a:fillRef idx="1">
+        <a:scrgbClr r="0" g="0" b="0"/>
+      </a:fillRef>
+      <a:effectRef idx="0">
+        <a:scrgbClr r="0" g="0" b="0"/>
+      </a:effectRef>
+      <a:fontRef idx="minor">
+        <a:schemeClr val="lt1"/>
+      </a:fontRef>
+    </dgm:style>
+  </dgm:styleLbl>
+  <dgm:styleLbl name="vennNode1">
+    <dgm:scene3d>
+      <a:camera prst="orthographicFront"/>
+      <a:lightRig rig="threePt" dir="t"/>
+    </dgm:scene3d>
+    <dgm:sp3d/>
+    <dgm:txPr/>
+    <dgm:style>
+      <a:lnRef idx="2">
+        <a:scrgbClr r="0" g="0" b="0"/>
+      </a:lnRef>
+      <a:fillRef idx="1">
+        <a:scrgbClr r="0" g="0" b="0"/>
+      </a:fillRef>
+      <a:effectRef idx="0">
+        <a:scrgbClr r="0" g="0" b="0"/>
+      </a:effectRef>
+      <a:fontRef idx="minor">
+        <a:schemeClr val="tx1"/>
+      </a:fontRef>
+    </dgm:style>
+  </dgm:styleLbl>
+  <dgm:styleLbl name="alignNode1">
+    <dgm:scene3d>
+      <a:camera prst="orthographicFront"/>
+      <a:lightRig rig="threePt" dir="t"/>
+    </dgm:scene3d>
+    <dgm:sp3d/>
+    <dgm:txPr/>
+    <dgm:style>
+      <a:lnRef idx="2">
+        <a:scrgbClr r="0" g="0" b="0"/>
+      </a:lnRef>
+      <a:fillRef idx="1">
+        <a:scrgbClr r="0" g="0" b="0"/>
+      </a:fillRef>
+      <a:effectRef idx="0">
+        <a:scrgbClr r="0" g="0" b="0"/>
+      </a:effectRef>
+      <a:fontRef idx="minor">
+        <a:schemeClr val="lt1"/>
+      </a:fontRef>
+    </dgm:style>
+  </dgm:styleLbl>
+  <dgm:styleLbl name="node1">
+    <dgm:scene3d>
+      <a:camera prst="orthographicFront"/>
+      <a:lightRig rig="threePt" dir="t"/>
+    </dgm:scene3d>
+    <dgm:sp3d/>
+    <dgm:txPr/>
+    <dgm:style>
+      <a:lnRef idx="2">
+        <a:scrgbClr r="0" g="0" b="0"/>
+      </a:lnRef>
+      <a:fillRef idx="1">
+        <a:scrgbClr r="0" g="0" b="0"/>
+      </a:fillRef>
+      <a:effectRef idx="0">
+        <a:scrgbClr r="0" g="0" b="0"/>
+      </a:effectRef>
+      <a:fontRef idx="minor">
+        <a:schemeClr val="lt1"/>
+      </a:fontRef>
+    </dgm:style>
+  </dgm:styleLbl>
+  <dgm:styleLbl name="node2">
+    <dgm:scene3d>
+      <a:camera prst="orthographicFront"/>
+      <a:lightRig rig="threePt" dir="t"/>
+    </dgm:scene3d>
+    <dgm:sp3d/>
+    <dgm:txPr/>
+    <dgm:style>
+      <a:lnRef idx="2">
+        <a:scrgbClr r="0" g="0" b="0"/>
+      </a:lnRef>
+      <a:fillRef idx="1">
+        <a:scrgbClr r="0" g="0" b="0"/>
+      </a:fillRef>
+      <a:effectRef idx="0">
+        <a:scrgbClr r="0" g="0" b="0"/>
+      </a:effectRef>
+      <a:fontRef idx="minor">
+        <a:schemeClr val="lt1"/>
+      </a:fontRef>
+    </dgm:style>
+  </dgm:styleLbl>
+  <dgm:styleLbl name="node3">
+    <dgm:scene3d>
+      <a:camera prst="orthographicFront"/>
+      <a:lightRig rig="threePt" dir="t"/>
+    </dgm:scene3d>
+    <dgm:sp3d/>
+    <dgm:txPr/>
+    <dgm:style>
+      <a:lnRef idx="2">
+        <a:scrgbClr r="0" g="0" b="0"/>
+      </a:lnRef>
+      <a:fillRef idx="1">
+        <a:scrgbClr r="0" g="0" b="0"/>
+      </a:fillRef>
+      <a:effectRef idx="0">
+        <a:scrgbClr r="0" g="0" b="0"/>
+      </a:effectRef>
+      <a:fontRef idx="minor">
+        <a:schemeClr val="lt1"/>
+      </a:fontRef>
+    </dgm:style>
+  </dgm:styleLbl>
+  <dgm:styleLbl name="node4">
+    <dgm:scene3d>
+      <a:camera prst="orthographicFront"/>
+      <a:lightRig rig="threePt" dir="t"/>
+    </dgm:scene3d>
+    <dgm:sp3d/>
+    <dgm:txPr/>
+    <dgm:style>
+      <a:lnRef idx="2">
+        <a:scrgbClr r="0" g="0" b="0"/>
+      </a:lnRef>
+      <a:fillRef idx="1">
+        <a:scrgbClr r="0" g="0" b="0"/>
+      </a:fillRef>
+      <a:effectRef idx="0">
+        <a:scrgbClr r="0" g="0" b="0"/>
+      </a:effectRef>
+      <a:fontRef idx="minor">
+        <a:schemeClr val="lt1"/>
+      </a:fontRef>
+    </dgm:style>
+  </dgm:styleLbl>
+  <dgm:styleLbl name="fgImgPlace1">
+    <dgm:scene3d>
+      <a:camera prst="orthographicFront"/>
+      <a:lightRig rig="threePt" dir="t"/>
+    </dgm:scene3d>
+    <dgm:sp3d/>
+    <dgm:txPr/>
+    <dgm:style>
+      <a:lnRef idx="2">
+        <a:scrgbClr r="0" g="0" b="0"/>
+      </a:lnRef>
+      <a:fillRef idx="1">
+        <a:scrgbClr r="0" g="0" b="0"/>
+      </a:fillRef>
+      <a:effectRef idx="0">
+        <a:scrgbClr r="0" g="0" b="0"/>
+      </a:effectRef>
+      <a:fontRef idx="minor"/>
+    </dgm:style>
+  </dgm:styleLbl>
+  <dgm:styleLbl name="alignImgPlace1">
+    <dgm:scene3d>
+      <a:camera prst="orthographicFront"/>
+      <a:lightRig rig="threePt" dir="t"/>
+    </dgm:scene3d>
+    <dgm:sp3d/>
+    <dgm:txPr/>
+    <dgm:style>
+      <a:lnRef idx="2">
+        <a:scrgbClr r="0" g="0" b="0"/>
+      </a:lnRef>
+      <a:fillRef idx="1">
+        <a:scrgbClr r="0" g="0" b="0"/>
+      </a:fillRef>
+      <a:effectRef idx="0">
+        <a:scrgbClr r="0" g="0" b="0"/>
+      </a:effectRef>
+      <a:fontRef idx="minor"/>
+    </dgm:style>
+  </dgm:styleLbl>
+  <dgm:styleLbl name="bgImgPlace1">
+    <dgm:scene3d>
+      <a:camera prst="orthographicFront"/>
+      <a:lightRig rig="threePt" dir="t"/>
+    </dgm:scene3d>
+    <dgm:sp3d/>
+    <dgm:txPr/>
+    <dgm:style>
+      <a:lnRef idx="2">
+        <a:scrgbClr r="0" g="0" b="0"/>
+      </a:lnRef>
+      <a:fillRef idx="1">
+        <a:scrgbClr r="0" g="0" b="0"/>
+      </a:fillRef>
+      <a:effectRef idx="0">
+        <a:scrgbClr r="0" g="0" b="0"/>
+      </a:effectRef>
+      <a:fontRef idx="minor"/>
+    </dgm:style>
+  </dgm:styleLbl>
+  <dgm:styleLbl name="sibTrans2D1">
+    <dgm:scene3d>
+      <a:camera prst="orthographicFront"/>
+      <a:lightRig rig="threePt" dir="t"/>
+    </dgm:scene3d>
+    <dgm:sp3d/>
+    <dgm:txPr/>
+    <dgm:style>
+      <a:lnRef idx="0">
+        <a:scrgbClr r="0" g="0" b="0"/>
+      </a:lnRef>
+      <a:fillRef idx="1">
+        <a:scrgbClr r="0" g="0" b="0"/>
+      </a:fillRef>
+      <a:effectRef idx="0">
+        <a:scrgbClr r="0" g="0" b="0"/>
+      </a:effectRef>
+      <a:fontRef idx="minor">
+        <a:schemeClr val="lt1"/>
+      </a:fontRef>
+    </dgm:style>
+  </dgm:styleLbl>
+  <dgm:styleLbl name="fgSibTrans2D1">
+    <dgm:scene3d>
+      <a:camera prst="orthographicFront"/>
+      <a:lightRig rig="threePt" dir="t"/>
+    </dgm:scene3d>
+    <dgm:sp3d/>
+    <dgm:txPr/>
+    <dgm:style>
+      <a:lnRef idx="0">
+        <a:scrgbClr r="0" g="0" b="0"/>
+      </a:lnRef>
+      <a:fillRef idx="1">
+        <a:scrgbClr r="0" g="0" b="0"/>
+      </a:fillRef>
+      <a:effectRef idx="0">
+        <a:scrgbClr r="0" g="0" b="0"/>
+      </a:effectRef>
+      <a:fontRef idx="minor">
+        <a:schemeClr val="lt1"/>
+      </a:fontRef>
+    </dgm:style>
+  </dgm:styleLbl>
+  <dgm:styleLbl name="bgSibTrans2D1">
+    <dgm:scene3d>
+      <a:camera prst="orthographicFront"/>
+      <a:lightRig rig="threePt" dir="t"/>
+    </dgm:scene3d>
+    <dgm:sp3d/>
+    <dgm:txPr/>
+    <dgm:style>
+      <a:lnRef idx="0">
+        <a:scrgbClr r="0" g="0" b="0"/>
+      </a:lnRef>
+      <a:fillRef idx="1">
+        <a:scrgbClr r="0" g="0" b="0"/>
+      </a:fillRef>
+      <a:effectRef idx="0">
+        <a:scrgbClr r="0" g="0" b="0"/>
+      </a:effectRef>
+      <a:fontRef idx="minor">
+        <a:schemeClr val="lt1"/>
+      </a:fontRef>
+    </dgm:style>
+  </dgm:styleLbl>
+  <dgm:styleLbl name="sibTrans1D1">
+    <dgm:scene3d>
+      <a:camera prst="orthographicFront"/>
+      <a:lightRig rig="threePt" dir="t"/>
+    </dgm:scene3d>
+    <dgm:sp3d/>
+    <dgm:txPr/>
+    <dgm:style>
+      <a:lnRef idx="1">
+        <a:scrgbClr r="0" g="0" b="0"/>
+      </a:lnRef>
+      <a:fillRef idx="0">
+        <a:scrgbClr r="0" g="0" b="0"/>
+      </a:fillRef>
+      <a:effectRef idx="0">
+        <a:scrgbClr r="0" g="0" b="0"/>
+      </a:effectRef>
+      <a:fontRef idx="minor"/>
+    </dgm:style>
+  </dgm:styleLbl>
+  <dgm:styleLbl name="callout">
+    <dgm:scene3d>
+      <a:camera prst="orthographicFront"/>
+      <a:lightRig rig="threePt" dir="t"/>
+    </dgm:scene3d>
+    <dgm:sp3d/>
+    <dgm:txPr/>
+    <dgm:style>
+      <a:lnRef idx="2">
+        <a:scrgbClr r="0" g="0" b="0"/>
+      </a:lnRef>
+      <a:fillRef idx="1">
+        <a:scrgbClr r="0" g="0" b="0"/>
+      </a:fillRef>
+      <a:effectRef idx="0">
+        <a:scrgbClr r="0" g="0" b="0"/>
+      </a:effectRef>
+      <a:fontRef idx="minor"/>
+    </dgm:style>
+  </dgm:styleLbl>
+  <dgm:styleLbl name="asst0">
+    <dgm:scene3d>
+      <a:camera prst="orthographicFront"/>
+      <a:lightRig rig="threePt" dir="t"/>
+    </dgm:scene3d>
+    <dgm:sp3d/>
+    <dgm:txPr/>
+    <dgm:style>
+      <a:lnRef idx="2">
+        <a:scrgbClr r="0" g="0" b="0"/>
+      </a:lnRef>
+      <a:fillRef idx="1">
+        <a:scrgbClr r="0" g="0" b="0"/>
+      </a:fillRef>
+      <a:effectRef idx="0">
+        <a:scrgbClr r="0" g="0" b="0"/>
+      </a:effectRef>
+      <a:fontRef idx="minor">
+        <a:schemeClr val="lt1"/>
+      </a:fontRef>
+    </dgm:style>
+  </dgm:styleLbl>
+  <dgm:styleLbl name="asst1">
+    <dgm:scene3d>
+      <a:camera prst="orthographicFront"/>
+      <a:lightRig rig="threePt" dir="t"/>
+    </dgm:scene3d>
+    <dgm:sp3d/>
+    <dgm:txPr/>
+    <dgm:style>
+      <a:lnRef idx="2">
+        <a:scrgbClr r="0" g="0" b="0"/>
+      </a:lnRef>
+      <a:fillRef idx="1">
+        <a:scrgbClr r="0" g="0" b="0"/>
+      </a:fillRef>
+      <a:effectRef idx="0">
+        <a:scrgbClr r="0" g="0" b="0"/>
+      </a:effectRef>
+      <a:fontRef idx="minor">
+        <a:schemeClr val="lt1"/>
+      </a:fontRef>
+    </dgm:style>
+  </dgm:styleLbl>
+  <dgm:styleLbl name="asst2">
+    <dgm:scene3d>
+      <a:camera prst="orthographicFront"/>
+      <a:lightRig rig="threePt" dir="t"/>
+    </dgm:scene3d>
+    <dgm:sp3d/>
+    <dgm:txPr/>
+    <dgm:style>
+      <a:lnRef idx="2">
+        <a:scrgbClr r="0" g="0" b="0"/>
+      </a:lnRef>
+      <a:fillRef idx="1">
+        <a:scrgbClr r="0" g="0" b="0"/>
+      </a:fillRef>
+      <a:effectRef idx="0">
+        <a:scrgbClr r="0" g="0" b="0"/>
+      </a:effectRef>
+      <a:fontRef idx="minor">
+        <a:schemeClr val="lt1"/>
+      </a:fontRef>
+    </dgm:style>
+  </dgm:styleLbl>
+  <dgm:styleLbl name="asst3">
+    <dgm:scene3d>
+      <a:camera prst="orthographicFront"/>
+      <a:lightRig rig="threePt" dir="t"/>
+    </dgm:scene3d>
+    <dgm:sp3d/>
+    <dgm:txPr/>
+    <dgm:style>
+      <a:lnRef idx="2">
+        <a:scrgbClr r="0" g="0" b="0"/>
+      </a:lnRef>
+      <a:fillRef idx="1">
+        <a:scrgbClr r="0" g="0" b="0"/>
+      </a:fillRef>
+      <a:effectRef idx="0">
+        <a:scrgbClr r="0" g="0" b="0"/>
+      </a:effectRef>
+      <a:fontRef idx="minor">
+        <a:schemeClr val="lt1"/>
+      </a:fontRef>
+    </dgm:style>
+  </dgm:styleLbl>
+  <dgm:styleLbl name="asst4">
+    <dgm:scene3d>
+      <a:camera prst="orthographicFront"/>
+      <a:lightRig rig="threePt" dir="t"/>
+    </dgm:scene3d>
+    <dgm:sp3d/>
+    <dgm:txPr/>
+    <dgm:style>
+      <a:lnRef idx="2">
+        <a:scrgbClr r="0" g="0" b="0"/>
+      </a:lnRef>
+      <a:fillRef idx="1">
+        <a:scrgbClr r="0" g="0" b="0"/>
+      </a:fillRef>
+      <a:effectRef idx="0">
+        <a:scrgbClr r="0" g="0" b="0"/>
+      </a:effectRef>
+      <a:fontRef idx="minor">
+        <a:schemeClr val="lt1"/>
+      </a:fontRef>
+    </dgm:style>
+  </dgm:styleLbl>
+  <dgm:styleLbl name="parChTrans2D1">
+    <dgm:scene3d>
+      <a:camera prst="orthographicFront"/>
+      <a:lightRig rig="threePt" dir="t"/>
+    </dgm:scene3d>
+    <dgm:sp3d/>
+    <dgm:txPr/>
+    <dgm:style>
+      <a:lnRef idx="2">
+        <a:scrgbClr r="0" g="0" b="0"/>
+      </a:lnRef>
+      <a:fillRef idx="1">
+        <a:scrgbClr r="0" g="0" b="0"/>
+      </a:fillRef>
+      <a:effectRef idx="0">
+        <a:scrgbClr r="0" g="0" b="0"/>
+      </a:effectRef>
+      <a:fontRef idx="minor">
+        <a:schemeClr val="lt1"/>
+      </a:fontRef>
+    </dgm:style>
+  </dgm:styleLbl>
+  <dgm:styleLbl name="parChTrans2D2">
+    <dgm:scene3d>
+      <a:camera prst="orthographicFront"/>
+      <a:lightRig rig="threePt" dir="t"/>
+    </dgm:scene3d>
+    <dgm:sp3d/>
+    <dgm:txPr/>
+    <dgm:style>
+      <a:lnRef idx="2">
+        <a:scrgbClr r="0" g="0" b="0"/>
+      </a:lnRef>
+      <a:fillRef idx="1">
+        <a:scrgbClr r="0" g="0" b="0"/>
+      </a:fillRef>
+      <a:effectRef idx="0">
+        <a:scrgbClr r="0" g="0" b="0"/>
+      </a:effectRef>
+      <a:fontRef idx="minor">
+        <a:schemeClr val="lt1"/>
+      </a:fontRef>
+    </dgm:style>
+  </dgm:styleLbl>
+  <dgm:styleLbl name="parChTrans2D3">
+    <dgm:scene3d>
+      <a:camera prst="orthographicFront"/>
+      <a:lightRig rig="threePt" dir="t"/>
+    </dgm:scene3d>
+    <dgm:sp3d/>
+    <dgm:txPr/>
+    <dgm:style>
+      <a:lnRef idx="2">
+        <a:scrgbClr r="0" g="0" b="0"/>
+      </a:lnRef>
+      <a:fillRef idx="1">
+        <a:scrgbClr r="0" g="0" b="0"/>
+      </a:fillRef>
+      <a:effectRef idx="0">
+        <a:scrgbClr r="0" g="0" b="0"/>
+      </a:effectRef>
+      <a:fontRef idx="minor">
+        <a:schemeClr val="lt1"/>
+      </a:fontRef>
+    </dgm:style>
+  </dgm:styleLbl>
+  <dgm:styleLbl name="parChTrans2D4">
+    <dgm:scene3d>
+      <a:camera prst="orthographicFront"/>
+      <a:lightRig rig="threePt" dir="t"/>
+    </dgm:scene3d>
+    <dgm:sp3d/>
+    <dgm:txPr/>
+    <dgm:style>
+      <a:lnRef idx="2">
+        <a:scrgbClr r="0" g="0" b="0"/>
+      </a:lnRef>
+      <a:fillRef idx="1">
+        <a:scrgbClr r="0" g="0" b="0"/>
+      </a:fillRef>
+      <a:effectRef idx="0">
+        <a:scrgbClr r="0" g="0" b="0"/>
+      </a:effectRef>
+      <a:fontRef idx="minor">
+        <a:schemeClr val="lt1"/>
+      </a:fontRef>
+    </dgm:style>
+  </dgm:styleLbl>
+  <dgm:styleLbl name="parChTrans1D1">
+    <dgm:scene3d>
+      <a:camera prst="orthographicFront"/>
+      <a:lightRig rig="threePt" dir="t"/>
+    </dgm:scene3d>
+    <dgm:sp3d/>
+    <dgm:txPr/>
+    <dgm:style>
+      <a:lnRef idx="2">
+        <a:scrgbClr r="0" g="0" b="0"/>
+      </a:lnRef>
+      <a:fillRef idx="0">
+        <a:scrgbClr r="0" g="0" b="0"/>
+      </a:fillRef>
+      <a:effectRef idx="0">
+        <a:scrgbClr r="0" g="0" b="0"/>
+      </a:effectRef>
+      <a:fontRef idx="minor"/>
+    </dgm:style>
+  </dgm:styleLbl>
+  <dgm:styleLbl name="parChTrans1D2">
+    <dgm:scene3d>
+      <a:camera prst="orthographicFront"/>
+      <a:lightRig rig="threePt" dir="t"/>
+    </dgm:scene3d>
+    <dgm:sp3d/>
+    <dgm:txPr/>
+    <dgm:style>
+      <a:lnRef idx="2">
+        <a:scrgbClr r="0" g="0" b="0"/>
+      </a:lnRef>
+      <a:fillRef idx="0">
+        <a:scrgbClr r="0" g="0" b="0"/>
+      </a:fillRef>
+      <a:effectRef idx="0">
+        <a:scrgbClr r="0" g="0" b="0"/>
+      </a:effectRef>
+      <a:fontRef idx="minor"/>
+    </dgm:style>
+  </dgm:styleLbl>
+  <dgm:styleLbl name="parChTrans1D3">
+    <dgm:scene3d>
+      <a:camera prst="orthographicFront"/>
+      <a:lightRig rig="threePt" dir="t"/>
+    </dgm:scene3d>
+    <dgm:sp3d/>
+    <dgm:txPr/>
+    <dgm:style>
+      <a:lnRef idx="2">
+        <a:scrgbClr r="0" g="0" b="0"/>
+      </a:lnRef>
+      <a:fillRef idx="0">
+        <a:scrgbClr r="0" g="0" b="0"/>
+      </a:fillRef>
+      <a:effectRef idx="0">
+        <a:scrgbClr r="0" g="0" b="0"/>
+      </a:effectRef>
+      <a:fontRef idx="minor"/>
+    </dgm:style>
+  </dgm:styleLbl>
+  <dgm:styleLbl name="parChTrans1D4">
+    <dgm:scene3d>
+      <a:camera prst="orthographicFront"/>
+      <a:lightRig rig="threePt" dir="t"/>
+    </dgm:scene3d>
+    <dgm:sp3d/>
+    <dgm:txPr/>
+    <dgm:style>
+      <a:lnRef idx="2">
+        <a:scrgbClr r="0" g="0" b="0"/>
+      </a:lnRef>
+      <a:fillRef idx="0">
+        <a:scrgbClr r="0" g="0" b="0"/>
+      </a:fillRef>
+      <a:effectRef idx="0">
+        <a:scrgbClr r="0" g="0" b="0"/>
+      </a:effectRef>
+      <a:fontRef idx="minor"/>
+    </dgm:style>
+  </dgm:styleLbl>
+  <dgm:styleLbl name="fgAcc1">
+    <dgm:scene3d>
+      <a:camera prst="orthographicFront"/>
+      <a:lightRig rig="threePt" dir="t"/>
+    </dgm:scene3d>
+    <dgm:sp3d/>
+    <dgm:txPr/>
+    <dgm:style>
+      <a:lnRef idx="2">
+        <a:scrgbClr r="0" g="0" b="0"/>
+      </a:lnRef>
+      <a:fillRef idx="1">
+        <a:scrgbClr r="0" g="0" b="0"/>
+      </a:fillRef>
+      <a:effectRef idx="0">
+        <a:scrgbClr r="0" g="0" b="0"/>
+      </a:effectRef>
+      <a:fontRef idx="minor"/>
+    </dgm:style>
+  </dgm:styleLbl>
+  <dgm:styleLbl name="conFgAcc1">
+    <dgm:scene3d>
+      <a:camera prst="orthographicFront"/>
+      <a:lightRig rig="threePt" dir="t"/>
+    </dgm:scene3d>
+    <dgm:sp3d/>
+    <dgm:txPr/>
+    <dgm:style>
+      <a:lnRef idx="2">
+        <a:scrgbClr r="0" g="0" b="0"/>
+      </a:lnRef>
+      <a:fillRef idx="1">
+        <a:scrgbClr r="0" g="0" b="0"/>
+      </a:fillRef>
+      <a:effectRef idx="0">
+        <a:scrgbClr r="0" g="0" b="0"/>
+      </a:effectRef>
+      <a:fontRef idx="minor"/>
+    </dgm:style>
+  </dgm:styleLbl>
+  <dgm:styleLbl name="alignAcc1">
+    <dgm:scene3d>
+      <a:camera prst="orthographicFront"/>
+      <a:lightRig rig="threePt" dir="t"/>
+    </dgm:scene3d>
+    <dgm:sp3d/>
+    <dgm:txPr/>
+    <dgm:style>
+      <a:lnRef idx="2">
+        <a:scrgbClr r="0" g="0" b="0"/>
+      </a:lnRef>
+      <a:fillRef idx="1">
+        <a:scrgbClr r="0" g="0" b="0"/>
+      </a:fillRef>
+      <a:effectRef idx="0">
+        <a:scrgbClr r="0" g="0" b="0"/>
+      </a:effectRef>
+      <a:fontRef idx="minor"/>
+    </dgm:style>
+  </dgm:styleLbl>
+  <dgm:styleLbl name="trAlignAcc1">
+    <dgm:scene3d>
+      <a:camera prst="orthographicFront"/>
+      <a:lightRig rig="threePt" dir="t"/>
+    </dgm:scene3d>
+    <dgm:sp3d/>
+    <dgm:txPr/>
+    <dgm:style>
+      <a:lnRef idx="1">
+        <a:scrgbClr r="0" g="0" b="0"/>
+      </a:lnRef>
+      <a:fillRef idx="1">
+        <a:scrgbClr r="0" g="0" b="0"/>
+      </a:fillRef>
+      <a:effectRef idx="0">
+        <a:scrgbClr r="0" g="0" b="0"/>
+      </a:effectRef>
+      <a:fontRef idx="minor"/>
+    </dgm:style>
+  </dgm:styleLbl>
+  <dgm:styleLbl name="bgAcc1">
+    <dgm:scene3d>
+      <a:camera prst="orthographicFront"/>
+      <a:lightRig rig="threePt" dir="t"/>
+    </dgm:scene3d>
+    <dgm:sp3d/>
+    <dgm:txPr/>
+    <dgm:style>
+      <a:lnRef idx="2">
+        <a:scrgbClr r="0" g="0" b="0"/>
+      </a:lnRef>
+      <a:fillRef idx="1">
+        <a:scrgbClr r="0" g="0" b="0"/>
+      </a:fillRef>
+      <a:effectRef idx="0">
+        <a:scrgbClr r="0" g="0" b="0"/>
+      </a:effectRef>
+      <a:fontRef idx="minor"/>
+    </dgm:style>
+  </dgm:styleLbl>
+  <dgm:styleLbl name="solidFgAcc1">
+    <dgm:scene3d>
+      <a:camera prst="orthographicFront"/>
+      <a:lightRig rig="threePt" dir="t"/>
+    </dgm:scene3d>
+    <dgm:sp3d/>
+    <dgm:txPr/>
+    <dgm:style>
+      <a:lnRef idx="2">
+        <a:scrgbClr r="0" g="0" b="0"/>
+      </a:lnRef>
+      <a:fillRef idx="1">
+        <a:scrgbClr r="0" g="0" b="0"/>
+      </a:fillRef>
+      <a:effectRef idx="0">
+        <a:scrgbClr r="0" g="0" b="0"/>
+      </a:effectRef>
+      <a:fontRef idx="minor"/>
+    </dgm:style>
+  </dgm:styleLbl>
+  <dgm:styleLbl name="solidAlignAcc1">
+    <dgm:scene3d>
+      <a:camera prst="orthographicFront"/>
+      <a:lightRig rig="threePt" dir="t"/>
+    </dgm:scene3d>
+    <dgm:sp3d/>
+    <dgm:txPr/>
+    <dgm:style>
+      <a:lnRef idx="2">
+        <a:scrgbClr r="0" g="0" b="0"/>
+      </a:lnRef>
+      <a:fillRef idx="1">
+        <a:scrgbClr r="0" g="0" b="0"/>
+      </a:fillRef>
+      <a:effectRef idx="0">
+        <a:scrgbClr r="0" g="0" b="0"/>
+      </a:effectRef>
+      <a:fontRef idx="minor"/>
+    </dgm:style>
+  </dgm:styleLbl>
+  <dgm:styleLbl name="solidBgAcc1">
+    <dgm:scene3d>
+      <a:camera prst="orthographicFront"/>
+      <a:lightRig rig="threePt" dir="t"/>
+    </dgm:scene3d>
+    <dgm:sp3d/>
+    <dgm:txPr/>
+    <dgm:style>
+      <a:lnRef idx="2">
+        <a:scrgbClr r="0" g="0" b="0"/>
+      </a:lnRef>
+      <a:fillRef idx="1">
+        <a:scrgbClr r="0" g="0" b="0"/>
+      </a:fillRef>
+      <a:effectRef idx="0">
+        <a:scrgbClr r="0" g="0" b="0"/>
+      </a:effectRef>
+      <a:fontRef idx="minor"/>
+    </dgm:style>
+  </dgm:styleLbl>
+  <dgm:styleLbl name="fgAccFollowNode1">
+    <dgm:scene3d>
+      <a:camera prst="orthographicFront"/>
+      <a:lightRig rig="threePt" dir="t"/>
+    </dgm:scene3d>
+    <dgm:sp3d/>
+    <dgm:txPr/>
+    <dgm:style>
+      <a:lnRef idx="2">
+        <a:scrgbClr r="0" g="0" b="0"/>
+      </a:lnRef>
+      <a:fillRef idx="1">
+        <a:scrgbClr r="0" g="0" b="0"/>
+      </a:fillRef>
+      <a:effectRef idx="0">
+        <a:scrgbClr r="0" g="0" b="0"/>
+      </a:effectRef>
+      <a:fontRef idx="minor"/>
+    </dgm:style>
+  </dgm:styleLbl>
+  <dgm:styleLbl name="alignAccFollowNode1">
+    <dgm:scene3d>
+      <a:camera prst="orthographicFront"/>
+      <a:lightRig rig="threePt" dir="t"/>
+    </dgm:scene3d>
+    <dgm:sp3d/>
+    <dgm:txPr/>
+    <dgm:style>
+      <a:lnRef idx="2">
+        <a:scrgbClr r="0" g="0" b="0"/>
+      </a:lnRef>
+      <a:fillRef idx="1">
+        <a:scrgbClr r="0" g="0" b="0"/>
+      </a:fillRef>
+      <a:effectRef idx="0">
+        <a:scrgbClr r="0" g="0" b="0"/>
+      </a:effectRef>
+      <a:fontRef idx="minor"/>
+    </dgm:style>
+  </dgm:styleLbl>
+  <dgm:styleLbl name="bgAccFollowNode1">
+    <dgm:scene3d>
+      <a:camera prst="orthographicFront"/>
+      <a:lightRig rig="threePt" dir="t"/>
+    </dgm:scene3d>
+    <dgm:sp3d/>
+    <dgm:txPr/>
+    <dgm:style>
+      <a:lnRef idx="2">
+        <a:scrgbClr r="0" g="0" b="0"/>
+      </a:lnRef>
+      <a:fillRef idx="1">
+        <a:scrgbClr r="0" g="0" b="0"/>
+      </a:fillRef>
+      <a:effectRef idx="0">
+        <a:scrgbClr r="0" g="0" b="0"/>
+      </a:effectRef>
+      <a:fontRef idx="minor"/>
+    </dgm:style>
+  </dgm:styleLbl>
+  <dgm:styleLbl name="fgAcc0">
+    <dgm:scene3d>
+      <a:camera prst="orthographicFront"/>
+      <a:lightRig rig="threePt" dir="t"/>
+    </dgm:scene3d>
+    <dgm:sp3d/>
+    <dgm:txPr/>
+    <dgm:style>
+      <a:lnRef idx="2">
+        <a:scrgbClr r="0" g="0" b="0"/>
+      </a:lnRef>
+      <a:fillRef idx="1">
+        <a:scrgbClr r="0" g="0" b="0"/>
+      </a:fillRef>
+      <a:effectRef idx="0">
+        <a:scrgbClr r="0" g="0" b="0"/>
+      </a:effectRef>
+      <a:fontRef idx="minor"/>
+    </dgm:style>
+  </dgm:styleLbl>
+  <dgm:styleLbl name="fgAcc2">
+    <dgm:scene3d>
+      <a:camera prst="orthographicFront"/>
+      <a:lightRig rig="threePt" dir="t"/>
+    </dgm:scene3d>
+    <dgm:sp3d/>
+    <dgm:txPr/>
+    <dgm:style>
+      <a:lnRef idx="2">
+        <a:scrgbClr r="0" g="0" b="0"/>
+      </a:lnRef>
+      <a:fillRef idx="1">
+        <a:scrgbClr r="0" g="0" b="0"/>
+      </a:fillRef>
+      <a:effectRef idx="0">
+        <a:scrgbClr r="0" g="0" b="0"/>
+      </a:effectRef>
+      <a:fontRef idx="minor"/>
+    </dgm:style>
+  </dgm:styleLbl>
+  <dgm:styleLbl name="fgAcc3">
+    <dgm:scene3d>
+      <a:camera prst="orthographicFront"/>
+      <a:lightRig rig="threePt" dir="t"/>
+    </dgm:scene3d>
+    <dgm:sp3d/>
+    <dgm:txPr/>
+    <dgm:style>
+      <a:lnRef idx="2">
+        <a:scrgbClr r="0" g="0" b="0"/>
+      </a:lnRef>
+      <a:fillRef idx="1">
+        <a:scrgbClr r="0" g="0" b="0"/>
+      </a:fillRef>
+      <a:effectRef idx="0">
+        <a:scrgbClr r="0" g="0" b="0"/>
+      </a:effectRef>
+      <a:fontRef idx="minor"/>
+    </dgm:style>
+  </dgm:styleLbl>
+  <dgm:styleLbl name="fgAcc4">
+    <dgm:scene3d>
+      <a:camera prst="orthographicFront"/>
+      <a:lightRig rig="threePt" dir="t"/>
+    </dgm:scene3d>
+    <dgm:sp3d/>
+    <dgm:txPr/>
+    <dgm:style>
+      <a:lnRef idx="2">
+        <a:scrgbClr r="0" g="0" b="0"/>
+      </a:lnRef>
+      <a:fillRef idx="1">
+        <a:scrgbClr r="0" g="0" b="0"/>
+      </a:fillRef>
+      <a:effectRef idx="0">
+        <a:scrgbClr r="0" g="0" b="0"/>
+      </a:effectRef>
+      <a:fontRef idx="minor"/>
+    </dgm:style>
+  </dgm:styleLbl>
+  <dgm:styleLbl name="bgShp">
+    <dgm:scene3d>
+      <a:camera prst="orthographicFront"/>
+      <a:lightRig rig="threePt" dir="t"/>
+    </dgm:scene3d>
+    <dgm:sp3d/>
+    <dgm:txPr/>
+    <dgm:style>
+      <a:lnRef idx="0">
+        <a:scrgbClr r="0" g="0" b="0"/>
+      </a:lnRef>
+      <a:fillRef idx="1">
+        <a:scrgbClr r="0" g="0" b="0"/>
+      </a:fillRef>
+      <a:effectRef idx="0">
+        <a:scrgbClr r="0" g="0" b="0"/>
+      </a:effectRef>
+      <a:fontRef idx="minor"/>
+    </dgm:style>
+  </dgm:styleLbl>
+  <dgm:styleLbl name="dkBgShp">
+    <dgm:scene3d>
+      <a:camera prst="orthographicFront"/>
+      <a:lightRig rig="threePt" dir="t"/>
+    </dgm:scene3d>
+    <dgm:sp3d/>
+    <dgm:txPr/>
+    <dgm:style>
+      <a:lnRef idx="0">
+        <a:scrgbClr r="0" g="0" b="0"/>
+      </a:lnRef>
+      <a:fillRef idx="1">
+        <a:scrgbClr r="0" g="0" b="0"/>
+      </a:fillRef>
+      <a:effectRef idx="0">
+        <a:scrgbClr r="0" g="0" b="0"/>
+      </a:effectRef>
+      <a:fontRef idx="minor"/>
+    </dgm:style>
+  </dgm:styleLbl>
+  <dgm:styleLbl name="trBgShp">
+    <dgm:scene3d>
+      <a:camera prst="orthographicFront"/>
+      <a:lightRig rig="threePt" dir="t"/>
+    </dgm:scene3d>
+    <dgm:sp3d/>
+    <dgm:txPr/>
+    <dgm:style>
+      <a:lnRef idx="0">
+        <a:scrgbClr r="0" g="0" b="0"/>
+      </a:lnRef>
+      <a:fillRef idx="1">
+        <a:scrgbClr r="0" g="0" b="0"/>
+      </a:fillRef>
+      <a:effectRef idx="0">
+        <a:scrgbClr r="0" g="0" b="0"/>
+      </a:effectRef>
+      <a:fontRef idx="minor"/>
+    </dgm:style>
+  </dgm:styleLbl>
+  <dgm:styleLbl name="fgShp">
+    <dgm:scene3d>
+      <a:camera prst="orthographicFront"/>
+      <a:lightRig rig="threePt" dir="t"/>
+    </dgm:scene3d>
+    <dgm:sp3d/>
+    <dgm:txPr/>
+    <dgm:style>
+      <a:lnRef idx="2">
+        <a:scrgbClr r="0" g="0" b="0"/>
+      </a:lnRef>
+      <a:fillRef idx="1">
+        <a:scrgbClr r="0" g="0" b="0"/>
+      </a:fillRef>
+      <a:effectRef idx="0">
+        <a:scrgbClr r="0" g="0" b="0"/>
+      </a:effectRef>
+      <a:fontRef idx="minor"/>
+    </dgm:style>
+  </dgm:styleLbl>
+  <dgm:styleLbl name="revTx">
+    <dgm:scene3d>
+      <a:camera prst="orthographicFront"/>
+      <a:lightRig rig="threePt" dir="t"/>
+    </dgm:scene3d>
+    <dgm:sp3d/>
+    <dgm:txPr/>
+    <dgm:style>
+      <a:lnRef idx="0">
+        <a:scrgbClr r="0" g="0" b="0"/>
+      </a:lnRef>
+      <a:fillRef idx="0">
+        <a:scrgbClr r="0" g="0" b="0"/>
+      </a:fillRef>
+      <a:effectRef idx="0">
+        <a:scrgbClr r="0" g="0" b="0"/>
+      </a:effectRef>
+      <a:fontRef idx="minor"/>
+    </dgm:style>
+  </dgm:styleLbl>
+</dgm:styleDef>
+</file>
+
+<file path=ppt/notesMasters/notesMaster1.xml><?xml version="1.0" encoding="utf-8"?>
+<p:notesMaster xmlns:a="http://schemas.openxmlformats.org/drawingml/2006/main" xmlns:r="http://schemas.openxmlformats.org/officeDocument/2006/relationships" xmlns:p="http://schemas.openxmlformats.org/presentationml/2006/main">
+  <p:cSld>
+    <p:bg>
+      <p:bgRef idx="1001">
+        <a:schemeClr val="bg1"/>
+      </p:bgRef>
+    </p:bg>
+    <p:spTree>
+      <p:nvGrpSpPr>
+        <p:cNvPr id="1" name=""/>
+        <p:cNvGrpSpPr/>
+        <p:nvPr/>
+      </p:nvGrpSpPr>
+      <p:grpSpPr>
+        <a:xfrm>
+          <a:off x="0" y="0"/>
+          <a:ext cx="0" cy="0"/>
+          <a:chOff x="0" y="0"/>
+          <a:chExt cx="0" cy="0"/>
+        </a:xfrm>
+      </p:grpSpPr>
+      <p:sp>
+        <p:nvSpPr>
+          <p:cNvPr id="2" name="页眉占位符 1"/>
+          <p:cNvSpPr>
+            <a:spLocks noGrp="1"/>
+          </p:cNvSpPr>
+          <p:nvPr>
+            <p:ph type="hdr" sz="quarter"/>
+          </p:nvPr>
+        </p:nvSpPr>
+        <p:spPr>
+          <a:xfrm>
+            <a:off x="0" y="0"/>
+            <a:ext cx="2971800" cy="458788"/>
+          </a:xfrm>
+          <a:prstGeom prst="rect">
+            <a:avLst/>
+          </a:prstGeom>
+        </p:spPr>
+        <p:txBody>
+          <a:bodyPr vert="horz" lIns="91440" tIns="45720" rIns="91440" bIns="45720" rtlCol="0"/>
+          <a:lstStyle>
+            <a:lvl1pPr algn="l">
+              <a:defRPr sz="1200"/>
+            </a:lvl1pPr>
+          </a:lstStyle>
+          <a:p>
+            <a:endParaRPr kumimoji="1" lang="zh-CN" altLang="en-US"/>
+          </a:p>
+        </p:txBody>
+      </p:sp>
+      <p:sp>
+        <p:nvSpPr>
+          <p:cNvPr id="3" name="日期占位符 2"/>
+          <p:cNvSpPr>
+            <a:spLocks noGrp="1"/>
+          </p:cNvSpPr>
+          <p:nvPr>
+            <p:ph type="dt" idx="1"/>
+          </p:nvPr>
+        </p:nvSpPr>
+        <p:spPr>
+          <a:xfrm>
+            <a:off x="3884613" y="0"/>
+            <a:ext cx="2971800" cy="458788"/>
+          </a:xfrm>
+          <a:prstGeom prst="rect">
+            <a:avLst/>
+          </a:prstGeom>
+        </p:spPr>
+        <p:txBody>
+          <a:bodyPr vert="horz" lIns="91440" tIns="45720" rIns="91440" bIns="45720" rtlCol="0"/>
+          <a:lstStyle>
+            <a:lvl1pPr algn="r">
+              <a:defRPr sz="1200"/>
+            </a:lvl1pPr>
+          </a:lstStyle>
+          <a:p>
+            <a:fld id="{BA398397-301C-D848-940B-2D26F0181C98}" type="datetimeFigureOut">
+              <a:rPr kumimoji="1" lang="zh-CN" altLang="en-US" smtClean="0"/>
+              <a:t>2018/3/7</a:t>
+            </a:fld>
+            <a:endParaRPr kumimoji="1" lang="zh-CN" altLang="en-US"/>
+          </a:p>
+        </p:txBody>
+      </p:sp>
+      <p:sp>
+        <p:nvSpPr>
+          <p:cNvPr id="4" name="幻灯片图像占位符 3"/>
+          <p:cNvSpPr>
+            <a:spLocks noGrp="1" noRot="1" noChangeAspect="1"/>
+          </p:cNvSpPr>
+          <p:nvPr>
+            <p:ph type="sldImg" idx="2"/>
+          </p:nvPr>
+        </p:nvSpPr>
+        <p:spPr>
+          <a:xfrm>
+            <a:off x="685800" y="1143000"/>
+            <a:ext cx="5486400" cy="3086100"/>
+          </a:xfrm>
+          <a:prstGeom prst="rect">
+            <a:avLst/>
+          </a:prstGeom>
+          <a:noFill/>
+          <a:ln w="12700">
+            <a:solidFill>
+              <a:prstClr val="black"/>
+            </a:solidFill>
+          </a:ln>
+        </p:spPr>
+        <p:txBody>
+          <a:bodyPr vert="horz" lIns="91440" tIns="45720" rIns="91440" bIns="45720" rtlCol="0" anchor="ctr"/>
+          <a:lstStyle/>
+          <a:p>
+            <a:endParaRPr lang="zh-CN" altLang="en-US"/>
+          </a:p>
+        </p:txBody>
+      </p:sp>
+      <p:sp>
+        <p:nvSpPr>
+          <p:cNvPr id="5" name="备注占位符 4"/>
+          <p:cNvSpPr>
+            <a:spLocks noGrp="1"/>
+          </p:cNvSpPr>
+          <p:nvPr>
+            <p:ph type="body" sz="quarter" idx="3"/>
+          </p:nvPr>
+        </p:nvSpPr>
+        <p:spPr>
+          <a:xfrm>
+            <a:off x="685800" y="4400550"/>
+            <a:ext cx="5486400" cy="3600450"/>
+          </a:xfrm>
+          <a:prstGeom prst="rect">
+            <a:avLst/>
+          </a:prstGeom>
+        </p:spPr>
+        <p:txBody>
+          <a:bodyPr vert="horz" lIns="91440" tIns="45720" rIns="91440" bIns="45720" rtlCol="0"/>
+          <a:lstStyle/>
+          <a:p>
+            <a:pPr lvl="0"/>
+            <a:r>
+              <a:rPr kumimoji="1" lang="zh-CN" altLang="en-US" smtClean="0"/>
+              <a:t>单击此处编辑母版文本样式</a:t>
+            </a:r>
+          </a:p>
+          <a:p>
+            <a:pPr lvl="1"/>
+            <a:r>
+              <a:rPr kumimoji="1" lang="zh-CN" altLang="en-US" smtClean="0"/>
+              <a:t>二级</a:t>
+            </a:r>
+          </a:p>
+          <a:p>
+            <a:pPr lvl="2"/>
+            <a:r>
+              <a:rPr kumimoji="1" lang="zh-CN" altLang="en-US" smtClean="0"/>
+              <a:t>三级</a:t>
+            </a:r>
+          </a:p>
+          <a:p>
+            <a:pPr lvl="3"/>
+            <a:r>
+              <a:rPr kumimoji="1" lang="zh-CN" altLang="en-US" smtClean="0"/>
+              <a:t>四级</a:t>
+            </a:r>
+          </a:p>
+          <a:p>
+            <a:pPr lvl="4"/>
+            <a:r>
+              <a:rPr kumimoji="1" lang="zh-CN" altLang="en-US" smtClean="0"/>
+              <a:t>五级</a:t>
+            </a:r>
+            <a:endParaRPr kumimoji="1" lang="zh-CN" altLang="en-US"/>
+          </a:p>
+        </p:txBody>
+      </p:sp>
+      <p:sp>
+        <p:nvSpPr>
+          <p:cNvPr id="6" name="页脚占位符 5"/>
+          <p:cNvSpPr>
+            <a:spLocks noGrp="1"/>
+          </p:cNvSpPr>
+          <p:nvPr>
+            <p:ph type="ftr" sz="quarter" idx="4"/>
+          </p:nvPr>
+        </p:nvSpPr>
+        <p:spPr>
+          <a:xfrm>
+            <a:off x="0" y="8685213"/>
+            <a:ext cx="2971800" cy="458787"/>
+          </a:xfrm>
+          <a:prstGeom prst="rect">
+            <a:avLst/>
+          </a:prstGeom>
+        </p:spPr>
+        <p:txBody>
+          <a:bodyPr vert="horz" lIns="91440" tIns="45720" rIns="91440" bIns="45720" rtlCol="0" anchor="b"/>
+          <a:lstStyle>
+            <a:lvl1pPr algn="l">
+              <a:defRPr sz="1200"/>
+            </a:lvl1pPr>
+          </a:lstStyle>
+          <a:p>
+            <a:endParaRPr kumimoji="1" lang="zh-CN" altLang="en-US"/>
+          </a:p>
+        </p:txBody>
+      </p:sp>
+      <p:sp>
+        <p:nvSpPr>
+          <p:cNvPr id="7" name="幻灯片编号占位符 6"/>
+          <p:cNvSpPr>
+            <a:spLocks noGrp="1"/>
+          </p:cNvSpPr>
+          <p:nvPr>
+            <p:ph type="sldNum" sz="quarter" idx="5"/>
+          </p:nvPr>
+        </p:nvSpPr>
+        <p:spPr>
+          <a:xfrm>
+            <a:off x="3884613" y="8685213"/>
+            <a:ext cx="2971800" cy="458787"/>
+          </a:xfrm>
+          <a:prstGeom prst="rect">
+            <a:avLst/>
+          </a:prstGeom>
+        </p:spPr>
+        <p:txBody>
+          <a:bodyPr vert="horz" lIns="91440" tIns="45720" rIns="91440" bIns="45720" rtlCol="0" anchor="b"/>
+          <a:lstStyle>
+            <a:lvl1pPr algn="r">
+              <a:defRPr sz="1200"/>
+            </a:lvl1pPr>
+          </a:lstStyle>
+          <a:p>
+            <a:fld id="{7969642A-217C-AC44-BD70-A9B681659C09}" type="slidenum">
+              <a:rPr kumimoji="1" lang="zh-CN" altLang="en-US" smtClean="0"/>
+              <a:t>‹#›</a:t>
+            </a:fld>
+            <a:endParaRPr kumimoji="1" lang="zh-CN" altLang="en-US"/>
+          </a:p>
+        </p:txBody>
+      </p:sp>
+    </p:spTree>
+    <p:extLst>
+      <p:ext uri="{BB962C8B-B14F-4D97-AF65-F5344CB8AC3E}">
+        <p14:creationId xmlns:p14="http://schemas.microsoft.com/office/powerpoint/2010/main" val="1127672900"/>
+      </p:ext>
+    </p:extLst>
+  </p:cSld>
+  <p:clrMap bg1="lt1" tx1="dk1" bg2="lt2" tx2="dk2" accent1="accent1" accent2="accent2" accent3="accent3" accent4="accent4" accent5="accent5" accent6="accent6" hlink="hlink" folHlink="folHlink"/>
+  <p:notesStyle>
+    <a:lvl1pPr marL="0" algn="l" defTabSz="914400" rtl="0" eaLnBrk="1" latinLnBrk="0" hangingPunct="1">
+      <a:defRPr sz="1200" kern="1200">
+        <a:solidFill>
+          <a:schemeClr val="tx1"/>
+        </a:solidFill>
+        <a:latin typeface="+mn-lt"/>
+        <a:ea typeface="+mn-ea"/>
+        <a:cs typeface="+mn-cs"/>
+      </a:defRPr>
+    </a:lvl1pPr>
+    <a:lvl2pPr marL="457200" algn="l" defTabSz="914400" rtl="0" eaLnBrk="1" latinLnBrk="0" hangingPunct="1">
+      <a:defRPr sz="1200" kern="1200">
+        <a:solidFill>
+          <a:schemeClr val="tx1"/>
+        </a:solidFill>
+        <a:latin typeface="+mn-lt"/>
+        <a:ea typeface="+mn-ea"/>
+        <a:cs typeface="+mn-cs"/>
+      </a:defRPr>
+    </a:lvl2pPr>
+    <a:lvl3pPr marL="914400" algn="l" defTabSz="914400" rtl="0" eaLnBrk="1" latinLnBrk="0" hangingPunct="1">
+      <a:defRPr sz="1200" kern="1200">
+        <a:solidFill>
+          <a:schemeClr val="tx1"/>
+        </a:solidFill>
+        <a:latin typeface="+mn-lt"/>
+        <a:ea typeface="+mn-ea"/>
+        <a:cs typeface="+mn-cs"/>
+      </a:defRPr>
+    </a:lvl3pPr>
+    <a:lvl4pPr marL="1371600" algn="l" defTabSz="914400" rtl="0" eaLnBrk="1" latinLnBrk="0" hangingPunct="1">
+      <a:defRPr sz="1200" kern="1200">
+        <a:solidFill>
+          <a:schemeClr val="tx1"/>
+        </a:solidFill>
+        <a:latin typeface="+mn-lt"/>
+        <a:ea typeface="+mn-ea"/>
+        <a:cs typeface="+mn-cs"/>
+      </a:defRPr>
+    </a:lvl4pPr>
+    <a:lvl5pPr marL="1828800" algn="l" defTabSz="914400" rtl="0" eaLnBrk="1" latinLnBrk="0" hangingPunct="1">
+      <a:defRPr sz="1200" kern="1200">
+        <a:solidFill>
+          <a:schemeClr val="tx1"/>
+        </a:solidFill>
+        <a:latin typeface="+mn-lt"/>
+        <a:ea typeface="+mn-ea"/>
+        <a:cs typeface="+mn-cs"/>
+      </a:defRPr>
+    </a:lvl5pPr>
+    <a:lvl6pPr marL="2286000" algn="l" defTabSz="914400" rtl="0" eaLnBrk="1" latinLnBrk="0" hangingPunct="1">
+      <a:defRPr sz="1200" kern="1200">
+        <a:solidFill>
+          <a:schemeClr val="tx1"/>
+        </a:solidFill>
+        <a:latin typeface="+mn-lt"/>
+        <a:ea typeface="+mn-ea"/>
+        <a:cs typeface="+mn-cs"/>
+      </a:defRPr>
+    </a:lvl6pPr>
+    <a:lvl7pPr marL="2743200" algn="l" defTabSz="914400" rtl="0" eaLnBrk="1" latinLnBrk="0" hangingPunct="1">
+      <a:defRPr sz="1200" kern="1200">
+        <a:solidFill>
+          <a:schemeClr val="tx1"/>
+        </a:solidFill>
+        <a:latin typeface="+mn-lt"/>
+        <a:ea typeface="+mn-ea"/>
+        <a:cs typeface="+mn-cs"/>
+      </a:defRPr>
+    </a:lvl7pPr>
+    <a:lvl8pPr marL="3200400" algn="l" defTabSz="914400" rtl="0" eaLnBrk="1" latinLnBrk="0" hangingPunct="1">
+      <a:defRPr sz="1200" kern="1200">
+        <a:solidFill>
+          <a:schemeClr val="tx1"/>
+        </a:solidFill>
+        <a:latin typeface="+mn-lt"/>
+        <a:ea typeface="+mn-ea"/>
+        <a:cs typeface="+mn-cs"/>
+      </a:defRPr>
+    </a:lvl8pPr>
+    <a:lvl9pPr marL="3657600" algn="l" defTabSz="914400" rtl="0" eaLnBrk="1" latinLnBrk="0" hangingPunct="1">
+      <a:defRPr sz="1200" kern="1200">
+        <a:solidFill>
+          <a:schemeClr val="tx1"/>
+        </a:solidFill>
+        <a:latin typeface="+mn-lt"/>
+        <a:ea typeface="+mn-ea"/>
+        <a:cs typeface="+mn-cs"/>
+      </a:defRPr>
+    </a:lvl9pPr>
+  </p:notesStyle>
+</p:notesMaster>
 </file>
 
 <file path=ppt/slideLayouts/slideLayout1.xml><?xml version="1.0" encoding="utf-8"?>
@@ -13160,7 +18628,7 @@
           <a:p>
             <a:fld id="{AAC87FE2-C70E-45E3-B8CB-DFC6EAC6DF3C}" type="datetimeFigureOut">
               <a:rPr lang="zh-CN" altLang="en-US" smtClean="0"/>
-              <a:t>2018/2/1</a:t>
+              <a:t>2018/3/7</a:t>
             </a:fld>
             <a:endParaRPr lang="zh-CN" altLang="en-US"/>
           </a:p>
@@ -13330,7 +18798,7 @@
           <a:p>
             <a:fld id="{AAC87FE2-C70E-45E3-B8CB-DFC6EAC6DF3C}" type="datetimeFigureOut">
               <a:rPr lang="zh-CN" altLang="en-US" smtClean="0"/>
-              <a:t>2018/2/1</a:t>
+              <a:t>2018/3/7</a:t>
             </a:fld>
             <a:endParaRPr lang="zh-CN" altLang="en-US"/>
           </a:p>
@@ -13510,7 +18978,7 @@
           <a:p>
             <a:fld id="{AAC87FE2-C70E-45E3-B8CB-DFC6EAC6DF3C}" type="datetimeFigureOut">
               <a:rPr lang="zh-CN" altLang="en-US" smtClean="0"/>
-              <a:t>2018/2/1</a:t>
+              <a:t>2018/3/7</a:t>
             </a:fld>
             <a:endParaRPr lang="zh-CN" altLang="en-US"/>
           </a:p>
@@ -13680,7 +19148,7 @@
           <a:p>
             <a:fld id="{AAC87FE2-C70E-45E3-B8CB-DFC6EAC6DF3C}" type="datetimeFigureOut">
               <a:rPr lang="zh-CN" altLang="en-US" smtClean="0"/>
-              <a:t>2018/2/1</a:t>
+              <a:t>2018/3/7</a:t>
             </a:fld>
             <a:endParaRPr lang="zh-CN" altLang="en-US"/>
           </a:p>
@@ -13926,7 +19394,7 @@
           <a:p>
             <a:fld id="{AAC87FE2-C70E-45E3-B8CB-DFC6EAC6DF3C}" type="datetimeFigureOut">
               <a:rPr lang="zh-CN" altLang="en-US" smtClean="0"/>
-              <a:t>2018/2/1</a:t>
+              <a:t>2018/3/7</a:t>
             </a:fld>
             <a:endParaRPr lang="zh-CN" altLang="en-US"/>
           </a:p>
@@ -14158,7 +19626,7 @@
           <a:p>
             <a:fld id="{AAC87FE2-C70E-45E3-B8CB-DFC6EAC6DF3C}" type="datetimeFigureOut">
               <a:rPr lang="zh-CN" altLang="en-US" smtClean="0"/>
-              <a:t>2018/2/1</a:t>
+              <a:t>2018/3/7</a:t>
             </a:fld>
             <a:endParaRPr lang="zh-CN" altLang="en-US"/>
           </a:p>
@@ -14525,7 +19993,7 @@
           <a:p>
             <a:fld id="{AAC87FE2-C70E-45E3-B8CB-DFC6EAC6DF3C}" type="datetimeFigureOut">
               <a:rPr lang="zh-CN" altLang="en-US" smtClean="0"/>
-              <a:t>2018/2/1</a:t>
+              <a:t>2018/3/7</a:t>
             </a:fld>
             <a:endParaRPr lang="zh-CN" altLang="en-US"/>
           </a:p>
@@ -14643,7 +20111,7 @@
           <a:p>
             <a:fld id="{AAC87FE2-C70E-45E3-B8CB-DFC6EAC6DF3C}" type="datetimeFigureOut">
               <a:rPr lang="zh-CN" altLang="en-US" smtClean="0"/>
-              <a:t>2018/2/1</a:t>
+              <a:t>2018/3/7</a:t>
             </a:fld>
             <a:endParaRPr lang="zh-CN" altLang="en-US"/>
           </a:p>
@@ -14738,7 +20206,7 @@
           <a:p>
             <a:fld id="{AAC87FE2-C70E-45E3-B8CB-DFC6EAC6DF3C}" type="datetimeFigureOut">
               <a:rPr lang="zh-CN" altLang="en-US" smtClean="0"/>
-              <a:t>2018/2/1</a:t>
+              <a:t>2018/3/7</a:t>
             </a:fld>
             <a:endParaRPr lang="zh-CN" altLang="en-US"/>
           </a:p>
@@ -15015,7 +20483,7 @@
           <a:p>
             <a:fld id="{AAC87FE2-C70E-45E3-B8CB-DFC6EAC6DF3C}" type="datetimeFigureOut">
               <a:rPr lang="zh-CN" altLang="en-US" smtClean="0"/>
-              <a:t>2018/2/1</a:t>
+              <a:t>2018/3/7</a:t>
             </a:fld>
             <a:endParaRPr lang="zh-CN" altLang="en-US"/>
           </a:p>
@@ -15268,7 +20736,7 @@
           <a:p>
             <a:fld id="{AAC87FE2-C70E-45E3-B8CB-DFC6EAC6DF3C}" type="datetimeFigureOut">
               <a:rPr lang="zh-CN" altLang="en-US" smtClean="0"/>
-              <a:t>2018/2/1</a:t>
+              <a:t>2018/3/7</a:t>
             </a:fld>
             <a:endParaRPr lang="zh-CN" altLang="en-US"/>
           </a:p>
@@ -15481,7 +20949,7 @@
           <a:p>
             <a:fld id="{AAC87FE2-C70E-45E3-B8CB-DFC6EAC6DF3C}" type="datetimeFigureOut">
               <a:rPr lang="zh-CN" altLang="en-US" smtClean="0"/>
-              <a:t>2018/2/1</a:t>
+              <a:t>2018/3/7</a:t>
             </a:fld>
             <a:endParaRPr lang="zh-CN" altLang="en-US"/>
           </a:p>
@@ -16618,6 +22086,65 @@
 </p:sld>
 </file>
 
+<file path=ppt/slides/slide3.xml><?xml version="1.0" encoding="utf-8"?>
+<p:sld xmlns:a="http://schemas.openxmlformats.org/drawingml/2006/main" xmlns:r="http://schemas.openxmlformats.org/officeDocument/2006/relationships" xmlns:p="http://schemas.openxmlformats.org/presentationml/2006/main">
+  <p:cSld>
+    <p:spTree>
+      <p:nvGrpSpPr>
+        <p:cNvPr id="1" name=""/>
+        <p:cNvGrpSpPr/>
+        <p:nvPr/>
+      </p:nvGrpSpPr>
+      <p:grpSpPr>
+        <a:xfrm>
+          <a:off x="0" y="0"/>
+          <a:ext cx="0" cy="0"/>
+          <a:chOff x="0" y="0"/>
+          <a:chExt cx="0" cy="0"/>
+        </a:xfrm>
+      </p:grpSpPr>
+      <p:graphicFrame>
+        <p:nvGraphicFramePr>
+          <p:cNvPr id="5" name="图示 4"/>
+          <p:cNvGraphicFramePr/>
+          <p:nvPr>
+            <p:extLst>
+              <p:ext uri="{D42A27DB-BD31-4B8C-83A1-F6EECF244321}">
+                <p14:modId xmlns:p14="http://schemas.microsoft.com/office/powerpoint/2010/main" val="519170238"/>
+              </p:ext>
+            </p:extLst>
+          </p:nvPr>
+        </p:nvGraphicFramePr>
+        <p:xfrm>
+          <a:off x="298734" y="201052"/>
+          <a:ext cx="11561170" cy="5121575"/>
+        </p:xfrm>
+        <a:graphic>
+          <a:graphicData uri="http://schemas.openxmlformats.org/drawingml/2006/diagram">
+            <dgm:relIds xmlns:dgm="http://schemas.openxmlformats.org/drawingml/2006/diagram" xmlns:r="http://schemas.openxmlformats.org/officeDocument/2006/relationships" r:dm="rId2" r:lo="rId3" r:qs="rId4" r:cs="rId5"/>
+          </a:graphicData>
+        </a:graphic>
+      </p:graphicFrame>
+    </p:spTree>
+    <p:extLst>
+      <p:ext uri="{BB962C8B-B14F-4D97-AF65-F5344CB8AC3E}">
+        <p14:creationId xmlns:p14="http://schemas.microsoft.com/office/powerpoint/2010/main" val="1255245525"/>
+      </p:ext>
+    </p:extLst>
+  </p:cSld>
+  <p:clrMapOvr>
+    <a:masterClrMapping/>
+  </p:clrMapOvr>
+  <p:timing>
+    <p:tnLst>
+      <p:par>
+        <p:cTn id="1" dur="indefinite" restart="never" nodeType="tmRoot"/>
+      </p:par>
+    </p:tnLst>
+  </p:timing>
+</p:sld>
+</file>
+
 <file path=ppt/theme/theme1.xml><?xml version="1.0" encoding="utf-8"?>
 <a:theme xmlns:a="http://schemas.openxmlformats.org/drawingml/2006/main" name="Office 主题">
   <a:themeElements>
@@ -16877,4 +22404,265 @@
     </a:ext>
   </a:extLst>
 </a:theme>
+</file>
+
+<file path=ppt/theme/theme2.xml><?xml version="1.0" encoding="utf-8"?>
+<a:theme xmlns:a="http://schemas.openxmlformats.org/drawingml/2006/main" name="Office 主题">
+  <a:themeElements>
+    <a:clrScheme name="Office">
+      <a:dk1>
+        <a:sysClr val="windowText" lastClr="000000"/>
+      </a:dk1>
+      <a:lt1>
+        <a:sysClr val="window" lastClr="FFFFFF"/>
+      </a:lt1>
+      <a:dk2>
+        <a:srgbClr val="44546A"/>
+      </a:dk2>
+      <a:lt2>
+        <a:srgbClr val="E7E6E6"/>
+      </a:lt2>
+      <a:accent1>
+        <a:srgbClr val="4472C4"/>
+      </a:accent1>
+      <a:accent2>
+        <a:srgbClr val="ED7D31"/>
+      </a:accent2>
+      <a:accent3>
+        <a:srgbClr val="A5A5A5"/>
+      </a:accent3>
+      <a:accent4>
+        <a:srgbClr val="FFC000"/>
+      </a:accent4>
+      <a:accent5>
+        <a:srgbClr val="5B9BD5"/>
+      </a:accent5>
+      <a:accent6>
+        <a:srgbClr val="70AD47"/>
+      </a:accent6>
+      <a:hlink>
+        <a:srgbClr val="0563C1"/>
+      </a:hlink>
+      <a:folHlink>
+        <a:srgbClr val="954F72"/>
+      </a:folHlink>
+    </a:clrScheme>
+    <a:fontScheme name="Office">
+      <a:majorFont>
+        <a:latin typeface="DengXian Light" panose="020F0302020204030204"/>
+        <a:ea typeface=""/>
+        <a:cs typeface=""/>
+        <a:font script="Jpan" typeface="Yu Gothic Light"/>
+        <a:font script="Hang" typeface="맑은 고딕"/>
+        <a:font script="Hans" typeface="DengXian Light"/>
+        <a:font script="Hant" typeface="新細明體"/>
+        <a:font script="Arab" typeface="Times New Roman"/>
+        <a:font script="Hebr" typeface="Times New Roman"/>
+        <a:font script="Thai" typeface="Angsana New"/>
+        <a:font script="Ethi" typeface="Nyala"/>
+        <a:font script="Beng" typeface="Vrinda"/>
+        <a:font script="Gujr" typeface="Shruti"/>
+        <a:font script="Khmr" typeface="MoolBoran"/>
+        <a:font script="Knda" typeface="Tunga"/>
+        <a:font script="Guru" typeface="Raavi"/>
+        <a:font script="Cans" typeface="Euphemia"/>
+        <a:font script="Cher" typeface="Plantagenet Cherokee"/>
+        <a:font script="Yiii" typeface="Microsoft Yi Baiti"/>
+        <a:font script="Tibt" typeface="Microsoft Himalaya"/>
+        <a:font script="Thaa" typeface="MV Boli"/>
+        <a:font script="Deva" typeface="Mangal"/>
+        <a:font script="Telu" typeface="Gautami"/>
+        <a:font script="Taml" typeface="Latha"/>
+        <a:font script="Syrc" typeface="Estrangelo Edessa"/>
+        <a:font script="Orya" typeface="Kalinga"/>
+        <a:font script="Mlym" typeface="Kartika"/>
+        <a:font script="Laoo" typeface="DokChampa"/>
+        <a:font script="Sinh" typeface="Iskoola Pota"/>
+        <a:font script="Mong" typeface="Mongolian Baiti"/>
+        <a:font script="Viet" typeface="Times New Roman"/>
+        <a:font script="Uigh" typeface="Microsoft Uighur"/>
+        <a:font script="Geor" typeface="Sylfaen"/>
+      </a:majorFont>
+      <a:minorFont>
+        <a:latin typeface="DengXian" panose="020F0502020204030204"/>
+        <a:ea typeface=""/>
+        <a:cs typeface=""/>
+        <a:font script="Jpan" typeface="Yu Gothic"/>
+        <a:font script="Hang" typeface="맑은 고딕"/>
+        <a:font script="Hans" typeface="DengXian"/>
+        <a:font script="Hant" typeface="新細明體"/>
+        <a:font script="Arab" typeface="Arial"/>
+        <a:font script="Hebr" typeface="Arial"/>
+        <a:font script="Thai" typeface="Cordia New"/>
+        <a:font script="Ethi" typeface="Nyala"/>
+        <a:font script="Beng" typeface="Vrinda"/>
+        <a:font script="Gujr" typeface="Shruti"/>
+        <a:font script="Khmr" typeface="DaunPenh"/>
+        <a:font script="Knda" typeface="Tunga"/>
+        <a:font script="Guru" typeface="Raavi"/>
+        <a:font script="Cans" typeface="Euphemia"/>
+        <a:font script="Cher" typeface="Plantagenet Cherokee"/>
+        <a:font script="Yiii" typeface="Microsoft Yi Baiti"/>
+        <a:font script="Tibt" typeface="Microsoft Himalaya"/>
+        <a:font script="Thaa" typeface="MV Boli"/>
+        <a:font script="Deva" typeface="Mangal"/>
+        <a:font script="Telu" typeface="Gautami"/>
+        <a:font script="Taml" typeface="Latha"/>
+        <a:font script="Syrc" typeface="Estrangelo Edessa"/>
+        <a:font script="Orya" typeface="Kalinga"/>
+        <a:font script="Mlym" typeface="Kartika"/>
+        <a:font script="Laoo" typeface="DokChampa"/>
+        <a:font script="Sinh" typeface="Iskoola Pota"/>
+        <a:font script="Mong" typeface="Mongolian Baiti"/>
+        <a:font script="Viet" typeface="Arial"/>
+        <a:font script="Uigh" typeface="Microsoft Uighur"/>
+        <a:font script="Geor" typeface="Sylfaen"/>
+      </a:minorFont>
+    </a:fontScheme>
+    <a:fmtScheme name="Office">
+      <a:fillStyleLst>
+        <a:solidFill>
+          <a:schemeClr val="phClr"/>
+        </a:solidFill>
+        <a:gradFill rotWithShape="1">
+          <a:gsLst>
+            <a:gs pos="0">
+              <a:schemeClr val="phClr">
+                <a:lumMod val="110000"/>
+                <a:satMod val="105000"/>
+                <a:tint val="67000"/>
+              </a:schemeClr>
+            </a:gs>
+            <a:gs pos="50000">
+              <a:schemeClr val="phClr">
+                <a:lumMod val="105000"/>
+                <a:satMod val="103000"/>
+                <a:tint val="73000"/>
+              </a:schemeClr>
+            </a:gs>
+            <a:gs pos="100000">
+              <a:schemeClr val="phClr">
+                <a:lumMod val="105000"/>
+                <a:satMod val="109000"/>
+                <a:tint val="81000"/>
+              </a:schemeClr>
+            </a:gs>
+          </a:gsLst>
+          <a:lin ang="5400000" scaled="0"/>
+        </a:gradFill>
+        <a:gradFill rotWithShape="1">
+          <a:gsLst>
+            <a:gs pos="0">
+              <a:schemeClr val="phClr">
+                <a:satMod val="103000"/>
+                <a:lumMod val="102000"/>
+                <a:tint val="94000"/>
+              </a:schemeClr>
+            </a:gs>
+            <a:gs pos="50000">
+              <a:schemeClr val="phClr">
+                <a:satMod val="110000"/>
+                <a:lumMod val="100000"/>
+                <a:shade val="100000"/>
+              </a:schemeClr>
+            </a:gs>
+            <a:gs pos="100000">
+              <a:schemeClr val="phClr">
+                <a:lumMod val="99000"/>
+                <a:satMod val="120000"/>
+                <a:shade val="78000"/>
+              </a:schemeClr>
+            </a:gs>
+          </a:gsLst>
+          <a:lin ang="5400000" scaled="0"/>
+        </a:gradFill>
+      </a:fillStyleLst>
+      <a:lnStyleLst>
+        <a:ln w="6350" cap="flat" cmpd="sng" algn="ctr">
+          <a:solidFill>
+            <a:schemeClr val="phClr"/>
+          </a:solidFill>
+          <a:prstDash val="solid"/>
+          <a:miter lim="800000"/>
+        </a:ln>
+        <a:ln w="12700" cap="flat" cmpd="sng" algn="ctr">
+          <a:solidFill>
+            <a:schemeClr val="phClr"/>
+          </a:solidFill>
+          <a:prstDash val="solid"/>
+          <a:miter lim="800000"/>
+        </a:ln>
+        <a:ln w="19050" cap="flat" cmpd="sng" algn="ctr">
+          <a:solidFill>
+            <a:schemeClr val="phClr"/>
+          </a:solidFill>
+          <a:prstDash val="solid"/>
+          <a:miter lim="800000"/>
+        </a:ln>
+      </a:lnStyleLst>
+      <a:effectStyleLst>
+        <a:effectStyle>
+          <a:effectLst/>
+        </a:effectStyle>
+        <a:effectStyle>
+          <a:effectLst/>
+        </a:effectStyle>
+        <a:effectStyle>
+          <a:effectLst>
+            <a:outerShdw blurRad="57150" dist="19050" dir="5400000" algn="ctr" rotWithShape="0">
+              <a:srgbClr val="000000">
+                <a:alpha val="63000"/>
+              </a:srgbClr>
+            </a:outerShdw>
+          </a:effectLst>
+        </a:effectStyle>
+      </a:effectStyleLst>
+      <a:bgFillStyleLst>
+        <a:solidFill>
+          <a:schemeClr val="phClr"/>
+        </a:solidFill>
+        <a:solidFill>
+          <a:schemeClr val="phClr">
+            <a:tint val="95000"/>
+            <a:satMod val="170000"/>
+          </a:schemeClr>
+        </a:solidFill>
+        <a:gradFill rotWithShape="1">
+          <a:gsLst>
+            <a:gs pos="0">
+              <a:schemeClr val="phClr">
+                <a:tint val="93000"/>
+                <a:satMod val="150000"/>
+                <a:shade val="98000"/>
+                <a:lumMod val="102000"/>
+              </a:schemeClr>
+            </a:gs>
+            <a:gs pos="50000">
+              <a:schemeClr val="phClr">
+                <a:tint val="98000"/>
+                <a:satMod val="130000"/>
+                <a:shade val="90000"/>
+                <a:lumMod val="103000"/>
+              </a:schemeClr>
+            </a:gs>
+            <a:gs pos="100000">
+              <a:schemeClr val="phClr">
+                <a:shade val="63000"/>
+                <a:satMod val="120000"/>
+              </a:schemeClr>
+            </a:gs>
+          </a:gsLst>
+          <a:lin ang="5400000" scaled="0"/>
+        </a:gradFill>
+      </a:bgFillStyleLst>
+    </a:fmtScheme>
+  </a:themeElements>
+  <a:objectDefaults/>
+  <a:extraClrSchemeLst/>
+  <a:extLst>
+    <a:ext uri="{05A4C25C-085E-4340-85A3-A5531E510DB2}">
+      <thm15:themeFamily xmlns:thm15="http://schemas.microsoft.com/office/thememl/2012/main" name="Office Theme" id="{62F939B6-93AF-4DB8-9C6B-D6C7DFDC589F}" vid="{4A3C46E8-61CC-4603-A589-7422A47A8E4A}"/>
+    </a:ext>
+  </a:extLst>
+</a:theme>
 </file>